--- a/TechFest.Backbone/tf.backbone.pptx
+++ b/TechFest.Backbone/tf.backbone.pptx
@@ -8,6 +8,12 @@
     <p:sldId id="256" r:id="rId2"/>
     <p:sldId id="257" r:id="rId3"/>
     <p:sldId id="258" r:id="rId4"/>
+    <p:sldId id="259" r:id="rId5"/>
+    <p:sldId id="260" r:id="rId6"/>
+    <p:sldId id="261" r:id="rId7"/>
+    <p:sldId id="262" r:id="rId8"/>
+    <p:sldId id="264" r:id="rId9"/>
+    <p:sldId id="263" r:id="rId10"/>
   </p:sldIdLst>
   <p:sldSz cx="9144000" cy="6858000" type="screen4x3"/>
   <p:notesSz cx="6858000" cy="9144000"/>
@@ -290,7 +296,7 @@
           <a:p>
             <a:fld id="{B06573E4-03D4-4EBC-99A5-6667D03022A7}" type="datetimeFigureOut">
               <a:rPr lang="en-US" smtClean="0"/>
-              <a:t>5/10/2012</a:t>
+              <a:t>5/14/2012</a:t>
             </a:fld>
             <a:endParaRPr lang="en-US"/>
           </a:p>
@@ -460,7 +466,7 @@
           <a:p>
             <a:fld id="{B06573E4-03D4-4EBC-99A5-6667D03022A7}" type="datetimeFigureOut">
               <a:rPr lang="en-US" smtClean="0"/>
-              <a:t>5/10/2012</a:t>
+              <a:t>5/14/2012</a:t>
             </a:fld>
             <a:endParaRPr lang="en-US"/>
           </a:p>
@@ -640,7 +646,7 @@
           <a:p>
             <a:fld id="{B06573E4-03D4-4EBC-99A5-6667D03022A7}" type="datetimeFigureOut">
               <a:rPr lang="en-US" smtClean="0"/>
-              <a:t>5/10/2012</a:t>
+              <a:t>5/14/2012</a:t>
             </a:fld>
             <a:endParaRPr lang="en-US"/>
           </a:p>
@@ -810,7 +816,7 @@
           <a:p>
             <a:fld id="{B06573E4-03D4-4EBC-99A5-6667D03022A7}" type="datetimeFigureOut">
               <a:rPr lang="en-US" smtClean="0"/>
-              <a:t>5/10/2012</a:t>
+              <a:t>5/14/2012</a:t>
             </a:fld>
             <a:endParaRPr lang="en-US"/>
           </a:p>
@@ -1056,7 +1062,7 @@
           <a:p>
             <a:fld id="{B06573E4-03D4-4EBC-99A5-6667D03022A7}" type="datetimeFigureOut">
               <a:rPr lang="en-US" smtClean="0"/>
-              <a:t>5/10/2012</a:t>
+              <a:t>5/14/2012</a:t>
             </a:fld>
             <a:endParaRPr lang="en-US"/>
           </a:p>
@@ -1344,7 +1350,7 @@
           <a:p>
             <a:fld id="{B06573E4-03D4-4EBC-99A5-6667D03022A7}" type="datetimeFigureOut">
               <a:rPr lang="en-US" smtClean="0"/>
-              <a:t>5/10/2012</a:t>
+              <a:t>5/14/2012</a:t>
             </a:fld>
             <a:endParaRPr lang="en-US"/>
           </a:p>
@@ -1766,7 +1772,7 @@
           <a:p>
             <a:fld id="{B06573E4-03D4-4EBC-99A5-6667D03022A7}" type="datetimeFigureOut">
               <a:rPr lang="en-US" smtClean="0"/>
-              <a:t>5/10/2012</a:t>
+              <a:t>5/14/2012</a:t>
             </a:fld>
             <a:endParaRPr lang="en-US"/>
           </a:p>
@@ -1884,7 +1890,7 @@
           <a:p>
             <a:fld id="{B06573E4-03D4-4EBC-99A5-6667D03022A7}" type="datetimeFigureOut">
               <a:rPr lang="en-US" smtClean="0"/>
-              <a:t>5/10/2012</a:t>
+              <a:t>5/14/2012</a:t>
             </a:fld>
             <a:endParaRPr lang="en-US"/>
           </a:p>
@@ -1979,7 +1985,7 @@
           <a:p>
             <a:fld id="{B06573E4-03D4-4EBC-99A5-6667D03022A7}" type="datetimeFigureOut">
               <a:rPr lang="en-US" smtClean="0"/>
-              <a:t>5/10/2012</a:t>
+              <a:t>5/14/2012</a:t>
             </a:fld>
             <a:endParaRPr lang="en-US"/>
           </a:p>
@@ -2256,7 +2262,7 @@
           <a:p>
             <a:fld id="{B06573E4-03D4-4EBC-99A5-6667D03022A7}" type="datetimeFigureOut">
               <a:rPr lang="en-US" smtClean="0"/>
-              <a:t>5/10/2012</a:t>
+              <a:t>5/14/2012</a:t>
             </a:fld>
             <a:endParaRPr lang="en-US"/>
           </a:p>
@@ -2509,7 +2515,7 @@
           <a:p>
             <a:fld id="{B06573E4-03D4-4EBC-99A5-6667D03022A7}" type="datetimeFigureOut">
               <a:rPr lang="en-US" smtClean="0"/>
-              <a:t>5/10/2012</a:t>
+              <a:t>5/14/2012</a:t>
             </a:fld>
             <a:endParaRPr lang="en-US"/>
           </a:p>
@@ -2722,7 +2728,7 @@
           <a:p>
             <a:fld id="{B06573E4-03D4-4EBC-99A5-6667D03022A7}" type="datetimeFigureOut">
               <a:rPr lang="en-US" smtClean="0"/>
-              <a:t>5/10/2012</a:t>
+              <a:t>5/14/2012</a:t>
             </a:fld>
             <a:endParaRPr lang="en-US"/>
           </a:p>
@@ -3256,7 +3262,11 @@
           <a:bodyPr/>
           <a:lstStyle/>
           <a:p>
-            <a:endParaRPr lang="en-US"/>
+            <a:r>
+              <a:rPr lang="en-US" dirty="0" smtClean="0"/>
+              <a:t>Spa-Query</a:t>
+            </a:r>
+            <a:endParaRPr lang="en-US" dirty="0"/>
           </a:p>
         </p:txBody>
       </p:sp>
@@ -3272,10 +3282,104 @@
         </p:nvSpPr>
         <p:spPr/>
         <p:txBody>
-          <a:bodyPr/>
-          <a:lstStyle/>
-          <a:p>
-            <a:endParaRPr lang="en-US"/>
+          <a:bodyPr>
+            <a:normAutofit fontScale="92500" lnSpcReduction="10000"/>
+          </a:bodyPr>
+          <a:lstStyle/>
+          <a:p>
+            <a:r>
+              <a:rPr lang="en-US" dirty="0" smtClean="0"/>
+              <a:t>Spaghetti-</a:t>
+            </a:r>
+            <a:r>
+              <a:rPr lang="en-US" dirty="0" err="1" smtClean="0"/>
+              <a:t>jquery</a:t>
+            </a:r>
+            <a:endParaRPr lang="en-US" dirty="0" smtClean="0"/>
+          </a:p>
+          <a:p>
+            <a:r>
+              <a:rPr lang="en-US" dirty="0" smtClean="0"/>
+              <a:t>$(document).ready(function() {</a:t>
+            </a:r>
+          </a:p>
+          <a:p>
+            <a:pPr lvl="2"/>
+            <a:r>
+              <a:rPr lang="en-US" dirty="0" smtClean="0"/>
+              <a:t>$(‘#foo’).click(function()  {</a:t>
+            </a:r>
+          </a:p>
+          <a:p>
+            <a:pPr lvl="3"/>
+            <a:r>
+              <a:rPr lang="en-US" dirty="0" smtClean="0"/>
+              <a:t>$.</a:t>
+            </a:r>
+            <a:r>
+              <a:rPr lang="en-US" dirty="0" err="1" smtClean="0"/>
+              <a:t>ajax</a:t>
+            </a:r>
+            <a:r>
+              <a:rPr lang="en-US" dirty="0" smtClean="0"/>
+              <a:t>(‘/</a:t>
+            </a:r>
+            <a:r>
+              <a:rPr lang="en-US" dirty="0" err="1" smtClean="0"/>
+              <a:t>url</a:t>
+            </a:r>
+            <a:r>
+              <a:rPr lang="en-US" dirty="0" smtClean="0"/>
+              <a:t>’,a, function(</a:t>
+            </a:r>
+            <a:r>
+              <a:rPr lang="en-US" dirty="0" err="1" smtClean="0"/>
+              <a:t>er</a:t>
+            </a:r>
+            <a:r>
+              <a:rPr lang="en-US" dirty="0" smtClean="0"/>
+              <a:t>) {</a:t>
+            </a:r>
+          </a:p>
+          <a:p>
+            <a:pPr lvl="3"/>
+            <a:r>
+              <a:rPr lang="en-US" dirty="0" smtClean="0"/>
+              <a:t>});</a:t>
+            </a:r>
+          </a:p>
+          <a:p>
+            <a:pPr lvl="2"/>
+            <a:r>
+              <a:rPr lang="en-US" dirty="0" smtClean="0"/>
+              <a:t>}):</a:t>
+            </a:r>
+            <a:endParaRPr lang="en-US" dirty="0"/>
+          </a:p>
+          <a:p>
+            <a:r>
+              <a:rPr lang="en-US" dirty="0" smtClean="0"/>
+              <a:t>});</a:t>
+            </a:r>
+          </a:p>
+          <a:p>
+            <a:endParaRPr lang="en-US" dirty="0"/>
+          </a:p>
+          <a:p>
+            <a:r>
+              <a:rPr lang="en-US" dirty="0" smtClean="0"/>
+              <a:t>function a() {</a:t>
+            </a:r>
+          </a:p>
+          <a:p>
+            <a:r>
+              <a:rPr lang="en-US" dirty="0" smtClean="0"/>
+              <a:t>}</a:t>
+            </a:r>
+            <a:endParaRPr lang="en-US" dirty="0"/>
+          </a:p>
+          <a:p>
+            <a:endParaRPr lang="en-US" dirty="0"/>
           </a:p>
         </p:txBody>
       </p:sp>
@@ -3283,6 +3387,577 @@
     <p:extLst>
       <p:ext uri="{BB962C8B-B14F-4D97-AF65-F5344CB8AC3E}">
         <p14:creationId xmlns:p14="http://schemas.microsoft.com/office/powerpoint/2010/main" val="2290306457"/>
+      </p:ext>
+    </p:extLst>
+  </p:cSld>
+  <p:clrMapOvr>
+    <a:masterClrMapping/>
+  </p:clrMapOvr>
+</p:sld>
+</file>
+
+<file path=ppt/slides/slide4.xml><?xml version="1.0" encoding="utf-8"?>
+<p:sld xmlns:a="http://schemas.openxmlformats.org/drawingml/2006/main" xmlns:r="http://schemas.openxmlformats.org/officeDocument/2006/relationships" xmlns:p="http://schemas.openxmlformats.org/presentationml/2006/main">
+  <p:cSld>
+    <p:spTree>
+      <p:nvGrpSpPr>
+        <p:cNvPr id="1" name=""/>
+        <p:cNvGrpSpPr/>
+        <p:nvPr/>
+      </p:nvGrpSpPr>
+      <p:grpSpPr>
+        <a:xfrm>
+          <a:off x="0" y="0"/>
+          <a:ext cx="0" cy="0"/>
+          <a:chOff x="0" y="0"/>
+          <a:chExt cx="0" cy="0"/>
+        </a:xfrm>
+      </p:grpSpPr>
+      <p:sp>
+        <p:nvSpPr>
+          <p:cNvPr id="2" name="Title 1"/>
+          <p:cNvSpPr>
+            <a:spLocks noGrp="1"/>
+          </p:cNvSpPr>
+          <p:nvPr>
+            <p:ph type="title"/>
+          </p:nvPr>
+        </p:nvSpPr>
+        <p:spPr/>
+        <p:txBody>
+          <a:bodyPr/>
+          <a:lstStyle/>
+          <a:p>
+            <a:r>
+              <a:rPr lang="en-US" dirty="0" smtClean="0"/>
+              <a:t>What we’ll see</a:t>
+            </a:r>
+            <a:endParaRPr lang="en-US" dirty="0"/>
+          </a:p>
+        </p:txBody>
+      </p:sp>
+      <p:sp>
+        <p:nvSpPr>
+          <p:cNvPr id="3" name="Content Placeholder 2"/>
+          <p:cNvSpPr>
+            <a:spLocks noGrp="1"/>
+          </p:cNvSpPr>
+          <p:nvPr>
+            <p:ph idx="1"/>
+          </p:nvPr>
+        </p:nvSpPr>
+        <p:spPr/>
+        <p:txBody>
+          <a:bodyPr/>
+          <a:lstStyle/>
+          <a:p>
+            <a:r>
+              <a:rPr lang="en-US" dirty="0" smtClean="0"/>
+              <a:t>Basic model, basic view, how bb connects the two</a:t>
+            </a:r>
+          </a:p>
+          <a:p>
+            <a:endParaRPr lang="en-US" dirty="0"/>
+          </a:p>
+        </p:txBody>
+      </p:sp>
+    </p:spTree>
+    <p:extLst>
+      <p:ext uri="{BB962C8B-B14F-4D97-AF65-F5344CB8AC3E}">
+        <p14:creationId xmlns:p14="http://schemas.microsoft.com/office/powerpoint/2010/main" val="437079684"/>
+      </p:ext>
+    </p:extLst>
+  </p:cSld>
+  <p:clrMapOvr>
+    <a:masterClrMapping/>
+  </p:clrMapOvr>
+</p:sld>
+</file>
+
+<file path=ppt/slides/slide5.xml><?xml version="1.0" encoding="utf-8"?>
+<p:sld xmlns:a="http://schemas.openxmlformats.org/drawingml/2006/main" xmlns:r="http://schemas.openxmlformats.org/officeDocument/2006/relationships" xmlns:p="http://schemas.openxmlformats.org/presentationml/2006/main">
+  <p:cSld>
+    <p:spTree>
+      <p:nvGrpSpPr>
+        <p:cNvPr id="1" name=""/>
+        <p:cNvGrpSpPr/>
+        <p:nvPr/>
+      </p:nvGrpSpPr>
+      <p:grpSpPr>
+        <a:xfrm>
+          <a:off x="0" y="0"/>
+          <a:ext cx="0" cy="0"/>
+          <a:chOff x="0" y="0"/>
+          <a:chExt cx="0" cy="0"/>
+        </a:xfrm>
+      </p:grpSpPr>
+      <p:sp>
+        <p:nvSpPr>
+          <p:cNvPr id="2" name="Title 1"/>
+          <p:cNvSpPr>
+            <a:spLocks noGrp="1"/>
+          </p:cNvSpPr>
+          <p:nvPr>
+            <p:ph type="title"/>
+          </p:nvPr>
+        </p:nvSpPr>
+        <p:spPr/>
+        <p:txBody>
+          <a:bodyPr/>
+          <a:lstStyle/>
+          <a:p>
+            <a:r>
+              <a:rPr lang="en-US" dirty="0" smtClean="0"/>
+              <a:t>So what?</a:t>
+            </a:r>
+            <a:endParaRPr lang="en-US" dirty="0"/>
+          </a:p>
+        </p:txBody>
+      </p:sp>
+      <p:sp>
+        <p:nvSpPr>
+          <p:cNvPr id="3" name="Content Placeholder 2"/>
+          <p:cNvSpPr>
+            <a:spLocks noGrp="1"/>
+          </p:cNvSpPr>
+          <p:nvPr>
+            <p:ph idx="1"/>
+          </p:nvPr>
+        </p:nvSpPr>
+        <p:spPr/>
+        <p:txBody>
+          <a:bodyPr/>
+          <a:lstStyle/>
+          <a:p>
+            <a:r>
+              <a:rPr lang="en-US" dirty="0" smtClean="0"/>
+              <a:t>Is this all about yet another verbose framework.  It didn’t save any code</a:t>
+            </a:r>
+          </a:p>
+          <a:p>
+            <a:endParaRPr lang="en-US" dirty="0"/>
+          </a:p>
+          <a:p>
+            <a:r>
+              <a:rPr lang="en-US" dirty="0" smtClean="0"/>
+              <a:t>It gave STRUCTURE.  </a:t>
+            </a:r>
+          </a:p>
+          <a:p>
+            <a:endParaRPr lang="en-US" dirty="0"/>
+          </a:p>
+        </p:txBody>
+      </p:sp>
+    </p:spTree>
+    <p:extLst>
+      <p:ext uri="{BB962C8B-B14F-4D97-AF65-F5344CB8AC3E}">
+        <p14:creationId xmlns:p14="http://schemas.microsoft.com/office/powerpoint/2010/main" val="3057703812"/>
+      </p:ext>
+    </p:extLst>
+  </p:cSld>
+  <p:clrMapOvr>
+    <a:masterClrMapping/>
+  </p:clrMapOvr>
+</p:sld>
+</file>
+
+<file path=ppt/slides/slide6.xml><?xml version="1.0" encoding="utf-8"?>
+<p:sld xmlns:a="http://schemas.openxmlformats.org/drawingml/2006/main" xmlns:r="http://schemas.openxmlformats.org/officeDocument/2006/relationships" xmlns:p="http://schemas.openxmlformats.org/presentationml/2006/main">
+  <p:cSld>
+    <p:spTree>
+      <p:nvGrpSpPr>
+        <p:cNvPr id="1" name=""/>
+        <p:cNvGrpSpPr/>
+        <p:nvPr/>
+      </p:nvGrpSpPr>
+      <p:grpSpPr>
+        <a:xfrm>
+          <a:off x="0" y="0"/>
+          <a:ext cx="0" cy="0"/>
+          <a:chOff x="0" y="0"/>
+          <a:chExt cx="0" cy="0"/>
+        </a:xfrm>
+      </p:grpSpPr>
+      <p:sp>
+        <p:nvSpPr>
+          <p:cNvPr id="2" name="Title 1"/>
+          <p:cNvSpPr>
+            <a:spLocks noGrp="1"/>
+          </p:cNvSpPr>
+          <p:nvPr>
+            <p:ph type="title"/>
+          </p:nvPr>
+        </p:nvSpPr>
+        <p:spPr/>
+        <p:txBody>
+          <a:bodyPr>
+            <a:normAutofit fontScale="90000"/>
+          </a:bodyPr>
+          <a:lstStyle/>
+          <a:p>
+            <a:r>
+              <a:rPr lang="en-US" dirty="0" smtClean="0"/>
+              <a:t>Weaknesses</a:t>
+            </a:r>
+            <a:br>
+              <a:rPr lang="en-US" dirty="0" smtClean="0"/>
+            </a:br>
+            <a:endParaRPr lang="en-US" dirty="0"/>
+          </a:p>
+        </p:txBody>
+      </p:sp>
+      <p:sp>
+        <p:nvSpPr>
+          <p:cNvPr id="3" name="Content Placeholder 2"/>
+          <p:cNvSpPr>
+            <a:spLocks noGrp="1"/>
+          </p:cNvSpPr>
+          <p:nvPr>
+            <p:ph idx="1"/>
+          </p:nvPr>
+        </p:nvSpPr>
+        <p:spPr/>
+        <p:txBody>
+          <a:bodyPr/>
+          <a:lstStyle/>
+          <a:p>
+            <a:endParaRPr lang="en-US"/>
+          </a:p>
+        </p:txBody>
+      </p:sp>
+    </p:spTree>
+    <p:extLst>
+      <p:ext uri="{BB962C8B-B14F-4D97-AF65-F5344CB8AC3E}">
+        <p14:creationId xmlns:p14="http://schemas.microsoft.com/office/powerpoint/2010/main" val="145487616"/>
+      </p:ext>
+    </p:extLst>
+  </p:cSld>
+  <p:clrMapOvr>
+    <a:masterClrMapping/>
+  </p:clrMapOvr>
+</p:sld>
+</file>
+
+<file path=ppt/slides/slide7.xml><?xml version="1.0" encoding="utf-8"?>
+<p:sld xmlns:a="http://schemas.openxmlformats.org/drawingml/2006/main" xmlns:r="http://schemas.openxmlformats.org/officeDocument/2006/relationships" xmlns:p="http://schemas.openxmlformats.org/presentationml/2006/main">
+  <p:cSld>
+    <p:spTree>
+      <p:nvGrpSpPr>
+        <p:cNvPr id="1" name=""/>
+        <p:cNvGrpSpPr/>
+        <p:nvPr/>
+      </p:nvGrpSpPr>
+      <p:grpSpPr>
+        <a:xfrm>
+          <a:off x="0" y="0"/>
+          <a:ext cx="0" cy="0"/>
+          <a:chOff x="0" y="0"/>
+          <a:chExt cx="0" cy="0"/>
+        </a:xfrm>
+      </p:grpSpPr>
+      <p:sp>
+        <p:nvSpPr>
+          <p:cNvPr id="2" name="Title 1"/>
+          <p:cNvSpPr>
+            <a:spLocks noGrp="1"/>
+          </p:cNvSpPr>
+          <p:nvPr>
+            <p:ph type="title"/>
+          </p:nvPr>
+        </p:nvSpPr>
+        <p:spPr/>
+        <p:txBody>
+          <a:bodyPr>
+            <a:normAutofit/>
+          </a:bodyPr>
+          <a:lstStyle/>
+          <a:p>
+            <a:r>
+              <a:rPr lang="en-US" dirty="0" smtClean="0"/>
+              <a:t>Takeaways</a:t>
+            </a:r>
+            <a:endParaRPr lang="en-US" dirty="0"/>
+          </a:p>
+        </p:txBody>
+      </p:sp>
+      <p:sp>
+        <p:nvSpPr>
+          <p:cNvPr id="3" name="Content Placeholder 2"/>
+          <p:cNvSpPr>
+            <a:spLocks noGrp="1"/>
+          </p:cNvSpPr>
+          <p:nvPr>
+            <p:ph idx="1"/>
+          </p:nvPr>
+        </p:nvSpPr>
+        <p:spPr/>
+        <p:txBody>
+          <a:bodyPr/>
+          <a:lstStyle/>
+          <a:p>
+            <a:endParaRPr lang="en-US"/>
+          </a:p>
+        </p:txBody>
+      </p:sp>
+    </p:spTree>
+    <p:extLst>
+      <p:ext uri="{BB962C8B-B14F-4D97-AF65-F5344CB8AC3E}">
+        <p14:creationId xmlns:p14="http://schemas.microsoft.com/office/powerpoint/2010/main" val="383136027"/>
+      </p:ext>
+    </p:extLst>
+  </p:cSld>
+  <p:clrMapOvr>
+    <a:masterClrMapping/>
+  </p:clrMapOvr>
+</p:sld>
+</file>
+
+<file path=ppt/slides/slide8.xml><?xml version="1.0" encoding="utf-8"?>
+<p:sld xmlns:a="http://schemas.openxmlformats.org/drawingml/2006/main" xmlns:r="http://schemas.openxmlformats.org/officeDocument/2006/relationships" xmlns:p="http://schemas.openxmlformats.org/presentationml/2006/main">
+  <p:cSld>
+    <p:spTree>
+      <p:nvGrpSpPr>
+        <p:cNvPr id="1" name=""/>
+        <p:cNvGrpSpPr/>
+        <p:nvPr/>
+      </p:nvGrpSpPr>
+      <p:grpSpPr>
+        <a:xfrm>
+          <a:off x="0" y="0"/>
+          <a:ext cx="0" cy="0"/>
+          <a:chOff x="0" y="0"/>
+          <a:chExt cx="0" cy="0"/>
+        </a:xfrm>
+      </p:grpSpPr>
+      <p:sp>
+        <p:nvSpPr>
+          <p:cNvPr id="2" name="Title 1"/>
+          <p:cNvSpPr>
+            <a:spLocks noGrp="1"/>
+          </p:cNvSpPr>
+          <p:nvPr>
+            <p:ph type="title"/>
+          </p:nvPr>
+        </p:nvSpPr>
+        <p:spPr/>
+        <p:txBody>
+          <a:bodyPr/>
+          <a:lstStyle/>
+          <a:p>
+            <a:r>
+              <a:rPr lang="en-US" dirty="0" smtClean="0"/>
+              <a:t>VIEW - What it does for you</a:t>
+            </a:r>
+            <a:endParaRPr lang="en-US" dirty="0"/>
+          </a:p>
+        </p:txBody>
+      </p:sp>
+      <p:sp>
+        <p:nvSpPr>
+          <p:cNvPr id="3" name="Content Placeholder 2"/>
+          <p:cNvSpPr>
+            <a:spLocks noGrp="1"/>
+          </p:cNvSpPr>
+          <p:nvPr>
+            <p:ph idx="1"/>
+          </p:nvPr>
+        </p:nvSpPr>
+        <p:spPr/>
+        <p:txBody>
+          <a:bodyPr>
+            <a:normAutofit fontScale="85000" lnSpcReduction="20000"/>
+          </a:bodyPr>
+          <a:lstStyle/>
+          <a:p>
+            <a:r>
+              <a:rPr lang="en-US" dirty="0"/>
+              <a:t>what it does for you: </a:t>
+            </a:r>
+          </a:p>
+          <a:p>
+            <a:r>
+              <a:rPr lang="en-US" dirty="0"/>
+              <a:t>it references a model</a:t>
+            </a:r>
+          </a:p>
+          <a:p>
+            <a:r>
+              <a:rPr lang="en-US" dirty="0"/>
+              <a:t>it wires up </a:t>
+            </a:r>
+            <a:r>
+              <a:rPr lang="en-US" dirty="0" err="1"/>
+              <a:t>dom</a:t>
+            </a:r>
+            <a:r>
+              <a:rPr lang="en-US" dirty="0"/>
+              <a:t> events</a:t>
+            </a:r>
+          </a:p>
+          <a:p>
+            <a:r>
+              <a:rPr lang="en-US" dirty="0"/>
+              <a:t>it exposes event handlers</a:t>
+            </a:r>
+          </a:p>
+          <a:p>
+            <a:r>
+              <a:rPr lang="en-US" dirty="0"/>
+              <a:t>it create it's own </a:t>
+            </a:r>
+            <a:r>
+              <a:rPr lang="en-US" dirty="0" err="1"/>
+              <a:t>dom</a:t>
+            </a:r>
+            <a:r>
+              <a:rPr lang="en-US" dirty="0"/>
+              <a:t> element and add itself to the tree.  This is not as trivial as it sounds.</a:t>
+            </a:r>
+          </a:p>
+          <a:p>
+            <a:r>
+              <a:rPr lang="en-US" dirty="0"/>
+              <a:t>Rendering is all about </a:t>
+            </a:r>
+            <a:r>
+              <a:rPr lang="en-US" dirty="0" err="1"/>
+              <a:t>instantiing</a:t>
+            </a:r>
+            <a:r>
+              <a:rPr lang="en-US" dirty="0"/>
+              <a:t> a LIVE DOM NODE, with both content and an underlying model, and callbacks that connect the two.</a:t>
+            </a:r>
+          </a:p>
+          <a:p>
+            <a:r>
+              <a:rPr lang="en-US" dirty="0"/>
+              <a:t>Only after render() has created this node is it INSERTED for display in browser</a:t>
+            </a:r>
+          </a:p>
+          <a:p>
+            <a:endParaRPr lang="en-US" dirty="0"/>
+          </a:p>
+        </p:txBody>
+      </p:sp>
+    </p:spTree>
+    <p:extLst>
+      <p:ext uri="{BB962C8B-B14F-4D97-AF65-F5344CB8AC3E}">
+        <p14:creationId xmlns:p14="http://schemas.microsoft.com/office/powerpoint/2010/main" val="3257679435"/>
+      </p:ext>
+    </p:extLst>
+  </p:cSld>
+  <p:clrMapOvr>
+    <a:masterClrMapping/>
+  </p:clrMapOvr>
+</p:sld>
+</file>
+
+<file path=ppt/slides/slide9.xml><?xml version="1.0" encoding="utf-8"?>
+<p:sld xmlns:a="http://schemas.openxmlformats.org/drawingml/2006/main" xmlns:r="http://schemas.openxmlformats.org/officeDocument/2006/relationships" xmlns:p="http://schemas.openxmlformats.org/presentationml/2006/main">
+  <p:cSld>
+    <p:spTree>
+      <p:nvGrpSpPr>
+        <p:cNvPr id="1" name=""/>
+        <p:cNvGrpSpPr/>
+        <p:nvPr/>
+      </p:nvGrpSpPr>
+      <p:grpSpPr>
+        <a:xfrm>
+          <a:off x="0" y="0"/>
+          <a:ext cx="0" cy="0"/>
+          <a:chOff x="0" y="0"/>
+          <a:chExt cx="0" cy="0"/>
+        </a:xfrm>
+      </p:grpSpPr>
+      <p:sp>
+        <p:nvSpPr>
+          <p:cNvPr id="2" name="Title 1"/>
+          <p:cNvSpPr>
+            <a:spLocks noGrp="1"/>
+          </p:cNvSpPr>
+          <p:nvPr>
+            <p:ph type="title"/>
+          </p:nvPr>
+        </p:nvSpPr>
+        <p:spPr/>
+        <p:txBody>
+          <a:bodyPr/>
+          <a:lstStyle/>
+          <a:p>
+            <a:r>
+              <a:rPr lang="en-US" dirty="0" smtClean="0"/>
+              <a:t>What Else?</a:t>
+            </a:r>
+            <a:endParaRPr lang="en-US" dirty="0"/>
+          </a:p>
+        </p:txBody>
+      </p:sp>
+      <p:sp>
+        <p:nvSpPr>
+          <p:cNvPr id="3" name="Content Placeholder 2"/>
+          <p:cNvSpPr>
+            <a:spLocks noGrp="1"/>
+          </p:cNvSpPr>
+          <p:nvPr>
+            <p:ph idx="1"/>
+          </p:nvPr>
+        </p:nvSpPr>
+        <p:spPr/>
+        <p:txBody>
+          <a:bodyPr/>
+          <a:lstStyle/>
+          <a:p>
+            <a:r>
+              <a:rPr lang="en-US" dirty="0" err="1" smtClean="0"/>
+              <a:t>Backbone.sync</a:t>
+            </a:r>
+            <a:endParaRPr lang="en-US" dirty="0" smtClean="0"/>
+          </a:p>
+          <a:p>
+            <a:r>
+              <a:rPr lang="en-US" dirty="0" smtClean="0"/>
+              <a:t>Validation</a:t>
+            </a:r>
+          </a:p>
+          <a:p>
+            <a:r>
+              <a:rPr lang="en-US" dirty="0" err="1" smtClean="0"/>
+              <a:t>Templating</a:t>
+            </a:r>
+            <a:endParaRPr lang="en-US" dirty="0" smtClean="0"/>
+          </a:p>
+          <a:p>
+            <a:r>
+              <a:rPr lang="en-US" dirty="0" smtClean="0"/>
+              <a:t>TDD</a:t>
+            </a:r>
+          </a:p>
+          <a:p>
+            <a:r>
+              <a:rPr lang="en-US" dirty="0" err="1" smtClean="0"/>
+              <a:t>Namespacing</a:t>
+            </a:r>
+            <a:endParaRPr lang="en-US" dirty="0" smtClean="0"/>
+          </a:p>
+          <a:p>
+            <a:r>
+              <a:rPr lang="en-US" dirty="0" smtClean="0"/>
+              <a:t>Collections</a:t>
+            </a:r>
+          </a:p>
+          <a:p>
+            <a:r>
+              <a:rPr lang="en-US" dirty="0" smtClean="0"/>
+              <a:t>routers</a:t>
+            </a:r>
+            <a:endParaRPr lang="en-US" dirty="0"/>
+          </a:p>
+        </p:txBody>
+      </p:sp>
+    </p:spTree>
+    <p:extLst>
+      <p:ext uri="{BB962C8B-B14F-4D97-AF65-F5344CB8AC3E}">
+        <p14:creationId xmlns:p14="http://schemas.microsoft.com/office/powerpoint/2010/main" val="3913846662"/>
       </p:ext>
     </p:extLst>
   </p:cSld>

--- a/TechFest.Backbone/tf.backbone.pptx
+++ b/TechFest.Backbone/tf.backbone.pptx
@@ -7,13 +7,15 @@
   <p:sldIdLst>
     <p:sldId id="256" r:id="rId2"/>
     <p:sldId id="257" r:id="rId3"/>
-    <p:sldId id="258" r:id="rId4"/>
-    <p:sldId id="259" r:id="rId5"/>
-    <p:sldId id="260" r:id="rId6"/>
-    <p:sldId id="261" r:id="rId7"/>
-    <p:sldId id="262" r:id="rId8"/>
-    <p:sldId id="264" r:id="rId9"/>
-    <p:sldId id="263" r:id="rId10"/>
+    <p:sldId id="266" r:id="rId4"/>
+    <p:sldId id="258" r:id="rId5"/>
+    <p:sldId id="259" r:id="rId6"/>
+    <p:sldId id="260" r:id="rId7"/>
+    <p:sldId id="261" r:id="rId8"/>
+    <p:sldId id="262" r:id="rId9"/>
+    <p:sldId id="264" r:id="rId10"/>
+    <p:sldId id="263" r:id="rId11"/>
+    <p:sldId id="265" r:id="rId12"/>
   </p:sldIdLst>
   <p:sldSz cx="9144000" cy="6858000" type="screen4x3"/>
   <p:notesSz cx="6858000" cy="9144000"/>
@@ -296,7 +298,7 @@
           <a:p>
             <a:fld id="{B06573E4-03D4-4EBC-99A5-6667D03022A7}" type="datetimeFigureOut">
               <a:rPr lang="en-US" smtClean="0"/>
-              <a:t>5/14/2012</a:t>
+              <a:t>5/29/2012</a:t>
             </a:fld>
             <a:endParaRPr lang="en-US"/>
           </a:p>
@@ -466,7 +468,7 @@
           <a:p>
             <a:fld id="{B06573E4-03D4-4EBC-99A5-6667D03022A7}" type="datetimeFigureOut">
               <a:rPr lang="en-US" smtClean="0"/>
-              <a:t>5/14/2012</a:t>
+              <a:t>5/29/2012</a:t>
             </a:fld>
             <a:endParaRPr lang="en-US"/>
           </a:p>
@@ -646,7 +648,7 @@
           <a:p>
             <a:fld id="{B06573E4-03D4-4EBC-99A5-6667D03022A7}" type="datetimeFigureOut">
               <a:rPr lang="en-US" smtClean="0"/>
-              <a:t>5/14/2012</a:t>
+              <a:t>5/29/2012</a:t>
             </a:fld>
             <a:endParaRPr lang="en-US"/>
           </a:p>
@@ -816,7 +818,7 @@
           <a:p>
             <a:fld id="{B06573E4-03D4-4EBC-99A5-6667D03022A7}" type="datetimeFigureOut">
               <a:rPr lang="en-US" smtClean="0"/>
-              <a:t>5/14/2012</a:t>
+              <a:t>5/29/2012</a:t>
             </a:fld>
             <a:endParaRPr lang="en-US"/>
           </a:p>
@@ -1062,7 +1064,7 @@
           <a:p>
             <a:fld id="{B06573E4-03D4-4EBC-99A5-6667D03022A7}" type="datetimeFigureOut">
               <a:rPr lang="en-US" smtClean="0"/>
-              <a:t>5/14/2012</a:t>
+              <a:t>5/29/2012</a:t>
             </a:fld>
             <a:endParaRPr lang="en-US"/>
           </a:p>
@@ -1350,7 +1352,7 @@
           <a:p>
             <a:fld id="{B06573E4-03D4-4EBC-99A5-6667D03022A7}" type="datetimeFigureOut">
               <a:rPr lang="en-US" smtClean="0"/>
-              <a:t>5/14/2012</a:t>
+              <a:t>5/29/2012</a:t>
             </a:fld>
             <a:endParaRPr lang="en-US"/>
           </a:p>
@@ -1772,7 +1774,7 @@
           <a:p>
             <a:fld id="{B06573E4-03D4-4EBC-99A5-6667D03022A7}" type="datetimeFigureOut">
               <a:rPr lang="en-US" smtClean="0"/>
-              <a:t>5/14/2012</a:t>
+              <a:t>5/29/2012</a:t>
             </a:fld>
             <a:endParaRPr lang="en-US"/>
           </a:p>
@@ -1890,7 +1892,7 @@
           <a:p>
             <a:fld id="{B06573E4-03D4-4EBC-99A5-6667D03022A7}" type="datetimeFigureOut">
               <a:rPr lang="en-US" smtClean="0"/>
-              <a:t>5/14/2012</a:t>
+              <a:t>5/29/2012</a:t>
             </a:fld>
             <a:endParaRPr lang="en-US"/>
           </a:p>
@@ -1985,7 +1987,7 @@
           <a:p>
             <a:fld id="{B06573E4-03D4-4EBC-99A5-6667D03022A7}" type="datetimeFigureOut">
               <a:rPr lang="en-US" smtClean="0"/>
-              <a:t>5/14/2012</a:t>
+              <a:t>5/29/2012</a:t>
             </a:fld>
             <a:endParaRPr lang="en-US"/>
           </a:p>
@@ -2262,7 +2264,7 @@
           <a:p>
             <a:fld id="{B06573E4-03D4-4EBC-99A5-6667D03022A7}" type="datetimeFigureOut">
               <a:rPr lang="en-US" smtClean="0"/>
-              <a:t>5/14/2012</a:t>
+              <a:t>5/29/2012</a:t>
             </a:fld>
             <a:endParaRPr lang="en-US"/>
           </a:p>
@@ -2515,7 +2517,7 @@
           <a:p>
             <a:fld id="{B06573E4-03D4-4EBC-99A5-6667D03022A7}" type="datetimeFigureOut">
               <a:rPr lang="en-US" smtClean="0"/>
-              <a:t>5/14/2012</a:t>
+              <a:t>5/29/2012</a:t>
             </a:fld>
             <a:endParaRPr lang="en-US"/>
           </a:p>
@@ -2728,7 +2730,7 @@
           <a:p>
             <a:fld id="{B06573E4-03D4-4EBC-99A5-6667D03022A7}" type="datetimeFigureOut">
               <a:rPr lang="en-US" smtClean="0"/>
-              <a:t>5/14/2012</a:t>
+              <a:t>5/29/2012</a:t>
             </a:fld>
             <a:endParaRPr lang="en-US"/>
           </a:p>
@@ -3158,6 +3160,193 @@
 </p:sld>
 </file>
 
+<file path=ppt/slides/slide10.xml><?xml version="1.0" encoding="utf-8"?>
+<p:sld xmlns:a="http://schemas.openxmlformats.org/drawingml/2006/main" xmlns:r="http://schemas.openxmlformats.org/officeDocument/2006/relationships" xmlns:p="http://schemas.openxmlformats.org/presentationml/2006/main">
+  <p:cSld>
+    <p:spTree>
+      <p:nvGrpSpPr>
+        <p:cNvPr id="1" name=""/>
+        <p:cNvGrpSpPr/>
+        <p:nvPr/>
+      </p:nvGrpSpPr>
+      <p:grpSpPr>
+        <a:xfrm>
+          <a:off x="0" y="0"/>
+          <a:ext cx="0" cy="0"/>
+          <a:chOff x="0" y="0"/>
+          <a:chExt cx="0" cy="0"/>
+        </a:xfrm>
+      </p:grpSpPr>
+      <p:sp>
+        <p:nvSpPr>
+          <p:cNvPr id="2" name="Title 1"/>
+          <p:cNvSpPr>
+            <a:spLocks noGrp="1"/>
+          </p:cNvSpPr>
+          <p:nvPr>
+            <p:ph type="title"/>
+          </p:nvPr>
+        </p:nvSpPr>
+        <p:spPr/>
+        <p:txBody>
+          <a:bodyPr/>
+          <a:lstStyle/>
+          <a:p>
+            <a:r>
+              <a:rPr lang="en-US" dirty="0" smtClean="0"/>
+              <a:t>What Else?</a:t>
+            </a:r>
+            <a:endParaRPr lang="en-US" dirty="0"/>
+          </a:p>
+        </p:txBody>
+      </p:sp>
+      <p:sp>
+        <p:nvSpPr>
+          <p:cNvPr id="3" name="Content Placeholder 2"/>
+          <p:cNvSpPr>
+            <a:spLocks noGrp="1"/>
+          </p:cNvSpPr>
+          <p:nvPr>
+            <p:ph idx="1"/>
+          </p:nvPr>
+        </p:nvSpPr>
+        <p:spPr/>
+        <p:txBody>
+          <a:bodyPr/>
+          <a:lstStyle/>
+          <a:p>
+            <a:r>
+              <a:rPr lang="en-US" dirty="0" err="1" smtClean="0"/>
+              <a:t>Backbone.sync</a:t>
+            </a:r>
+            <a:endParaRPr lang="en-US" dirty="0" smtClean="0"/>
+          </a:p>
+          <a:p>
+            <a:r>
+              <a:rPr lang="en-US" dirty="0" smtClean="0"/>
+              <a:t>Validation</a:t>
+            </a:r>
+          </a:p>
+          <a:p>
+            <a:r>
+              <a:rPr lang="en-US" dirty="0" err="1" smtClean="0"/>
+              <a:t>Templating</a:t>
+            </a:r>
+            <a:endParaRPr lang="en-US" dirty="0" smtClean="0"/>
+          </a:p>
+          <a:p>
+            <a:r>
+              <a:rPr lang="en-US" dirty="0" smtClean="0"/>
+              <a:t>TDD</a:t>
+            </a:r>
+          </a:p>
+          <a:p>
+            <a:r>
+              <a:rPr lang="en-US" dirty="0" err="1" smtClean="0"/>
+              <a:t>Namespacing</a:t>
+            </a:r>
+            <a:endParaRPr lang="en-US" dirty="0" smtClean="0"/>
+          </a:p>
+          <a:p>
+            <a:r>
+              <a:rPr lang="en-US" dirty="0" smtClean="0"/>
+              <a:t>Collections</a:t>
+            </a:r>
+          </a:p>
+          <a:p>
+            <a:r>
+              <a:rPr lang="en-US" dirty="0" smtClean="0"/>
+              <a:t>routers</a:t>
+            </a:r>
+            <a:endParaRPr lang="en-US" dirty="0"/>
+          </a:p>
+        </p:txBody>
+      </p:sp>
+    </p:spTree>
+    <p:extLst>
+      <p:ext uri="{BB962C8B-B14F-4D97-AF65-F5344CB8AC3E}">
+        <p14:creationId xmlns:p14="http://schemas.microsoft.com/office/powerpoint/2010/main" val="3913846662"/>
+      </p:ext>
+    </p:extLst>
+  </p:cSld>
+  <p:clrMapOvr>
+    <a:masterClrMapping/>
+  </p:clrMapOvr>
+</p:sld>
+</file>
+
+<file path=ppt/slides/slide11.xml><?xml version="1.0" encoding="utf-8"?>
+<p:sld xmlns:a="http://schemas.openxmlformats.org/drawingml/2006/main" xmlns:r="http://schemas.openxmlformats.org/officeDocument/2006/relationships" xmlns:p="http://schemas.openxmlformats.org/presentationml/2006/main">
+  <p:cSld>
+    <p:spTree>
+      <p:nvGrpSpPr>
+        <p:cNvPr id="1" name=""/>
+        <p:cNvGrpSpPr/>
+        <p:nvPr/>
+      </p:nvGrpSpPr>
+      <p:grpSpPr>
+        <a:xfrm>
+          <a:off x="0" y="0"/>
+          <a:ext cx="0" cy="0"/>
+          <a:chOff x="0" y="0"/>
+          <a:chExt cx="0" cy="0"/>
+        </a:xfrm>
+      </p:grpSpPr>
+      <p:sp>
+        <p:nvSpPr>
+          <p:cNvPr id="2" name="Title 1"/>
+          <p:cNvSpPr>
+            <a:spLocks noGrp="1"/>
+          </p:cNvSpPr>
+          <p:nvPr>
+            <p:ph type="title"/>
+          </p:nvPr>
+        </p:nvSpPr>
+        <p:spPr/>
+        <p:txBody>
+          <a:bodyPr/>
+          <a:lstStyle/>
+          <a:p>
+            <a:r>
+              <a:rPr lang="en-US" dirty="0" smtClean="0"/>
+              <a:t>In Conclusion	</a:t>
+            </a:r>
+            <a:endParaRPr lang="en-US" dirty="0"/>
+          </a:p>
+        </p:txBody>
+      </p:sp>
+      <p:sp>
+        <p:nvSpPr>
+          <p:cNvPr id="3" name="Content Placeholder 2"/>
+          <p:cNvSpPr>
+            <a:spLocks noGrp="1"/>
+          </p:cNvSpPr>
+          <p:nvPr>
+            <p:ph idx="1"/>
+          </p:nvPr>
+        </p:nvSpPr>
+        <p:spPr/>
+        <p:txBody>
+          <a:bodyPr/>
+          <a:lstStyle/>
+          <a:p>
+            <a:endParaRPr lang="en-US" dirty="0"/>
+          </a:p>
+        </p:txBody>
+      </p:sp>
+    </p:spTree>
+    <p:extLst>
+      <p:ext uri="{BB962C8B-B14F-4D97-AF65-F5344CB8AC3E}">
+        <p14:creationId xmlns:p14="http://schemas.microsoft.com/office/powerpoint/2010/main" val="1113318464"/>
+      </p:ext>
+    </p:extLst>
+  </p:cSld>
+  <p:clrMapOvr>
+    <a:masterClrMapping/>
+  </p:clrMapOvr>
+</p:sld>
+</file>
+
 <file path=ppt/slides/slide2.xml><?xml version="1.0" encoding="utf-8"?>
 <p:sld xmlns:a="http://schemas.openxmlformats.org/drawingml/2006/main" xmlns:r="http://schemas.openxmlformats.org/officeDocument/2006/relationships" xmlns:p="http://schemas.openxmlformats.org/presentationml/2006/main">
   <p:cSld>
@@ -3264,7 +3453,7 @@
           <a:p>
             <a:r>
               <a:rPr lang="en-US" dirty="0" smtClean="0"/>
-              <a:t>Spa-Query</a:t>
+              <a:t>What Will NOT be Covered</a:t>
             </a:r>
             <a:endParaRPr lang="en-US" dirty="0"/>
           </a:p>
@@ -3282,101 +3471,30 @@
         </p:nvSpPr>
         <p:spPr/>
         <p:txBody>
-          <a:bodyPr>
-            <a:normAutofit fontScale="92500" lnSpcReduction="10000"/>
-          </a:bodyPr>
+          <a:bodyPr/>
           <a:lstStyle/>
           <a:p>
             <a:r>
               <a:rPr lang="en-US" dirty="0" smtClean="0"/>
-              <a:t>Spaghetti-</a:t>
+              <a:t>Database Stuff -&gt; Serialization / </a:t>
             </a:r>
             <a:r>
               <a:rPr lang="en-US" dirty="0" err="1" smtClean="0"/>
-              <a:t>jquery</a:t>
+              <a:t>upsert</a:t>
             </a:r>
             <a:endParaRPr lang="en-US" dirty="0" smtClean="0"/>
           </a:p>
           <a:p>
             <a:r>
               <a:rPr lang="en-US" dirty="0" smtClean="0"/>
-              <a:t>$(document).ready(function() {</a:t>
-            </a:r>
-          </a:p>
-          <a:p>
-            <a:pPr lvl="2"/>
+              <a:t>Backbone Collections</a:t>
+            </a:r>
+          </a:p>
+          <a:p>
             <a:r>
               <a:rPr lang="en-US" dirty="0" smtClean="0"/>
-              <a:t>$(‘#foo’).click(function()  {</a:t>
-            </a:r>
-          </a:p>
-          <a:p>
-            <a:pPr lvl="3"/>
-            <a:r>
-              <a:rPr lang="en-US" dirty="0" smtClean="0"/>
-              <a:t>$.</a:t>
-            </a:r>
-            <a:r>
-              <a:rPr lang="en-US" dirty="0" err="1" smtClean="0"/>
-              <a:t>ajax</a:t>
-            </a:r>
-            <a:r>
-              <a:rPr lang="en-US" dirty="0" smtClean="0"/>
-              <a:t>(‘/</a:t>
-            </a:r>
-            <a:r>
-              <a:rPr lang="en-US" dirty="0" err="1" smtClean="0"/>
-              <a:t>url</a:t>
-            </a:r>
-            <a:r>
-              <a:rPr lang="en-US" dirty="0" smtClean="0"/>
-              <a:t>’,a, function(</a:t>
-            </a:r>
-            <a:r>
-              <a:rPr lang="en-US" dirty="0" err="1" smtClean="0"/>
-              <a:t>er</a:t>
-            </a:r>
-            <a:r>
-              <a:rPr lang="en-US" dirty="0" smtClean="0"/>
-              <a:t>) {</a:t>
-            </a:r>
-          </a:p>
-          <a:p>
-            <a:pPr lvl="3"/>
-            <a:r>
-              <a:rPr lang="en-US" dirty="0" smtClean="0"/>
-              <a:t>});</a:t>
-            </a:r>
-          </a:p>
-          <a:p>
-            <a:pPr lvl="2"/>
-            <a:r>
-              <a:rPr lang="en-US" dirty="0" smtClean="0"/>
-              <a:t>}):</a:t>
-            </a:r>
-            <a:endParaRPr lang="en-US" dirty="0"/>
-          </a:p>
-          <a:p>
-            <a:r>
-              <a:rPr lang="en-US" dirty="0" smtClean="0"/>
-              <a:t>});</a:t>
-            </a:r>
-          </a:p>
-          <a:p>
-            <a:endParaRPr lang="en-US" dirty="0"/>
-          </a:p>
-          <a:p>
-            <a:r>
-              <a:rPr lang="en-US" dirty="0" smtClean="0"/>
-              <a:t>function a() {</a:t>
-            </a:r>
-          </a:p>
-          <a:p>
-            <a:r>
-              <a:rPr lang="en-US" dirty="0" smtClean="0"/>
-              <a:t>}</a:t>
-            </a:r>
-            <a:endParaRPr lang="en-US" dirty="0"/>
+              <a:t>Backbone Routers</a:t>
+            </a:r>
           </a:p>
           <a:p>
             <a:endParaRPr lang="en-US" dirty="0"/>
@@ -3386,7 +3504,7 @@
     </p:spTree>
     <p:extLst>
       <p:ext uri="{BB962C8B-B14F-4D97-AF65-F5344CB8AC3E}">
-        <p14:creationId xmlns:p14="http://schemas.microsoft.com/office/powerpoint/2010/main" val="2290306457"/>
+        <p14:creationId xmlns:p14="http://schemas.microsoft.com/office/powerpoint/2010/main" val="1504512266"/>
       </p:ext>
     </p:extLst>
   </p:cSld>
@@ -3430,7 +3548,7 @@
           <a:p>
             <a:r>
               <a:rPr lang="en-US" dirty="0" smtClean="0"/>
-              <a:t>What we’ll see</a:t>
+              <a:t>Spa-Query</a:t>
             </a:r>
             <a:endParaRPr lang="en-US" dirty="0"/>
           </a:p>
@@ -3448,13 +3566,101 @@
         </p:nvSpPr>
         <p:spPr/>
         <p:txBody>
-          <a:bodyPr/>
+          <a:bodyPr>
+            <a:normAutofit fontScale="92500" lnSpcReduction="10000"/>
+          </a:bodyPr>
           <a:lstStyle/>
           <a:p>
             <a:r>
               <a:rPr lang="en-US" dirty="0" smtClean="0"/>
-              <a:t>Basic model, basic view, how bb connects the two</a:t>
-            </a:r>
+              <a:t>Spaghetti-</a:t>
+            </a:r>
+            <a:r>
+              <a:rPr lang="en-US" dirty="0" err="1" smtClean="0"/>
+              <a:t>jquery</a:t>
+            </a:r>
+            <a:endParaRPr lang="en-US" dirty="0" smtClean="0"/>
+          </a:p>
+          <a:p>
+            <a:r>
+              <a:rPr lang="en-US" dirty="0" smtClean="0"/>
+              <a:t>$(document).ready(function() {</a:t>
+            </a:r>
+          </a:p>
+          <a:p>
+            <a:pPr lvl="2"/>
+            <a:r>
+              <a:rPr lang="en-US" dirty="0" smtClean="0"/>
+              <a:t>$(‘#foo’).click(function()  {</a:t>
+            </a:r>
+          </a:p>
+          <a:p>
+            <a:pPr lvl="3"/>
+            <a:r>
+              <a:rPr lang="en-US" dirty="0" smtClean="0"/>
+              <a:t>$.</a:t>
+            </a:r>
+            <a:r>
+              <a:rPr lang="en-US" dirty="0" err="1" smtClean="0"/>
+              <a:t>ajax</a:t>
+            </a:r>
+            <a:r>
+              <a:rPr lang="en-US" dirty="0" smtClean="0"/>
+              <a:t>(‘/</a:t>
+            </a:r>
+            <a:r>
+              <a:rPr lang="en-US" dirty="0" err="1" smtClean="0"/>
+              <a:t>url</a:t>
+            </a:r>
+            <a:r>
+              <a:rPr lang="en-US" dirty="0" smtClean="0"/>
+              <a:t>’,a, function(</a:t>
+            </a:r>
+            <a:r>
+              <a:rPr lang="en-US" dirty="0" err="1" smtClean="0"/>
+              <a:t>er</a:t>
+            </a:r>
+            <a:r>
+              <a:rPr lang="en-US" dirty="0" smtClean="0"/>
+              <a:t>) {</a:t>
+            </a:r>
+          </a:p>
+          <a:p>
+            <a:pPr lvl="3"/>
+            <a:r>
+              <a:rPr lang="en-US" dirty="0" smtClean="0"/>
+              <a:t>});</a:t>
+            </a:r>
+          </a:p>
+          <a:p>
+            <a:pPr lvl="2"/>
+            <a:r>
+              <a:rPr lang="en-US" dirty="0" smtClean="0"/>
+              <a:t>}):</a:t>
+            </a:r>
+            <a:endParaRPr lang="en-US" dirty="0"/>
+          </a:p>
+          <a:p>
+            <a:r>
+              <a:rPr lang="en-US" dirty="0" smtClean="0"/>
+              <a:t>});</a:t>
+            </a:r>
+          </a:p>
+          <a:p>
+            <a:endParaRPr lang="en-US" dirty="0"/>
+          </a:p>
+          <a:p>
+            <a:r>
+              <a:rPr lang="en-US" dirty="0" smtClean="0"/>
+              <a:t>function a() {</a:t>
+            </a:r>
+          </a:p>
+          <a:p>
+            <a:r>
+              <a:rPr lang="en-US" dirty="0" smtClean="0"/>
+              <a:t>}</a:t>
+            </a:r>
+            <a:endParaRPr lang="en-US" dirty="0"/>
           </a:p>
           <a:p>
             <a:endParaRPr lang="en-US" dirty="0"/>
@@ -3464,7 +3670,7 @@
     </p:spTree>
     <p:extLst>
       <p:ext uri="{BB962C8B-B14F-4D97-AF65-F5344CB8AC3E}">
-        <p14:creationId xmlns:p14="http://schemas.microsoft.com/office/powerpoint/2010/main" val="437079684"/>
+        <p14:creationId xmlns:p14="http://schemas.microsoft.com/office/powerpoint/2010/main" val="2290306457"/>
       </p:ext>
     </p:extLst>
   </p:cSld>
@@ -3508,7 +3714,11 @@
           <a:p>
             <a:r>
               <a:rPr lang="en-US" dirty="0" smtClean="0"/>
-              <a:t>So what?</a:t>
+              <a:t>What </a:t>
+            </a:r>
+            <a:r>
+              <a:rPr lang="en-US" dirty="0" smtClean="0"/>
+              <a:t>WILL be Covered</a:t>
             </a:r>
             <a:endParaRPr lang="en-US" dirty="0"/>
           </a:p>
@@ -3531,17 +3741,25 @@
           <a:p>
             <a:r>
               <a:rPr lang="en-US" dirty="0" smtClean="0"/>
-              <a:t>Is this all about yet another verbose framework.  It didn’t save any code</a:t>
-            </a:r>
-          </a:p>
-          <a:p>
-            <a:endParaRPr lang="en-US" dirty="0"/>
+              <a:t>Models</a:t>
+            </a:r>
           </a:p>
           <a:p>
             <a:r>
               <a:rPr lang="en-US" dirty="0" smtClean="0"/>
-              <a:t>It gave STRUCTURE.  </a:t>
-            </a:r>
+              <a:t>Views</a:t>
+            </a:r>
+          </a:p>
+          <a:p>
+            <a:r>
+              <a:rPr lang="en-US" dirty="0" smtClean="0"/>
+              <a:t>How to connect </a:t>
+            </a:r>
+            <a:r>
+              <a:rPr lang="en-US" smtClean="0"/>
+              <a:t>to two</a:t>
+            </a:r>
+            <a:endParaRPr lang="en-US" dirty="0" smtClean="0"/>
           </a:p>
           <a:p>
             <a:endParaRPr lang="en-US" dirty="0"/>
@@ -3551,7 +3769,7 @@
     </p:spTree>
     <p:extLst>
       <p:ext uri="{BB962C8B-B14F-4D97-AF65-F5344CB8AC3E}">
-        <p14:creationId xmlns:p14="http://schemas.microsoft.com/office/powerpoint/2010/main" val="3057703812"/>
+        <p14:creationId xmlns:p14="http://schemas.microsoft.com/office/powerpoint/2010/main" val="437079684"/>
       </p:ext>
     </p:extLst>
   </p:cSld>
@@ -3590,45 +3808,55 @@
         </p:nvSpPr>
         <p:spPr/>
         <p:txBody>
-          <a:bodyPr>
-            <a:normAutofit fontScale="90000"/>
-          </a:bodyPr>
+          <a:bodyPr/>
           <a:lstStyle/>
           <a:p>
             <a:r>
               <a:rPr lang="en-US" dirty="0" smtClean="0"/>
-              <a:t>Weaknesses</a:t>
-            </a:r>
-            <a:br>
+              <a:t>So what?</a:t>
+            </a:r>
+            <a:endParaRPr lang="en-US" dirty="0"/>
+          </a:p>
+        </p:txBody>
+      </p:sp>
+      <p:sp>
+        <p:nvSpPr>
+          <p:cNvPr id="3" name="Content Placeholder 2"/>
+          <p:cNvSpPr>
+            <a:spLocks noGrp="1"/>
+          </p:cNvSpPr>
+          <p:nvPr>
+            <p:ph idx="1"/>
+          </p:nvPr>
+        </p:nvSpPr>
+        <p:spPr/>
+        <p:txBody>
+          <a:bodyPr/>
+          <a:lstStyle/>
+          <a:p>
+            <a:r>
               <a:rPr lang="en-US" dirty="0" smtClean="0"/>
-            </a:br>
+              <a:t>Is this all about yet another verbose framework.  It didn’t save any code</a:t>
+            </a:r>
+          </a:p>
+          <a:p>
             <a:endParaRPr lang="en-US" dirty="0"/>
           </a:p>
-        </p:txBody>
-      </p:sp>
-      <p:sp>
-        <p:nvSpPr>
-          <p:cNvPr id="3" name="Content Placeholder 2"/>
-          <p:cNvSpPr>
-            <a:spLocks noGrp="1"/>
-          </p:cNvSpPr>
-          <p:nvPr>
-            <p:ph idx="1"/>
-          </p:nvPr>
-        </p:nvSpPr>
-        <p:spPr/>
-        <p:txBody>
-          <a:bodyPr/>
-          <a:lstStyle/>
-          <a:p>
-            <a:endParaRPr lang="en-US"/>
+          <a:p>
+            <a:r>
+              <a:rPr lang="en-US" dirty="0" smtClean="0"/>
+              <a:t>It gave STRUCTURE.  </a:t>
+            </a:r>
+          </a:p>
+          <a:p>
+            <a:endParaRPr lang="en-US" dirty="0"/>
           </a:p>
         </p:txBody>
       </p:sp>
     </p:spTree>
     <p:extLst>
       <p:ext uri="{BB962C8B-B14F-4D97-AF65-F5344CB8AC3E}">
-        <p14:creationId xmlns:p14="http://schemas.microsoft.com/office/powerpoint/2010/main" val="145487616"/>
+        <p14:creationId xmlns:p14="http://schemas.microsoft.com/office/powerpoint/2010/main" val="3057703812"/>
       </p:ext>
     </p:extLst>
   </p:cSld>
@@ -3668,14 +3896,17 @@
         <p:spPr/>
         <p:txBody>
           <a:bodyPr>
-            <a:normAutofit/>
+            <a:normAutofit fontScale="90000"/>
           </a:bodyPr>
           <a:lstStyle/>
           <a:p>
             <a:r>
               <a:rPr lang="en-US" dirty="0" smtClean="0"/>
-              <a:t>Takeaways</a:t>
-            </a:r>
+              <a:t>Weaknesses</a:t>
+            </a:r>
+            <a:br>
+              <a:rPr lang="en-US" dirty="0" smtClean="0"/>
+            </a:br>
             <a:endParaRPr lang="en-US" dirty="0"/>
           </a:p>
         </p:txBody>
@@ -3702,7 +3933,7 @@
     </p:spTree>
     <p:extLst>
       <p:ext uri="{BB962C8B-B14F-4D97-AF65-F5344CB8AC3E}">
-        <p14:creationId xmlns:p14="http://schemas.microsoft.com/office/powerpoint/2010/main" val="383136027"/>
+        <p14:creationId xmlns:p14="http://schemas.microsoft.com/office/powerpoint/2010/main" val="145487616"/>
       </p:ext>
     </p:extLst>
   </p:cSld>
@@ -3741,12 +3972,14 @@
         </p:nvSpPr>
         <p:spPr/>
         <p:txBody>
-          <a:bodyPr/>
+          <a:bodyPr>
+            <a:normAutofit/>
+          </a:bodyPr>
           <a:lstStyle/>
           <a:p>
             <a:r>
               <a:rPr lang="en-US" dirty="0" smtClean="0"/>
-              <a:t>VIEW - What it does for you</a:t>
+              <a:t>Takeaways</a:t>
             </a:r>
             <a:endParaRPr lang="en-US" dirty="0"/>
           </a:p>
@@ -3764,85 +3997,17 @@
         </p:nvSpPr>
         <p:spPr/>
         <p:txBody>
-          <a:bodyPr>
-            <a:normAutofit fontScale="85000" lnSpcReduction="20000"/>
-          </a:bodyPr>
-          <a:lstStyle/>
-          <a:p>
-            <a:r>
-              <a:rPr lang="en-US" dirty="0"/>
-              <a:t>what it does for you: </a:t>
-            </a:r>
-          </a:p>
-          <a:p>
-            <a:r>
-              <a:rPr lang="en-US" dirty="0"/>
-              <a:t>it references a model</a:t>
-            </a:r>
-          </a:p>
-          <a:p>
-            <a:r>
-              <a:rPr lang="en-US" dirty="0"/>
-              <a:t>it wires up </a:t>
-            </a:r>
-            <a:r>
-              <a:rPr lang="en-US" dirty="0" err="1"/>
-              <a:t>dom</a:t>
-            </a:r>
-            <a:r>
-              <a:rPr lang="en-US" dirty="0"/>
-              <a:t> events</a:t>
-            </a:r>
-          </a:p>
-          <a:p>
-            <a:r>
-              <a:rPr lang="en-US" dirty="0"/>
-              <a:t>it exposes event handlers</a:t>
-            </a:r>
-          </a:p>
-          <a:p>
-            <a:r>
-              <a:rPr lang="en-US" dirty="0"/>
-              <a:t>it create it's own </a:t>
-            </a:r>
-            <a:r>
-              <a:rPr lang="en-US" dirty="0" err="1"/>
-              <a:t>dom</a:t>
-            </a:r>
-            <a:r>
-              <a:rPr lang="en-US" dirty="0"/>
-              <a:t> element and add itself to the tree.  This is not as trivial as it sounds.</a:t>
-            </a:r>
-          </a:p>
-          <a:p>
-            <a:r>
-              <a:rPr lang="en-US" dirty="0"/>
-              <a:t>Rendering is all about </a:t>
-            </a:r>
-            <a:r>
-              <a:rPr lang="en-US" dirty="0" err="1"/>
-              <a:t>instantiing</a:t>
-            </a:r>
-            <a:r>
-              <a:rPr lang="en-US" dirty="0"/>
-              <a:t> a LIVE DOM NODE, with both content and an underlying model, and callbacks that connect the two.</a:t>
-            </a:r>
-          </a:p>
-          <a:p>
-            <a:r>
-              <a:rPr lang="en-US" dirty="0"/>
-              <a:t>Only after render() has created this node is it INSERTED for display in browser</a:t>
-            </a:r>
-          </a:p>
-          <a:p>
-            <a:endParaRPr lang="en-US" dirty="0"/>
+          <a:bodyPr/>
+          <a:lstStyle/>
+          <a:p>
+            <a:endParaRPr lang="en-US"/>
           </a:p>
         </p:txBody>
       </p:sp>
     </p:spTree>
     <p:extLst>
       <p:ext uri="{BB962C8B-B14F-4D97-AF65-F5344CB8AC3E}">
-        <p14:creationId xmlns:p14="http://schemas.microsoft.com/office/powerpoint/2010/main" val="3257679435"/>
+        <p14:creationId xmlns:p14="http://schemas.microsoft.com/office/powerpoint/2010/main" val="383136027"/>
       </p:ext>
     </p:extLst>
   </p:cSld>
@@ -3886,7 +4051,7 @@
           <a:p>
             <a:r>
               <a:rPr lang="en-US" dirty="0" smtClean="0"/>
-              <a:t>What Else?</a:t>
+              <a:t>VIEW - What it does for you</a:t>
             </a:r>
             <a:endParaRPr lang="en-US" dirty="0"/>
           </a:p>
@@ -3904,52 +4069,77 @@
         </p:nvSpPr>
         <p:spPr/>
         <p:txBody>
-          <a:bodyPr/>
-          <a:lstStyle/>
-          <a:p>
-            <a:r>
-              <a:rPr lang="en-US" dirty="0" err="1" smtClean="0"/>
-              <a:t>Backbone.sync</a:t>
-            </a:r>
-            <a:endParaRPr lang="en-US" dirty="0" smtClean="0"/>
-          </a:p>
-          <a:p>
-            <a:r>
-              <a:rPr lang="en-US" dirty="0" smtClean="0"/>
-              <a:t>Validation</a:t>
-            </a:r>
-          </a:p>
-          <a:p>
-            <a:r>
-              <a:rPr lang="en-US" dirty="0" err="1" smtClean="0"/>
-              <a:t>Templating</a:t>
-            </a:r>
-            <a:endParaRPr lang="en-US" dirty="0" smtClean="0"/>
-          </a:p>
-          <a:p>
-            <a:r>
-              <a:rPr lang="en-US" dirty="0" smtClean="0"/>
-              <a:t>TDD</a:t>
-            </a:r>
-          </a:p>
-          <a:p>
-            <a:r>
-              <a:rPr lang="en-US" dirty="0" err="1" smtClean="0"/>
-              <a:t>Namespacing</a:t>
-            </a:r>
-            <a:endParaRPr lang="en-US" dirty="0" smtClean="0"/>
-          </a:p>
-          <a:p>
-            <a:r>
-              <a:rPr lang="en-US" dirty="0" smtClean="0"/>
-              <a:t>Collections</a:t>
-            </a:r>
-          </a:p>
-          <a:p>
-            <a:r>
-              <a:rPr lang="en-US" dirty="0" smtClean="0"/>
-              <a:t>routers</a:t>
-            </a:r>
+          <a:bodyPr>
+            <a:normAutofit fontScale="85000" lnSpcReduction="20000"/>
+          </a:bodyPr>
+          <a:lstStyle/>
+          <a:p>
+            <a:r>
+              <a:rPr lang="en-US" dirty="0"/>
+              <a:t>what it does for you: </a:t>
+            </a:r>
+          </a:p>
+          <a:p>
+            <a:r>
+              <a:rPr lang="en-US" dirty="0"/>
+              <a:t>it references a model</a:t>
+            </a:r>
+          </a:p>
+          <a:p>
+            <a:r>
+              <a:rPr lang="en-US" dirty="0"/>
+              <a:t>it wires up </a:t>
+            </a:r>
+            <a:r>
+              <a:rPr lang="en-US" dirty="0" err="1"/>
+              <a:t>dom</a:t>
+            </a:r>
+            <a:r>
+              <a:rPr lang="en-US" dirty="0"/>
+              <a:t> events</a:t>
+            </a:r>
+          </a:p>
+          <a:p>
+            <a:r>
+              <a:rPr lang="en-US" dirty="0"/>
+              <a:t>it exposes event handlers</a:t>
+            </a:r>
+          </a:p>
+          <a:p>
+            <a:r>
+              <a:rPr lang="en-US" dirty="0"/>
+              <a:t>it create it's own </a:t>
+            </a:r>
+            <a:r>
+              <a:rPr lang="en-US" dirty="0" err="1"/>
+              <a:t>dom</a:t>
+            </a:r>
+            <a:r>
+              <a:rPr lang="en-US" dirty="0"/>
+              <a:t> element and add itself to the tree.  This is not as trivial as it sounds.</a:t>
+            </a:r>
+          </a:p>
+          <a:p>
+            <a:r>
+              <a:rPr lang="en-US" dirty="0"/>
+              <a:t>Rendering is all about </a:t>
+            </a:r>
+            <a:r>
+              <a:rPr lang="en-US" dirty="0" err="1"/>
+              <a:t>instantiing</a:t>
+            </a:r>
+            <a:r>
+              <a:rPr lang="en-US" dirty="0"/>
+              <a:t> a LIVE DOM NODE, with both content and an underlying model, and callbacks that connect the two.</a:t>
+            </a:r>
+          </a:p>
+          <a:p>
+            <a:r>
+              <a:rPr lang="en-US" dirty="0"/>
+              <a:t>Only after render() has created this node is it INSERTED for display in browser</a:t>
+            </a:r>
+          </a:p>
+          <a:p>
             <a:endParaRPr lang="en-US" dirty="0"/>
           </a:p>
         </p:txBody>
@@ -3957,7 +4147,7 @@
     </p:spTree>
     <p:extLst>
       <p:ext uri="{BB962C8B-B14F-4D97-AF65-F5344CB8AC3E}">
-        <p14:creationId xmlns:p14="http://schemas.microsoft.com/office/powerpoint/2010/main" val="3913846662"/>
+        <p14:creationId xmlns:p14="http://schemas.microsoft.com/office/powerpoint/2010/main" val="3257679435"/>
       </p:ext>
     </p:extLst>
   </p:cSld>

--- a/TechFest.Backbone/tf.backbone.pptx
+++ b/TechFest.Backbone/tf.backbone.pptx
@@ -6,16 +6,20 @@
   </p:sldMasterIdLst>
   <p:sldIdLst>
     <p:sldId id="256" r:id="rId2"/>
-    <p:sldId id="257" r:id="rId3"/>
-    <p:sldId id="266" r:id="rId4"/>
-    <p:sldId id="258" r:id="rId5"/>
-    <p:sldId id="259" r:id="rId6"/>
-    <p:sldId id="260" r:id="rId7"/>
-    <p:sldId id="261" r:id="rId8"/>
-    <p:sldId id="262" r:id="rId9"/>
-    <p:sldId id="264" r:id="rId10"/>
-    <p:sldId id="263" r:id="rId11"/>
-    <p:sldId id="265" r:id="rId12"/>
+    <p:sldId id="270" r:id="rId3"/>
+    <p:sldId id="268" r:id="rId4"/>
+    <p:sldId id="269" r:id="rId5"/>
+    <p:sldId id="258" r:id="rId6"/>
+    <p:sldId id="257" r:id="rId7"/>
+    <p:sldId id="266" r:id="rId8"/>
+    <p:sldId id="259" r:id="rId9"/>
+    <p:sldId id="267" r:id="rId10"/>
+    <p:sldId id="260" r:id="rId11"/>
+    <p:sldId id="261" r:id="rId12"/>
+    <p:sldId id="262" r:id="rId13"/>
+    <p:sldId id="264" r:id="rId14"/>
+    <p:sldId id="263" r:id="rId15"/>
+    <p:sldId id="265" r:id="rId16"/>
   </p:sldIdLst>
   <p:sldSz cx="9144000" cy="6858000" type="screen4x3"/>
   <p:notesSz cx="6858000" cy="9144000"/>
@@ -115,6 +119,2640 @@
     </a:lvl9pPr>
   </p:defaultTextStyle>
 </p:presentation>
+</file>
+
+<file path=ppt/diagrams/colors1.xml><?xml version="1.0" encoding="utf-8"?>
+<dgm:colorsDef xmlns:dgm="http://schemas.openxmlformats.org/drawingml/2006/diagram" xmlns:a="http://schemas.openxmlformats.org/drawingml/2006/main" uniqueId="urn:microsoft.com/office/officeart/2005/8/colors/accent1_2">
+  <dgm:title val=""/>
+  <dgm:desc val=""/>
+  <dgm:catLst>
+    <dgm:cat type="accent1" pri="11200"/>
+  </dgm:catLst>
+  <dgm:styleLbl name="node0">
+    <dgm:fillClrLst meth="repeat">
+      <a:schemeClr val="accent1"/>
+    </dgm:fillClrLst>
+    <dgm:linClrLst meth="repeat">
+      <a:schemeClr val="lt1"/>
+    </dgm:linClrLst>
+    <dgm:effectClrLst/>
+    <dgm:txLinClrLst/>
+    <dgm:txFillClrLst/>
+    <dgm:txEffectClrLst/>
+  </dgm:styleLbl>
+  <dgm:styleLbl name="alignNode1">
+    <dgm:fillClrLst meth="repeat">
+      <a:schemeClr val="accent1"/>
+    </dgm:fillClrLst>
+    <dgm:linClrLst meth="repeat">
+      <a:schemeClr val="accent1"/>
+    </dgm:linClrLst>
+    <dgm:effectClrLst/>
+    <dgm:txLinClrLst/>
+    <dgm:txFillClrLst/>
+    <dgm:txEffectClrLst/>
+  </dgm:styleLbl>
+  <dgm:styleLbl name="node1">
+    <dgm:fillClrLst meth="repeat">
+      <a:schemeClr val="accent1"/>
+    </dgm:fillClrLst>
+    <dgm:linClrLst meth="repeat">
+      <a:schemeClr val="lt1"/>
+    </dgm:linClrLst>
+    <dgm:effectClrLst/>
+    <dgm:txLinClrLst/>
+    <dgm:txFillClrLst/>
+    <dgm:txEffectClrLst/>
+  </dgm:styleLbl>
+  <dgm:styleLbl name="lnNode1">
+    <dgm:fillClrLst meth="repeat">
+      <a:schemeClr val="accent1"/>
+    </dgm:fillClrLst>
+    <dgm:linClrLst meth="repeat">
+      <a:schemeClr val="lt1"/>
+    </dgm:linClrLst>
+    <dgm:effectClrLst/>
+    <dgm:txLinClrLst/>
+    <dgm:txFillClrLst/>
+    <dgm:txEffectClrLst/>
+  </dgm:styleLbl>
+  <dgm:styleLbl name="vennNode1">
+    <dgm:fillClrLst meth="repeat">
+      <a:schemeClr val="accent1">
+        <a:alpha val="50000"/>
+      </a:schemeClr>
+    </dgm:fillClrLst>
+    <dgm:linClrLst meth="repeat">
+      <a:schemeClr val="lt1"/>
+    </dgm:linClrLst>
+    <dgm:effectClrLst/>
+    <dgm:txLinClrLst/>
+    <dgm:txFillClrLst/>
+    <dgm:txEffectClrLst/>
+  </dgm:styleLbl>
+  <dgm:styleLbl name="node2">
+    <dgm:fillClrLst meth="repeat">
+      <a:schemeClr val="accent1"/>
+    </dgm:fillClrLst>
+    <dgm:linClrLst meth="repeat">
+      <a:schemeClr val="lt1"/>
+    </dgm:linClrLst>
+    <dgm:effectClrLst/>
+    <dgm:txLinClrLst/>
+    <dgm:txFillClrLst/>
+    <dgm:txEffectClrLst/>
+  </dgm:styleLbl>
+  <dgm:styleLbl name="node3">
+    <dgm:fillClrLst meth="repeat">
+      <a:schemeClr val="accent1"/>
+    </dgm:fillClrLst>
+    <dgm:linClrLst meth="repeat">
+      <a:schemeClr val="lt1"/>
+    </dgm:linClrLst>
+    <dgm:effectClrLst/>
+    <dgm:txLinClrLst/>
+    <dgm:txFillClrLst/>
+    <dgm:txEffectClrLst/>
+  </dgm:styleLbl>
+  <dgm:styleLbl name="node4">
+    <dgm:fillClrLst meth="repeat">
+      <a:schemeClr val="accent1"/>
+    </dgm:fillClrLst>
+    <dgm:linClrLst meth="repeat">
+      <a:schemeClr val="lt1"/>
+    </dgm:linClrLst>
+    <dgm:effectClrLst/>
+    <dgm:txLinClrLst/>
+    <dgm:txFillClrLst/>
+    <dgm:txEffectClrLst/>
+  </dgm:styleLbl>
+  <dgm:styleLbl name="fgImgPlace1">
+    <dgm:fillClrLst meth="repeat">
+      <a:schemeClr val="accent1">
+        <a:tint val="50000"/>
+      </a:schemeClr>
+    </dgm:fillClrLst>
+    <dgm:linClrLst meth="repeat">
+      <a:schemeClr val="lt1"/>
+    </dgm:linClrLst>
+    <dgm:effectClrLst/>
+    <dgm:txLinClrLst/>
+    <dgm:txFillClrLst meth="repeat">
+      <a:schemeClr val="lt1"/>
+    </dgm:txFillClrLst>
+    <dgm:txEffectClrLst/>
+  </dgm:styleLbl>
+  <dgm:styleLbl name="alignImgPlace1">
+    <dgm:fillClrLst meth="repeat">
+      <a:schemeClr val="accent1">
+        <a:tint val="50000"/>
+      </a:schemeClr>
+    </dgm:fillClrLst>
+    <dgm:linClrLst meth="repeat">
+      <a:schemeClr val="lt1"/>
+    </dgm:linClrLst>
+    <dgm:effectClrLst/>
+    <dgm:txLinClrLst/>
+    <dgm:txFillClrLst meth="repeat">
+      <a:schemeClr val="lt1"/>
+    </dgm:txFillClrLst>
+    <dgm:txEffectClrLst/>
+  </dgm:styleLbl>
+  <dgm:styleLbl name="bgImgPlace1">
+    <dgm:fillClrLst meth="repeat">
+      <a:schemeClr val="accent1">
+        <a:tint val="50000"/>
+      </a:schemeClr>
+    </dgm:fillClrLst>
+    <dgm:linClrLst meth="repeat">
+      <a:schemeClr val="lt1"/>
+    </dgm:linClrLst>
+    <dgm:effectClrLst/>
+    <dgm:txLinClrLst/>
+    <dgm:txFillClrLst meth="repeat">
+      <a:schemeClr val="lt1"/>
+    </dgm:txFillClrLst>
+    <dgm:txEffectClrLst/>
+  </dgm:styleLbl>
+  <dgm:styleLbl name="sibTrans2D1">
+    <dgm:fillClrLst meth="repeat">
+      <a:schemeClr val="accent1">
+        <a:tint val="60000"/>
+      </a:schemeClr>
+    </dgm:fillClrLst>
+    <dgm:linClrLst meth="repeat">
+      <a:schemeClr val="accent1">
+        <a:tint val="60000"/>
+      </a:schemeClr>
+    </dgm:linClrLst>
+    <dgm:effectClrLst/>
+    <dgm:txLinClrLst/>
+    <dgm:txFillClrLst/>
+    <dgm:txEffectClrLst/>
+  </dgm:styleLbl>
+  <dgm:styleLbl name="fgSibTrans2D1">
+    <dgm:fillClrLst meth="repeat">
+      <a:schemeClr val="accent1">
+        <a:tint val="60000"/>
+      </a:schemeClr>
+    </dgm:fillClrLst>
+    <dgm:linClrLst meth="repeat">
+      <a:schemeClr val="accent1">
+        <a:tint val="60000"/>
+      </a:schemeClr>
+    </dgm:linClrLst>
+    <dgm:effectClrLst/>
+    <dgm:txLinClrLst/>
+    <dgm:txFillClrLst/>
+    <dgm:txEffectClrLst/>
+  </dgm:styleLbl>
+  <dgm:styleLbl name="bgSibTrans2D1">
+    <dgm:fillClrLst meth="repeat">
+      <a:schemeClr val="accent1">
+        <a:tint val="60000"/>
+      </a:schemeClr>
+    </dgm:fillClrLst>
+    <dgm:linClrLst meth="repeat">
+      <a:schemeClr val="accent1">
+        <a:tint val="60000"/>
+      </a:schemeClr>
+    </dgm:linClrLst>
+    <dgm:effectClrLst/>
+    <dgm:txLinClrLst/>
+    <dgm:txFillClrLst/>
+    <dgm:txEffectClrLst/>
+  </dgm:styleLbl>
+  <dgm:styleLbl name="sibTrans1D1">
+    <dgm:fillClrLst meth="repeat">
+      <a:schemeClr val="accent1"/>
+    </dgm:fillClrLst>
+    <dgm:linClrLst meth="repeat">
+      <a:schemeClr val="accent1"/>
+    </dgm:linClrLst>
+    <dgm:effectClrLst/>
+    <dgm:txLinClrLst/>
+    <dgm:txFillClrLst meth="repeat">
+      <a:schemeClr val="tx1"/>
+    </dgm:txFillClrLst>
+    <dgm:txEffectClrLst/>
+  </dgm:styleLbl>
+  <dgm:styleLbl name="callout">
+    <dgm:fillClrLst meth="repeat">
+      <a:schemeClr val="accent1"/>
+    </dgm:fillClrLst>
+    <dgm:linClrLst meth="repeat">
+      <a:schemeClr val="accent1">
+        <a:tint val="50000"/>
+      </a:schemeClr>
+    </dgm:linClrLst>
+    <dgm:effectClrLst/>
+    <dgm:txLinClrLst/>
+    <dgm:txFillClrLst meth="repeat">
+      <a:schemeClr val="tx1"/>
+    </dgm:txFillClrLst>
+    <dgm:txEffectClrLst/>
+  </dgm:styleLbl>
+  <dgm:styleLbl name="asst0">
+    <dgm:fillClrLst meth="repeat">
+      <a:schemeClr val="accent1"/>
+    </dgm:fillClrLst>
+    <dgm:linClrLst meth="repeat">
+      <a:schemeClr val="lt1"/>
+    </dgm:linClrLst>
+    <dgm:effectClrLst/>
+    <dgm:txLinClrLst/>
+    <dgm:txFillClrLst/>
+    <dgm:txEffectClrLst/>
+  </dgm:styleLbl>
+  <dgm:styleLbl name="asst1">
+    <dgm:fillClrLst meth="repeat">
+      <a:schemeClr val="accent1"/>
+    </dgm:fillClrLst>
+    <dgm:linClrLst meth="repeat">
+      <a:schemeClr val="lt1"/>
+    </dgm:linClrLst>
+    <dgm:effectClrLst/>
+    <dgm:txLinClrLst/>
+    <dgm:txFillClrLst/>
+    <dgm:txEffectClrLst/>
+  </dgm:styleLbl>
+  <dgm:styleLbl name="asst2">
+    <dgm:fillClrLst meth="repeat">
+      <a:schemeClr val="accent1"/>
+    </dgm:fillClrLst>
+    <dgm:linClrLst meth="repeat">
+      <a:schemeClr val="lt1"/>
+    </dgm:linClrLst>
+    <dgm:effectClrLst/>
+    <dgm:txLinClrLst/>
+    <dgm:txFillClrLst/>
+    <dgm:txEffectClrLst/>
+  </dgm:styleLbl>
+  <dgm:styleLbl name="asst3">
+    <dgm:fillClrLst meth="repeat">
+      <a:schemeClr val="accent1"/>
+    </dgm:fillClrLst>
+    <dgm:linClrLst meth="repeat">
+      <a:schemeClr val="lt1"/>
+    </dgm:linClrLst>
+    <dgm:effectClrLst/>
+    <dgm:txLinClrLst/>
+    <dgm:txFillClrLst/>
+    <dgm:txEffectClrLst/>
+  </dgm:styleLbl>
+  <dgm:styleLbl name="asst4">
+    <dgm:fillClrLst meth="repeat">
+      <a:schemeClr val="accent1"/>
+    </dgm:fillClrLst>
+    <dgm:linClrLst meth="repeat">
+      <a:schemeClr val="lt1"/>
+    </dgm:linClrLst>
+    <dgm:effectClrLst/>
+    <dgm:txLinClrLst/>
+    <dgm:txFillClrLst/>
+    <dgm:txEffectClrLst/>
+  </dgm:styleLbl>
+  <dgm:styleLbl name="parChTrans2D1">
+    <dgm:fillClrLst meth="repeat">
+      <a:schemeClr val="accent1">
+        <a:tint val="60000"/>
+      </a:schemeClr>
+    </dgm:fillClrLst>
+    <dgm:linClrLst meth="repeat">
+      <a:schemeClr val="accent1">
+        <a:tint val="60000"/>
+      </a:schemeClr>
+    </dgm:linClrLst>
+    <dgm:effectClrLst/>
+    <dgm:txLinClrLst/>
+    <dgm:txFillClrLst meth="repeat">
+      <a:schemeClr val="lt1"/>
+    </dgm:txFillClrLst>
+    <dgm:txEffectClrLst/>
+  </dgm:styleLbl>
+  <dgm:styleLbl name="parChTrans2D2">
+    <dgm:fillClrLst meth="repeat">
+      <a:schemeClr val="accent1"/>
+    </dgm:fillClrLst>
+    <dgm:linClrLst meth="repeat">
+      <a:schemeClr val="accent1"/>
+    </dgm:linClrLst>
+    <dgm:effectClrLst/>
+    <dgm:txLinClrLst/>
+    <dgm:txFillClrLst meth="repeat">
+      <a:schemeClr val="lt1"/>
+    </dgm:txFillClrLst>
+    <dgm:txEffectClrLst/>
+  </dgm:styleLbl>
+  <dgm:styleLbl name="parChTrans2D3">
+    <dgm:fillClrLst meth="repeat">
+      <a:schemeClr val="accent1"/>
+    </dgm:fillClrLst>
+    <dgm:linClrLst meth="repeat">
+      <a:schemeClr val="accent1"/>
+    </dgm:linClrLst>
+    <dgm:effectClrLst/>
+    <dgm:txLinClrLst/>
+    <dgm:txFillClrLst meth="repeat">
+      <a:schemeClr val="lt1"/>
+    </dgm:txFillClrLst>
+    <dgm:txEffectClrLst/>
+  </dgm:styleLbl>
+  <dgm:styleLbl name="parChTrans2D4">
+    <dgm:fillClrLst meth="repeat">
+      <a:schemeClr val="accent1"/>
+    </dgm:fillClrLst>
+    <dgm:linClrLst meth="repeat">
+      <a:schemeClr val="accent1"/>
+    </dgm:linClrLst>
+    <dgm:effectClrLst/>
+    <dgm:txLinClrLst/>
+    <dgm:txFillClrLst meth="repeat">
+      <a:schemeClr val="lt1"/>
+    </dgm:txFillClrLst>
+    <dgm:txEffectClrLst/>
+  </dgm:styleLbl>
+  <dgm:styleLbl name="parChTrans1D1">
+    <dgm:fillClrLst meth="repeat">
+      <a:schemeClr val="accent1"/>
+    </dgm:fillClrLst>
+    <dgm:linClrLst meth="repeat">
+      <a:schemeClr val="accent1">
+        <a:shade val="60000"/>
+      </a:schemeClr>
+    </dgm:linClrLst>
+    <dgm:effectClrLst/>
+    <dgm:txLinClrLst/>
+    <dgm:txFillClrLst meth="repeat">
+      <a:schemeClr val="tx1"/>
+    </dgm:txFillClrLst>
+    <dgm:txEffectClrLst/>
+  </dgm:styleLbl>
+  <dgm:styleLbl name="parChTrans1D2">
+    <dgm:fillClrLst meth="repeat">
+      <a:schemeClr val="accent1"/>
+    </dgm:fillClrLst>
+    <dgm:linClrLst meth="repeat">
+      <a:schemeClr val="accent1">
+        <a:shade val="60000"/>
+      </a:schemeClr>
+    </dgm:linClrLst>
+    <dgm:effectClrLst/>
+    <dgm:txLinClrLst/>
+    <dgm:txFillClrLst meth="repeat">
+      <a:schemeClr val="tx1"/>
+    </dgm:txFillClrLst>
+    <dgm:txEffectClrLst/>
+  </dgm:styleLbl>
+  <dgm:styleLbl name="parChTrans1D3">
+    <dgm:fillClrLst meth="repeat">
+      <a:schemeClr val="accent1"/>
+    </dgm:fillClrLst>
+    <dgm:linClrLst meth="repeat">
+      <a:schemeClr val="accent1">
+        <a:shade val="80000"/>
+      </a:schemeClr>
+    </dgm:linClrLst>
+    <dgm:effectClrLst/>
+    <dgm:txLinClrLst/>
+    <dgm:txFillClrLst meth="repeat">
+      <a:schemeClr val="tx1"/>
+    </dgm:txFillClrLst>
+    <dgm:txEffectClrLst/>
+  </dgm:styleLbl>
+  <dgm:styleLbl name="parChTrans1D4">
+    <dgm:fillClrLst meth="repeat">
+      <a:schemeClr val="accent1"/>
+    </dgm:fillClrLst>
+    <dgm:linClrLst meth="repeat">
+      <a:schemeClr val="accent1">
+        <a:shade val="80000"/>
+      </a:schemeClr>
+    </dgm:linClrLst>
+    <dgm:effectClrLst/>
+    <dgm:txLinClrLst/>
+    <dgm:txFillClrLst meth="repeat">
+      <a:schemeClr val="tx1"/>
+    </dgm:txFillClrLst>
+    <dgm:txEffectClrLst/>
+  </dgm:styleLbl>
+  <dgm:styleLbl name="fgAcc1">
+    <dgm:fillClrLst meth="repeat">
+      <a:schemeClr val="lt1">
+        <a:alpha val="90000"/>
+      </a:schemeClr>
+    </dgm:fillClrLst>
+    <dgm:linClrLst meth="repeat">
+      <a:schemeClr val="accent1"/>
+    </dgm:linClrLst>
+    <dgm:effectClrLst/>
+    <dgm:txLinClrLst/>
+    <dgm:txFillClrLst meth="repeat">
+      <a:schemeClr val="dk1"/>
+    </dgm:txFillClrLst>
+    <dgm:txEffectClrLst/>
+  </dgm:styleLbl>
+  <dgm:styleLbl name="conFgAcc1">
+    <dgm:fillClrLst meth="repeat">
+      <a:schemeClr val="lt1">
+        <a:alpha val="90000"/>
+      </a:schemeClr>
+    </dgm:fillClrLst>
+    <dgm:linClrLst meth="repeat">
+      <a:schemeClr val="accent1"/>
+    </dgm:linClrLst>
+    <dgm:effectClrLst/>
+    <dgm:txLinClrLst/>
+    <dgm:txFillClrLst meth="repeat">
+      <a:schemeClr val="dk1"/>
+    </dgm:txFillClrLst>
+    <dgm:txEffectClrLst/>
+  </dgm:styleLbl>
+  <dgm:styleLbl name="alignAcc1">
+    <dgm:fillClrLst meth="repeat">
+      <a:schemeClr val="lt1">
+        <a:alpha val="90000"/>
+      </a:schemeClr>
+    </dgm:fillClrLst>
+    <dgm:linClrLst meth="repeat">
+      <a:schemeClr val="accent1"/>
+    </dgm:linClrLst>
+    <dgm:effectClrLst/>
+    <dgm:txLinClrLst/>
+    <dgm:txFillClrLst meth="repeat">
+      <a:schemeClr val="dk1"/>
+    </dgm:txFillClrLst>
+    <dgm:txEffectClrLst/>
+  </dgm:styleLbl>
+  <dgm:styleLbl name="trAlignAcc1">
+    <dgm:fillClrLst meth="repeat">
+      <a:schemeClr val="lt1">
+        <a:alpha val="40000"/>
+      </a:schemeClr>
+    </dgm:fillClrLst>
+    <dgm:linClrLst meth="repeat">
+      <a:schemeClr val="accent1"/>
+    </dgm:linClrLst>
+    <dgm:effectClrLst/>
+    <dgm:txLinClrLst/>
+    <dgm:txFillClrLst meth="repeat">
+      <a:schemeClr val="dk1"/>
+    </dgm:txFillClrLst>
+    <dgm:txEffectClrLst/>
+  </dgm:styleLbl>
+  <dgm:styleLbl name="bgAcc1">
+    <dgm:fillClrLst meth="repeat">
+      <a:schemeClr val="lt1">
+        <a:alpha val="90000"/>
+      </a:schemeClr>
+    </dgm:fillClrLst>
+    <dgm:linClrLst meth="repeat">
+      <a:schemeClr val="accent1"/>
+    </dgm:linClrLst>
+    <dgm:effectClrLst/>
+    <dgm:txLinClrLst/>
+    <dgm:txFillClrLst meth="repeat">
+      <a:schemeClr val="dk1"/>
+    </dgm:txFillClrLst>
+    <dgm:txEffectClrLst/>
+  </dgm:styleLbl>
+  <dgm:styleLbl name="solidFgAcc1">
+    <dgm:fillClrLst meth="repeat">
+      <a:schemeClr val="lt1"/>
+    </dgm:fillClrLst>
+    <dgm:linClrLst meth="repeat">
+      <a:schemeClr val="accent1"/>
+    </dgm:linClrLst>
+    <dgm:effectClrLst/>
+    <dgm:txLinClrLst/>
+    <dgm:txFillClrLst meth="repeat">
+      <a:schemeClr val="dk1"/>
+    </dgm:txFillClrLst>
+    <dgm:txEffectClrLst/>
+  </dgm:styleLbl>
+  <dgm:styleLbl name="solidAlignAcc1">
+    <dgm:fillClrLst meth="repeat">
+      <a:schemeClr val="lt1"/>
+    </dgm:fillClrLst>
+    <dgm:linClrLst meth="repeat">
+      <a:schemeClr val="accent1"/>
+    </dgm:linClrLst>
+    <dgm:effectClrLst/>
+    <dgm:txLinClrLst/>
+    <dgm:txFillClrLst meth="repeat">
+      <a:schemeClr val="dk1"/>
+    </dgm:txFillClrLst>
+    <dgm:txEffectClrLst/>
+  </dgm:styleLbl>
+  <dgm:styleLbl name="solidBgAcc1">
+    <dgm:fillClrLst meth="repeat">
+      <a:schemeClr val="lt1"/>
+    </dgm:fillClrLst>
+    <dgm:linClrLst meth="repeat">
+      <a:schemeClr val="accent1"/>
+    </dgm:linClrLst>
+    <dgm:effectClrLst/>
+    <dgm:txLinClrLst/>
+    <dgm:txFillClrLst meth="repeat">
+      <a:schemeClr val="dk1"/>
+    </dgm:txFillClrLst>
+    <dgm:txEffectClrLst/>
+  </dgm:styleLbl>
+  <dgm:styleLbl name="fgAccFollowNode1">
+    <dgm:fillClrLst meth="repeat">
+      <a:schemeClr val="accent1">
+        <a:alpha val="90000"/>
+        <a:tint val="40000"/>
+      </a:schemeClr>
+    </dgm:fillClrLst>
+    <dgm:linClrLst meth="repeat">
+      <a:schemeClr val="accent1">
+        <a:alpha val="90000"/>
+        <a:tint val="40000"/>
+      </a:schemeClr>
+    </dgm:linClrLst>
+    <dgm:effectClrLst/>
+    <dgm:txLinClrLst/>
+    <dgm:txFillClrLst meth="repeat">
+      <a:schemeClr val="dk1"/>
+    </dgm:txFillClrLst>
+    <dgm:txEffectClrLst/>
+  </dgm:styleLbl>
+  <dgm:styleLbl name="alignAccFollowNode1">
+    <dgm:fillClrLst meth="repeat">
+      <a:schemeClr val="accent1">
+        <a:alpha val="90000"/>
+        <a:tint val="40000"/>
+      </a:schemeClr>
+    </dgm:fillClrLst>
+    <dgm:linClrLst meth="repeat">
+      <a:schemeClr val="accent1">
+        <a:alpha val="90000"/>
+        <a:tint val="40000"/>
+      </a:schemeClr>
+    </dgm:linClrLst>
+    <dgm:effectClrLst/>
+    <dgm:txLinClrLst/>
+    <dgm:txFillClrLst meth="repeat">
+      <a:schemeClr val="dk1"/>
+    </dgm:txFillClrLst>
+    <dgm:txEffectClrLst/>
+  </dgm:styleLbl>
+  <dgm:styleLbl name="bgAccFollowNode1">
+    <dgm:fillClrLst meth="repeat">
+      <a:schemeClr val="accent1">
+        <a:alpha val="90000"/>
+        <a:tint val="40000"/>
+      </a:schemeClr>
+    </dgm:fillClrLst>
+    <dgm:linClrLst meth="repeat">
+      <a:schemeClr val="accent1">
+        <a:alpha val="90000"/>
+        <a:tint val="40000"/>
+      </a:schemeClr>
+    </dgm:linClrLst>
+    <dgm:effectClrLst/>
+    <dgm:txLinClrLst/>
+    <dgm:txFillClrLst meth="repeat">
+      <a:schemeClr val="dk1"/>
+    </dgm:txFillClrLst>
+    <dgm:txEffectClrLst/>
+  </dgm:styleLbl>
+  <dgm:styleLbl name="fgAcc0">
+    <dgm:fillClrLst meth="repeat">
+      <a:schemeClr val="lt1">
+        <a:alpha val="90000"/>
+      </a:schemeClr>
+    </dgm:fillClrLst>
+    <dgm:linClrLst meth="repeat">
+      <a:schemeClr val="accent1"/>
+    </dgm:linClrLst>
+    <dgm:effectClrLst/>
+    <dgm:txLinClrLst/>
+    <dgm:txFillClrLst meth="repeat">
+      <a:schemeClr val="dk1"/>
+    </dgm:txFillClrLst>
+    <dgm:txEffectClrLst/>
+  </dgm:styleLbl>
+  <dgm:styleLbl name="fgAcc2">
+    <dgm:fillClrLst meth="repeat">
+      <a:schemeClr val="lt1">
+        <a:alpha val="90000"/>
+      </a:schemeClr>
+    </dgm:fillClrLst>
+    <dgm:linClrLst meth="repeat">
+      <a:schemeClr val="accent1"/>
+    </dgm:linClrLst>
+    <dgm:effectClrLst/>
+    <dgm:txLinClrLst/>
+    <dgm:txFillClrLst meth="repeat">
+      <a:schemeClr val="dk1"/>
+    </dgm:txFillClrLst>
+    <dgm:txEffectClrLst/>
+  </dgm:styleLbl>
+  <dgm:styleLbl name="fgAcc3">
+    <dgm:fillClrLst meth="repeat">
+      <a:schemeClr val="lt1">
+        <a:alpha val="90000"/>
+      </a:schemeClr>
+    </dgm:fillClrLst>
+    <dgm:linClrLst meth="repeat">
+      <a:schemeClr val="accent1"/>
+    </dgm:linClrLst>
+    <dgm:effectClrLst/>
+    <dgm:txLinClrLst/>
+    <dgm:txFillClrLst meth="repeat">
+      <a:schemeClr val="dk1"/>
+    </dgm:txFillClrLst>
+    <dgm:txEffectClrLst/>
+  </dgm:styleLbl>
+  <dgm:styleLbl name="fgAcc4">
+    <dgm:fillClrLst meth="repeat">
+      <a:schemeClr val="lt1">
+        <a:alpha val="90000"/>
+      </a:schemeClr>
+    </dgm:fillClrLst>
+    <dgm:linClrLst meth="repeat">
+      <a:schemeClr val="accent1"/>
+    </dgm:linClrLst>
+    <dgm:effectClrLst/>
+    <dgm:txLinClrLst/>
+    <dgm:txFillClrLst meth="repeat">
+      <a:schemeClr val="dk1"/>
+    </dgm:txFillClrLst>
+    <dgm:txEffectClrLst/>
+  </dgm:styleLbl>
+  <dgm:styleLbl name="bgShp">
+    <dgm:fillClrLst meth="repeat">
+      <a:schemeClr val="accent1">
+        <a:tint val="40000"/>
+      </a:schemeClr>
+    </dgm:fillClrLst>
+    <dgm:linClrLst meth="repeat">
+      <a:schemeClr val="accent1"/>
+    </dgm:linClrLst>
+    <dgm:effectClrLst/>
+    <dgm:txLinClrLst/>
+    <dgm:txFillClrLst meth="repeat">
+      <a:schemeClr val="dk1"/>
+    </dgm:txFillClrLst>
+    <dgm:txEffectClrLst/>
+  </dgm:styleLbl>
+  <dgm:styleLbl name="dkBgShp">
+    <dgm:fillClrLst meth="repeat">
+      <a:schemeClr val="accent1">
+        <a:shade val="80000"/>
+      </a:schemeClr>
+    </dgm:fillClrLst>
+    <dgm:linClrLst meth="repeat">
+      <a:schemeClr val="accent1"/>
+    </dgm:linClrLst>
+    <dgm:effectClrLst/>
+    <dgm:txLinClrLst/>
+    <dgm:txFillClrLst meth="repeat">
+      <a:schemeClr val="lt1"/>
+    </dgm:txFillClrLst>
+    <dgm:txEffectClrLst/>
+  </dgm:styleLbl>
+  <dgm:styleLbl name="trBgShp">
+    <dgm:fillClrLst meth="repeat">
+      <a:schemeClr val="accent1">
+        <a:tint val="50000"/>
+        <a:alpha val="40000"/>
+      </a:schemeClr>
+    </dgm:fillClrLst>
+    <dgm:linClrLst meth="repeat">
+      <a:schemeClr val="accent1"/>
+    </dgm:linClrLst>
+    <dgm:effectClrLst/>
+    <dgm:txLinClrLst/>
+    <dgm:txFillClrLst meth="repeat">
+      <a:schemeClr val="lt1"/>
+    </dgm:txFillClrLst>
+    <dgm:txEffectClrLst/>
+  </dgm:styleLbl>
+  <dgm:styleLbl name="fgShp">
+    <dgm:fillClrLst meth="repeat">
+      <a:schemeClr val="accent1">
+        <a:tint val="60000"/>
+      </a:schemeClr>
+    </dgm:fillClrLst>
+    <dgm:linClrLst meth="repeat">
+      <a:schemeClr val="lt1"/>
+    </dgm:linClrLst>
+    <dgm:effectClrLst/>
+    <dgm:txLinClrLst/>
+    <dgm:txFillClrLst meth="repeat">
+      <a:schemeClr val="dk1"/>
+    </dgm:txFillClrLst>
+    <dgm:txEffectClrLst/>
+  </dgm:styleLbl>
+  <dgm:styleLbl name="revTx">
+    <dgm:fillClrLst meth="repeat">
+      <a:schemeClr val="lt1">
+        <a:alpha val="0"/>
+      </a:schemeClr>
+    </dgm:fillClrLst>
+    <dgm:linClrLst meth="repeat">
+      <a:schemeClr val="dk1">
+        <a:alpha val="0"/>
+      </a:schemeClr>
+    </dgm:linClrLst>
+    <dgm:effectClrLst/>
+    <dgm:txLinClrLst/>
+    <dgm:txFillClrLst meth="repeat">
+      <a:schemeClr val="tx1"/>
+    </dgm:txFillClrLst>
+    <dgm:txEffectClrLst/>
+  </dgm:styleLbl>
+</dgm:colorsDef>
+</file>
+
+<file path=ppt/diagrams/data1.xml><?xml version="1.0" encoding="utf-8"?>
+<dgm:dataModel xmlns:dgm="http://schemas.openxmlformats.org/drawingml/2006/diagram" xmlns:a="http://schemas.openxmlformats.org/drawingml/2006/main">
+  <dgm:ptLst>
+    <dgm:pt modelId="{352019CB-D1D9-4674-B87E-782D4A6775F9}" type="doc">
+      <dgm:prSet loTypeId="urn:microsoft.com/office/officeart/2005/8/layout/cycle7" loCatId="cycle" qsTypeId="urn:microsoft.com/office/officeart/2005/8/quickstyle/simple1" qsCatId="simple" csTypeId="urn:microsoft.com/office/officeart/2005/8/colors/accent1_2" csCatId="accent1" phldr="1"/>
+      <dgm:spPr/>
+      <dgm:t>
+        <a:bodyPr/>
+        <a:lstStyle/>
+        <a:p>
+          <a:endParaRPr lang="en-US"/>
+        </a:p>
+      </dgm:t>
+    </dgm:pt>
+    <dgm:pt modelId="{4B1556E8-F5CF-4D41-8FBA-B2F7AB4553EF}">
+      <dgm:prSet phldrT="[Text]"/>
+      <dgm:spPr/>
+      <dgm:t>
+        <a:bodyPr/>
+        <a:lstStyle/>
+        <a:p>
+          <a:r>
+            <a:rPr lang="en-US" dirty="0" smtClean="0"/>
+            <a:t>View</a:t>
+          </a:r>
+          <a:endParaRPr lang="en-US" dirty="0"/>
+        </a:p>
+      </dgm:t>
+    </dgm:pt>
+    <dgm:pt modelId="{BB3208D9-CBC3-4EDB-BBC5-468D2B518E69}" type="parTrans" cxnId="{033727FD-7776-4954-914C-0E5D368EB434}">
+      <dgm:prSet/>
+      <dgm:spPr/>
+      <dgm:t>
+        <a:bodyPr/>
+        <a:lstStyle/>
+        <a:p>
+          <a:endParaRPr lang="en-US"/>
+        </a:p>
+      </dgm:t>
+    </dgm:pt>
+    <dgm:pt modelId="{D5C5D3E2-9734-43E0-B46A-7A19F3F3A476}" type="sibTrans" cxnId="{033727FD-7776-4954-914C-0E5D368EB434}">
+      <dgm:prSet/>
+      <dgm:spPr/>
+      <dgm:t>
+        <a:bodyPr/>
+        <a:lstStyle/>
+        <a:p>
+          <a:endParaRPr lang="en-US"/>
+        </a:p>
+      </dgm:t>
+    </dgm:pt>
+    <dgm:pt modelId="{983D1BC6-FD9C-4AB5-9E64-19F23753F277}">
+      <dgm:prSet phldrT="[Text]"/>
+      <dgm:spPr/>
+      <dgm:t>
+        <a:bodyPr/>
+        <a:lstStyle/>
+        <a:p>
+          <a:r>
+            <a:rPr lang="en-US" dirty="0" smtClean="0"/>
+            <a:t>Model</a:t>
+          </a:r>
+          <a:endParaRPr lang="en-US" dirty="0"/>
+        </a:p>
+      </dgm:t>
+    </dgm:pt>
+    <dgm:pt modelId="{F03CFC87-DB8A-442F-A2AD-95EECE8B6EEA}" type="parTrans" cxnId="{58A01C45-B3A0-44CB-9EB5-520FA848EC6A}">
+      <dgm:prSet/>
+      <dgm:spPr/>
+      <dgm:t>
+        <a:bodyPr/>
+        <a:lstStyle/>
+        <a:p>
+          <a:endParaRPr lang="en-US"/>
+        </a:p>
+      </dgm:t>
+    </dgm:pt>
+    <dgm:pt modelId="{79F67E3A-9054-440B-91E4-1AD06C2824A7}" type="sibTrans" cxnId="{58A01C45-B3A0-44CB-9EB5-520FA848EC6A}">
+      <dgm:prSet/>
+      <dgm:spPr/>
+      <dgm:t>
+        <a:bodyPr/>
+        <a:lstStyle/>
+        <a:p>
+          <a:endParaRPr lang="en-US"/>
+        </a:p>
+      </dgm:t>
+    </dgm:pt>
+    <dgm:pt modelId="{939559D2-0140-4139-8FCB-AC0F35E5E5E7}">
+      <dgm:prSet phldrT="[Text]" phldr="1"/>
+      <dgm:spPr/>
+      <dgm:t>
+        <a:bodyPr/>
+        <a:lstStyle/>
+        <a:p>
+          <a:endParaRPr lang="en-US" dirty="0"/>
+        </a:p>
+      </dgm:t>
+    </dgm:pt>
+    <dgm:pt modelId="{A03C335E-F3B0-4717-890E-6889F0DBFD12}" type="parTrans" cxnId="{E02A90CC-76A1-4BE4-9A1A-7DE2CD775B03}">
+      <dgm:prSet/>
+      <dgm:spPr/>
+      <dgm:t>
+        <a:bodyPr/>
+        <a:lstStyle/>
+        <a:p>
+          <a:endParaRPr lang="en-US"/>
+        </a:p>
+      </dgm:t>
+    </dgm:pt>
+    <dgm:pt modelId="{84534A6B-C25A-40F7-B05B-CD01A1156120}" type="sibTrans" cxnId="{E02A90CC-76A1-4BE4-9A1A-7DE2CD775B03}">
+      <dgm:prSet/>
+      <dgm:spPr/>
+      <dgm:t>
+        <a:bodyPr/>
+        <a:lstStyle/>
+        <a:p>
+          <a:endParaRPr lang="en-US"/>
+        </a:p>
+      </dgm:t>
+    </dgm:pt>
+    <dgm:pt modelId="{5E585C82-6E29-4881-AA02-503F5E4CA8AC}" type="pres">
+      <dgm:prSet presAssocID="{352019CB-D1D9-4674-B87E-782D4A6775F9}" presName="Name0" presStyleCnt="0">
+        <dgm:presLayoutVars>
+          <dgm:dir/>
+          <dgm:resizeHandles val="exact"/>
+        </dgm:presLayoutVars>
+      </dgm:prSet>
+      <dgm:spPr/>
+    </dgm:pt>
+    <dgm:pt modelId="{703904BF-859F-4A67-8969-188D8E518219}" type="pres">
+      <dgm:prSet presAssocID="{4B1556E8-F5CF-4D41-8FBA-B2F7AB4553EF}" presName="node" presStyleLbl="node1" presStyleIdx="0" presStyleCnt="3">
+        <dgm:presLayoutVars>
+          <dgm:bulletEnabled val="1"/>
+        </dgm:presLayoutVars>
+      </dgm:prSet>
+      <dgm:spPr/>
+    </dgm:pt>
+    <dgm:pt modelId="{679B943D-8192-44A6-B2F1-EA46AED7D9EB}" type="pres">
+      <dgm:prSet presAssocID="{D5C5D3E2-9734-43E0-B46A-7A19F3F3A476}" presName="sibTrans" presStyleLbl="sibTrans2D1" presStyleIdx="0" presStyleCnt="3"/>
+      <dgm:spPr/>
+    </dgm:pt>
+    <dgm:pt modelId="{02B4D60E-6B03-4AC4-B847-EB3E825872B3}" type="pres">
+      <dgm:prSet presAssocID="{D5C5D3E2-9734-43E0-B46A-7A19F3F3A476}" presName="connectorText" presStyleLbl="sibTrans2D1" presStyleIdx="0" presStyleCnt="3"/>
+      <dgm:spPr/>
+    </dgm:pt>
+    <dgm:pt modelId="{FFB0C39E-E212-4EA8-86B4-EF94CFB087E9}" type="pres">
+      <dgm:prSet presAssocID="{983D1BC6-FD9C-4AB5-9E64-19F23753F277}" presName="node" presStyleLbl="node1" presStyleIdx="1" presStyleCnt="3">
+        <dgm:presLayoutVars>
+          <dgm:bulletEnabled val="1"/>
+        </dgm:presLayoutVars>
+      </dgm:prSet>
+      <dgm:spPr/>
+    </dgm:pt>
+    <dgm:pt modelId="{F55E8144-DADC-43C0-AE5C-93A9BA46206F}" type="pres">
+      <dgm:prSet presAssocID="{79F67E3A-9054-440B-91E4-1AD06C2824A7}" presName="sibTrans" presStyleLbl="sibTrans2D1" presStyleIdx="1" presStyleCnt="3"/>
+      <dgm:spPr/>
+    </dgm:pt>
+    <dgm:pt modelId="{FBF7E9CA-D698-4D3D-92CF-58E9ADB5BA33}" type="pres">
+      <dgm:prSet presAssocID="{79F67E3A-9054-440B-91E4-1AD06C2824A7}" presName="connectorText" presStyleLbl="sibTrans2D1" presStyleIdx="1" presStyleCnt="3"/>
+      <dgm:spPr/>
+    </dgm:pt>
+    <dgm:pt modelId="{4C4F5550-6351-405A-9698-CBBD6E888B5D}" type="pres">
+      <dgm:prSet presAssocID="{939559D2-0140-4139-8FCB-AC0F35E5E5E7}" presName="node" presStyleLbl="node1" presStyleIdx="2" presStyleCnt="3">
+        <dgm:presLayoutVars>
+          <dgm:bulletEnabled val="1"/>
+        </dgm:presLayoutVars>
+      </dgm:prSet>
+      <dgm:spPr/>
+    </dgm:pt>
+    <dgm:pt modelId="{8A1366F2-BED0-4068-80B0-969252D71355}" type="pres">
+      <dgm:prSet presAssocID="{84534A6B-C25A-40F7-B05B-CD01A1156120}" presName="sibTrans" presStyleLbl="sibTrans2D1" presStyleIdx="2" presStyleCnt="3"/>
+      <dgm:spPr/>
+    </dgm:pt>
+    <dgm:pt modelId="{585AE069-E07A-4505-A19C-451F02065734}" type="pres">
+      <dgm:prSet presAssocID="{84534A6B-C25A-40F7-B05B-CD01A1156120}" presName="connectorText" presStyleLbl="sibTrans2D1" presStyleIdx="2" presStyleCnt="3"/>
+      <dgm:spPr/>
+    </dgm:pt>
+  </dgm:ptLst>
+  <dgm:cxnLst>
+    <dgm:cxn modelId="{CD03ECFD-586A-4685-9DED-693750B58519}" type="presOf" srcId="{D5C5D3E2-9734-43E0-B46A-7A19F3F3A476}" destId="{02B4D60E-6B03-4AC4-B847-EB3E825872B3}" srcOrd="1" destOrd="0" presId="urn:microsoft.com/office/officeart/2005/8/layout/cycle7"/>
+    <dgm:cxn modelId="{244CD8A1-AC54-4686-99E3-5908BE35A758}" type="presOf" srcId="{D5C5D3E2-9734-43E0-B46A-7A19F3F3A476}" destId="{679B943D-8192-44A6-B2F1-EA46AED7D9EB}" srcOrd="0" destOrd="0" presId="urn:microsoft.com/office/officeart/2005/8/layout/cycle7"/>
+    <dgm:cxn modelId="{93EA3083-B173-48CD-A2B0-1131712A8458}" type="presOf" srcId="{79F67E3A-9054-440B-91E4-1AD06C2824A7}" destId="{F55E8144-DADC-43C0-AE5C-93A9BA46206F}" srcOrd="0" destOrd="0" presId="urn:microsoft.com/office/officeart/2005/8/layout/cycle7"/>
+    <dgm:cxn modelId="{E02A90CC-76A1-4BE4-9A1A-7DE2CD775B03}" srcId="{352019CB-D1D9-4674-B87E-782D4A6775F9}" destId="{939559D2-0140-4139-8FCB-AC0F35E5E5E7}" srcOrd="2" destOrd="0" parTransId="{A03C335E-F3B0-4717-890E-6889F0DBFD12}" sibTransId="{84534A6B-C25A-40F7-B05B-CD01A1156120}"/>
+    <dgm:cxn modelId="{7FAB2706-E6BC-464B-A94A-26ED6AF07903}" type="presOf" srcId="{84534A6B-C25A-40F7-B05B-CD01A1156120}" destId="{585AE069-E07A-4505-A19C-451F02065734}" srcOrd="1" destOrd="0" presId="urn:microsoft.com/office/officeart/2005/8/layout/cycle7"/>
+    <dgm:cxn modelId="{033727FD-7776-4954-914C-0E5D368EB434}" srcId="{352019CB-D1D9-4674-B87E-782D4A6775F9}" destId="{4B1556E8-F5CF-4D41-8FBA-B2F7AB4553EF}" srcOrd="0" destOrd="0" parTransId="{BB3208D9-CBC3-4EDB-BBC5-468D2B518E69}" sibTransId="{D5C5D3E2-9734-43E0-B46A-7A19F3F3A476}"/>
+    <dgm:cxn modelId="{0FE44365-B1ED-4A86-9BAE-E4B247218D53}" type="presOf" srcId="{79F67E3A-9054-440B-91E4-1AD06C2824A7}" destId="{FBF7E9CA-D698-4D3D-92CF-58E9ADB5BA33}" srcOrd="1" destOrd="0" presId="urn:microsoft.com/office/officeart/2005/8/layout/cycle7"/>
+    <dgm:cxn modelId="{7D8C4CEA-36EB-43BB-8F56-B561593A8D01}" type="presOf" srcId="{4B1556E8-F5CF-4D41-8FBA-B2F7AB4553EF}" destId="{703904BF-859F-4A67-8969-188D8E518219}" srcOrd="0" destOrd="0" presId="urn:microsoft.com/office/officeart/2005/8/layout/cycle7"/>
+    <dgm:cxn modelId="{EB911450-B9C7-4108-8FEF-30DDA698A538}" type="presOf" srcId="{939559D2-0140-4139-8FCB-AC0F35E5E5E7}" destId="{4C4F5550-6351-405A-9698-CBBD6E888B5D}" srcOrd="0" destOrd="0" presId="urn:microsoft.com/office/officeart/2005/8/layout/cycle7"/>
+    <dgm:cxn modelId="{25087288-76C2-4D0D-8DD5-6C7ECDF3FAB3}" type="presOf" srcId="{983D1BC6-FD9C-4AB5-9E64-19F23753F277}" destId="{FFB0C39E-E212-4EA8-86B4-EF94CFB087E9}" srcOrd="0" destOrd="0" presId="urn:microsoft.com/office/officeart/2005/8/layout/cycle7"/>
+    <dgm:cxn modelId="{7F471B01-8B8D-4661-8ED1-3DD390C913EC}" type="presOf" srcId="{84534A6B-C25A-40F7-B05B-CD01A1156120}" destId="{8A1366F2-BED0-4068-80B0-969252D71355}" srcOrd="0" destOrd="0" presId="urn:microsoft.com/office/officeart/2005/8/layout/cycle7"/>
+    <dgm:cxn modelId="{295D2D50-37BB-479E-B63F-FF0A754AF7E4}" type="presOf" srcId="{352019CB-D1D9-4674-B87E-782D4A6775F9}" destId="{5E585C82-6E29-4881-AA02-503F5E4CA8AC}" srcOrd="0" destOrd="0" presId="urn:microsoft.com/office/officeart/2005/8/layout/cycle7"/>
+    <dgm:cxn modelId="{58A01C45-B3A0-44CB-9EB5-520FA848EC6A}" srcId="{352019CB-D1D9-4674-B87E-782D4A6775F9}" destId="{983D1BC6-FD9C-4AB5-9E64-19F23753F277}" srcOrd="1" destOrd="0" parTransId="{F03CFC87-DB8A-442F-A2AD-95EECE8B6EEA}" sibTransId="{79F67E3A-9054-440B-91E4-1AD06C2824A7}"/>
+    <dgm:cxn modelId="{4F741A64-EBA0-43EA-A225-4F563AEF6B38}" type="presParOf" srcId="{5E585C82-6E29-4881-AA02-503F5E4CA8AC}" destId="{703904BF-859F-4A67-8969-188D8E518219}" srcOrd="0" destOrd="0" presId="urn:microsoft.com/office/officeart/2005/8/layout/cycle7"/>
+    <dgm:cxn modelId="{FAF34F9A-A21D-47E5-B914-3794C097502F}" type="presParOf" srcId="{5E585C82-6E29-4881-AA02-503F5E4CA8AC}" destId="{679B943D-8192-44A6-B2F1-EA46AED7D9EB}" srcOrd="1" destOrd="0" presId="urn:microsoft.com/office/officeart/2005/8/layout/cycle7"/>
+    <dgm:cxn modelId="{B9F34750-04FB-4619-818B-4D1A9864F81E}" type="presParOf" srcId="{679B943D-8192-44A6-B2F1-EA46AED7D9EB}" destId="{02B4D60E-6B03-4AC4-B847-EB3E825872B3}" srcOrd="0" destOrd="0" presId="urn:microsoft.com/office/officeart/2005/8/layout/cycle7"/>
+    <dgm:cxn modelId="{364BDD33-8A0E-432A-94D5-FB05B332D226}" type="presParOf" srcId="{5E585C82-6E29-4881-AA02-503F5E4CA8AC}" destId="{FFB0C39E-E212-4EA8-86B4-EF94CFB087E9}" srcOrd="2" destOrd="0" presId="urn:microsoft.com/office/officeart/2005/8/layout/cycle7"/>
+    <dgm:cxn modelId="{07FACF75-321A-42A1-BB20-1421D6A3E833}" type="presParOf" srcId="{5E585C82-6E29-4881-AA02-503F5E4CA8AC}" destId="{F55E8144-DADC-43C0-AE5C-93A9BA46206F}" srcOrd="3" destOrd="0" presId="urn:microsoft.com/office/officeart/2005/8/layout/cycle7"/>
+    <dgm:cxn modelId="{DBD3A78D-288C-4A39-9855-8CD4BCA7EB63}" type="presParOf" srcId="{F55E8144-DADC-43C0-AE5C-93A9BA46206F}" destId="{FBF7E9CA-D698-4D3D-92CF-58E9ADB5BA33}" srcOrd="0" destOrd="0" presId="urn:microsoft.com/office/officeart/2005/8/layout/cycle7"/>
+    <dgm:cxn modelId="{8601A325-EF57-4123-BA55-961AC7FF5C65}" type="presParOf" srcId="{5E585C82-6E29-4881-AA02-503F5E4CA8AC}" destId="{4C4F5550-6351-405A-9698-CBBD6E888B5D}" srcOrd="4" destOrd="0" presId="urn:microsoft.com/office/officeart/2005/8/layout/cycle7"/>
+    <dgm:cxn modelId="{9FC3B57B-4BCF-473A-BDB7-197FDF074F54}" type="presParOf" srcId="{5E585C82-6E29-4881-AA02-503F5E4CA8AC}" destId="{8A1366F2-BED0-4068-80B0-969252D71355}" srcOrd="5" destOrd="0" presId="urn:microsoft.com/office/officeart/2005/8/layout/cycle7"/>
+    <dgm:cxn modelId="{37D5F703-5F1A-4BFF-9A9C-4E21FC65070D}" type="presParOf" srcId="{8A1366F2-BED0-4068-80B0-969252D71355}" destId="{585AE069-E07A-4505-A19C-451F02065734}" srcOrd="0" destOrd="0" presId="urn:microsoft.com/office/officeart/2005/8/layout/cycle7"/>
+  </dgm:cxnLst>
+  <dgm:bg/>
+  <dgm:whole/>
+  <dgm:extLst>
+    <a:ext uri="http://schemas.microsoft.com/office/drawing/2008/diagram">
+      <dsp:dataModelExt xmlns:dsp="http://schemas.microsoft.com/office/drawing/2008/diagram" relId="rId6" minVer="http://schemas.openxmlformats.org/drawingml/2006/diagram"/>
+    </a:ext>
+  </dgm:extLst>
+</dgm:dataModel>
+</file>
+
+<file path=ppt/diagrams/drawing1.xml><?xml version="1.0" encoding="utf-8"?>
+<dsp:drawing xmlns:dgm="http://schemas.openxmlformats.org/drawingml/2006/diagram" xmlns:dsp="http://schemas.microsoft.com/office/drawing/2008/diagram" xmlns:a="http://schemas.openxmlformats.org/drawingml/2006/main">
+  <dsp:spTree>
+    <dsp:nvGrpSpPr>
+      <dsp:cNvPr id="0" name=""/>
+      <dsp:cNvGrpSpPr/>
+    </dsp:nvGrpSpPr>
+    <dsp:grpSpPr/>
+    <dsp:sp modelId="{703904BF-859F-4A67-8969-188D8E518219}">
+      <dsp:nvSpPr>
+        <dsp:cNvPr id="0" name=""/>
+        <dsp:cNvSpPr/>
+      </dsp:nvSpPr>
+      <dsp:spPr>
+        <a:xfrm>
+          <a:off x="2943448" y="1529"/>
+          <a:ext cx="2342703" cy="1171351"/>
+        </a:xfrm>
+        <a:prstGeom prst="roundRect">
+          <a:avLst>
+            <a:gd name="adj" fmla="val 10000"/>
+          </a:avLst>
+        </a:prstGeom>
+        <a:solidFill>
+          <a:schemeClr val="accent1">
+            <a:hueOff val="0"/>
+            <a:satOff val="0"/>
+            <a:lumOff val="0"/>
+            <a:alphaOff val="0"/>
+          </a:schemeClr>
+        </a:solidFill>
+        <a:ln w="25400" cap="flat" cmpd="sng" algn="ctr">
+          <a:solidFill>
+            <a:schemeClr val="lt1">
+              <a:hueOff val="0"/>
+              <a:satOff val="0"/>
+              <a:lumOff val="0"/>
+              <a:alphaOff val="0"/>
+            </a:schemeClr>
+          </a:solidFill>
+          <a:prstDash val="solid"/>
+        </a:ln>
+        <a:effectLst/>
+      </dsp:spPr>
+      <dsp:style>
+        <a:lnRef idx="2">
+          <a:scrgbClr r="0" g="0" b="0"/>
+        </a:lnRef>
+        <a:fillRef idx="1">
+          <a:scrgbClr r="0" g="0" b="0"/>
+        </a:fillRef>
+        <a:effectRef idx="0">
+          <a:scrgbClr r="0" g="0" b="0"/>
+        </a:effectRef>
+        <a:fontRef idx="minor">
+          <a:schemeClr val="lt1"/>
+        </a:fontRef>
+      </dsp:style>
+      <dsp:txBody>
+        <a:bodyPr spcFirstLastPara="0" vert="horz" wrap="square" lIns="194310" tIns="194310" rIns="194310" bIns="194310" numCol="1" spcCol="1270" anchor="ctr" anchorCtr="0">
+          <a:noAutofit/>
+        </a:bodyPr>
+        <a:lstStyle/>
+        <a:p>
+          <a:pPr lvl="0" algn="ctr" defTabSz="2266950">
+            <a:lnSpc>
+              <a:spcPct val="90000"/>
+            </a:lnSpc>
+            <a:spcBef>
+              <a:spcPct val="0"/>
+            </a:spcBef>
+            <a:spcAft>
+              <a:spcPct val="35000"/>
+            </a:spcAft>
+          </a:pPr>
+          <a:r>
+            <a:rPr lang="en-US" sz="5100" kern="1200" dirty="0" smtClean="0"/>
+            <a:t>View</a:t>
+          </a:r>
+          <a:endParaRPr lang="en-US" sz="5100" kern="1200" dirty="0"/>
+        </a:p>
+      </dsp:txBody>
+      <dsp:txXfrm>
+        <a:off x="2977756" y="35837"/>
+        <a:ext cx="2274087" cy="1102735"/>
+      </dsp:txXfrm>
+    </dsp:sp>
+    <dsp:sp modelId="{679B943D-8192-44A6-B2F1-EA46AED7D9EB}">
+      <dsp:nvSpPr>
+        <dsp:cNvPr id="0" name=""/>
+        <dsp:cNvSpPr/>
+      </dsp:nvSpPr>
+      <dsp:spPr>
+        <a:xfrm rot="3600000">
+          <a:off x="4471375" y="2057994"/>
+          <a:ext cx="1221869" cy="409973"/>
+        </a:xfrm>
+        <a:prstGeom prst="leftRightArrow">
+          <a:avLst>
+            <a:gd name="adj1" fmla="val 60000"/>
+            <a:gd name="adj2" fmla="val 50000"/>
+          </a:avLst>
+        </a:prstGeom>
+        <a:solidFill>
+          <a:schemeClr val="accent1">
+            <a:tint val="60000"/>
+            <a:hueOff val="0"/>
+            <a:satOff val="0"/>
+            <a:lumOff val="0"/>
+            <a:alphaOff val="0"/>
+          </a:schemeClr>
+        </a:solidFill>
+        <a:ln>
+          <a:noFill/>
+        </a:ln>
+        <a:effectLst/>
+      </dsp:spPr>
+      <dsp:style>
+        <a:lnRef idx="0">
+          <a:scrgbClr r="0" g="0" b="0"/>
+        </a:lnRef>
+        <a:fillRef idx="1">
+          <a:scrgbClr r="0" g="0" b="0"/>
+        </a:fillRef>
+        <a:effectRef idx="0">
+          <a:scrgbClr r="0" g="0" b="0"/>
+        </a:effectRef>
+        <a:fontRef idx="minor">
+          <a:schemeClr val="lt1"/>
+        </a:fontRef>
+      </dsp:style>
+      <dsp:txBody>
+        <a:bodyPr spcFirstLastPara="0" vert="horz" wrap="square" lIns="0" tIns="0" rIns="0" bIns="0" numCol="1" spcCol="1270" anchor="ctr" anchorCtr="0">
+          <a:noAutofit/>
+        </a:bodyPr>
+        <a:lstStyle/>
+        <a:p>
+          <a:pPr lvl="0" algn="ctr" defTabSz="755650">
+            <a:lnSpc>
+              <a:spcPct val="90000"/>
+            </a:lnSpc>
+            <a:spcBef>
+              <a:spcPct val="0"/>
+            </a:spcBef>
+            <a:spcAft>
+              <a:spcPct val="35000"/>
+            </a:spcAft>
+          </a:pPr>
+          <a:endParaRPr lang="en-US" sz="1700" kern="1200"/>
+        </a:p>
+      </dsp:txBody>
+      <dsp:txXfrm>
+        <a:off x="4594367" y="2139989"/>
+        <a:ext cx="975885" cy="245983"/>
+      </dsp:txXfrm>
+    </dsp:sp>
+    <dsp:sp modelId="{FFB0C39E-E212-4EA8-86B4-EF94CFB087E9}">
+      <dsp:nvSpPr>
+        <dsp:cNvPr id="0" name=""/>
+        <dsp:cNvSpPr/>
+      </dsp:nvSpPr>
+      <dsp:spPr>
+        <a:xfrm>
+          <a:off x="4878468" y="3353082"/>
+          <a:ext cx="2342703" cy="1171351"/>
+        </a:xfrm>
+        <a:prstGeom prst="roundRect">
+          <a:avLst>
+            <a:gd name="adj" fmla="val 10000"/>
+          </a:avLst>
+        </a:prstGeom>
+        <a:solidFill>
+          <a:schemeClr val="accent1">
+            <a:hueOff val="0"/>
+            <a:satOff val="0"/>
+            <a:lumOff val="0"/>
+            <a:alphaOff val="0"/>
+          </a:schemeClr>
+        </a:solidFill>
+        <a:ln w="25400" cap="flat" cmpd="sng" algn="ctr">
+          <a:solidFill>
+            <a:schemeClr val="lt1">
+              <a:hueOff val="0"/>
+              <a:satOff val="0"/>
+              <a:lumOff val="0"/>
+              <a:alphaOff val="0"/>
+            </a:schemeClr>
+          </a:solidFill>
+          <a:prstDash val="solid"/>
+        </a:ln>
+        <a:effectLst/>
+      </dsp:spPr>
+      <dsp:style>
+        <a:lnRef idx="2">
+          <a:scrgbClr r="0" g="0" b="0"/>
+        </a:lnRef>
+        <a:fillRef idx="1">
+          <a:scrgbClr r="0" g="0" b="0"/>
+        </a:fillRef>
+        <a:effectRef idx="0">
+          <a:scrgbClr r="0" g="0" b="0"/>
+        </a:effectRef>
+        <a:fontRef idx="minor">
+          <a:schemeClr val="lt1"/>
+        </a:fontRef>
+      </dsp:style>
+      <dsp:txBody>
+        <a:bodyPr spcFirstLastPara="0" vert="horz" wrap="square" lIns="194310" tIns="194310" rIns="194310" bIns="194310" numCol="1" spcCol="1270" anchor="ctr" anchorCtr="0">
+          <a:noAutofit/>
+        </a:bodyPr>
+        <a:lstStyle/>
+        <a:p>
+          <a:pPr lvl="0" algn="ctr" defTabSz="2266950">
+            <a:lnSpc>
+              <a:spcPct val="90000"/>
+            </a:lnSpc>
+            <a:spcBef>
+              <a:spcPct val="0"/>
+            </a:spcBef>
+            <a:spcAft>
+              <a:spcPct val="35000"/>
+            </a:spcAft>
+          </a:pPr>
+          <a:r>
+            <a:rPr lang="en-US" sz="5100" kern="1200" dirty="0" smtClean="0"/>
+            <a:t>Model</a:t>
+          </a:r>
+          <a:endParaRPr lang="en-US" sz="5100" kern="1200" dirty="0"/>
+        </a:p>
+      </dsp:txBody>
+      <dsp:txXfrm>
+        <a:off x="4912776" y="3387390"/>
+        <a:ext cx="2274087" cy="1102735"/>
+      </dsp:txXfrm>
+    </dsp:sp>
+    <dsp:sp modelId="{F55E8144-DADC-43C0-AE5C-93A9BA46206F}">
+      <dsp:nvSpPr>
+        <dsp:cNvPr id="0" name=""/>
+        <dsp:cNvSpPr/>
+      </dsp:nvSpPr>
+      <dsp:spPr>
+        <a:xfrm rot="10800000">
+          <a:off x="3503865" y="3733771"/>
+          <a:ext cx="1221869" cy="409973"/>
+        </a:xfrm>
+        <a:prstGeom prst="leftRightArrow">
+          <a:avLst>
+            <a:gd name="adj1" fmla="val 60000"/>
+            <a:gd name="adj2" fmla="val 50000"/>
+          </a:avLst>
+        </a:prstGeom>
+        <a:solidFill>
+          <a:schemeClr val="accent1">
+            <a:tint val="60000"/>
+            <a:hueOff val="0"/>
+            <a:satOff val="0"/>
+            <a:lumOff val="0"/>
+            <a:alphaOff val="0"/>
+          </a:schemeClr>
+        </a:solidFill>
+        <a:ln>
+          <a:noFill/>
+        </a:ln>
+        <a:effectLst/>
+      </dsp:spPr>
+      <dsp:style>
+        <a:lnRef idx="0">
+          <a:scrgbClr r="0" g="0" b="0"/>
+        </a:lnRef>
+        <a:fillRef idx="1">
+          <a:scrgbClr r="0" g="0" b="0"/>
+        </a:fillRef>
+        <a:effectRef idx="0">
+          <a:scrgbClr r="0" g="0" b="0"/>
+        </a:effectRef>
+        <a:fontRef idx="minor">
+          <a:schemeClr val="lt1"/>
+        </a:fontRef>
+      </dsp:style>
+      <dsp:txBody>
+        <a:bodyPr spcFirstLastPara="0" vert="horz" wrap="square" lIns="0" tIns="0" rIns="0" bIns="0" numCol="1" spcCol="1270" anchor="ctr" anchorCtr="0">
+          <a:noAutofit/>
+        </a:bodyPr>
+        <a:lstStyle/>
+        <a:p>
+          <a:pPr lvl="0" algn="ctr" defTabSz="755650">
+            <a:lnSpc>
+              <a:spcPct val="90000"/>
+            </a:lnSpc>
+            <a:spcBef>
+              <a:spcPct val="0"/>
+            </a:spcBef>
+            <a:spcAft>
+              <a:spcPct val="35000"/>
+            </a:spcAft>
+          </a:pPr>
+          <a:endParaRPr lang="en-US" sz="1700" kern="1200"/>
+        </a:p>
+      </dsp:txBody>
+      <dsp:txXfrm rot="10800000">
+        <a:off x="3626857" y="3815766"/>
+        <a:ext cx="975885" cy="245983"/>
+      </dsp:txXfrm>
+    </dsp:sp>
+    <dsp:sp modelId="{4C4F5550-6351-405A-9698-CBBD6E888B5D}">
+      <dsp:nvSpPr>
+        <dsp:cNvPr id="0" name=""/>
+        <dsp:cNvSpPr/>
+      </dsp:nvSpPr>
+      <dsp:spPr>
+        <a:xfrm>
+          <a:off x="1008428" y="3353082"/>
+          <a:ext cx="2342703" cy="1171351"/>
+        </a:xfrm>
+        <a:prstGeom prst="roundRect">
+          <a:avLst>
+            <a:gd name="adj" fmla="val 10000"/>
+          </a:avLst>
+        </a:prstGeom>
+        <a:solidFill>
+          <a:schemeClr val="accent1">
+            <a:hueOff val="0"/>
+            <a:satOff val="0"/>
+            <a:lumOff val="0"/>
+            <a:alphaOff val="0"/>
+          </a:schemeClr>
+        </a:solidFill>
+        <a:ln w="25400" cap="flat" cmpd="sng" algn="ctr">
+          <a:solidFill>
+            <a:schemeClr val="lt1">
+              <a:hueOff val="0"/>
+              <a:satOff val="0"/>
+              <a:lumOff val="0"/>
+              <a:alphaOff val="0"/>
+            </a:schemeClr>
+          </a:solidFill>
+          <a:prstDash val="solid"/>
+        </a:ln>
+        <a:effectLst/>
+      </dsp:spPr>
+      <dsp:style>
+        <a:lnRef idx="2">
+          <a:scrgbClr r="0" g="0" b="0"/>
+        </a:lnRef>
+        <a:fillRef idx="1">
+          <a:scrgbClr r="0" g="0" b="0"/>
+        </a:fillRef>
+        <a:effectRef idx="0">
+          <a:scrgbClr r="0" g="0" b="0"/>
+        </a:effectRef>
+        <a:fontRef idx="minor">
+          <a:schemeClr val="lt1"/>
+        </a:fontRef>
+      </dsp:style>
+      <dsp:txBody>
+        <a:bodyPr spcFirstLastPara="0" vert="horz" wrap="square" lIns="194310" tIns="194310" rIns="194310" bIns="194310" numCol="1" spcCol="1270" anchor="ctr" anchorCtr="0">
+          <a:noAutofit/>
+        </a:bodyPr>
+        <a:lstStyle/>
+        <a:p>
+          <a:pPr lvl="0" algn="ctr" defTabSz="2266950">
+            <a:lnSpc>
+              <a:spcPct val="90000"/>
+            </a:lnSpc>
+            <a:spcBef>
+              <a:spcPct val="0"/>
+            </a:spcBef>
+            <a:spcAft>
+              <a:spcPct val="35000"/>
+            </a:spcAft>
+          </a:pPr>
+          <a:endParaRPr lang="en-US" sz="5100" kern="1200"/>
+        </a:p>
+      </dsp:txBody>
+      <dsp:txXfrm>
+        <a:off x="1042736" y="3387390"/>
+        <a:ext cx="2274087" cy="1102735"/>
+      </dsp:txXfrm>
+    </dsp:sp>
+    <dsp:sp modelId="{8A1366F2-BED0-4068-80B0-969252D71355}">
+      <dsp:nvSpPr>
+        <dsp:cNvPr id="0" name=""/>
+        <dsp:cNvSpPr/>
+      </dsp:nvSpPr>
+      <dsp:spPr>
+        <a:xfrm rot="18000000">
+          <a:off x="2536355" y="2057994"/>
+          <a:ext cx="1221869" cy="409973"/>
+        </a:xfrm>
+        <a:prstGeom prst="leftRightArrow">
+          <a:avLst>
+            <a:gd name="adj1" fmla="val 60000"/>
+            <a:gd name="adj2" fmla="val 50000"/>
+          </a:avLst>
+        </a:prstGeom>
+        <a:solidFill>
+          <a:schemeClr val="accent1">
+            <a:tint val="60000"/>
+            <a:hueOff val="0"/>
+            <a:satOff val="0"/>
+            <a:lumOff val="0"/>
+            <a:alphaOff val="0"/>
+          </a:schemeClr>
+        </a:solidFill>
+        <a:ln>
+          <a:noFill/>
+        </a:ln>
+        <a:effectLst/>
+      </dsp:spPr>
+      <dsp:style>
+        <a:lnRef idx="0">
+          <a:scrgbClr r="0" g="0" b="0"/>
+        </a:lnRef>
+        <a:fillRef idx="1">
+          <a:scrgbClr r="0" g="0" b="0"/>
+        </a:fillRef>
+        <a:effectRef idx="0">
+          <a:scrgbClr r="0" g="0" b="0"/>
+        </a:effectRef>
+        <a:fontRef idx="minor">
+          <a:schemeClr val="lt1"/>
+        </a:fontRef>
+      </dsp:style>
+      <dsp:txBody>
+        <a:bodyPr spcFirstLastPara="0" vert="horz" wrap="square" lIns="0" tIns="0" rIns="0" bIns="0" numCol="1" spcCol="1270" anchor="ctr" anchorCtr="0">
+          <a:noAutofit/>
+        </a:bodyPr>
+        <a:lstStyle/>
+        <a:p>
+          <a:pPr lvl="0" algn="ctr" defTabSz="755650">
+            <a:lnSpc>
+              <a:spcPct val="90000"/>
+            </a:lnSpc>
+            <a:spcBef>
+              <a:spcPct val="0"/>
+            </a:spcBef>
+            <a:spcAft>
+              <a:spcPct val="35000"/>
+            </a:spcAft>
+          </a:pPr>
+          <a:endParaRPr lang="en-US" sz="1700" kern="1200"/>
+        </a:p>
+      </dsp:txBody>
+      <dsp:txXfrm>
+        <a:off x="2659347" y="2139989"/>
+        <a:ext cx="975885" cy="245983"/>
+      </dsp:txXfrm>
+    </dsp:sp>
+  </dsp:spTree>
+</dsp:drawing>
+</file>
+
+<file path=ppt/diagrams/layout1.xml><?xml version="1.0" encoding="utf-8"?>
+<dgm:layoutDef xmlns:dgm="http://schemas.openxmlformats.org/drawingml/2006/diagram" xmlns:a="http://schemas.openxmlformats.org/drawingml/2006/main" uniqueId="urn:microsoft.com/office/officeart/2005/8/layout/cycle7">
+  <dgm:title val=""/>
+  <dgm:desc val=""/>
+  <dgm:catLst>
+    <dgm:cat type="cycle" pri="6000"/>
+  </dgm:catLst>
+  <dgm:sampData>
+    <dgm:dataModel>
+      <dgm:ptLst>
+        <dgm:pt modelId="0" type="doc"/>
+        <dgm:pt modelId="1">
+          <dgm:prSet phldr="1"/>
+        </dgm:pt>
+        <dgm:pt modelId="2">
+          <dgm:prSet phldr="1"/>
+        </dgm:pt>
+        <dgm:pt modelId="3">
+          <dgm:prSet phldr="1"/>
+        </dgm:pt>
+      </dgm:ptLst>
+      <dgm:cxnLst>
+        <dgm:cxn modelId="6" srcId="0" destId="1" srcOrd="0" destOrd="0"/>
+        <dgm:cxn modelId="7" srcId="0" destId="2" srcOrd="1" destOrd="0"/>
+        <dgm:cxn modelId="8" srcId="0" destId="3" srcOrd="2" destOrd="0"/>
+      </dgm:cxnLst>
+      <dgm:bg/>
+      <dgm:whole/>
+    </dgm:dataModel>
+  </dgm:sampData>
+  <dgm:styleData>
+    <dgm:dataModel>
+      <dgm:ptLst>
+        <dgm:pt modelId="0" type="doc"/>
+        <dgm:pt modelId="1"/>
+        <dgm:pt modelId="2"/>
+        <dgm:pt modelId="3"/>
+      </dgm:ptLst>
+      <dgm:cxnLst>
+        <dgm:cxn modelId="4" srcId="0" destId="1" srcOrd="0" destOrd="0"/>
+        <dgm:cxn modelId="5" srcId="0" destId="2" srcOrd="1" destOrd="0"/>
+        <dgm:cxn modelId="6" srcId="0" destId="3" srcOrd="2" destOrd="0"/>
+      </dgm:cxnLst>
+      <dgm:bg/>
+      <dgm:whole/>
+    </dgm:dataModel>
+  </dgm:styleData>
+  <dgm:clrData>
+    <dgm:dataModel>
+      <dgm:ptLst>
+        <dgm:pt modelId="0" type="doc"/>
+        <dgm:pt modelId="1"/>
+        <dgm:pt modelId="2"/>
+        <dgm:pt modelId="3"/>
+        <dgm:pt modelId="4"/>
+        <dgm:pt modelId="5"/>
+        <dgm:pt modelId="6"/>
+      </dgm:ptLst>
+      <dgm:cxnLst>
+        <dgm:cxn modelId="7" srcId="0" destId="1" srcOrd="0" destOrd="0"/>
+        <dgm:cxn modelId="8" srcId="0" destId="2" srcOrd="1" destOrd="0"/>
+        <dgm:cxn modelId="9" srcId="0" destId="3" srcOrd="2" destOrd="0"/>
+        <dgm:cxn modelId="10" srcId="0" destId="4" srcOrd="3" destOrd="0"/>
+        <dgm:cxn modelId="11" srcId="0" destId="5" srcOrd="4" destOrd="0"/>
+        <dgm:cxn modelId="12" srcId="0" destId="6" srcOrd="5" destOrd="0"/>
+      </dgm:cxnLst>
+      <dgm:bg/>
+      <dgm:whole/>
+    </dgm:dataModel>
+  </dgm:clrData>
+  <dgm:layoutNode name="Name0">
+    <dgm:varLst>
+      <dgm:dir/>
+      <dgm:resizeHandles val="exact"/>
+    </dgm:varLst>
+    <dgm:choose name="Name1">
+      <dgm:if name="Name2" func="var" arg="dir" op="equ" val="norm">
+        <dgm:alg type="cycle">
+          <dgm:param type="stAng" val="0"/>
+          <dgm:param type="spanAng" val="360"/>
+        </dgm:alg>
+      </dgm:if>
+      <dgm:else name="Name3">
+        <dgm:alg type="cycle">
+          <dgm:param type="stAng" val="0"/>
+          <dgm:param type="spanAng" val="-360"/>
+        </dgm:alg>
+      </dgm:else>
+    </dgm:choose>
+    <dgm:shape xmlns:r="http://schemas.openxmlformats.org/officeDocument/2006/relationships" r:blip="">
+      <dgm:adjLst/>
+    </dgm:shape>
+    <dgm:presOf/>
+    <dgm:constrLst>
+      <dgm:constr type="diam" refType="w"/>
+      <dgm:constr type="w" for="ch" ptType="node" refType="w"/>
+      <dgm:constr type="primFontSz" for="ch" ptType="node" op="equ" val="65"/>
+      <dgm:constr type="w" for="ch" forName="sibTrans" refType="w" refFor="ch" refPtType="node" op="equ" fact="0.35"/>
+      <dgm:constr type="connDist" for="ch" forName="sibTrans" op="equ"/>
+      <dgm:constr type="primFontSz" for="des" forName="connectorText" op="equ" val="55"/>
+      <dgm:constr type="primFontSz" for="des" forName="connectorText" refType="primFontSz" refFor="ch" refPtType="node" op="lte" fact="0.8"/>
+      <dgm:constr type="sibSp" refType="w" refFor="ch" refPtType="node" op="equ" fact="0.65"/>
+    </dgm:constrLst>
+    <dgm:ruleLst/>
+    <dgm:forEach name="nodesForEach" axis="ch" ptType="node">
+      <dgm:layoutNode name="node">
+        <dgm:varLst>
+          <dgm:bulletEnabled val="1"/>
+        </dgm:varLst>
+        <dgm:alg type="tx"/>
+        <dgm:shape xmlns:r="http://schemas.openxmlformats.org/officeDocument/2006/relationships" type="roundRect" r:blip="">
+          <dgm:adjLst>
+            <dgm:adj idx="1" val="0.1"/>
+          </dgm:adjLst>
+        </dgm:shape>
+        <dgm:presOf axis="desOrSelf" ptType="node"/>
+        <dgm:constrLst>
+          <dgm:constr type="h" refType="w" fact="0.5"/>
+          <dgm:constr type="tMarg" refType="primFontSz" fact="0.3"/>
+          <dgm:constr type="bMarg" refType="primFontSz" fact="0.3"/>
+          <dgm:constr type="lMarg" refType="primFontSz" fact="0.3"/>
+          <dgm:constr type="rMarg" refType="primFontSz" fact="0.3"/>
+        </dgm:constrLst>
+        <dgm:ruleLst>
+          <dgm:rule type="primFontSz" val="5" fact="NaN" max="NaN"/>
+        </dgm:ruleLst>
+      </dgm:layoutNode>
+      <dgm:choose name="Name4">
+        <dgm:if name="Name5" axis="par ch" ptType="doc node" func="cnt" op="gt" val="1">
+          <dgm:forEach name="sibTransForEach" axis="followSib" ptType="sibTrans" hideLastTrans="0" cnt="1">
+            <dgm:layoutNode name="sibTrans">
+              <dgm:choose name="Name6">
+                <dgm:if name="Name7" axis="par ch" ptType="doc node" func="posEven" op="equ" val="1">
+                  <dgm:alg type="conn">
+                    <dgm:param type="begPts" val="radial"/>
+                    <dgm:param type="endPts" val="radial"/>
+                    <dgm:param type="begSty" val="arr"/>
+                    <dgm:param type="endSty" val="arr"/>
+                  </dgm:alg>
+                </dgm:if>
+                <dgm:else name="Name8">
+                  <dgm:alg type="conn">
+                    <dgm:param type="begPts" val="auto"/>
+                    <dgm:param type="endPts" val="auto"/>
+                    <dgm:param type="begSty" val="arr"/>
+                    <dgm:param type="endSty" val="arr"/>
+                  </dgm:alg>
+                </dgm:else>
+              </dgm:choose>
+              <dgm:shape xmlns:r="http://schemas.openxmlformats.org/officeDocument/2006/relationships" type="conn" r:blip="">
+                <dgm:adjLst/>
+              </dgm:shape>
+              <dgm:presOf axis="self"/>
+              <dgm:constrLst>
+                <dgm:constr type="h" refType="w" fact="0.5"/>
+                <dgm:constr type="connDist"/>
+                <dgm:constr type="begPad" refType="connDist" fact="0.1"/>
+                <dgm:constr type="endPad" refType="connDist" fact="0.1"/>
+              </dgm:constrLst>
+              <dgm:ruleLst/>
+              <dgm:layoutNode name="connectorText">
+                <dgm:alg type="tx">
+                  <dgm:param type="autoTxRot" val="grav"/>
+                </dgm:alg>
+                <dgm:shape xmlns:r="http://schemas.openxmlformats.org/officeDocument/2006/relationships" type="conn" r:blip="" hideGeom="1">
+                  <dgm:adjLst/>
+                </dgm:shape>
+                <dgm:presOf axis="self"/>
+                <dgm:constrLst>
+                  <dgm:constr type="lMarg"/>
+                  <dgm:constr type="rMarg"/>
+                  <dgm:constr type="tMarg"/>
+                  <dgm:constr type="bMarg"/>
+                </dgm:constrLst>
+                <dgm:ruleLst>
+                  <dgm:rule type="primFontSz" val="5" fact="NaN" max="NaN"/>
+                </dgm:ruleLst>
+              </dgm:layoutNode>
+            </dgm:layoutNode>
+          </dgm:forEach>
+        </dgm:if>
+        <dgm:else name="Name9"/>
+      </dgm:choose>
+    </dgm:forEach>
+  </dgm:layoutNode>
+</dgm:layoutDef>
+</file>
+
+<file path=ppt/diagrams/quickStyle1.xml><?xml version="1.0" encoding="utf-8"?>
+<dgm:styleDef xmlns:dgm="http://schemas.openxmlformats.org/drawingml/2006/diagram" xmlns:a="http://schemas.openxmlformats.org/drawingml/2006/main" uniqueId="urn:microsoft.com/office/officeart/2005/8/quickstyle/simple1">
+  <dgm:title val=""/>
+  <dgm:desc val=""/>
+  <dgm:catLst>
+    <dgm:cat type="simple" pri="10100"/>
+  </dgm:catLst>
+  <dgm:scene3d>
+    <a:camera prst="orthographicFront"/>
+    <a:lightRig rig="threePt" dir="t"/>
+  </dgm:scene3d>
+  <dgm:styleLbl name="node0">
+    <dgm:scene3d>
+      <a:camera prst="orthographicFront"/>
+      <a:lightRig rig="threePt" dir="t"/>
+    </dgm:scene3d>
+    <dgm:sp3d/>
+    <dgm:txPr/>
+    <dgm:style>
+      <a:lnRef idx="2">
+        <a:scrgbClr r="0" g="0" b="0"/>
+      </a:lnRef>
+      <a:fillRef idx="1">
+        <a:scrgbClr r="0" g="0" b="0"/>
+      </a:fillRef>
+      <a:effectRef idx="0">
+        <a:scrgbClr r="0" g="0" b="0"/>
+      </a:effectRef>
+      <a:fontRef idx="minor">
+        <a:schemeClr val="lt1"/>
+      </a:fontRef>
+    </dgm:style>
+  </dgm:styleLbl>
+  <dgm:styleLbl name="lnNode1">
+    <dgm:scene3d>
+      <a:camera prst="orthographicFront"/>
+      <a:lightRig rig="threePt" dir="t"/>
+    </dgm:scene3d>
+    <dgm:sp3d/>
+    <dgm:txPr/>
+    <dgm:style>
+      <a:lnRef idx="2">
+        <a:scrgbClr r="0" g="0" b="0"/>
+      </a:lnRef>
+      <a:fillRef idx="1">
+        <a:scrgbClr r="0" g="0" b="0"/>
+      </a:fillRef>
+      <a:effectRef idx="0">
+        <a:scrgbClr r="0" g="0" b="0"/>
+      </a:effectRef>
+      <a:fontRef idx="minor">
+        <a:schemeClr val="lt1"/>
+      </a:fontRef>
+    </dgm:style>
+  </dgm:styleLbl>
+  <dgm:styleLbl name="vennNode1">
+    <dgm:scene3d>
+      <a:camera prst="orthographicFront"/>
+      <a:lightRig rig="threePt" dir="t"/>
+    </dgm:scene3d>
+    <dgm:sp3d/>
+    <dgm:txPr/>
+    <dgm:style>
+      <a:lnRef idx="2">
+        <a:scrgbClr r="0" g="0" b="0"/>
+      </a:lnRef>
+      <a:fillRef idx="1">
+        <a:scrgbClr r="0" g="0" b="0"/>
+      </a:fillRef>
+      <a:effectRef idx="0">
+        <a:scrgbClr r="0" g="0" b="0"/>
+      </a:effectRef>
+      <a:fontRef idx="minor">
+        <a:schemeClr val="tx1"/>
+      </a:fontRef>
+    </dgm:style>
+  </dgm:styleLbl>
+  <dgm:styleLbl name="alignNode1">
+    <dgm:scene3d>
+      <a:camera prst="orthographicFront"/>
+      <a:lightRig rig="threePt" dir="t"/>
+    </dgm:scene3d>
+    <dgm:sp3d/>
+    <dgm:txPr/>
+    <dgm:style>
+      <a:lnRef idx="2">
+        <a:scrgbClr r="0" g="0" b="0"/>
+      </a:lnRef>
+      <a:fillRef idx="1">
+        <a:scrgbClr r="0" g="0" b="0"/>
+      </a:fillRef>
+      <a:effectRef idx="0">
+        <a:scrgbClr r="0" g="0" b="0"/>
+      </a:effectRef>
+      <a:fontRef idx="minor">
+        <a:schemeClr val="lt1"/>
+      </a:fontRef>
+    </dgm:style>
+  </dgm:styleLbl>
+  <dgm:styleLbl name="node1">
+    <dgm:scene3d>
+      <a:camera prst="orthographicFront"/>
+      <a:lightRig rig="threePt" dir="t"/>
+    </dgm:scene3d>
+    <dgm:sp3d/>
+    <dgm:txPr/>
+    <dgm:style>
+      <a:lnRef idx="2">
+        <a:scrgbClr r="0" g="0" b="0"/>
+      </a:lnRef>
+      <a:fillRef idx="1">
+        <a:scrgbClr r="0" g="0" b="0"/>
+      </a:fillRef>
+      <a:effectRef idx="0">
+        <a:scrgbClr r="0" g="0" b="0"/>
+      </a:effectRef>
+      <a:fontRef idx="minor">
+        <a:schemeClr val="lt1"/>
+      </a:fontRef>
+    </dgm:style>
+  </dgm:styleLbl>
+  <dgm:styleLbl name="node2">
+    <dgm:scene3d>
+      <a:camera prst="orthographicFront"/>
+      <a:lightRig rig="threePt" dir="t"/>
+    </dgm:scene3d>
+    <dgm:sp3d/>
+    <dgm:txPr/>
+    <dgm:style>
+      <a:lnRef idx="2">
+        <a:scrgbClr r="0" g="0" b="0"/>
+      </a:lnRef>
+      <a:fillRef idx="1">
+        <a:scrgbClr r="0" g="0" b="0"/>
+      </a:fillRef>
+      <a:effectRef idx="0">
+        <a:scrgbClr r="0" g="0" b="0"/>
+      </a:effectRef>
+      <a:fontRef idx="minor">
+        <a:schemeClr val="lt1"/>
+      </a:fontRef>
+    </dgm:style>
+  </dgm:styleLbl>
+  <dgm:styleLbl name="node3">
+    <dgm:scene3d>
+      <a:camera prst="orthographicFront"/>
+      <a:lightRig rig="threePt" dir="t"/>
+    </dgm:scene3d>
+    <dgm:sp3d/>
+    <dgm:txPr/>
+    <dgm:style>
+      <a:lnRef idx="2">
+        <a:scrgbClr r="0" g="0" b="0"/>
+      </a:lnRef>
+      <a:fillRef idx="1">
+        <a:scrgbClr r="0" g="0" b="0"/>
+      </a:fillRef>
+      <a:effectRef idx="0">
+        <a:scrgbClr r="0" g="0" b="0"/>
+      </a:effectRef>
+      <a:fontRef idx="minor">
+        <a:schemeClr val="lt1"/>
+      </a:fontRef>
+    </dgm:style>
+  </dgm:styleLbl>
+  <dgm:styleLbl name="node4">
+    <dgm:scene3d>
+      <a:camera prst="orthographicFront"/>
+      <a:lightRig rig="threePt" dir="t"/>
+    </dgm:scene3d>
+    <dgm:sp3d/>
+    <dgm:txPr/>
+    <dgm:style>
+      <a:lnRef idx="2">
+        <a:scrgbClr r="0" g="0" b="0"/>
+      </a:lnRef>
+      <a:fillRef idx="1">
+        <a:scrgbClr r="0" g="0" b="0"/>
+      </a:fillRef>
+      <a:effectRef idx="0">
+        <a:scrgbClr r="0" g="0" b="0"/>
+      </a:effectRef>
+      <a:fontRef idx="minor">
+        <a:schemeClr val="lt1"/>
+      </a:fontRef>
+    </dgm:style>
+  </dgm:styleLbl>
+  <dgm:styleLbl name="fgImgPlace1">
+    <dgm:scene3d>
+      <a:camera prst="orthographicFront"/>
+      <a:lightRig rig="threePt" dir="t"/>
+    </dgm:scene3d>
+    <dgm:sp3d/>
+    <dgm:txPr/>
+    <dgm:style>
+      <a:lnRef idx="2">
+        <a:scrgbClr r="0" g="0" b="0"/>
+      </a:lnRef>
+      <a:fillRef idx="1">
+        <a:scrgbClr r="0" g="0" b="0"/>
+      </a:fillRef>
+      <a:effectRef idx="0">
+        <a:scrgbClr r="0" g="0" b="0"/>
+      </a:effectRef>
+      <a:fontRef idx="minor"/>
+    </dgm:style>
+  </dgm:styleLbl>
+  <dgm:styleLbl name="alignImgPlace1">
+    <dgm:scene3d>
+      <a:camera prst="orthographicFront"/>
+      <a:lightRig rig="threePt" dir="t"/>
+    </dgm:scene3d>
+    <dgm:sp3d/>
+    <dgm:txPr/>
+    <dgm:style>
+      <a:lnRef idx="2">
+        <a:scrgbClr r="0" g="0" b="0"/>
+      </a:lnRef>
+      <a:fillRef idx="1">
+        <a:scrgbClr r="0" g="0" b="0"/>
+      </a:fillRef>
+      <a:effectRef idx="0">
+        <a:scrgbClr r="0" g="0" b="0"/>
+      </a:effectRef>
+      <a:fontRef idx="minor"/>
+    </dgm:style>
+  </dgm:styleLbl>
+  <dgm:styleLbl name="bgImgPlace1">
+    <dgm:scene3d>
+      <a:camera prst="orthographicFront"/>
+      <a:lightRig rig="threePt" dir="t"/>
+    </dgm:scene3d>
+    <dgm:sp3d/>
+    <dgm:txPr/>
+    <dgm:style>
+      <a:lnRef idx="2">
+        <a:scrgbClr r="0" g="0" b="0"/>
+      </a:lnRef>
+      <a:fillRef idx="1">
+        <a:scrgbClr r="0" g="0" b="0"/>
+      </a:fillRef>
+      <a:effectRef idx="0">
+        <a:scrgbClr r="0" g="0" b="0"/>
+      </a:effectRef>
+      <a:fontRef idx="minor"/>
+    </dgm:style>
+  </dgm:styleLbl>
+  <dgm:styleLbl name="sibTrans2D1">
+    <dgm:scene3d>
+      <a:camera prst="orthographicFront"/>
+      <a:lightRig rig="threePt" dir="t"/>
+    </dgm:scene3d>
+    <dgm:sp3d/>
+    <dgm:txPr/>
+    <dgm:style>
+      <a:lnRef idx="0">
+        <a:scrgbClr r="0" g="0" b="0"/>
+      </a:lnRef>
+      <a:fillRef idx="1">
+        <a:scrgbClr r="0" g="0" b="0"/>
+      </a:fillRef>
+      <a:effectRef idx="0">
+        <a:scrgbClr r="0" g="0" b="0"/>
+      </a:effectRef>
+      <a:fontRef idx="minor">
+        <a:schemeClr val="lt1"/>
+      </a:fontRef>
+    </dgm:style>
+  </dgm:styleLbl>
+  <dgm:styleLbl name="fgSibTrans2D1">
+    <dgm:scene3d>
+      <a:camera prst="orthographicFront"/>
+      <a:lightRig rig="threePt" dir="t"/>
+    </dgm:scene3d>
+    <dgm:sp3d/>
+    <dgm:txPr/>
+    <dgm:style>
+      <a:lnRef idx="0">
+        <a:scrgbClr r="0" g="0" b="0"/>
+      </a:lnRef>
+      <a:fillRef idx="1">
+        <a:scrgbClr r="0" g="0" b="0"/>
+      </a:fillRef>
+      <a:effectRef idx="0">
+        <a:scrgbClr r="0" g="0" b="0"/>
+      </a:effectRef>
+      <a:fontRef idx="minor">
+        <a:schemeClr val="lt1"/>
+      </a:fontRef>
+    </dgm:style>
+  </dgm:styleLbl>
+  <dgm:styleLbl name="bgSibTrans2D1">
+    <dgm:scene3d>
+      <a:camera prst="orthographicFront"/>
+      <a:lightRig rig="threePt" dir="t"/>
+    </dgm:scene3d>
+    <dgm:sp3d/>
+    <dgm:txPr/>
+    <dgm:style>
+      <a:lnRef idx="0">
+        <a:scrgbClr r="0" g="0" b="0"/>
+      </a:lnRef>
+      <a:fillRef idx="1">
+        <a:scrgbClr r="0" g="0" b="0"/>
+      </a:fillRef>
+      <a:effectRef idx="0">
+        <a:scrgbClr r="0" g="0" b="0"/>
+      </a:effectRef>
+      <a:fontRef idx="minor">
+        <a:schemeClr val="lt1"/>
+      </a:fontRef>
+    </dgm:style>
+  </dgm:styleLbl>
+  <dgm:styleLbl name="sibTrans1D1">
+    <dgm:scene3d>
+      <a:camera prst="orthographicFront"/>
+      <a:lightRig rig="threePt" dir="t"/>
+    </dgm:scene3d>
+    <dgm:sp3d/>
+    <dgm:txPr/>
+    <dgm:style>
+      <a:lnRef idx="1">
+        <a:scrgbClr r="0" g="0" b="0"/>
+      </a:lnRef>
+      <a:fillRef idx="0">
+        <a:scrgbClr r="0" g="0" b="0"/>
+      </a:fillRef>
+      <a:effectRef idx="0">
+        <a:scrgbClr r="0" g="0" b="0"/>
+      </a:effectRef>
+      <a:fontRef idx="minor"/>
+    </dgm:style>
+  </dgm:styleLbl>
+  <dgm:styleLbl name="callout">
+    <dgm:scene3d>
+      <a:camera prst="orthographicFront"/>
+      <a:lightRig rig="threePt" dir="t"/>
+    </dgm:scene3d>
+    <dgm:sp3d/>
+    <dgm:txPr/>
+    <dgm:style>
+      <a:lnRef idx="2">
+        <a:scrgbClr r="0" g="0" b="0"/>
+      </a:lnRef>
+      <a:fillRef idx="1">
+        <a:scrgbClr r="0" g="0" b="0"/>
+      </a:fillRef>
+      <a:effectRef idx="0">
+        <a:scrgbClr r="0" g="0" b="0"/>
+      </a:effectRef>
+      <a:fontRef idx="minor"/>
+    </dgm:style>
+  </dgm:styleLbl>
+  <dgm:styleLbl name="asst0">
+    <dgm:scene3d>
+      <a:camera prst="orthographicFront"/>
+      <a:lightRig rig="threePt" dir="t"/>
+    </dgm:scene3d>
+    <dgm:sp3d/>
+    <dgm:txPr/>
+    <dgm:style>
+      <a:lnRef idx="2">
+        <a:scrgbClr r="0" g="0" b="0"/>
+      </a:lnRef>
+      <a:fillRef idx="1">
+        <a:scrgbClr r="0" g="0" b="0"/>
+      </a:fillRef>
+      <a:effectRef idx="0">
+        <a:scrgbClr r="0" g="0" b="0"/>
+      </a:effectRef>
+      <a:fontRef idx="minor">
+        <a:schemeClr val="lt1"/>
+      </a:fontRef>
+    </dgm:style>
+  </dgm:styleLbl>
+  <dgm:styleLbl name="asst1">
+    <dgm:scene3d>
+      <a:camera prst="orthographicFront"/>
+      <a:lightRig rig="threePt" dir="t"/>
+    </dgm:scene3d>
+    <dgm:sp3d/>
+    <dgm:txPr/>
+    <dgm:style>
+      <a:lnRef idx="2">
+        <a:scrgbClr r="0" g="0" b="0"/>
+      </a:lnRef>
+      <a:fillRef idx="1">
+        <a:scrgbClr r="0" g="0" b="0"/>
+      </a:fillRef>
+      <a:effectRef idx="0">
+        <a:scrgbClr r="0" g="0" b="0"/>
+      </a:effectRef>
+      <a:fontRef idx="minor">
+        <a:schemeClr val="lt1"/>
+      </a:fontRef>
+    </dgm:style>
+  </dgm:styleLbl>
+  <dgm:styleLbl name="asst2">
+    <dgm:scene3d>
+      <a:camera prst="orthographicFront"/>
+      <a:lightRig rig="threePt" dir="t"/>
+    </dgm:scene3d>
+    <dgm:sp3d/>
+    <dgm:txPr/>
+    <dgm:style>
+      <a:lnRef idx="2">
+        <a:scrgbClr r="0" g="0" b="0"/>
+      </a:lnRef>
+      <a:fillRef idx="1">
+        <a:scrgbClr r="0" g="0" b="0"/>
+      </a:fillRef>
+      <a:effectRef idx="0">
+        <a:scrgbClr r="0" g="0" b="0"/>
+      </a:effectRef>
+      <a:fontRef idx="minor">
+        <a:schemeClr val="lt1"/>
+      </a:fontRef>
+    </dgm:style>
+  </dgm:styleLbl>
+  <dgm:styleLbl name="asst3">
+    <dgm:scene3d>
+      <a:camera prst="orthographicFront"/>
+      <a:lightRig rig="threePt" dir="t"/>
+    </dgm:scene3d>
+    <dgm:sp3d/>
+    <dgm:txPr/>
+    <dgm:style>
+      <a:lnRef idx="2">
+        <a:scrgbClr r="0" g="0" b="0"/>
+      </a:lnRef>
+      <a:fillRef idx="1">
+        <a:scrgbClr r="0" g="0" b="0"/>
+      </a:fillRef>
+      <a:effectRef idx="0">
+        <a:scrgbClr r="0" g="0" b="0"/>
+      </a:effectRef>
+      <a:fontRef idx="minor">
+        <a:schemeClr val="lt1"/>
+      </a:fontRef>
+    </dgm:style>
+  </dgm:styleLbl>
+  <dgm:styleLbl name="asst4">
+    <dgm:scene3d>
+      <a:camera prst="orthographicFront"/>
+      <a:lightRig rig="threePt" dir="t"/>
+    </dgm:scene3d>
+    <dgm:sp3d/>
+    <dgm:txPr/>
+    <dgm:style>
+      <a:lnRef idx="2">
+        <a:scrgbClr r="0" g="0" b="0"/>
+      </a:lnRef>
+      <a:fillRef idx="1">
+        <a:scrgbClr r="0" g="0" b="0"/>
+      </a:fillRef>
+      <a:effectRef idx="0">
+        <a:scrgbClr r="0" g="0" b="0"/>
+      </a:effectRef>
+      <a:fontRef idx="minor">
+        <a:schemeClr val="lt1"/>
+      </a:fontRef>
+    </dgm:style>
+  </dgm:styleLbl>
+  <dgm:styleLbl name="parChTrans2D1">
+    <dgm:scene3d>
+      <a:camera prst="orthographicFront"/>
+      <a:lightRig rig="threePt" dir="t"/>
+    </dgm:scene3d>
+    <dgm:sp3d/>
+    <dgm:txPr/>
+    <dgm:style>
+      <a:lnRef idx="2">
+        <a:scrgbClr r="0" g="0" b="0"/>
+      </a:lnRef>
+      <a:fillRef idx="1">
+        <a:scrgbClr r="0" g="0" b="0"/>
+      </a:fillRef>
+      <a:effectRef idx="0">
+        <a:scrgbClr r="0" g="0" b="0"/>
+      </a:effectRef>
+      <a:fontRef idx="minor">
+        <a:schemeClr val="lt1"/>
+      </a:fontRef>
+    </dgm:style>
+  </dgm:styleLbl>
+  <dgm:styleLbl name="parChTrans2D2">
+    <dgm:scene3d>
+      <a:camera prst="orthographicFront"/>
+      <a:lightRig rig="threePt" dir="t"/>
+    </dgm:scene3d>
+    <dgm:sp3d/>
+    <dgm:txPr/>
+    <dgm:style>
+      <a:lnRef idx="2">
+        <a:scrgbClr r="0" g="0" b="0"/>
+      </a:lnRef>
+      <a:fillRef idx="1">
+        <a:scrgbClr r="0" g="0" b="0"/>
+      </a:fillRef>
+      <a:effectRef idx="0">
+        <a:scrgbClr r="0" g="0" b="0"/>
+      </a:effectRef>
+      <a:fontRef idx="minor">
+        <a:schemeClr val="lt1"/>
+      </a:fontRef>
+    </dgm:style>
+  </dgm:styleLbl>
+  <dgm:styleLbl name="parChTrans2D3">
+    <dgm:scene3d>
+      <a:camera prst="orthographicFront"/>
+      <a:lightRig rig="threePt" dir="t"/>
+    </dgm:scene3d>
+    <dgm:sp3d/>
+    <dgm:txPr/>
+    <dgm:style>
+      <a:lnRef idx="2">
+        <a:scrgbClr r="0" g="0" b="0"/>
+      </a:lnRef>
+      <a:fillRef idx="1">
+        <a:scrgbClr r="0" g="0" b="0"/>
+      </a:fillRef>
+      <a:effectRef idx="0">
+        <a:scrgbClr r="0" g="0" b="0"/>
+      </a:effectRef>
+      <a:fontRef idx="minor">
+        <a:schemeClr val="lt1"/>
+      </a:fontRef>
+    </dgm:style>
+  </dgm:styleLbl>
+  <dgm:styleLbl name="parChTrans2D4">
+    <dgm:scene3d>
+      <a:camera prst="orthographicFront"/>
+      <a:lightRig rig="threePt" dir="t"/>
+    </dgm:scene3d>
+    <dgm:sp3d/>
+    <dgm:txPr/>
+    <dgm:style>
+      <a:lnRef idx="2">
+        <a:scrgbClr r="0" g="0" b="0"/>
+      </a:lnRef>
+      <a:fillRef idx="1">
+        <a:scrgbClr r="0" g="0" b="0"/>
+      </a:fillRef>
+      <a:effectRef idx="0">
+        <a:scrgbClr r="0" g="0" b="0"/>
+      </a:effectRef>
+      <a:fontRef idx="minor">
+        <a:schemeClr val="lt1"/>
+      </a:fontRef>
+    </dgm:style>
+  </dgm:styleLbl>
+  <dgm:styleLbl name="parChTrans1D1">
+    <dgm:scene3d>
+      <a:camera prst="orthographicFront"/>
+      <a:lightRig rig="threePt" dir="t"/>
+    </dgm:scene3d>
+    <dgm:sp3d/>
+    <dgm:txPr/>
+    <dgm:style>
+      <a:lnRef idx="2">
+        <a:scrgbClr r="0" g="0" b="0"/>
+      </a:lnRef>
+      <a:fillRef idx="0">
+        <a:scrgbClr r="0" g="0" b="0"/>
+      </a:fillRef>
+      <a:effectRef idx="0">
+        <a:scrgbClr r="0" g="0" b="0"/>
+      </a:effectRef>
+      <a:fontRef idx="minor"/>
+    </dgm:style>
+  </dgm:styleLbl>
+  <dgm:styleLbl name="parChTrans1D2">
+    <dgm:scene3d>
+      <a:camera prst="orthographicFront"/>
+      <a:lightRig rig="threePt" dir="t"/>
+    </dgm:scene3d>
+    <dgm:sp3d/>
+    <dgm:txPr/>
+    <dgm:style>
+      <a:lnRef idx="2">
+        <a:scrgbClr r="0" g="0" b="0"/>
+      </a:lnRef>
+      <a:fillRef idx="0">
+        <a:scrgbClr r="0" g="0" b="0"/>
+      </a:fillRef>
+      <a:effectRef idx="0">
+        <a:scrgbClr r="0" g="0" b="0"/>
+      </a:effectRef>
+      <a:fontRef idx="minor"/>
+    </dgm:style>
+  </dgm:styleLbl>
+  <dgm:styleLbl name="parChTrans1D3">
+    <dgm:scene3d>
+      <a:camera prst="orthographicFront"/>
+      <a:lightRig rig="threePt" dir="t"/>
+    </dgm:scene3d>
+    <dgm:sp3d/>
+    <dgm:txPr/>
+    <dgm:style>
+      <a:lnRef idx="2">
+        <a:scrgbClr r="0" g="0" b="0"/>
+      </a:lnRef>
+      <a:fillRef idx="0">
+        <a:scrgbClr r="0" g="0" b="0"/>
+      </a:fillRef>
+      <a:effectRef idx="0">
+        <a:scrgbClr r="0" g="0" b="0"/>
+      </a:effectRef>
+      <a:fontRef idx="minor"/>
+    </dgm:style>
+  </dgm:styleLbl>
+  <dgm:styleLbl name="parChTrans1D4">
+    <dgm:scene3d>
+      <a:camera prst="orthographicFront"/>
+      <a:lightRig rig="threePt" dir="t"/>
+    </dgm:scene3d>
+    <dgm:sp3d/>
+    <dgm:txPr/>
+    <dgm:style>
+      <a:lnRef idx="2">
+        <a:scrgbClr r="0" g="0" b="0"/>
+      </a:lnRef>
+      <a:fillRef idx="0">
+        <a:scrgbClr r="0" g="0" b="0"/>
+      </a:fillRef>
+      <a:effectRef idx="0">
+        <a:scrgbClr r="0" g="0" b="0"/>
+      </a:effectRef>
+      <a:fontRef idx="minor"/>
+    </dgm:style>
+  </dgm:styleLbl>
+  <dgm:styleLbl name="fgAcc1">
+    <dgm:scene3d>
+      <a:camera prst="orthographicFront"/>
+      <a:lightRig rig="threePt" dir="t"/>
+    </dgm:scene3d>
+    <dgm:sp3d/>
+    <dgm:txPr/>
+    <dgm:style>
+      <a:lnRef idx="2">
+        <a:scrgbClr r="0" g="0" b="0"/>
+      </a:lnRef>
+      <a:fillRef idx="1">
+        <a:scrgbClr r="0" g="0" b="0"/>
+      </a:fillRef>
+      <a:effectRef idx="0">
+        <a:scrgbClr r="0" g="0" b="0"/>
+      </a:effectRef>
+      <a:fontRef idx="minor"/>
+    </dgm:style>
+  </dgm:styleLbl>
+  <dgm:styleLbl name="conFgAcc1">
+    <dgm:scene3d>
+      <a:camera prst="orthographicFront"/>
+      <a:lightRig rig="threePt" dir="t"/>
+    </dgm:scene3d>
+    <dgm:sp3d/>
+    <dgm:txPr/>
+    <dgm:style>
+      <a:lnRef idx="2">
+        <a:scrgbClr r="0" g="0" b="0"/>
+      </a:lnRef>
+      <a:fillRef idx="1">
+        <a:scrgbClr r="0" g="0" b="0"/>
+      </a:fillRef>
+      <a:effectRef idx="0">
+        <a:scrgbClr r="0" g="0" b="0"/>
+      </a:effectRef>
+      <a:fontRef idx="minor"/>
+    </dgm:style>
+  </dgm:styleLbl>
+  <dgm:styleLbl name="alignAcc1">
+    <dgm:scene3d>
+      <a:camera prst="orthographicFront"/>
+      <a:lightRig rig="threePt" dir="t"/>
+    </dgm:scene3d>
+    <dgm:sp3d/>
+    <dgm:txPr/>
+    <dgm:style>
+      <a:lnRef idx="2">
+        <a:scrgbClr r="0" g="0" b="0"/>
+      </a:lnRef>
+      <a:fillRef idx="1">
+        <a:scrgbClr r="0" g="0" b="0"/>
+      </a:fillRef>
+      <a:effectRef idx="0">
+        <a:scrgbClr r="0" g="0" b="0"/>
+      </a:effectRef>
+      <a:fontRef idx="minor"/>
+    </dgm:style>
+  </dgm:styleLbl>
+  <dgm:styleLbl name="trAlignAcc1">
+    <dgm:scene3d>
+      <a:camera prst="orthographicFront"/>
+      <a:lightRig rig="threePt" dir="t"/>
+    </dgm:scene3d>
+    <dgm:sp3d/>
+    <dgm:txPr/>
+    <dgm:style>
+      <a:lnRef idx="1">
+        <a:scrgbClr r="0" g="0" b="0"/>
+      </a:lnRef>
+      <a:fillRef idx="1">
+        <a:scrgbClr r="0" g="0" b="0"/>
+      </a:fillRef>
+      <a:effectRef idx="0">
+        <a:scrgbClr r="0" g="0" b="0"/>
+      </a:effectRef>
+      <a:fontRef idx="minor"/>
+    </dgm:style>
+  </dgm:styleLbl>
+  <dgm:styleLbl name="bgAcc1">
+    <dgm:scene3d>
+      <a:camera prst="orthographicFront"/>
+      <a:lightRig rig="threePt" dir="t"/>
+    </dgm:scene3d>
+    <dgm:sp3d/>
+    <dgm:txPr/>
+    <dgm:style>
+      <a:lnRef idx="2">
+        <a:scrgbClr r="0" g="0" b="0"/>
+      </a:lnRef>
+      <a:fillRef idx="1">
+        <a:scrgbClr r="0" g="0" b="0"/>
+      </a:fillRef>
+      <a:effectRef idx="0">
+        <a:scrgbClr r="0" g="0" b="0"/>
+      </a:effectRef>
+      <a:fontRef idx="minor"/>
+    </dgm:style>
+  </dgm:styleLbl>
+  <dgm:styleLbl name="solidFgAcc1">
+    <dgm:scene3d>
+      <a:camera prst="orthographicFront"/>
+      <a:lightRig rig="threePt" dir="t"/>
+    </dgm:scene3d>
+    <dgm:sp3d/>
+    <dgm:txPr/>
+    <dgm:style>
+      <a:lnRef idx="2">
+        <a:scrgbClr r="0" g="0" b="0"/>
+      </a:lnRef>
+      <a:fillRef idx="1">
+        <a:scrgbClr r="0" g="0" b="0"/>
+      </a:fillRef>
+      <a:effectRef idx="0">
+        <a:scrgbClr r="0" g="0" b="0"/>
+      </a:effectRef>
+      <a:fontRef idx="minor"/>
+    </dgm:style>
+  </dgm:styleLbl>
+  <dgm:styleLbl name="solidAlignAcc1">
+    <dgm:scene3d>
+      <a:camera prst="orthographicFront"/>
+      <a:lightRig rig="threePt" dir="t"/>
+    </dgm:scene3d>
+    <dgm:sp3d/>
+    <dgm:txPr/>
+    <dgm:style>
+      <a:lnRef idx="2">
+        <a:scrgbClr r="0" g="0" b="0"/>
+      </a:lnRef>
+      <a:fillRef idx="1">
+        <a:scrgbClr r="0" g="0" b="0"/>
+      </a:fillRef>
+      <a:effectRef idx="0">
+        <a:scrgbClr r="0" g="0" b="0"/>
+      </a:effectRef>
+      <a:fontRef idx="minor"/>
+    </dgm:style>
+  </dgm:styleLbl>
+  <dgm:styleLbl name="solidBgAcc1">
+    <dgm:scene3d>
+      <a:camera prst="orthographicFront"/>
+      <a:lightRig rig="threePt" dir="t"/>
+    </dgm:scene3d>
+    <dgm:sp3d/>
+    <dgm:txPr/>
+    <dgm:style>
+      <a:lnRef idx="2">
+        <a:scrgbClr r="0" g="0" b="0"/>
+      </a:lnRef>
+      <a:fillRef idx="1">
+        <a:scrgbClr r="0" g="0" b="0"/>
+      </a:fillRef>
+      <a:effectRef idx="0">
+        <a:scrgbClr r="0" g="0" b="0"/>
+      </a:effectRef>
+      <a:fontRef idx="minor"/>
+    </dgm:style>
+  </dgm:styleLbl>
+  <dgm:styleLbl name="fgAccFollowNode1">
+    <dgm:scene3d>
+      <a:camera prst="orthographicFront"/>
+      <a:lightRig rig="threePt" dir="t"/>
+    </dgm:scene3d>
+    <dgm:sp3d/>
+    <dgm:txPr/>
+    <dgm:style>
+      <a:lnRef idx="2">
+        <a:scrgbClr r="0" g="0" b="0"/>
+      </a:lnRef>
+      <a:fillRef idx="1">
+        <a:scrgbClr r="0" g="0" b="0"/>
+      </a:fillRef>
+      <a:effectRef idx="0">
+        <a:scrgbClr r="0" g="0" b="0"/>
+      </a:effectRef>
+      <a:fontRef idx="minor"/>
+    </dgm:style>
+  </dgm:styleLbl>
+  <dgm:styleLbl name="alignAccFollowNode1">
+    <dgm:scene3d>
+      <a:camera prst="orthographicFront"/>
+      <a:lightRig rig="threePt" dir="t"/>
+    </dgm:scene3d>
+    <dgm:sp3d/>
+    <dgm:txPr/>
+    <dgm:style>
+      <a:lnRef idx="2">
+        <a:scrgbClr r="0" g="0" b="0"/>
+      </a:lnRef>
+      <a:fillRef idx="1">
+        <a:scrgbClr r="0" g="0" b="0"/>
+      </a:fillRef>
+      <a:effectRef idx="0">
+        <a:scrgbClr r="0" g="0" b="0"/>
+      </a:effectRef>
+      <a:fontRef idx="minor"/>
+    </dgm:style>
+  </dgm:styleLbl>
+  <dgm:styleLbl name="bgAccFollowNode1">
+    <dgm:scene3d>
+      <a:camera prst="orthographicFront"/>
+      <a:lightRig rig="threePt" dir="t"/>
+    </dgm:scene3d>
+    <dgm:sp3d/>
+    <dgm:txPr/>
+    <dgm:style>
+      <a:lnRef idx="2">
+        <a:scrgbClr r="0" g="0" b="0"/>
+      </a:lnRef>
+      <a:fillRef idx="1">
+        <a:scrgbClr r="0" g="0" b="0"/>
+      </a:fillRef>
+      <a:effectRef idx="0">
+        <a:scrgbClr r="0" g="0" b="0"/>
+      </a:effectRef>
+      <a:fontRef idx="minor"/>
+    </dgm:style>
+  </dgm:styleLbl>
+  <dgm:styleLbl name="fgAcc0">
+    <dgm:scene3d>
+      <a:camera prst="orthographicFront"/>
+      <a:lightRig rig="threePt" dir="t"/>
+    </dgm:scene3d>
+    <dgm:sp3d/>
+    <dgm:txPr/>
+    <dgm:style>
+      <a:lnRef idx="2">
+        <a:scrgbClr r="0" g="0" b="0"/>
+      </a:lnRef>
+      <a:fillRef idx="1">
+        <a:scrgbClr r="0" g="0" b="0"/>
+      </a:fillRef>
+      <a:effectRef idx="0">
+        <a:scrgbClr r="0" g="0" b="0"/>
+      </a:effectRef>
+      <a:fontRef idx="minor"/>
+    </dgm:style>
+  </dgm:styleLbl>
+  <dgm:styleLbl name="fgAcc2">
+    <dgm:scene3d>
+      <a:camera prst="orthographicFront"/>
+      <a:lightRig rig="threePt" dir="t"/>
+    </dgm:scene3d>
+    <dgm:sp3d/>
+    <dgm:txPr/>
+    <dgm:style>
+      <a:lnRef idx="2">
+        <a:scrgbClr r="0" g="0" b="0"/>
+      </a:lnRef>
+      <a:fillRef idx="1">
+        <a:scrgbClr r="0" g="0" b="0"/>
+      </a:fillRef>
+      <a:effectRef idx="0">
+        <a:scrgbClr r="0" g="0" b="0"/>
+      </a:effectRef>
+      <a:fontRef idx="minor"/>
+    </dgm:style>
+  </dgm:styleLbl>
+  <dgm:styleLbl name="fgAcc3">
+    <dgm:scene3d>
+      <a:camera prst="orthographicFront"/>
+      <a:lightRig rig="threePt" dir="t"/>
+    </dgm:scene3d>
+    <dgm:sp3d/>
+    <dgm:txPr/>
+    <dgm:style>
+      <a:lnRef idx="2">
+        <a:scrgbClr r="0" g="0" b="0"/>
+      </a:lnRef>
+      <a:fillRef idx="1">
+        <a:scrgbClr r="0" g="0" b="0"/>
+      </a:fillRef>
+      <a:effectRef idx="0">
+        <a:scrgbClr r="0" g="0" b="0"/>
+      </a:effectRef>
+      <a:fontRef idx="minor"/>
+    </dgm:style>
+  </dgm:styleLbl>
+  <dgm:styleLbl name="fgAcc4">
+    <dgm:scene3d>
+      <a:camera prst="orthographicFront"/>
+      <a:lightRig rig="threePt" dir="t"/>
+    </dgm:scene3d>
+    <dgm:sp3d/>
+    <dgm:txPr/>
+    <dgm:style>
+      <a:lnRef idx="2">
+        <a:scrgbClr r="0" g="0" b="0"/>
+      </a:lnRef>
+      <a:fillRef idx="1">
+        <a:scrgbClr r="0" g="0" b="0"/>
+      </a:fillRef>
+      <a:effectRef idx="0">
+        <a:scrgbClr r="0" g="0" b="0"/>
+      </a:effectRef>
+      <a:fontRef idx="minor"/>
+    </dgm:style>
+  </dgm:styleLbl>
+  <dgm:styleLbl name="bgShp">
+    <dgm:scene3d>
+      <a:camera prst="orthographicFront"/>
+      <a:lightRig rig="threePt" dir="t"/>
+    </dgm:scene3d>
+    <dgm:sp3d/>
+    <dgm:txPr/>
+    <dgm:style>
+      <a:lnRef idx="0">
+        <a:scrgbClr r="0" g="0" b="0"/>
+      </a:lnRef>
+      <a:fillRef idx="1">
+        <a:scrgbClr r="0" g="0" b="0"/>
+      </a:fillRef>
+      <a:effectRef idx="0">
+        <a:scrgbClr r="0" g="0" b="0"/>
+      </a:effectRef>
+      <a:fontRef idx="minor"/>
+    </dgm:style>
+  </dgm:styleLbl>
+  <dgm:styleLbl name="dkBgShp">
+    <dgm:scene3d>
+      <a:camera prst="orthographicFront"/>
+      <a:lightRig rig="threePt" dir="t"/>
+    </dgm:scene3d>
+    <dgm:sp3d/>
+    <dgm:txPr/>
+    <dgm:style>
+      <a:lnRef idx="0">
+        <a:scrgbClr r="0" g="0" b="0"/>
+      </a:lnRef>
+      <a:fillRef idx="1">
+        <a:scrgbClr r="0" g="0" b="0"/>
+      </a:fillRef>
+      <a:effectRef idx="0">
+        <a:scrgbClr r="0" g="0" b="0"/>
+      </a:effectRef>
+      <a:fontRef idx="minor"/>
+    </dgm:style>
+  </dgm:styleLbl>
+  <dgm:styleLbl name="trBgShp">
+    <dgm:scene3d>
+      <a:camera prst="orthographicFront"/>
+      <a:lightRig rig="threePt" dir="t"/>
+    </dgm:scene3d>
+    <dgm:sp3d/>
+    <dgm:txPr/>
+    <dgm:style>
+      <a:lnRef idx="0">
+        <a:scrgbClr r="0" g="0" b="0"/>
+      </a:lnRef>
+      <a:fillRef idx="1">
+        <a:scrgbClr r="0" g="0" b="0"/>
+      </a:fillRef>
+      <a:effectRef idx="0">
+        <a:scrgbClr r="0" g="0" b="0"/>
+      </a:effectRef>
+      <a:fontRef idx="minor"/>
+    </dgm:style>
+  </dgm:styleLbl>
+  <dgm:styleLbl name="fgShp">
+    <dgm:scene3d>
+      <a:camera prst="orthographicFront"/>
+      <a:lightRig rig="threePt" dir="t"/>
+    </dgm:scene3d>
+    <dgm:sp3d/>
+    <dgm:txPr/>
+    <dgm:style>
+      <a:lnRef idx="2">
+        <a:scrgbClr r="0" g="0" b="0"/>
+      </a:lnRef>
+      <a:fillRef idx="1">
+        <a:scrgbClr r="0" g="0" b="0"/>
+      </a:fillRef>
+      <a:effectRef idx="0">
+        <a:scrgbClr r="0" g="0" b="0"/>
+      </a:effectRef>
+      <a:fontRef idx="minor"/>
+    </dgm:style>
+  </dgm:styleLbl>
+  <dgm:styleLbl name="revTx">
+    <dgm:scene3d>
+      <a:camera prst="orthographicFront"/>
+      <a:lightRig rig="threePt" dir="t"/>
+    </dgm:scene3d>
+    <dgm:sp3d/>
+    <dgm:txPr/>
+    <dgm:style>
+      <a:lnRef idx="0">
+        <a:scrgbClr r="0" g="0" b="0"/>
+      </a:lnRef>
+      <a:fillRef idx="0">
+        <a:scrgbClr r="0" g="0" b="0"/>
+      </a:fillRef>
+      <a:effectRef idx="0">
+        <a:scrgbClr r="0" g="0" b="0"/>
+      </a:effectRef>
+      <a:fontRef idx="minor"/>
+    </dgm:style>
+  </dgm:styleLbl>
+</dgm:styleDef>
 </file>
 
 <file path=ppt/slideLayouts/slideLayout1.xml><?xml version="1.0" encoding="utf-8"?>
@@ -3194,7 +5832,7 @@
           <a:p>
             <a:r>
               <a:rPr lang="en-US" dirty="0" smtClean="0"/>
-              <a:t>What Else?</a:t>
+              <a:t>So what?</a:t>
             </a:r>
             <a:endParaRPr lang="en-US" dirty="0"/>
           </a:p>
@@ -3216,48 +5854,20 @@
           <a:lstStyle/>
           <a:p>
             <a:r>
-              <a:rPr lang="en-US" dirty="0" err="1" smtClean="0"/>
-              <a:t>Backbone.sync</a:t>
-            </a:r>
-            <a:endParaRPr lang="en-US" dirty="0" smtClean="0"/>
-          </a:p>
-          <a:p>
-            <a:r>
               <a:rPr lang="en-US" dirty="0" smtClean="0"/>
-              <a:t>Validation</a:t>
-            </a:r>
-          </a:p>
-          <a:p>
-            <a:r>
-              <a:rPr lang="en-US" dirty="0" err="1" smtClean="0"/>
-              <a:t>Templating</a:t>
-            </a:r>
-            <a:endParaRPr lang="en-US" dirty="0" smtClean="0"/>
+              <a:t>Is this all about yet another verbose framework.  It didn’t save any code</a:t>
+            </a:r>
+          </a:p>
+          <a:p>
+            <a:endParaRPr lang="en-US" dirty="0"/>
           </a:p>
           <a:p>
             <a:r>
               <a:rPr lang="en-US" dirty="0" smtClean="0"/>
-              <a:t>TDD</a:t>
-            </a:r>
-          </a:p>
-          <a:p>
-            <a:r>
-              <a:rPr lang="en-US" dirty="0" err="1" smtClean="0"/>
-              <a:t>Namespacing</a:t>
-            </a:r>
-            <a:endParaRPr lang="en-US" dirty="0" smtClean="0"/>
-          </a:p>
-          <a:p>
-            <a:r>
-              <a:rPr lang="en-US" dirty="0" smtClean="0"/>
-              <a:t>Collections</a:t>
-            </a:r>
-          </a:p>
-          <a:p>
-            <a:r>
-              <a:rPr lang="en-US" dirty="0" smtClean="0"/>
-              <a:t>routers</a:t>
-            </a:r>
+              <a:t>It gave STRUCTURE.  </a:t>
+            </a:r>
+          </a:p>
+          <a:p>
             <a:endParaRPr lang="en-US" dirty="0"/>
           </a:p>
         </p:txBody>
@@ -3265,7 +5875,7 @@
     </p:spTree>
     <p:extLst>
       <p:ext uri="{BB962C8B-B14F-4D97-AF65-F5344CB8AC3E}">
-        <p14:creationId xmlns:p14="http://schemas.microsoft.com/office/powerpoint/2010/main" val="3913846662"/>
+        <p14:creationId xmlns:p14="http://schemas.microsoft.com/office/powerpoint/2010/main" val="3057703812"/>
       </p:ext>
     </p:extLst>
   </p:cSld>
@@ -3304,12 +5914,91 @@
         </p:nvSpPr>
         <p:spPr/>
         <p:txBody>
+          <a:bodyPr>
+            <a:normAutofit fontScale="90000"/>
+          </a:bodyPr>
+          <a:lstStyle/>
+          <a:p>
+            <a:r>
+              <a:rPr lang="en-US" dirty="0" smtClean="0"/>
+              <a:t>Weaknesses</a:t>
+            </a:r>
+            <a:br>
+              <a:rPr lang="en-US" dirty="0" smtClean="0"/>
+            </a:br>
+            <a:endParaRPr lang="en-US" dirty="0"/>
+          </a:p>
+        </p:txBody>
+      </p:sp>
+      <p:sp>
+        <p:nvSpPr>
+          <p:cNvPr id="3" name="Content Placeholder 2"/>
+          <p:cNvSpPr>
+            <a:spLocks noGrp="1"/>
+          </p:cNvSpPr>
+          <p:nvPr>
+            <p:ph idx="1"/>
+          </p:nvPr>
+        </p:nvSpPr>
+        <p:spPr/>
+        <p:txBody>
           <a:bodyPr/>
           <a:lstStyle/>
           <a:p>
+            <a:endParaRPr lang="en-US"/>
+          </a:p>
+        </p:txBody>
+      </p:sp>
+    </p:spTree>
+    <p:extLst>
+      <p:ext uri="{BB962C8B-B14F-4D97-AF65-F5344CB8AC3E}">
+        <p14:creationId xmlns:p14="http://schemas.microsoft.com/office/powerpoint/2010/main" val="145487616"/>
+      </p:ext>
+    </p:extLst>
+  </p:cSld>
+  <p:clrMapOvr>
+    <a:masterClrMapping/>
+  </p:clrMapOvr>
+</p:sld>
+</file>
+
+<file path=ppt/slides/slide12.xml><?xml version="1.0" encoding="utf-8"?>
+<p:sld xmlns:a="http://schemas.openxmlformats.org/drawingml/2006/main" xmlns:r="http://schemas.openxmlformats.org/officeDocument/2006/relationships" xmlns:p="http://schemas.openxmlformats.org/presentationml/2006/main">
+  <p:cSld>
+    <p:spTree>
+      <p:nvGrpSpPr>
+        <p:cNvPr id="1" name=""/>
+        <p:cNvGrpSpPr/>
+        <p:nvPr/>
+      </p:nvGrpSpPr>
+      <p:grpSpPr>
+        <a:xfrm>
+          <a:off x="0" y="0"/>
+          <a:ext cx="0" cy="0"/>
+          <a:chOff x="0" y="0"/>
+          <a:chExt cx="0" cy="0"/>
+        </a:xfrm>
+      </p:grpSpPr>
+      <p:sp>
+        <p:nvSpPr>
+          <p:cNvPr id="2" name="Title 1"/>
+          <p:cNvSpPr>
+            <a:spLocks noGrp="1"/>
+          </p:cNvSpPr>
+          <p:nvPr>
+            <p:ph type="title"/>
+          </p:nvPr>
+        </p:nvSpPr>
+        <p:spPr/>
+        <p:txBody>
+          <a:bodyPr>
+            <a:normAutofit/>
+          </a:bodyPr>
+          <a:lstStyle/>
+          <a:p>
             <a:r>
               <a:rPr lang="en-US" dirty="0" smtClean="0"/>
-              <a:t>In Conclusion	</a:t>
+              <a:t>MODEL</a:t>
             </a:r>
             <a:endParaRPr lang="en-US" dirty="0"/>
           </a:p>
@@ -3323,6 +6012,99 @@
           </p:cNvSpPr>
           <p:nvPr>
             <p:ph idx="1"/>
+          </p:nvPr>
+        </p:nvSpPr>
+        <p:spPr/>
+        <p:txBody>
+          <a:bodyPr>
+            <a:normAutofit lnSpcReduction="10000"/>
+          </a:bodyPr>
+          <a:lstStyle/>
+          <a:p>
+            <a:r>
+              <a:rPr lang="en-US" dirty="0" smtClean="0"/>
+              <a:t>Prototype for your JSON data that adds:</a:t>
+            </a:r>
+          </a:p>
+          <a:p>
+            <a:pPr lvl="1"/>
+            <a:r>
+              <a:rPr lang="en-US" dirty="0" smtClean="0"/>
+              <a:t>Custom methods</a:t>
+            </a:r>
+          </a:p>
+          <a:p>
+            <a:pPr lvl="1"/>
+            <a:r>
+              <a:rPr lang="en-US" dirty="0" smtClean="0"/>
+              <a:t>Custom callbacks (events)</a:t>
+            </a:r>
+          </a:p>
+          <a:p>
+            <a:pPr lvl="1"/>
+            <a:r>
+              <a:rPr lang="en-US" dirty="0" smtClean="0"/>
+              <a:t>Getter/setter hash</a:t>
+            </a:r>
+          </a:p>
+          <a:p>
+            <a:pPr lvl="1"/>
+            <a:r>
+              <a:rPr lang="en-US" dirty="0" smtClean="0"/>
+              <a:t>Built-in plumbing for saving back to server (not covered)</a:t>
+            </a:r>
+            <a:endParaRPr lang="en-US" dirty="0" smtClean="0"/>
+          </a:p>
+          <a:p>
+            <a:r>
+              <a:rPr lang="en-US" dirty="0" smtClean="0"/>
+              <a:t>Setting up a model can be as easy as passing your raw JSON data into your BB model constructor</a:t>
+            </a:r>
+            <a:endParaRPr lang="en-US" dirty="0" smtClean="0"/>
+          </a:p>
+          <a:p>
+            <a:endParaRPr lang="en-US" dirty="0"/>
+          </a:p>
+        </p:txBody>
+      </p:sp>
+    </p:spTree>
+    <p:extLst>
+      <p:ext uri="{BB962C8B-B14F-4D97-AF65-F5344CB8AC3E}">
+        <p14:creationId xmlns:p14="http://schemas.microsoft.com/office/powerpoint/2010/main" val="383136027"/>
+      </p:ext>
+    </p:extLst>
+  </p:cSld>
+  <p:clrMapOvr>
+    <a:masterClrMapping/>
+  </p:clrMapOvr>
+</p:sld>
+</file>
+
+<file path=ppt/slides/slide13.xml><?xml version="1.0" encoding="utf-8"?>
+<p:sld xmlns:a="http://schemas.openxmlformats.org/drawingml/2006/main" xmlns:r="http://schemas.openxmlformats.org/officeDocument/2006/relationships" xmlns:p="http://schemas.openxmlformats.org/presentationml/2006/main">
+  <p:cSld>
+    <p:spTree>
+      <p:nvGrpSpPr>
+        <p:cNvPr id="1" name=""/>
+        <p:cNvGrpSpPr/>
+        <p:nvPr/>
+      </p:nvGrpSpPr>
+      <p:grpSpPr>
+        <a:xfrm>
+          <a:off x="0" y="0"/>
+          <a:ext cx="0" cy="0"/>
+          <a:chOff x="0" y="0"/>
+          <a:chExt cx="0" cy="0"/>
+        </a:xfrm>
+      </p:grpSpPr>
+      <p:sp>
+        <p:nvSpPr>
+          <p:cNvPr id="2" name="Title 1"/>
+          <p:cNvSpPr>
+            <a:spLocks noGrp="1"/>
+          </p:cNvSpPr>
+          <p:nvPr>
+            <p:ph type="title"/>
           </p:nvPr>
         </p:nvSpPr>
         <p:spPr/>
@@ -3330,6 +6112,329 @@
           <a:bodyPr/>
           <a:lstStyle/>
           <a:p>
+            <a:r>
+              <a:rPr lang="en-US" dirty="0" smtClean="0"/>
+              <a:t>VIEW - What it does for you</a:t>
+            </a:r>
+            <a:endParaRPr lang="en-US" dirty="0"/>
+          </a:p>
+        </p:txBody>
+      </p:sp>
+      <p:sp>
+        <p:nvSpPr>
+          <p:cNvPr id="3" name="Content Placeholder 2"/>
+          <p:cNvSpPr>
+            <a:spLocks noGrp="1"/>
+          </p:cNvSpPr>
+          <p:nvPr>
+            <p:ph idx="1"/>
+          </p:nvPr>
+        </p:nvSpPr>
+        <p:spPr/>
+        <p:txBody>
+          <a:bodyPr>
+            <a:normAutofit fontScale="85000" lnSpcReduction="20000"/>
+          </a:bodyPr>
+          <a:lstStyle/>
+          <a:p>
+            <a:r>
+              <a:rPr lang="en-US" dirty="0"/>
+              <a:t>what it does for you: </a:t>
+            </a:r>
+          </a:p>
+          <a:p>
+            <a:r>
+              <a:rPr lang="en-US" dirty="0"/>
+              <a:t>it references a model</a:t>
+            </a:r>
+          </a:p>
+          <a:p>
+            <a:r>
+              <a:rPr lang="en-US" dirty="0"/>
+              <a:t>it wires up </a:t>
+            </a:r>
+            <a:r>
+              <a:rPr lang="en-US" dirty="0" err="1"/>
+              <a:t>dom</a:t>
+            </a:r>
+            <a:r>
+              <a:rPr lang="en-US" dirty="0"/>
+              <a:t> events</a:t>
+            </a:r>
+          </a:p>
+          <a:p>
+            <a:r>
+              <a:rPr lang="en-US" dirty="0"/>
+              <a:t>it exposes event handlers</a:t>
+            </a:r>
+          </a:p>
+          <a:p>
+            <a:r>
+              <a:rPr lang="en-US" dirty="0"/>
+              <a:t>it create it's own </a:t>
+            </a:r>
+            <a:r>
+              <a:rPr lang="en-US" dirty="0" err="1"/>
+              <a:t>dom</a:t>
+            </a:r>
+            <a:r>
+              <a:rPr lang="en-US" dirty="0"/>
+              <a:t> element and add itself to the tree.  This is not as trivial as it sounds.</a:t>
+            </a:r>
+          </a:p>
+          <a:p>
+            <a:r>
+              <a:rPr lang="en-US" dirty="0"/>
+              <a:t>Rendering is all about </a:t>
+            </a:r>
+            <a:r>
+              <a:rPr lang="en-US" dirty="0" smtClean="0"/>
+              <a:t>instantiating </a:t>
+            </a:r>
+            <a:r>
+              <a:rPr lang="en-US" dirty="0"/>
+              <a:t>a LIVE DOM NODE, with both content and an underlying model, and callbacks that connect the two.</a:t>
+            </a:r>
+          </a:p>
+          <a:p>
+            <a:r>
+              <a:rPr lang="en-US" dirty="0"/>
+              <a:t>Only after render() has created this node is it INSERTED for display in browser</a:t>
+            </a:r>
+          </a:p>
+          <a:p>
+            <a:endParaRPr lang="en-US" dirty="0"/>
+          </a:p>
+        </p:txBody>
+      </p:sp>
+    </p:spTree>
+    <p:extLst>
+      <p:ext uri="{BB962C8B-B14F-4D97-AF65-F5344CB8AC3E}">
+        <p14:creationId xmlns:p14="http://schemas.microsoft.com/office/powerpoint/2010/main" val="3257679435"/>
+      </p:ext>
+    </p:extLst>
+  </p:cSld>
+  <p:clrMapOvr>
+    <a:masterClrMapping/>
+  </p:clrMapOvr>
+</p:sld>
+</file>
+
+<file path=ppt/slides/slide14.xml><?xml version="1.0" encoding="utf-8"?>
+<p:sld xmlns:a="http://schemas.openxmlformats.org/drawingml/2006/main" xmlns:r="http://schemas.openxmlformats.org/officeDocument/2006/relationships" xmlns:p="http://schemas.openxmlformats.org/presentationml/2006/main">
+  <p:cSld>
+    <p:spTree>
+      <p:nvGrpSpPr>
+        <p:cNvPr id="1" name=""/>
+        <p:cNvGrpSpPr/>
+        <p:nvPr/>
+      </p:nvGrpSpPr>
+      <p:grpSpPr>
+        <a:xfrm>
+          <a:off x="0" y="0"/>
+          <a:ext cx="0" cy="0"/>
+          <a:chOff x="0" y="0"/>
+          <a:chExt cx="0" cy="0"/>
+        </a:xfrm>
+      </p:grpSpPr>
+      <p:sp>
+        <p:nvSpPr>
+          <p:cNvPr id="2" name="Title 1"/>
+          <p:cNvSpPr>
+            <a:spLocks noGrp="1"/>
+          </p:cNvSpPr>
+          <p:nvPr>
+            <p:ph type="title"/>
+          </p:nvPr>
+        </p:nvSpPr>
+        <p:spPr/>
+        <p:txBody>
+          <a:bodyPr/>
+          <a:lstStyle/>
+          <a:p>
+            <a:r>
+              <a:rPr lang="en-US" dirty="0" smtClean="0"/>
+              <a:t>What Else?</a:t>
+            </a:r>
+            <a:endParaRPr lang="en-US" dirty="0"/>
+          </a:p>
+        </p:txBody>
+      </p:sp>
+      <p:sp>
+        <p:nvSpPr>
+          <p:cNvPr id="3" name="Content Placeholder 2"/>
+          <p:cNvSpPr>
+            <a:spLocks noGrp="1"/>
+          </p:cNvSpPr>
+          <p:nvPr>
+            <p:ph idx="1"/>
+          </p:nvPr>
+        </p:nvSpPr>
+        <p:spPr/>
+        <p:txBody>
+          <a:bodyPr/>
+          <a:lstStyle/>
+          <a:p>
+            <a:r>
+              <a:rPr lang="en-US" dirty="0" err="1" smtClean="0"/>
+              <a:t>Backbone.sync</a:t>
+            </a:r>
+            <a:endParaRPr lang="en-US" dirty="0" smtClean="0"/>
+          </a:p>
+          <a:p>
+            <a:r>
+              <a:rPr lang="en-US" dirty="0" smtClean="0"/>
+              <a:t>Validation</a:t>
+            </a:r>
+          </a:p>
+          <a:p>
+            <a:r>
+              <a:rPr lang="en-US" dirty="0" err="1" smtClean="0"/>
+              <a:t>Templating</a:t>
+            </a:r>
+            <a:endParaRPr lang="en-US" dirty="0" smtClean="0"/>
+          </a:p>
+          <a:p>
+            <a:r>
+              <a:rPr lang="en-US" dirty="0" smtClean="0"/>
+              <a:t>TDD</a:t>
+            </a:r>
+          </a:p>
+          <a:p>
+            <a:r>
+              <a:rPr lang="en-US" dirty="0" err="1" smtClean="0"/>
+              <a:t>Namespacing</a:t>
+            </a:r>
+            <a:endParaRPr lang="en-US" dirty="0" smtClean="0"/>
+          </a:p>
+          <a:p>
+            <a:r>
+              <a:rPr lang="en-US" dirty="0" smtClean="0"/>
+              <a:t>Collections</a:t>
+            </a:r>
+          </a:p>
+          <a:p>
+            <a:r>
+              <a:rPr lang="en-US" dirty="0" smtClean="0"/>
+              <a:t>routers</a:t>
+            </a:r>
+            <a:endParaRPr lang="en-US" dirty="0"/>
+          </a:p>
+        </p:txBody>
+      </p:sp>
+    </p:spTree>
+    <p:extLst>
+      <p:ext uri="{BB962C8B-B14F-4D97-AF65-F5344CB8AC3E}">
+        <p14:creationId xmlns:p14="http://schemas.microsoft.com/office/powerpoint/2010/main" val="3913846662"/>
+      </p:ext>
+    </p:extLst>
+  </p:cSld>
+  <p:clrMapOvr>
+    <a:masterClrMapping/>
+  </p:clrMapOvr>
+</p:sld>
+</file>
+
+<file path=ppt/slides/slide15.xml><?xml version="1.0" encoding="utf-8"?>
+<p:sld xmlns:a="http://schemas.openxmlformats.org/drawingml/2006/main" xmlns:r="http://schemas.openxmlformats.org/officeDocument/2006/relationships" xmlns:p="http://schemas.openxmlformats.org/presentationml/2006/main">
+  <p:cSld>
+    <p:spTree>
+      <p:nvGrpSpPr>
+        <p:cNvPr id="1" name=""/>
+        <p:cNvGrpSpPr/>
+        <p:nvPr/>
+      </p:nvGrpSpPr>
+      <p:grpSpPr>
+        <a:xfrm>
+          <a:off x="0" y="0"/>
+          <a:ext cx="0" cy="0"/>
+          <a:chOff x="0" y="0"/>
+          <a:chExt cx="0" cy="0"/>
+        </a:xfrm>
+      </p:grpSpPr>
+      <p:sp>
+        <p:nvSpPr>
+          <p:cNvPr id="2" name="Title 1"/>
+          <p:cNvSpPr>
+            <a:spLocks noGrp="1"/>
+          </p:cNvSpPr>
+          <p:nvPr>
+            <p:ph type="title"/>
+          </p:nvPr>
+        </p:nvSpPr>
+        <p:spPr/>
+        <p:txBody>
+          <a:bodyPr/>
+          <a:lstStyle/>
+          <a:p>
+            <a:r>
+              <a:rPr lang="en-US" dirty="0" smtClean="0"/>
+              <a:t>Takeaways</a:t>
+            </a:r>
+            <a:r>
+              <a:rPr lang="en-US" dirty="0" smtClean="0"/>
+              <a:t>	</a:t>
+            </a:r>
+            <a:endParaRPr lang="en-US" dirty="0"/>
+          </a:p>
+        </p:txBody>
+      </p:sp>
+      <p:sp>
+        <p:nvSpPr>
+          <p:cNvPr id="3" name="Content Placeholder 2"/>
+          <p:cNvSpPr>
+            <a:spLocks noGrp="1"/>
+          </p:cNvSpPr>
+          <p:nvPr>
+            <p:ph idx="1"/>
+          </p:nvPr>
+        </p:nvSpPr>
+        <p:spPr/>
+        <p:txBody>
+          <a:bodyPr/>
+          <a:lstStyle/>
+          <a:p>
+            <a:r>
+              <a:rPr lang="en-US" dirty="0" smtClean="0"/>
+              <a:t>Backbone is Agnostic about:</a:t>
+            </a:r>
+          </a:p>
+          <a:p>
+            <a:r>
+              <a:rPr lang="en-US" dirty="0" err="1" smtClean="0"/>
+              <a:t>Templating</a:t>
+            </a:r>
+            <a:endParaRPr lang="en-US" dirty="0" smtClean="0"/>
+          </a:p>
+          <a:p>
+            <a:r>
+              <a:rPr lang="en-US" dirty="0" smtClean="0"/>
+              <a:t>When/how to re-render after the model changes:</a:t>
+            </a:r>
+          </a:p>
+          <a:p>
+            <a:pPr lvl="1"/>
+            <a:r>
+              <a:rPr lang="en-US" dirty="0" err="1" smtClean="0"/>
+              <a:t>Rerender</a:t>
+            </a:r>
+            <a:r>
+              <a:rPr lang="en-US" dirty="0" smtClean="0"/>
+              <a:t> in view stack</a:t>
+            </a:r>
+          </a:p>
+          <a:p>
+            <a:pPr marL="457200" lvl="1" indent="0">
+              <a:buNone/>
+            </a:pPr>
+            <a:r>
+              <a:rPr lang="en-US" dirty="0"/>
+              <a:t>-</a:t>
+            </a:r>
+            <a:r>
+              <a:rPr lang="en-US" dirty="0" smtClean="0"/>
+              <a:t>subscribe to change events in the model</a:t>
+            </a:r>
             <a:endParaRPr lang="en-US" dirty="0"/>
           </a:p>
         </p:txBody>
@@ -3379,11 +6484,7 @@
           <a:bodyPr/>
           <a:lstStyle/>
           <a:p>
-            <a:r>
-              <a:rPr lang="en-US" dirty="0" smtClean="0"/>
-              <a:t>The Players</a:t>
-            </a:r>
-            <a:endParaRPr lang="en-US" dirty="0"/>
+            <a:endParaRPr lang="en-US"/>
           </a:p>
         </p:txBody>
       </p:sp>
@@ -3402,14 +6503,14 @@
           <a:bodyPr/>
           <a:lstStyle/>
           <a:p>
-            <a:endParaRPr lang="en-US" dirty="0"/>
+            <a:endParaRPr lang="en-US"/>
           </a:p>
         </p:txBody>
       </p:sp>
     </p:spTree>
     <p:extLst>
       <p:ext uri="{BB962C8B-B14F-4D97-AF65-F5344CB8AC3E}">
-        <p14:creationId xmlns:p14="http://schemas.microsoft.com/office/powerpoint/2010/main" val="3083029155"/>
+        <p14:creationId xmlns:p14="http://schemas.microsoft.com/office/powerpoint/2010/main" val="137555774"/>
       </p:ext>
     </p:extLst>
   </p:cSld>
@@ -3448,63 +6549,55 @@
         </p:nvSpPr>
         <p:spPr/>
         <p:txBody>
-          <a:bodyPr/>
+          <a:bodyPr>
+            <a:normAutofit fontScale="90000"/>
+          </a:bodyPr>
           <a:lstStyle/>
           <a:p>
             <a:r>
               <a:rPr lang="en-US" dirty="0" smtClean="0"/>
-              <a:t>What Will NOT be Covered</a:t>
+              <a:t>Server Side MVC Frameworks connect models and views with HTTP verbs:</a:t>
+            </a:r>
+            <a:br>
+              <a:rPr lang="en-US" dirty="0" smtClean="0"/>
+            </a:br>
+            <a:r>
+              <a:rPr lang="en-US" dirty="0" smtClean="0"/>
+              <a:t>GET, POST, etc.</a:t>
             </a:r>
             <a:endParaRPr lang="en-US" dirty="0"/>
           </a:p>
         </p:txBody>
       </p:sp>
-      <p:sp>
-        <p:nvSpPr>
-          <p:cNvPr id="3" name="Content Placeholder 2"/>
-          <p:cNvSpPr>
-            <a:spLocks noGrp="1"/>
-          </p:cNvSpPr>
+      <p:graphicFrame>
+        <p:nvGraphicFramePr>
+          <p:cNvPr id="6" name="Content Placeholder 5"/>
+          <p:cNvGraphicFramePr>
+            <a:graphicFrameLocks noGrp="1"/>
+          </p:cNvGraphicFramePr>
           <p:nvPr>
             <p:ph idx="1"/>
-          </p:nvPr>
-        </p:nvSpPr>
-        <p:spPr/>
-        <p:txBody>
-          <a:bodyPr/>
-          <a:lstStyle/>
-          <a:p>
-            <a:r>
-              <a:rPr lang="en-US" dirty="0" smtClean="0"/>
-              <a:t>Database Stuff -&gt; Serialization / </a:t>
-            </a:r>
-            <a:r>
-              <a:rPr lang="en-US" dirty="0" err="1" smtClean="0"/>
-              <a:t>upsert</a:t>
-            </a:r>
-            <a:endParaRPr lang="en-US" dirty="0" smtClean="0"/>
-          </a:p>
-          <a:p>
-            <a:r>
-              <a:rPr lang="en-US" dirty="0" smtClean="0"/>
-              <a:t>Backbone Collections</a:t>
-            </a:r>
-          </a:p>
-          <a:p>
-            <a:r>
-              <a:rPr lang="en-US" dirty="0" smtClean="0"/>
-              <a:t>Backbone Routers</a:t>
-            </a:r>
-          </a:p>
-          <a:p>
-            <a:endParaRPr lang="en-US" dirty="0"/>
-          </a:p>
-        </p:txBody>
-      </p:sp>
+            <p:extLst>
+              <p:ext uri="{D42A27DB-BD31-4B8C-83A1-F6EECF244321}">
+                <p14:modId xmlns:p14="http://schemas.microsoft.com/office/powerpoint/2010/main" val="3289639352"/>
+              </p:ext>
+            </p:extLst>
+          </p:nvPr>
+        </p:nvGraphicFramePr>
+        <p:xfrm>
+          <a:off x="457200" y="1600200"/>
+          <a:ext cx="8229600" cy="4525963"/>
+        </p:xfrm>
+        <a:graphic>
+          <a:graphicData uri="http://schemas.openxmlformats.org/drawingml/2006/diagram">
+            <dgm:relIds xmlns:dgm="http://schemas.openxmlformats.org/drawingml/2006/diagram" xmlns:r="http://schemas.openxmlformats.org/officeDocument/2006/relationships" r:dm="rId2" r:lo="rId3" r:qs="rId4" r:cs="rId5"/>
+          </a:graphicData>
+        </a:graphic>
+      </p:graphicFrame>
     </p:spTree>
     <p:extLst>
       <p:ext uri="{BB962C8B-B14F-4D97-AF65-F5344CB8AC3E}">
-        <p14:creationId xmlns:p14="http://schemas.microsoft.com/office/powerpoint/2010/main" val="1504512266"/>
+        <p14:creationId xmlns:p14="http://schemas.microsoft.com/office/powerpoint/2010/main" val="3286277275"/>
       </p:ext>
     </p:extLst>
   </p:cSld>
@@ -3543,124 +6636,55 @@
         </p:nvSpPr>
         <p:spPr/>
         <p:txBody>
+          <a:bodyPr>
+            <a:normAutofit fontScale="90000"/>
+          </a:bodyPr>
+          <a:lstStyle/>
+          <a:p>
+            <a:r>
+              <a:rPr lang="en-US" dirty="0" smtClean="0"/>
+              <a:t>Client Side Frameworks connect models and views with DOM events:</a:t>
+            </a:r>
+            <a:br>
+              <a:rPr lang="en-US" dirty="0" smtClean="0"/>
+            </a:br>
+            <a:r>
+              <a:rPr lang="en-US" dirty="0" err="1" smtClean="0"/>
+              <a:t>onclick</a:t>
+            </a:r>
+            <a:r>
+              <a:rPr lang="en-US" dirty="0" smtClean="0"/>
+              <a:t>, etc.</a:t>
+            </a:r>
+            <a:endParaRPr lang="en-US" dirty="0"/>
+          </a:p>
+        </p:txBody>
+      </p:sp>
+      <p:sp>
+        <p:nvSpPr>
+          <p:cNvPr id="3" name="Content Placeholder 2"/>
+          <p:cNvSpPr>
+            <a:spLocks noGrp="1"/>
+          </p:cNvSpPr>
+          <p:nvPr>
+            <p:ph idx="1"/>
+          </p:nvPr>
+        </p:nvSpPr>
+        <p:spPr/>
+        <p:txBody>
           <a:bodyPr/>
           <a:lstStyle/>
           <a:p>
             <a:r>
               <a:rPr lang="en-US" dirty="0" smtClean="0"/>
-              <a:t>Spa-Query</a:t>
-            </a:r>
-            <a:endParaRPr lang="en-US" dirty="0"/>
-          </a:p>
-        </p:txBody>
-      </p:sp>
-      <p:sp>
-        <p:nvSpPr>
-          <p:cNvPr id="3" name="Content Placeholder 2"/>
-          <p:cNvSpPr>
-            <a:spLocks noGrp="1"/>
-          </p:cNvSpPr>
-          <p:nvPr>
-            <p:ph idx="1"/>
-          </p:nvPr>
-        </p:nvSpPr>
-        <p:spPr/>
-        <p:txBody>
-          <a:bodyPr>
-            <a:normAutofit fontScale="92500" lnSpcReduction="10000"/>
-          </a:bodyPr>
-          <a:lstStyle/>
+              <a:t>It’s all on the client</a:t>
+            </a:r>
+          </a:p>
           <a:p>
             <a:r>
               <a:rPr lang="en-US" dirty="0" smtClean="0"/>
-              <a:t>Spaghetti-</a:t>
-            </a:r>
-            <a:r>
-              <a:rPr lang="en-US" dirty="0" err="1" smtClean="0"/>
-              <a:t>jquery</a:t>
-            </a:r>
-            <a:endParaRPr lang="en-US" dirty="0" smtClean="0"/>
-          </a:p>
-          <a:p>
-            <a:r>
-              <a:rPr lang="en-US" dirty="0" smtClean="0"/>
-              <a:t>$(document).ready(function() {</a:t>
-            </a:r>
-          </a:p>
-          <a:p>
-            <a:pPr lvl="2"/>
-            <a:r>
-              <a:rPr lang="en-US" dirty="0" smtClean="0"/>
-              <a:t>$(‘#foo’).click(function()  {</a:t>
-            </a:r>
-          </a:p>
-          <a:p>
-            <a:pPr lvl="3"/>
-            <a:r>
-              <a:rPr lang="en-US" dirty="0" smtClean="0"/>
-              <a:t>$.</a:t>
-            </a:r>
-            <a:r>
-              <a:rPr lang="en-US" dirty="0" err="1" smtClean="0"/>
-              <a:t>ajax</a:t>
-            </a:r>
-            <a:r>
-              <a:rPr lang="en-US" dirty="0" smtClean="0"/>
-              <a:t>(‘/</a:t>
-            </a:r>
-            <a:r>
-              <a:rPr lang="en-US" dirty="0" err="1" smtClean="0"/>
-              <a:t>url</a:t>
-            </a:r>
-            <a:r>
-              <a:rPr lang="en-US" dirty="0" smtClean="0"/>
-              <a:t>’,a, function(</a:t>
-            </a:r>
-            <a:r>
-              <a:rPr lang="en-US" dirty="0" err="1" smtClean="0"/>
-              <a:t>er</a:t>
-            </a:r>
-            <a:r>
-              <a:rPr lang="en-US" dirty="0" smtClean="0"/>
-              <a:t>) {</a:t>
-            </a:r>
-          </a:p>
-          <a:p>
-            <a:pPr lvl="3"/>
-            <a:r>
-              <a:rPr lang="en-US" dirty="0" smtClean="0"/>
-              <a:t>});</a:t>
-            </a:r>
-          </a:p>
-          <a:p>
-            <a:pPr lvl="2"/>
-            <a:r>
-              <a:rPr lang="en-US" dirty="0" smtClean="0"/>
-              <a:t>}):</a:t>
-            </a:r>
-            <a:endParaRPr lang="en-US" dirty="0"/>
-          </a:p>
-          <a:p>
-            <a:r>
-              <a:rPr lang="en-US" dirty="0" smtClean="0"/>
-              <a:t>});</a:t>
-            </a:r>
-          </a:p>
-          <a:p>
-            <a:endParaRPr lang="en-US" dirty="0"/>
-          </a:p>
-          <a:p>
-            <a:r>
-              <a:rPr lang="en-US" dirty="0" smtClean="0"/>
-              <a:t>function a() {</a:t>
-            </a:r>
-          </a:p>
-          <a:p>
-            <a:r>
-              <a:rPr lang="en-US" dirty="0" smtClean="0"/>
-              <a:t>}</a:t>
-            </a:r>
-            <a:endParaRPr lang="en-US" dirty="0"/>
+              <a:t>Now the controller needs to connect the server in a different way to persist.</a:t>
+            </a:r>
           </a:p>
           <a:p>
             <a:endParaRPr lang="en-US" dirty="0"/>
@@ -3670,7 +6694,7 @@
     </p:spTree>
     <p:extLst>
       <p:ext uri="{BB962C8B-B14F-4D97-AF65-F5344CB8AC3E}">
-        <p14:creationId xmlns:p14="http://schemas.microsoft.com/office/powerpoint/2010/main" val="2290306457"/>
+        <p14:creationId xmlns:p14="http://schemas.microsoft.com/office/powerpoint/2010/main" val="3447008513"/>
       </p:ext>
     </p:extLst>
   </p:cSld>
@@ -3714,52 +6738,119 @@
           <a:p>
             <a:r>
               <a:rPr lang="en-US" dirty="0" smtClean="0"/>
-              <a:t>What </a:t>
-            </a:r>
+              <a:t>Spa-Query</a:t>
+            </a:r>
+            <a:endParaRPr lang="en-US" dirty="0"/>
+          </a:p>
+        </p:txBody>
+      </p:sp>
+      <p:sp>
+        <p:nvSpPr>
+          <p:cNvPr id="3" name="Content Placeholder 2"/>
+          <p:cNvSpPr>
+            <a:spLocks noGrp="1"/>
+          </p:cNvSpPr>
+          <p:nvPr>
+            <p:ph idx="1"/>
+          </p:nvPr>
+        </p:nvSpPr>
+        <p:spPr/>
+        <p:txBody>
+          <a:bodyPr>
+            <a:normAutofit fontScale="92500" lnSpcReduction="10000"/>
+          </a:bodyPr>
+          <a:lstStyle/>
+          <a:p>
             <a:r>
               <a:rPr lang="en-US" dirty="0" smtClean="0"/>
-              <a:t>WILL be Covered</a:t>
+              <a:t>Spaghetti-</a:t>
+            </a:r>
+            <a:r>
+              <a:rPr lang="en-US" dirty="0" err="1" smtClean="0"/>
+              <a:t>jquery</a:t>
+            </a:r>
+            <a:endParaRPr lang="en-US" dirty="0" smtClean="0"/>
+          </a:p>
+          <a:p>
+            <a:r>
+              <a:rPr lang="en-US" dirty="0" smtClean="0"/>
+              <a:t>$(document).ready(function() {</a:t>
+            </a:r>
+          </a:p>
+          <a:p>
+            <a:pPr lvl="2"/>
+            <a:r>
+              <a:rPr lang="en-US" dirty="0" smtClean="0"/>
+              <a:t>$(‘#foo’).click(function()  {</a:t>
+            </a:r>
+          </a:p>
+          <a:p>
+            <a:pPr lvl="3"/>
+            <a:r>
+              <a:rPr lang="en-US" dirty="0" smtClean="0"/>
+              <a:t>$.</a:t>
+            </a:r>
+            <a:r>
+              <a:rPr lang="en-US" dirty="0" err="1" smtClean="0"/>
+              <a:t>ajax</a:t>
+            </a:r>
+            <a:r>
+              <a:rPr lang="en-US" dirty="0" smtClean="0"/>
+              <a:t>(‘/</a:t>
+            </a:r>
+            <a:r>
+              <a:rPr lang="en-US" dirty="0" err="1" smtClean="0"/>
+              <a:t>url</a:t>
+            </a:r>
+            <a:r>
+              <a:rPr lang="en-US" dirty="0" smtClean="0"/>
+              <a:t>’,a, function(</a:t>
+            </a:r>
+            <a:r>
+              <a:rPr lang="en-US" dirty="0" err="1" smtClean="0"/>
+              <a:t>er</a:t>
+            </a:r>
+            <a:r>
+              <a:rPr lang="en-US" dirty="0" smtClean="0"/>
+              <a:t>) {</a:t>
+            </a:r>
+          </a:p>
+          <a:p>
+            <a:pPr lvl="3"/>
+            <a:r>
+              <a:rPr lang="en-US" dirty="0" smtClean="0"/>
+              <a:t>});</a:t>
+            </a:r>
+          </a:p>
+          <a:p>
+            <a:pPr lvl="2"/>
+            <a:r>
+              <a:rPr lang="en-US" dirty="0" smtClean="0"/>
+              <a:t>}):</a:t>
             </a:r>
             <a:endParaRPr lang="en-US" dirty="0"/>
           </a:p>
-        </p:txBody>
-      </p:sp>
-      <p:sp>
-        <p:nvSpPr>
-          <p:cNvPr id="3" name="Content Placeholder 2"/>
-          <p:cNvSpPr>
-            <a:spLocks noGrp="1"/>
-          </p:cNvSpPr>
-          <p:nvPr>
-            <p:ph idx="1"/>
-          </p:nvPr>
-        </p:nvSpPr>
-        <p:spPr/>
-        <p:txBody>
-          <a:bodyPr/>
-          <a:lstStyle/>
           <a:p>
             <a:r>
               <a:rPr lang="en-US" dirty="0" smtClean="0"/>
-              <a:t>Models</a:t>
-            </a:r>
+              <a:t>});</a:t>
+            </a:r>
+          </a:p>
+          <a:p>
+            <a:endParaRPr lang="en-US" dirty="0"/>
           </a:p>
           <a:p>
             <a:r>
               <a:rPr lang="en-US" dirty="0" smtClean="0"/>
-              <a:t>Views</a:t>
+              <a:t>function a() {</a:t>
             </a:r>
           </a:p>
           <a:p>
             <a:r>
               <a:rPr lang="en-US" dirty="0" smtClean="0"/>
-              <a:t>How to connect </a:t>
-            </a:r>
-            <a:r>
-              <a:rPr lang="en-US" smtClean="0"/>
-              <a:t>to two</a:t>
-            </a:r>
-            <a:endParaRPr lang="en-US" dirty="0" smtClean="0"/>
+              <a:t>}</a:t>
+            </a:r>
+            <a:endParaRPr lang="en-US" dirty="0"/>
           </a:p>
           <a:p>
             <a:endParaRPr lang="en-US" dirty="0"/>
@@ -3769,7 +6860,7 @@
     </p:spTree>
     <p:extLst>
       <p:ext uri="{BB962C8B-B14F-4D97-AF65-F5344CB8AC3E}">
-        <p14:creationId xmlns:p14="http://schemas.microsoft.com/office/powerpoint/2010/main" val="437079684"/>
+        <p14:creationId xmlns:p14="http://schemas.microsoft.com/office/powerpoint/2010/main" val="2290306457"/>
       </p:ext>
     </p:extLst>
   </p:cSld>
@@ -3813,7 +6904,7 @@
           <a:p>
             <a:r>
               <a:rPr lang="en-US" dirty="0" smtClean="0"/>
-              <a:t>So what?</a:t>
+              <a:t>The Players</a:t>
             </a:r>
             <a:endParaRPr lang="en-US" dirty="0"/>
           </a:p>
@@ -3836,19 +6927,35 @@
           <a:p>
             <a:r>
               <a:rPr lang="en-US" dirty="0" smtClean="0"/>
-              <a:t>Is this all about yet another verbose framework.  It didn’t save any code</a:t>
-            </a:r>
-          </a:p>
-          <a:p>
-            <a:endParaRPr lang="en-US" dirty="0"/>
+              <a:t>Backbone</a:t>
+            </a:r>
           </a:p>
           <a:p>
             <a:r>
               <a:rPr lang="en-US" dirty="0" smtClean="0"/>
-              <a:t>It gave STRUCTURE.  </a:t>
-            </a:r>
-          </a:p>
-          <a:p>
+              <a:t>Knockout</a:t>
+            </a:r>
+          </a:p>
+          <a:p>
+            <a:r>
+              <a:rPr lang="en-US" dirty="0" smtClean="0"/>
+              <a:t>Ember.js</a:t>
+            </a:r>
+          </a:p>
+          <a:p>
+            <a:r>
+              <a:rPr lang="en-US" dirty="0" err="1" smtClean="0"/>
+              <a:t>Jquery</a:t>
+            </a:r>
+            <a:r>
+              <a:rPr lang="en-US" dirty="0" smtClean="0"/>
+              <a:t> UI widgets (not flexible enough)</a:t>
+            </a:r>
+          </a:p>
+          <a:p>
+            <a:pPr marL="0" indent="0">
+              <a:buNone/>
+            </a:pPr>
             <a:endParaRPr lang="en-US" dirty="0"/>
           </a:p>
         </p:txBody>
@@ -3856,7 +6963,7 @@
     </p:spTree>
     <p:extLst>
       <p:ext uri="{BB962C8B-B14F-4D97-AF65-F5344CB8AC3E}">
-        <p14:creationId xmlns:p14="http://schemas.microsoft.com/office/powerpoint/2010/main" val="3057703812"/>
+        <p14:creationId xmlns:p14="http://schemas.microsoft.com/office/powerpoint/2010/main" val="3083029155"/>
       </p:ext>
     </p:extLst>
   </p:cSld>
@@ -3895,45 +7002,63 @@
         </p:nvSpPr>
         <p:spPr/>
         <p:txBody>
-          <a:bodyPr>
-            <a:normAutofit fontScale="90000"/>
-          </a:bodyPr>
-          <a:lstStyle/>
-          <a:p>
-            <a:r>
-              <a:rPr lang="en-US" dirty="0" smtClean="0"/>
-              <a:t>Weaknesses</a:t>
-            </a:r>
-            <a:br>
-              <a:rPr lang="en-US" dirty="0" smtClean="0"/>
-            </a:br>
-            <a:endParaRPr lang="en-US" dirty="0"/>
-          </a:p>
-        </p:txBody>
-      </p:sp>
-      <p:sp>
-        <p:nvSpPr>
-          <p:cNvPr id="3" name="Content Placeholder 2"/>
-          <p:cNvSpPr>
-            <a:spLocks noGrp="1"/>
-          </p:cNvSpPr>
-          <p:nvPr>
-            <p:ph idx="1"/>
-          </p:nvPr>
-        </p:nvSpPr>
-        <p:spPr/>
-        <p:txBody>
           <a:bodyPr/>
           <a:lstStyle/>
           <a:p>
-            <a:endParaRPr lang="en-US"/>
+            <a:r>
+              <a:rPr lang="en-US" dirty="0" smtClean="0"/>
+              <a:t>What Will NOT be Covered</a:t>
+            </a:r>
+            <a:endParaRPr lang="en-US" dirty="0"/>
+          </a:p>
+        </p:txBody>
+      </p:sp>
+      <p:sp>
+        <p:nvSpPr>
+          <p:cNvPr id="3" name="Content Placeholder 2"/>
+          <p:cNvSpPr>
+            <a:spLocks noGrp="1"/>
+          </p:cNvSpPr>
+          <p:nvPr>
+            <p:ph idx="1"/>
+          </p:nvPr>
+        </p:nvSpPr>
+        <p:spPr/>
+        <p:txBody>
+          <a:bodyPr/>
+          <a:lstStyle/>
+          <a:p>
+            <a:r>
+              <a:rPr lang="en-US" dirty="0" smtClean="0"/>
+              <a:t>Database Stuff -&gt; Serialization / </a:t>
+            </a:r>
+            <a:r>
+              <a:rPr lang="en-US" dirty="0" err="1" smtClean="0"/>
+              <a:t>upsert</a:t>
+            </a:r>
+            <a:endParaRPr lang="en-US" dirty="0" smtClean="0"/>
+          </a:p>
+          <a:p>
+            <a:r>
+              <a:rPr lang="en-US" dirty="0" smtClean="0"/>
+              <a:t>Backbone Collections</a:t>
+            </a:r>
+          </a:p>
+          <a:p>
+            <a:r>
+              <a:rPr lang="en-US" dirty="0" smtClean="0"/>
+              <a:t>Backbone Routers</a:t>
+            </a:r>
+          </a:p>
+          <a:p>
+            <a:endParaRPr lang="en-US" dirty="0"/>
           </a:p>
         </p:txBody>
       </p:sp>
     </p:spTree>
     <p:extLst>
       <p:ext uri="{BB962C8B-B14F-4D97-AF65-F5344CB8AC3E}">
-        <p14:creationId xmlns:p14="http://schemas.microsoft.com/office/powerpoint/2010/main" val="145487616"/>
+        <p14:creationId xmlns:p14="http://schemas.microsoft.com/office/powerpoint/2010/main" val="1504512266"/>
       </p:ext>
     </p:extLst>
   </p:cSld>
@@ -3972,42 +7097,63 @@
         </p:nvSpPr>
         <p:spPr/>
         <p:txBody>
-          <a:bodyPr>
-            <a:normAutofit/>
-          </a:bodyPr>
-          <a:lstStyle/>
-          <a:p>
-            <a:r>
-              <a:rPr lang="en-US" dirty="0" smtClean="0"/>
-              <a:t>Takeaways</a:t>
-            </a:r>
-            <a:endParaRPr lang="en-US" dirty="0"/>
-          </a:p>
-        </p:txBody>
-      </p:sp>
-      <p:sp>
-        <p:nvSpPr>
-          <p:cNvPr id="3" name="Content Placeholder 2"/>
-          <p:cNvSpPr>
-            <a:spLocks noGrp="1"/>
-          </p:cNvSpPr>
-          <p:nvPr>
-            <p:ph idx="1"/>
-          </p:nvPr>
-        </p:nvSpPr>
-        <p:spPr/>
-        <p:txBody>
           <a:bodyPr/>
           <a:lstStyle/>
           <a:p>
-            <a:endParaRPr lang="en-US"/>
+            <a:r>
+              <a:rPr lang="en-US" dirty="0" smtClean="0"/>
+              <a:t>What WILL be Covered</a:t>
+            </a:r>
+            <a:endParaRPr lang="en-US" dirty="0"/>
+          </a:p>
+        </p:txBody>
+      </p:sp>
+      <p:sp>
+        <p:nvSpPr>
+          <p:cNvPr id="3" name="Content Placeholder 2"/>
+          <p:cNvSpPr>
+            <a:spLocks noGrp="1"/>
+          </p:cNvSpPr>
+          <p:nvPr>
+            <p:ph idx="1"/>
+          </p:nvPr>
+        </p:nvSpPr>
+        <p:spPr/>
+        <p:txBody>
+          <a:bodyPr/>
+          <a:lstStyle/>
+          <a:p>
+            <a:r>
+              <a:rPr lang="en-US" dirty="0" smtClean="0"/>
+              <a:t>Models</a:t>
+            </a:r>
+          </a:p>
+          <a:p>
+            <a:r>
+              <a:rPr lang="en-US" dirty="0" smtClean="0"/>
+              <a:t>Views</a:t>
+            </a:r>
+          </a:p>
+          <a:p>
+            <a:r>
+              <a:rPr lang="en-US" dirty="0" smtClean="0"/>
+              <a:t>How to connect </a:t>
+            </a:r>
+            <a:r>
+              <a:rPr lang="en-US" smtClean="0"/>
+              <a:t>to two</a:t>
+            </a:r>
+            <a:endParaRPr lang="en-US" dirty="0" smtClean="0"/>
+          </a:p>
+          <a:p>
+            <a:endParaRPr lang="en-US" dirty="0"/>
           </a:p>
         </p:txBody>
       </p:sp>
     </p:spTree>
     <p:extLst>
       <p:ext uri="{BB962C8B-B14F-4D97-AF65-F5344CB8AC3E}">
-        <p14:creationId xmlns:p14="http://schemas.microsoft.com/office/powerpoint/2010/main" val="383136027"/>
+        <p14:creationId xmlns:p14="http://schemas.microsoft.com/office/powerpoint/2010/main" val="437079684"/>
       </p:ext>
     </p:extLst>
   </p:cSld>
@@ -4051,7 +7197,7 @@
           <a:p>
             <a:r>
               <a:rPr lang="en-US" dirty="0" smtClean="0"/>
-              <a:t>VIEW - What it does for you</a:t>
+              <a:t>Book Data Model</a:t>
             </a:r>
             <a:endParaRPr lang="en-US" dirty="0"/>
           </a:p>
@@ -4069,77 +7215,32 @@
         </p:nvSpPr>
         <p:spPr/>
         <p:txBody>
-          <a:bodyPr>
-            <a:normAutofit fontScale="85000" lnSpcReduction="20000"/>
-          </a:bodyPr>
+          <a:bodyPr/>
           <a:lstStyle/>
           <a:p>
-            <a:r>
-              <a:rPr lang="en-US" dirty="0"/>
-              <a:t>what it does for you: </a:t>
-            </a:r>
-          </a:p>
-          <a:p>
-            <a:r>
-              <a:rPr lang="en-US" dirty="0"/>
-              <a:t>it references a model</a:t>
-            </a:r>
-          </a:p>
-          <a:p>
-            <a:r>
-              <a:rPr lang="en-US" dirty="0"/>
-              <a:t>it wires up </a:t>
-            </a:r>
-            <a:r>
-              <a:rPr lang="en-US" dirty="0" err="1"/>
-              <a:t>dom</a:t>
-            </a:r>
-            <a:r>
-              <a:rPr lang="en-US" dirty="0"/>
-              <a:t> events</a:t>
-            </a:r>
-          </a:p>
-          <a:p>
-            <a:r>
-              <a:rPr lang="en-US" dirty="0"/>
-              <a:t>it exposes event handlers</a:t>
-            </a:r>
-          </a:p>
-          <a:p>
-            <a:r>
-              <a:rPr lang="en-US" dirty="0"/>
-              <a:t>it create it's own </a:t>
-            </a:r>
-            <a:r>
-              <a:rPr lang="en-US" dirty="0" err="1"/>
-              <a:t>dom</a:t>
-            </a:r>
-            <a:r>
-              <a:rPr lang="en-US" dirty="0"/>
-              <a:t> element and add itself to the tree.  This is not as trivial as it sounds.</a:t>
-            </a:r>
-          </a:p>
-          <a:p>
-            <a:r>
-              <a:rPr lang="en-US" dirty="0"/>
-              <a:t>Rendering is all about </a:t>
-            </a:r>
-            <a:r>
-              <a:rPr lang="en-US" dirty="0" err="1"/>
-              <a:t>instantiing</a:t>
-            </a:r>
-            <a:r>
-              <a:rPr lang="en-US" dirty="0"/>
-              <a:t> a LIVE DOM NODE, with both content and an underlying model, and callbacks that connect the two.</a:t>
-            </a:r>
-          </a:p>
-          <a:p>
-            <a:r>
-              <a:rPr lang="en-US" dirty="0"/>
-              <a:t>Only after render() has created this node is it INSERTED for display in browser</a:t>
-            </a:r>
-          </a:p>
-          <a:p>
+            <a:pPr marL="0" indent="0">
+              <a:buNone/>
+            </a:pPr>
+            <a:endParaRPr lang="en-US" dirty="0" smtClean="0"/>
+          </a:p>
+          <a:p>
+            <a:r>
+              <a:rPr lang="en-US" dirty="0" smtClean="0"/>
+              <a:t>String Title, </a:t>
+            </a:r>
+            <a:r>
+              <a:rPr lang="en-US" dirty="0" err="1" smtClean="0"/>
+              <a:t>Int</a:t>
+            </a:r>
+            <a:r>
+              <a:rPr lang="en-US" dirty="0" smtClean="0"/>
+              <a:t> Likes</a:t>
+            </a:r>
+          </a:p>
+          <a:p>
+            <a:pPr marL="0" indent="0">
+              <a:buNone/>
+            </a:pPr>
             <a:endParaRPr lang="en-US" dirty="0"/>
           </a:p>
         </p:txBody>
@@ -4147,7 +7248,7 @@
     </p:spTree>
     <p:extLst>
       <p:ext uri="{BB962C8B-B14F-4D97-AF65-F5344CB8AC3E}">
-        <p14:creationId xmlns:p14="http://schemas.microsoft.com/office/powerpoint/2010/main" val="3257679435"/>
+        <p14:creationId xmlns:p14="http://schemas.microsoft.com/office/powerpoint/2010/main" val="3445556225"/>
       </p:ext>
     </p:extLst>
   </p:cSld>

--- a/TechFest.Backbone/tf.backbone.pptx
+++ b/TechFest.Backbone/tf.backbone.pptx
@@ -7,9 +7,9 @@
   <p:sldIdLst>
     <p:sldId id="256" r:id="rId2"/>
     <p:sldId id="270" r:id="rId3"/>
-    <p:sldId id="268" r:id="rId4"/>
-    <p:sldId id="269" r:id="rId5"/>
-    <p:sldId id="258" r:id="rId6"/>
+    <p:sldId id="258" r:id="rId4"/>
+    <p:sldId id="268" r:id="rId5"/>
+    <p:sldId id="269" r:id="rId6"/>
     <p:sldId id="257" r:id="rId7"/>
     <p:sldId id="266" r:id="rId8"/>
     <p:sldId id="259" r:id="rId9"/>
@@ -997,6 +997,13 @@
         </dgm:presLayoutVars>
       </dgm:prSet>
       <dgm:spPr/>
+      <dgm:t>
+        <a:bodyPr/>
+        <a:lstStyle/>
+        <a:p>
+          <a:endParaRPr lang="en-US"/>
+        </a:p>
+      </dgm:t>
     </dgm:pt>
     <dgm:pt modelId="{703904BF-859F-4A67-8969-188D8E518219}" type="pres">
       <dgm:prSet presAssocID="{4B1556E8-F5CF-4D41-8FBA-B2F7AB4553EF}" presName="node" presStyleLbl="node1" presStyleIdx="0" presStyleCnt="3">
@@ -1005,14 +1012,35 @@
         </dgm:presLayoutVars>
       </dgm:prSet>
       <dgm:spPr/>
+      <dgm:t>
+        <a:bodyPr/>
+        <a:lstStyle/>
+        <a:p>
+          <a:endParaRPr lang="en-US"/>
+        </a:p>
+      </dgm:t>
     </dgm:pt>
     <dgm:pt modelId="{679B943D-8192-44A6-B2F1-EA46AED7D9EB}" type="pres">
       <dgm:prSet presAssocID="{D5C5D3E2-9734-43E0-B46A-7A19F3F3A476}" presName="sibTrans" presStyleLbl="sibTrans2D1" presStyleIdx="0" presStyleCnt="3"/>
       <dgm:spPr/>
+      <dgm:t>
+        <a:bodyPr/>
+        <a:lstStyle/>
+        <a:p>
+          <a:endParaRPr lang="en-US"/>
+        </a:p>
+      </dgm:t>
     </dgm:pt>
     <dgm:pt modelId="{02B4D60E-6B03-4AC4-B847-EB3E825872B3}" type="pres">
       <dgm:prSet presAssocID="{D5C5D3E2-9734-43E0-B46A-7A19F3F3A476}" presName="connectorText" presStyleLbl="sibTrans2D1" presStyleIdx="0" presStyleCnt="3"/>
       <dgm:spPr/>
+      <dgm:t>
+        <a:bodyPr/>
+        <a:lstStyle/>
+        <a:p>
+          <a:endParaRPr lang="en-US"/>
+        </a:p>
+      </dgm:t>
     </dgm:pt>
     <dgm:pt modelId="{FFB0C39E-E212-4EA8-86B4-EF94CFB087E9}" type="pres">
       <dgm:prSet presAssocID="{983D1BC6-FD9C-4AB5-9E64-19F23753F277}" presName="node" presStyleLbl="node1" presStyleIdx="1" presStyleCnt="3">
@@ -1021,14 +1049,35 @@
         </dgm:presLayoutVars>
       </dgm:prSet>
       <dgm:spPr/>
+      <dgm:t>
+        <a:bodyPr/>
+        <a:lstStyle/>
+        <a:p>
+          <a:endParaRPr lang="en-US"/>
+        </a:p>
+      </dgm:t>
     </dgm:pt>
     <dgm:pt modelId="{F55E8144-DADC-43C0-AE5C-93A9BA46206F}" type="pres">
       <dgm:prSet presAssocID="{79F67E3A-9054-440B-91E4-1AD06C2824A7}" presName="sibTrans" presStyleLbl="sibTrans2D1" presStyleIdx="1" presStyleCnt="3"/>
       <dgm:spPr/>
+      <dgm:t>
+        <a:bodyPr/>
+        <a:lstStyle/>
+        <a:p>
+          <a:endParaRPr lang="en-US"/>
+        </a:p>
+      </dgm:t>
     </dgm:pt>
     <dgm:pt modelId="{FBF7E9CA-D698-4D3D-92CF-58E9ADB5BA33}" type="pres">
       <dgm:prSet presAssocID="{79F67E3A-9054-440B-91E4-1AD06C2824A7}" presName="connectorText" presStyleLbl="sibTrans2D1" presStyleIdx="1" presStyleCnt="3"/>
       <dgm:spPr/>
+      <dgm:t>
+        <a:bodyPr/>
+        <a:lstStyle/>
+        <a:p>
+          <a:endParaRPr lang="en-US"/>
+        </a:p>
+      </dgm:t>
     </dgm:pt>
     <dgm:pt modelId="{4C4F5550-6351-405A-9698-CBBD6E888B5D}" type="pres">
       <dgm:prSet presAssocID="{939559D2-0140-4139-8FCB-AC0F35E5E5E7}" presName="node" presStyleLbl="node1" presStyleIdx="2" presStyleCnt="3">
@@ -1037,14 +1086,35 @@
         </dgm:presLayoutVars>
       </dgm:prSet>
       <dgm:spPr/>
+      <dgm:t>
+        <a:bodyPr/>
+        <a:lstStyle/>
+        <a:p>
+          <a:endParaRPr lang="en-US"/>
+        </a:p>
+      </dgm:t>
     </dgm:pt>
     <dgm:pt modelId="{8A1366F2-BED0-4068-80B0-969252D71355}" type="pres">
       <dgm:prSet presAssocID="{84534A6B-C25A-40F7-B05B-CD01A1156120}" presName="sibTrans" presStyleLbl="sibTrans2D1" presStyleIdx="2" presStyleCnt="3"/>
       <dgm:spPr/>
+      <dgm:t>
+        <a:bodyPr/>
+        <a:lstStyle/>
+        <a:p>
+          <a:endParaRPr lang="en-US"/>
+        </a:p>
+      </dgm:t>
     </dgm:pt>
     <dgm:pt modelId="{585AE069-E07A-4505-A19C-451F02065734}" type="pres">
       <dgm:prSet presAssocID="{84534A6B-C25A-40F7-B05B-CD01A1156120}" presName="connectorText" presStyleLbl="sibTrans2D1" presStyleIdx="2" presStyleCnt="3"/>
       <dgm:spPr/>
+      <dgm:t>
+        <a:bodyPr/>
+        <a:lstStyle/>
+        <a:p>
+          <a:endParaRPr lang="en-US"/>
+        </a:p>
+      </dgm:t>
     </dgm:pt>
   </dgm:ptLst>
   <dgm:cxnLst>
@@ -1452,7 +1522,7 @@
               <a:spcPct val="35000"/>
             </a:spcAft>
           </a:pPr>
-          <a:endParaRPr lang="en-US" sz="5100" kern="1200"/>
+          <a:endParaRPr lang="en-US" sz="5100" kern="1200" dirty="0"/>
         </a:p>
       </dsp:txBody>
       <dsp:txXfrm>
@@ -6017,7 +6087,7 @@
         <p:spPr/>
         <p:txBody>
           <a:bodyPr>
-            <a:normAutofit lnSpcReduction="10000"/>
+            <a:normAutofit/>
           </a:bodyPr>
           <a:lstStyle/>
           <a:p>
@@ -6053,14 +6123,6 @@
               <a:rPr lang="en-US" dirty="0" smtClean="0"/>
               <a:t>Built-in plumbing for saving back to server (not covered)</a:t>
             </a:r>
-            <a:endParaRPr lang="en-US" dirty="0" smtClean="0"/>
-          </a:p>
-          <a:p>
-            <a:r>
-              <a:rPr lang="en-US" dirty="0" smtClean="0"/>
-              <a:t>Setting up a model can be as easy as passing your raw JSON data into your BB model constructor</a:t>
-            </a:r>
-            <a:endParaRPr lang="en-US" dirty="0" smtClean="0"/>
           </a:p>
           <a:p>
             <a:endParaRPr lang="en-US" dirty="0"/>
@@ -6369,11 +6431,7 @@
           <a:p>
             <a:r>
               <a:rPr lang="en-US" dirty="0" smtClean="0"/>
-              <a:t>Takeaways</a:t>
-            </a:r>
-            <a:r>
-              <a:rPr lang="en-US" dirty="0" smtClean="0"/>
-              <a:t>	</a:t>
+              <a:t>Takeaways	</a:t>
             </a:r>
             <a:endParaRPr lang="en-US" dirty="0"/>
           </a:p>
@@ -6549,55 +6607,134 @@
         </p:nvSpPr>
         <p:spPr/>
         <p:txBody>
+          <a:bodyPr/>
+          <a:lstStyle/>
+          <a:p>
+            <a:r>
+              <a:rPr lang="en-US" dirty="0" smtClean="0"/>
+              <a:t>Spa-Query</a:t>
+            </a:r>
+            <a:endParaRPr lang="en-US" dirty="0"/>
+          </a:p>
+        </p:txBody>
+      </p:sp>
+      <p:sp>
+        <p:nvSpPr>
+          <p:cNvPr id="3" name="Content Placeholder 2"/>
+          <p:cNvSpPr>
+            <a:spLocks noGrp="1"/>
+          </p:cNvSpPr>
+          <p:nvPr>
+            <p:ph idx="1"/>
+          </p:nvPr>
+        </p:nvSpPr>
+        <p:spPr/>
+        <p:txBody>
           <a:bodyPr>
-            <a:normAutofit fontScale="90000"/>
+            <a:normAutofit fontScale="92500" lnSpcReduction="10000"/>
           </a:bodyPr>
           <a:lstStyle/>
           <a:p>
             <a:r>
               <a:rPr lang="en-US" dirty="0" smtClean="0"/>
-              <a:t>Server Side MVC Frameworks connect models and views with HTTP verbs:</a:t>
-            </a:r>
-            <a:br>
+              <a:t>Spaghetti-</a:t>
+            </a:r>
+            <a:r>
+              <a:rPr lang="en-US" dirty="0" err="1" smtClean="0"/>
+              <a:t>jquery</a:t>
+            </a:r>
+            <a:endParaRPr lang="en-US" dirty="0" smtClean="0"/>
+          </a:p>
+          <a:p>
+            <a:r>
               <a:rPr lang="en-US" dirty="0" smtClean="0"/>
-            </a:br>
+              <a:t>$(document).ready(function() {</a:t>
+            </a:r>
+          </a:p>
+          <a:p>
+            <a:pPr lvl="2"/>
             <a:r>
               <a:rPr lang="en-US" dirty="0" smtClean="0"/>
-              <a:t>GET, POST, etc.</a:t>
+              <a:t>$(‘#foo’).click(function()  {</a:t>
+            </a:r>
+          </a:p>
+          <a:p>
+            <a:pPr lvl="3"/>
+            <a:r>
+              <a:rPr lang="en-US" dirty="0" smtClean="0"/>
+              <a:t>$.</a:t>
+            </a:r>
+            <a:r>
+              <a:rPr lang="en-US" dirty="0" err="1" smtClean="0"/>
+              <a:t>ajax</a:t>
+            </a:r>
+            <a:r>
+              <a:rPr lang="en-US" dirty="0" smtClean="0"/>
+              <a:t>(‘/</a:t>
+            </a:r>
+            <a:r>
+              <a:rPr lang="en-US" dirty="0" err="1" smtClean="0"/>
+              <a:t>url</a:t>
+            </a:r>
+            <a:r>
+              <a:rPr lang="en-US" dirty="0" smtClean="0"/>
+              <a:t>’,a, function(</a:t>
+            </a:r>
+            <a:r>
+              <a:rPr lang="en-US" dirty="0" err="1" smtClean="0"/>
+              <a:t>er</a:t>
+            </a:r>
+            <a:r>
+              <a:rPr lang="en-US" dirty="0" smtClean="0"/>
+              <a:t>) {</a:t>
+            </a:r>
+          </a:p>
+          <a:p>
+            <a:pPr lvl="3"/>
+            <a:r>
+              <a:rPr lang="en-US" dirty="0" smtClean="0"/>
+              <a:t>});</a:t>
+            </a:r>
+          </a:p>
+          <a:p>
+            <a:pPr lvl="2"/>
+            <a:r>
+              <a:rPr lang="en-US" dirty="0" smtClean="0"/>
+              <a:t>}):</a:t>
             </a:r>
             <a:endParaRPr lang="en-US" dirty="0"/>
           </a:p>
-        </p:txBody>
-      </p:sp>
-      <p:graphicFrame>
-        <p:nvGraphicFramePr>
-          <p:cNvPr id="6" name="Content Placeholder 5"/>
-          <p:cNvGraphicFramePr>
-            <a:graphicFrameLocks noGrp="1"/>
-          </p:cNvGraphicFramePr>
-          <p:nvPr>
-            <p:ph idx="1"/>
-            <p:extLst>
-              <p:ext uri="{D42A27DB-BD31-4B8C-83A1-F6EECF244321}">
-                <p14:modId xmlns:p14="http://schemas.microsoft.com/office/powerpoint/2010/main" val="3289639352"/>
-              </p:ext>
-            </p:extLst>
-          </p:nvPr>
-        </p:nvGraphicFramePr>
-        <p:xfrm>
-          <a:off x="457200" y="1600200"/>
-          <a:ext cx="8229600" cy="4525963"/>
-        </p:xfrm>
-        <a:graphic>
-          <a:graphicData uri="http://schemas.openxmlformats.org/drawingml/2006/diagram">
-            <dgm:relIds xmlns:dgm="http://schemas.openxmlformats.org/drawingml/2006/diagram" xmlns:r="http://schemas.openxmlformats.org/officeDocument/2006/relationships" r:dm="rId2" r:lo="rId3" r:qs="rId4" r:cs="rId5"/>
-          </a:graphicData>
-        </a:graphic>
-      </p:graphicFrame>
+          <a:p>
+            <a:r>
+              <a:rPr lang="en-US" dirty="0" smtClean="0"/>
+              <a:t>});</a:t>
+            </a:r>
+          </a:p>
+          <a:p>
+            <a:endParaRPr lang="en-US" dirty="0"/>
+          </a:p>
+          <a:p>
+            <a:r>
+              <a:rPr lang="en-US" dirty="0" smtClean="0"/>
+              <a:t>function a() {</a:t>
+            </a:r>
+          </a:p>
+          <a:p>
+            <a:r>
+              <a:rPr lang="en-US" dirty="0" smtClean="0"/>
+              <a:t>}</a:t>
+            </a:r>
+            <a:endParaRPr lang="en-US" dirty="0"/>
+          </a:p>
+          <a:p>
+            <a:endParaRPr lang="en-US" dirty="0"/>
+          </a:p>
+        </p:txBody>
+      </p:sp>
     </p:spTree>
     <p:extLst>
       <p:ext uri="{BB962C8B-B14F-4D97-AF65-F5344CB8AC3E}">
-        <p14:creationId xmlns:p14="http://schemas.microsoft.com/office/powerpoint/2010/main" val="3286277275"/>
+        <p14:creationId xmlns:p14="http://schemas.microsoft.com/office/powerpoint/2010/main" val="2290306457"/>
       </p:ext>
     </p:extLst>
   </p:cSld>
@@ -6643,58 +6780,48 @@
           <a:p>
             <a:r>
               <a:rPr lang="en-US" dirty="0" smtClean="0"/>
-              <a:t>Client Side Frameworks connect models and views with DOM events:</a:t>
+              <a:t>Server Side MVC Frameworks connect models and views with HTTP verbs:</a:t>
             </a:r>
             <a:br>
               <a:rPr lang="en-US" dirty="0" smtClean="0"/>
             </a:br>
             <a:r>
-              <a:rPr lang="en-US" dirty="0" err="1" smtClean="0"/>
-              <a:t>onclick</a:t>
-            </a:r>
-            <a:r>
               <a:rPr lang="en-US" dirty="0" smtClean="0"/>
-              <a:t>, etc.</a:t>
+              <a:t>GET, POST, etc.</a:t>
             </a:r>
             <a:endParaRPr lang="en-US" dirty="0"/>
           </a:p>
         </p:txBody>
       </p:sp>
-      <p:sp>
-        <p:nvSpPr>
-          <p:cNvPr id="3" name="Content Placeholder 2"/>
-          <p:cNvSpPr>
-            <a:spLocks noGrp="1"/>
-          </p:cNvSpPr>
+      <p:graphicFrame>
+        <p:nvGraphicFramePr>
+          <p:cNvPr id="6" name="Content Placeholder 5"/>
+          <p:cNvGraphicFramePr>
+            <a:graphicFrameLocks noGrp="1"/>
+          </p:cNvGraphicFramePr>
           <p:nvPr>
             <p:ph idx="1"/>
-          </p:nvPr>
-        </p:nvSpPr>
-        <p:spPr/>
-        <p:txBody>
-          <a:bodyPr/>
-          <a:lstStyle/>
-          <a:p>
-            <a:r>
-              <a:rPr lang="en-US" dirty="0" smtClean="0"/>
-              <a:t>It’s all on the client</a:t>
-            </a:r>
-          </a:p>
-          <a:p>
-            <a:r>
-              <a:rPr lang="en-US" dirty="0" smtClean="0"/>
-              <a:t>Now the controller needs to connect the server in a different way to persist.</a:t>
-            </a:r>
-          </a:p>
-          <a:p>
-            <a:endParaRPr lang="en-US" dirty="0"/>
-          </a:p>
-        </p:txBody>
-      </p:sp>
+            <p:extLst>
+              <p:ext uri="{D42A27DB-BD31-4B8C-83A1-F6EECF244321}">
+                <p14:modId xmlns:p14="http://schemas.microsoft.com/office/powerpoint/2010/main" val="3289639352"/>
+              </p:ext>
+            </p:extLst>
+          </p:nvPr>
+        </p:nvGraphicFramePr>
+        <p:xfrm>
+          <a:off x="457200" y="1600200"/>
+          <a:ext cx="8229600" cy="4525963"/>
+        </p:xfrm>
+        <a:graphic>
+          <a:graphicData uri="http://schemas.openxmlformats.org/drawingml/2006/diagram">
+            <dgm:relIds xmlns:dgm="http://schemas.openxmlformats.org/drawingml/2006/diagram" xmlns:r="http://schemas.openxmlformats.org/officeDocument/2006/relationships" r:dm="rId2" r:lo="rId3" r:qs="rId4" r:cs="rId5"/>
+          </a:graphicData>
+        </a:graphic>
+      </p:graphicFrame>
     </p:spTree>
     <p:extLst>
       <p:ext uri="{BB962C8B-B14F-4D97-AF65-F5344CB8AC3E}">
-        <p14:creationId xmlns:p14="http://schemas.microsoft.com/office/powerpoint/2010/main" val="3447008513"/>
+        <p14:creationId xmlns:p14="http://schemas.microsoft.com/office/powerpoint/2010/main" val="3286277275"/>
       </p:ext>
     </p:extLst>
   </p:cSld>
@@ -6733,124 +6860,55 @@
         </p:nvSpPr>
         <p:spPr/>
         <p:txBody>
+          <a:bodyPr>
+            <a:normAutofit fontScale="90000"/>
+          </a:bodyPr>
+          <a:lstStyle/>
+          <a:p>
+            <a:r>
+              <a:rPr lang="en-US" dirty="0" smtClean="0"/>
+              <a:t>Client Side Frameworks connect models and views with DOM events:</a:t>
+            </a:r>
+            <a:br>
+              <a:rPr lang="en-US" dirty="0" smtClean="0"/>
+            </a:br>
+            <a:r>
+              <a:rPr lang="en-US" dirty="0" err="1" smtClean="0"/>
+              <a:t>onclick</a:t>
+            </a:r>
+            <a:r>
+              <a:rPr lang="en-US" dirty="0" smtClean="0"/>
+              <a:t>, etc.</a:t>
+            </a:r>
+            <a:endParaRPr lang="en-US" dirty="0"/>
+          </a:p>
+        </p:txBody>
+      </p:sp>
+      <p:sp>
+        <p:nvSpPr>
+          <p:cNvPr id="3" name="Content Placeholder 2"/>
+          <p:cNvSpPr>
+            <a:spLocks noGrp="1"/>
+          </p:cNvSpPr>
+          <p:nvPr>
+            <p:ph idx="1"/>
+          </p:nvPr>
+        </p:nvSpPr>
+        <p:spPr/>
+        <p:txBody>
           <a:bodyPr/>
           <a:lstStyle/>
           <a:p>
             <a:r>
               <a:rPr lang="en-US" dirty="0" smtClean="0"/>
-              <a:t>Spa-Query</a:t>
-            </a:r>
-            <a:endParaRPr lang="en-US" dirty="0"/>
-          </a:p>
-        </p:txBody>
-      </p:sp>
-      <p:sp>
-        <p:nvSpPr>
-          <p:cNvPr id="3" name="Content Placeholder 2"/>
-          <p:cNvSpPr>
-            <a:spLocks noGrp="1"/>
-          </p:cNvSpPr>
-          <p:nvPr>
-            <p:ph idx="1"/>
-          </p:nvPr>
-        </p:nvSpPr>
-        <p:spPr/>
-        <p:txBody>
-          <a:bodyPr>
-            <a:normAutofit fontScale="92500" lnSpcReduction="10000"/>
-          </a:bodyPr>
-          <a:lstStyle/>
+              <a:t>It’s all on the client</a:t>
+            </a:r>
+          </a:p>
           <a:p>
             <a:r>
               <a:rPr lang="en-US" dirty="0" smtClean="0"/>
-              <a:t>Spaghetti-</a:t>
-            </a:r>
-            <a:r>
-              <a:rPr lang="en-US" dirty="0" err="1" smtClean="0"/>
-              <a:t>jquery</a:t>
-            </a:r>
-            <a:endParaRPr lang="en-US" dirty="0" smtClean="0"/>
-          </a:p>
-          <a:p>
-            <a:r>
-              <a:rPr lang="en-US" dirty="0" smtClean="0"/>
-              <a:t>$(document).ready(function() {</a:t>
-            </a:r>
-          </a:p>
-          <a:p>
-            <a:pPr lvl="2"/>
-            <a:r>
-              <a:rPr lang="en-US" dirty="0" smtClean="0"/>
-              <a:t>$(‘#foo’).click(function()  {</a:t>
-            </a:r>
-          </a:p>
-          <a:p>
-            <a:pPr lvl="3"/>
-            <a:r>
-              <a:rPr lang="en-US" dirty="0" smtClean="0"/>
-              <a:t>$.</a:t>
-            </a:r>
-            <a:r>
-              <a:rPr lang="en-US" dirty="0" err="1" smtClean="0"/>
-              <a:t>ajax</a:t>
-            </a:r>
-            <a:r>
-              <a:rPr lang="en-US" dirty="0" smtClean="0"/>
-              <a:t>(‘/</a:t>
-            </a:r>
-            <a:r>
-              <a:rPr lang="en-US" dirty="0" err="1" smtClean="0"/>
-              <a:t>url</a:t>
-            </a:r>
-            <a:r>
-              <a:rPr lang="en-US" dirty="0" smtClean="0"/>
-              <a:t>’,a, function(</a:t>
-            </a:r>
-            <a:r>
-              <a:rPr lang="en-US" dirty="0" err="1" smtClean="0"/>
-              <a:t>er</a:t>
-            </a:r>
-            <a:r>
-              <a:rPr lang="en-US" dirty="0" smtClean="0"/>
-              <a:t>) {</a:t>
-            </a:r>
-          </a:p>
-          <a:p>
-            <a:pPr lvl="3"/>
-            <a:r>
-              <a:rPr lang="en-US" dirty="0" smtClean="0"/>
-              <a:t>});</a:t>
-            </a:r>
-          </a:p>
-          <a:p>
-            <a:pPr lvl="2"/>
-            <a:r>
-              <a:rPr lang="en-US" dirty="0" smtClean="0"/>
-              <a:t>}):</a:t>
-            </a:r>
-            <a:endParaRPr lang="en-US" dirty="0"/>
-          </a:p>
-          <a:p>
-            <a:r>
-              <a:rPr lang="en-US" dirty="0" smtClean="0"/>
-              <a:t>});</a:t>
-            </a:r>
-          </a:p>
-          <a:p>
-            <a:endParaRPr lang="en-US" dirty="0"/>
-          </a:p>
-          <a:p>
-            <a:r>
-              <a:rPr lang="en-US" dirty="0" smtClean="0"/>
-              <a:t>function a() {</a:t>
-            </a:r>
-          </a:p>
-          <a:p>
-            <a:r>
-              <a:rPr lang="en-US" dirty="0" smtClean="0"/>
-              <a:t>}</a:t>
-            </a:r>
-            <a:endParaRPr lang="en-US" dirty="0"/>
+              <a:t>Now the controller needs to connect the server in a different way to persist.</a:t>
+            </a:r>
           </a:p>
           <a:p>
             <a:endParaRPr lang="en-US" dirty="0"/>
@@ -6860,7 +6918,7 @@
     </p:spTree>
     <p:extLst>
       <p:ext uri="{BB962C8B-B14F-4D97-AF65-F5344CB8AC3E}">
-        <p14:creationId xmlns:p14="http://schemas.microsoft.com/office/powerpoint/2010/main" val="2290306457"/>
+        <p14:creationId xmlns:p14="http://schemas.microsoft.com/office/powerpoint/2010/main" val="3447008513"/>
       </p:ext>
     </p:extLst>
   </p:cSld>

--- a/TechFest.Backbone/tf.backbone.pptx
+++ b/TechFest.Backbone/tf.backbone.pptx
@@ -15,11 +15,10 @@
     <p:sldId id="259" r:id="rId9"/>
     <p:sldId id="267" r:id="rId10"/>
     <p:sldId id="260" r:id="rId11"/>
-    <p:sldId id="261" r:id="rId12"/>
-    <p:sldId id="262" r:id="rId13"/>
-    <p:sldId id="264" r:id="rId14"/>
-    <p:sldId id="263" r:id="rId15"/>
-    <p:sldId id="265" r:id="rId16"/>
+    <p:sldId id="262" r:id="rId12"/>
+    <p:sldId id="264" r:id="rId13"/>
+    <p:sldId id="263" r:id="rId14"/>
+    <p:sldId id="265" r:id="rId15"/>
   </p:sldIdLst>
   <p:sldSz cx="9144000" cy="6858000" type="screen4x3"/>
   <p:notesSz cx="6858000" cy="9144000"/>
@@ -5985,44 +5984,77 @@
         <p:spPr/>
         <p:txBody>
           <a:bodyPr>
-            <a:normAutofit fontScale="90000"/>
+            <a:normAutofit/>
           </a:bodyPr>
           <a:lstStyle/>
           <a:p>
             <a:r>
               <a:rPr lang="en-US" dirty="0" smtClean="0"/>
-              <a:t>Weaknesses</a:t>
-            </a:r>
-            <a:br>
+              <a:t>MODEL</a:t>
+            </a:r>
+            <a:endParaRPr lang="en-US" dirty="0"/>
+          </a:p>
+        </p:txBody>
+      </p:sp>
+      <p:sp>
+        <p:nvSpPr>
+          <p:cNvPr id="3" name="Content Placeholder 2"/>
+          <p:cNvSpPr>
+            <a:spLocks noGrp="1"/>
+          </p:cNvSpPr>
+          <p:nvPr>
+            <p:ph idx="1"/>
+          </p:nvPr>
+        </p:nvSpPr>
+        <p:spPr/>
+        <p:txBody>
+          <a:bodyPr>
+            <a:normAutofit/>
+          </a:bodyPr>
+          <a:lstStyle/>
+          <a:p>
+            <a:r>
               <a:rPr lang="en-US" dirty="0" smtClean="0"/>
-            </a:br>
+              <a:t>Prototype for your JSON data that adds:</a:t>
+            </a:r>
+          </a:p>
+          <a:p>
+            <a:pPr lvl="1"/>
+            <a:r>
+              <a:rPr lang="en-US" dirty="0" smtClean="0"/>
+              <a:t>Custom methods</a:t>
+            </a:r>
+          </a:p>
+          <a:p>
+            <a:pPr lvl="1"/>
+            <a:r>
+              <a:rPr lang="en-US" dirty="0" smtClean="0"/>
+              <a:t>Custom callbacks (events)</a:t>
+            </a:r>
+          </a:p>
+          <a:p>
+            <a:pPr lvl="1"/>
+            <a:r>
+              <a:rPr lang="en-US" dirty="0" smtClean="0"/>
+              <a:t>Getter/setter hash</a:t>
+            </a:r>
+          </a:p>
+          <a:p>
+            <a:pPr lvl="1"/>
+            <a:r>
+              <a:rPr lang="en-US" dirty="0" smtClean="0"/>
+              <a:t>Built-in plumbing for saving back to server (not covered)</a:t>
+            </a:r>
+          </a:p>
+          <a:p>
             <a:endParaRPr lang="en-US" dirty="0"/>
-          </a:p>
-        </p:txBody>
-      </p:sp>
-      <p:sp>
-        <p:nvSpPr>
-          <p:cNvPr id="3" name="Content Placeholder 2"/>
-          <p:cNvSpPr>
-            <a:spLocks noGrp="1"/>
-          </p:cNvSpPr>
-          <p:nvPr>
-            <p:ph idx="1"/>
-          </p:nvPr>
-        </p:nvSpPr>
-        <p:spPr/>
-        <p:txBody>
-          <a:bodyPr/>
-          <a:lstStyle/>
-          <a:p>
-            <a:endParaRPr lang="en-US"/>
           </a:p>
         </p:txBody>
       </p:sp>
     </p:spTree>
     <p:extLst>
       <p:ext uri="{BB962C8B-B14F-4D97-AF65-F5344CB8AC3E}">
-        <p14:creationId xmlns:p14="http://schemas.microsoft.com/office/powerpoint/2010/main" val="145487616"/>
+        <p14:creationId xmlns:p14="http://schemas.microsoft.com/office/powerpoint/2010/main" val="383136027"/>
       </p:ext>
     </p:extLst>
   </p:cSld>
@@ -6061,67 +6093,97 @@
         </p:nvSpPr>
         <p:spPr/>
         <p:txBody>
+          <a:bodyPr/>
+          <a:lstStyle/>
+          <a:p>
+            <a:r>
+              <a:rPr lang="en-US" dirty="0" smtClean="0"/>
+              <a:t>VIEW - What it does for you</a:t>
+            </a:r>
+            <a:endParaRPr lang="en-US" dirty="0"/>
+          </a:p>
+        </p:txBody>
+      </p:sp>
+      <p:sp>
+        <p:nvSpPr>
+          <p:cNvPr id="3" name="Content Placeholder 2"/>
+          <p:cNvSpPr>
+            <a:spLocks noGrp="1"/>
+          </p:cNvSpPr>
+          <p:nvPr>
+            <p:ph idx="1"/>
+          </p:nvPr>
+        </p:nvSpPr>
+        <p:spPr/>
+        <p:txBody>
           <a:bodyPr>
-            <a:normAutofit/>
+            <a:normAutofit fontScale="85000" lnSpcReduction="20000"/>
           </a:bodyPr>
           <a:lstStyle/>
           <a:p>
             <a:r>
+              <a:rPr lang="en-US" dirty="0"/>
+              <a:t>what it does for you: </a:t>
+            </a:r>
+          </a:p>
+          <a:p>
+            <a:r>
+              <a:rPr lang="en-US" dirty="0"/>
+              <a:t>it references a model</a:t>
+            </a:r>
+          </a:p>
+          <a:p>
+            <a:r>
+              <a:rPr lang="en-US" dirty="0"/>
+              <a:t>it wires up </a:t>
+            </a:r>
+            <a:r>
+              <a:rPr lang="en-US" dirty="0" err="1"/>
+              <a:t>dom</a:t>
+            </a:r>
+            <a:r>
+              <a:rPr lang="en-US" dirty="0"/>
+              <a:t> events</a:t>
+            </a:r>
+          </a:p>
+          <a:p>
+            <a:r>
+              <a:rPr lang="en-US" dirty="0"/>
+              <a:t>it exposes event handlers</a:t>
+            </a:r>
+          </a:p>
+          <a:p>
+            <a:r>
+              <a:rPr lang="en-US" dirty="0"/>
+              <a:t>it create it's own </a:t>
+            </a:r>
+            <a:r>
+              <a:rPr lang="en-US" dirty="0" err="1"/>
+              <a:t>dom</a:t>
+            </a:r>
+            <a:r>
+              <a:rPr lang="en-US" dirty="0"/>
+              <a:t> element and add itself to the tree.  This is not as trivial as it sounds.</a:t>
+            </a:r>
+          </a:p>
+          <a:p>
+            <a:r>
+              <a:rPr lang="en-US" dirty="0"/>
+              <a:t>Rendering is all about </a:t>
+            </a:r>
+            <a:r>
               <a:rPr lang="en-US" dirty="0" smtClean="0"/>
-              <a:t>MODEL</a:t>
-            </a:r>
-            <a:endParaRPr lang="en-US" dirty="0"/>
-          </a:p>
-        </p:txBody>
-      </p:sp>
-      <p:sp>
-        <p:nvSpPr>
-          <p:cNvPr id="3" name="Content Placeholder 2"/>
-          <p:cNvSpPr>
-            <a:spLocks noGrp="1"/>
-          </p:cNvSpPr>
-          <p:nvPr>
-            <p:ph idx="1"/>
-          </p:nvPr>
-        </p:nvSpPr>
-        <p:spPr/>
-        <p:txBody>
-          <a:bodyPr>
-            <a:normAutofit/>
-          </a:bodyPr>
-          <a:lstStyle/>
-          <a:p>
-            <a:r>
-              <a:rPr lang="en-US" dirty="0" smtClean="0"/>
-              <a:t>Prototype for your JSON data that adds:</a:t>
-            </a:r>
-          </a:p>
-          <a:p>
-            <a:pPr lvl="1"/>
-            <a:r>
-              <a:rPr lang="en-US" dirty="0" smtClean="0"/>
-              <a:t>Custom methods</a:t>
-            </a:r>
-          </a:p>
-          <a:p>
-            <a:pPr lvl="1"/>
-            <a:r>
-              <a:rPr lang="en-US" dirty="0" smtClean="0"/>
-              <a:t>Custom callbacks (events)</a:t>
-            </a:r>
-          </a:p>
-          <a:p>
-            <a:pPr lvl="1"/>
-            <a:r>
-              <a:rPr lang="en-US" dirty="0" smtClean="0"/>
-              <a:t>Getter/setter hash</a:t>
-            </a:r>
-          </a:p>
-          <a:p>
-            <a:pPr lvl="1"/>
-            <a:r>
-              <a:rPr lang="en-US" dirty="0" smtClean="0"/>
-              <a:t>Built-in plumbing for saving back to server (not covered)</a:t>
+              <a:t>instantiating </a:t>
+            </a:r>
+            <a:r>
+              <a:rPr lang="en-US" dirty="0"/>
+              <a:t>a LIVE DOM NODE, with both content and an underlying model, and callbacks that connect the two.</a:t>
+            </a:r>
+          </a:p>
+          <a:p>
+            <a:r>
+              <a:rPr lang="en-US" dirty="0"/>
+              <a:t>Only after render() has created this node is it INSERTED for display in browser</a:t>
             </a:r>
           </a:p>
           <a:p>
@@ -6132,7 +6194,7 @@
     </p:spTree>
     <p:extLst>
       <p:ext uri="{BB962C8B-B14F-4D97-AF65-F5344CB8AC3E}">
-        <p14:creationId xmlns:p14="http://schemas.microsoft.com/office/powerpoint/2010/main" val="383136027"/>
+        <p14:creationId xmlns:p14="http://schemas.microsoft.com/office/powerpoint/2010/main" val="3257679435"/>
       </p:ext>
     </p:extLst>
   </p:cSld>
@@ -6176,146 +6238,6 @@
           <a:p>
             <a:r>
               <a:rPr lang="en-US" dirty="0" smtClean="0"/>
-              <a:t>VIEW - What it does for you</a:t>
-            </a:r>
-            <a:endParaRPr lang="en-US" dirty="0"/>
-          </a:p>
-        </p:txBody>
-      </p:sp>
-      <p:sp>
-        <p:nvSpPr>
-          <p:cNvPr id="3" name="Content Placeholder 2"/>
-          <p:cNvSpPr>
-            <a:spLocks noGrp="1"/>
-          </p:cNvSpPr>
-          <p:nvPr>
-            <p:ph idx="1"/>
-          </p:nvPr>
-        </p:nvSpPr>
-        <p:spPr/>
-        <p:txBody>
-          <a:bodyPr>
-            <a:normAutofit fontScale="85000" lnSpcReduction="20000"/>
-          </a:bodyPr>
-          <a:lstStyle/>
-          <a:p>
-            <a:r>
-              <a:rPr lang="en-US" dirty="0"/>
-              <a:t>what it does for you: </a:t>
-            </a:r>
-          </a:p>
-          <a:p>
-            <a:r>
-              <a:rPr lang="en-US" dirty="0"/>
-              <a:t>it references a model</a:t>
-            </a:r>
-          </a:p>
-          <a:p>
-            <a:r>
-              <a:rPr lang="en-US" dirty="0"/>
-              <a:t>it wires up </a:t>
-            </a:r>
-            <a:r>
-              <a:rPr lang="en-US" dirty="0" err="1"/>
-              <a:t>dom</a:t>
-            </a:r>
-            <a:r>
-              <a:rPr lang="en-US" dirty="0"/>
-              <a:t> events</a:t>
-            </a:r>
-          </a:p>
-          <a:p>
-            <a:r>
-              <a:rPr lang="en-US" dirty="0"/>
-              <a:t>it exposes event handlers</a:t>
-            </a:r>
-          </a:p>
-          <a:p>
-            <a:r>
-              <a:rPr lang="en-US" dirty="0"/>
-              <a:t>it create it's own </a:t>
-            </a:r>
-            <a:r>
-              <a:rPr lang="en-US" dirty="0" err="1"/>
-              <a:t>dom</a:t>
-            </a:r>
-            <a:r>
-              <a:rPr lang="en-US" dirty="0"/>
-              <a:t> element and add itself to the tree.  This is not as trivial as it sounds.</a:t>
-            </a:r>
-          </a:p>
-          <a:p>
-            <a:r>
-              <a:rPr lang="en-US" dirty="0"/>
-              <a:t>Rendering is all about </a:t>
-            </a:r>
-            <a:r>
-              <a:rPr lang="en-US" dirty="0" smtClean="0"/>
-              <a:t>instantiating </a:t>
-            </a:r>
-            <a:r>
-              <a:rPr lang="en-US" dirty="0"/>
-              <a:t>a LIVE DOM NODE, with both content and an underlying model, and callbacks that connect the two.</a:t>
-            </a:r>
-          </a:p>
-          <a:p>
-            <a:r>
-              <a:rPr lang="en-US" dirty="0"/>
-              <a:t>Only after render() has created this node is it INSERTED for display in browser</a:t>
-            </a:r>
-          </a:p>
-          <a:p>
-            <a:endParaRPr lang="en-US" dirty="0"/>
-          </a:p>
-        </p:txBody>
-      </p:sp>
-    </p:spTree>
-    <p:extLst>
-      <p:ext uri="{BB962C8B-B14F-4D97-AF65-F5344CB8AC3E}">
-        <p14:creationId xmlns:p14="http://schemas.microsoft.com/office/powerpoint/2010/main" val="3257679435"/>
-      </p:ext>
-    </p:extLst>
-  </p:cSld>
-  <p:clrMapOvr>
-    <a:masterClrMapping/>
-  </p:clrMapOvr>
-</p:sld>
-</file>
-
-<file path=ppt/slides/slide14.xml><?xml version="1.0" encoding="utf-8"?>
-<p:sld xmlns:a="http://schemas.openxmlformats.org/drawingml/2006/main" xmlns:r="http://schemas.openxmlformats.org/officeDocument/2006/relationships" xmlns:p="http://schemas.openxmlformats.org/presentationml/2006/main">
-  <p:cSld>
-    <p:spTree>
-      <p:nvGrpSpPr>
-        <p:cNvPr id="1" name=""/>
-        <p:cNvGrpSpPr/>
-        <p:nvPr/>
-      </p:nvGrpSpPr>
-      <p:grpSpPr>
-        <a:xfrm>
-          <a:off x="0" y="0"/>
-          <a:ext cx="0" cy="0"/>
-          <a:chOff x="0" y="0"/>
-          <a:chExt cx="0" cy="0"/>
-        </a:xfrm>
-      </p:grpSpPr>
-      <p:sp>
-        <p:nvSpPr>
-          <p:cNvPr id="2" name="Title 1"/>
-          <p:cNvSpPr>
-            <a:spLocks noGrp="1"/>
-          </p:cNvSpPr>
-          <p:nvPr>
-            <p:ph type="title"/>
-          </p:nvPr>
-        </p:nvSpPr>
-        <p:spPr/>
-        <p:txBody>
-          <a:bodyPr/>
-          <a:lstStyle/>
-          <a:p>
-            <a:r>
-              <a:rPr lang="en-US" dirty="0" smtClean="0"/>
               <a:t>What Else?</a:t>
             </a:r>
             <a:endParaRPr lang="en-US" dirty="0"/>
@@ -6397,7 +6319,7 @@
 </p:sld>
 </file>
 
-<file path=ppt/slides/slide15.xml><?xml version="1.0" encoding="utf-8"?>
+<file path=ppt/slides/slide14.xml><?xml version="1.0" encoding="utf-8"?>
 <p:sld xmlns:a="http://schemas.openxmlformats.org/drawingml/2006/main" xmlns:r="http://schemas.openxmlformats.org/officeDocument/2006/relationships" xmlns:p="http://schemas.openxmlformats.org/presentationml/2006/main">
   <p:cSld>
     <p:spTree>
@@ -7088,11 +7010,31 @@
           <a:p>
             <a:r>
               <a:rPr lang="en-US" dirty="0" smtClean="0"/>
-              <a:t>Database Stuff -&gt; Serialization / </a:t>
-            </a:r>
+              <a:t>Database Stuff -&gt; </a:t>
+            </a:r>
+            <a:r>
+              <a:rPr lang="en-US" dirty="0" smtClean="0"/>
+              <a:t>Serializing your model</a:t>
+            </a:r>
+          </a:p>
+          <a:p>
             <a:r>
               <a:rPr lang="en-US" dirty="0" err="1" smtClean="0"/>
-              <a:t>upsert</a:t>
+              <a:t>Upserting</a:t>
+            </a:r>
+            <a:r>
+              <a:rPr lang="en-US" dirty="0" smtClean="0"/>
+              <a:t> to restful endpoints</a:t>
+            </a:r>
+            <a:r>
+              <a:rPr lang="en-US" dirty="0" smtClean="0"/>
+              <a:t> </a:t>
+            </a:r>
+          </a:p>
+          <a:p>
+            <a:r>
+              <a:rPr lang="en-US" dirty="0" smtClean="0"/>
+              <a:t>Unit Testing your Models</a:t>
             </a:r>
             <a:endParaRPr lang="en-US" dirty="0" smtClean="0"/>
           </a:p>
@@ -7105,8 +7047,13 @@
           <a:p>
             <a:r>
               <a:rPr lang="en-US" dirty="0" smtClean="0"/>
-              <a:t>Backbone Routers</a:t>
-            </a:r>
+              <a:t>Backbone </a:t>
+            </a:r>
+            <a:r>
+              <a:rPr lang="en-US" dirty="0" smtClean="0"/>
+              <a:t>Routers, History </a:t>
+            </a:r>
+            <a:endParaRPr lang="en-US" dirty="0" smtClean="0"/>
           </a:p>
           <a:p>
             <a:endParaRPr lang="en-US" dirty="0"/>
@@ -7195,11 +7142,7 @@
           <a:p>
             <a:r>
               <a:rPr lang="en-US" dirty="0" smtClean="0"/>
-              <a:t>How to connect </a:t>
-            </a:r>
-            <a:r>
-              <a:rPr lang="en-US" smtClean="0"/>
-              <a:t>to two</a:t>
+              <a:t>And how to connect them</a:t>
             </a:r>
             <a:endParaRPr lang="en-US" dirty="0" smtClean="0"/>
           </a:p>
@@ -7292,8 +7235,39 @@
             </a:r>
             <a:r>
               <a:rPr lang="en-US" dirty="0" smtClean="0"/>
-              <a:t> Likes</a:t>
-            </a:r>
+              <a:t> </a:t>
+            </a:r>
+            <a:r>
+              <a:rPr lang="en-US" dirty="0" smtClean="0"/>
+              <a:t>Likes</a:t>
+            </a:r>
+          </a:p>
+          <a:p>
+            <a:r>
+              <a:rPr lang="en-US" dirty="0"/>
+              <a:t> { "id": 1, "Title": "</a:t>
+            </a:r>
+            <a:r>
+              <a:rPr lang="en-US" dirty="0" err="1"/>
+              <a:t>RabbitMQ</a:t>
+            </a:r>
+            <a:r>
+              <a:rPr lang="en-US" dirty="0"/>
+              <a:t> in Action", "</a:t>
+            </a:r>
+            <a:r>
+              <a:rPr lang="en-US" dirty="0" err="1"/>
+              <a:t>PageCount</a:t>
+            </a:r>
+            <a:r>
+              <a:rPr lang="en-US" dirty="0"/>
+              <a:t>": 200, "Likes": </a:t>
+            </a:r>
+            <a:r>
+              <a:rPr lang="en-US" dirty="0" smtClean="0"/>
+              <a:t>0}</a:t>
+            </a:r>
+            <a:endParaRPr lang="en-US" dirty="0" smtClean="0"/>
           </a:p>
           <a:p>
             <a:pPr marL="0" indent="0">

--- a/TechFest.Backbone/tf.backbone.pptx
+++ b/TechFest.Backbone/tf.backbone.pptx
@@ -6,19 +6,21 @@
   </p:sldMasterIdLst>
   <p:sldIdLst>
     <p:sldId id="256" r:id="rId2"/>
-    <p:sldId id="270" r:id="rId3"/>
-    <p:sldId id="258" r:id="rId4"/>
-    <p:sldId id="268" r:id="rId5"/>
-    <p:sldId id="269" r:id="rId6"/>
-    <p:sldId id="257" r:id="rId7"/>
-    <p:sldId id="266" r:id="rId8"/>
-    <p:sldId id="259" r:id="rId9"/>
-    <p:sldId id="267" r:id="rId10"/>
-    <p:sldId id="260" r:id="rId11"/>
-    <p:sldId id="262" r:id="rId12"/>
-    <p:sldId id="264" r:id="rId13"/>
-    <p:sldId id="263" r:id="rId14"/>
-    <p:sldId id="265" r:id="rId15"/>
+    <p:sldId id="266" r:id="rId3"/>
+    <p:sldId id="259" r:id="rId4"/>
+    <p:sldId id="258" r:id="rId5"/>
+    <p:sldId id="268" r:id="rId6"/>
+    <p:sldId id="269" r:id="rId7"/>
+    <p:sldId id="257" r:id="rId8"/>
+    <p:sldId id="267" r:id="rId9"/>
+    <p:sldId id="262" r:id="rId10"/>
+    <p:sldId id="271" r:id="rId11"/>
+    <p:sldId id="264" r:id="rId12"/>
+    <p:sldId id="272" r:id="rId13"/>
+    <p:sldId id="260" r:id="rId14"/>
+    <p:sldId id="263" r:id="rId15"/>
+    <p:sldId id="265" r:id="rId16"/>
+    <p:sldId id="273" r:id="rId17"/>
   </p:sldIdLst>
   <p:sldSz cx="9144000" cy="6858000" type="screen4x3"/>
   <p:notesSz cx="6858000" cy="9144000"/>
@@ -120,2710 +122,6 @@
 </p:presentation>
 </file>
 
-<file path=ppt/diagrams/colors1.xml><?xml version="1.0" encoding="utf-8"?>
-<dgm:colorsDef xmlns:dgm="http://schemas.openxmlformats.org/drawingml/2006/diagram" xmlns:a="http://schemas.openxmlformats.org/drawingml/2006/main" uniqueId="urn:microsoft.com/office/officeart/2005/8/colors/accent1_2">
-  <dgm:title val=""/>
-  <dgm:desc val=""/>
-  <dgm:catLst>
-    <dgm:cat type="accent1" pri="11200"/>
-  </dgm:catLst>
-  <dgm:styleLbl name="node0">
-    <dgm:fillClrLst meth="repeat">
-      <a:schemeClr val="accent1"/>
-    </dgm:fillClrLst>
-    <dgm:linClrLst meth="repeat">
-      <a:schemeClr val="lt1"/>
-    </dgm:linClrLst>
-    <dgm:effectClrLst/>
-    <dgm:txLinClrLst/>
-    <dgm:txFillClrLst/>
-    <dgm:txEffectClrLst/>
-  </dgm:styleLbl>
-  <dgm:styleLbl name="alignNode1">
-    <dgm:fillClrLst meth="repeat">
-      <a:schemeClr val="accent1"/>
-    </dgm:fillClrLst>
-    <dgm:linClrLst meth="repeat">
-      <a:schemeClr val="accent1"/>
-    </dgm:linClrLst>
-    <dgm:effectClrLst/>
-    <dgm:txLinClrLst/>
-    <dgm:txFillClrLst/>
-    <dgm:txEffectClrLst/>
-  </dgm:styleLbl>
-  <dgm:styleLbl name="node1">
-    <dgm:fillClrLst meth="repeat">
-      <a:schemeClr val="accent1"/>
-    </dgm:fillClrLst>
-    <dgm:linClrLst meth="repeat">
-      <a:schemeClr val="lt1"/>
-    </dgm:linClrLst>
-    <dgm:effectClrLst/>
-    <dgm:txLinClrLst/>
-    <dgm:txFillClrLst/>
-    <dgm:txEffectClrLst/>
-  </dgm:styleLbl>
-  <dgm:styleLbl name="lnNode1">
-    <dgm:fillClrLst meth="repeat">
-      <a:schemeClr val="accent1"/>
-    </dgm:fillClrLst>
-    <dgm:linClrLst meth="repeat">
-      <a:schemeClr val="lt1"/>
-    </dgm:linClrLst>
-    <dgm:effectClrLst/>
-    <dgm:txLinClrLst/>
-    <dgm:txFillClrLst/>
-    <dgm:txEffectClrLst/>
-  </dgm:styleLbl>
-  <dgm:styleLbl name="vennNode1">
-    <dgm:fillClrLst meth="repeat">
-      <a:schemeClr val="accent1">
-        <a:alpha val="50000"/>
-      </a:schemeClr>
-    </dgm:fillClrLst>
-    <dgm:linClrLst meth="repeat">
-      <a:schemeClr val="lt1"/>
-    </dgm:linClrLst>
-    <dgm:effectClrLst/>
-    <dgm:txLinClrLst/>
-    <dgm:txFillClrLst/>
-    <dgm:txEffectClrLst/>
-  </dgm:styleLbl>
-  <dgm:styleLbl name="node2">
-    <dgm:fillClrLst meth="repeat">
-      <a:schemeClr val="accent1"/>
-    </dgm:fillClrLst>
-    <dgm:linClrLst meth="repeat">
-      <a:schemeClr val="lt1"/>
-    </dgm:linClrLst>
-    <dgm:effectClrLst/>
-    <dgm:txLinClrLst/>
-    <dgm:txFillClrLst/>
-    <dgm:txEffectClrLst/>
-  </dgm:styleLbl>
-  <dgm:styleLbl name="node3">
-    <dgm:fillClrLst meth="repeat">
-      <a:schemeClr val="accent1"/>
-    </dgm:fillClrLst>
-    <dgm:linClrLst meth="repeat">
-      <a:schemeClr val="lt1"/>
-    </dgm:linClrLst>
-    <dgm:effectClrLst/>
-    <dgm:txLinClrLst/>
-    <dgm:txFillClrLst/>
-    <dgm:txEffectClrLst/>
-  </dgm:styleLbl>
-  <dgm:styleLbl name="node4">
-    <dgm:fillClrLst meth="repeat">
-      <a:schemeClr val="accent1"/>
-    </dgm:fillClrLst>
-    <dgm:linClrLst meth="repeat">
-      <a:schemeClr val="lt1"/>
-    </dgm:linClrLst>
-    <dgm:effectClrLst/>
-    <dgm:txLinClrLst/>
-    <dgm:txFillClrLst/>
-    <dgm:txEffectClrLst/>
-  </dgm:styleLbl>
-  <dgm:styleLbl name="fgImgPlace1">
-    <dgm:fillClrLst meth="repeat">
-      <a:schemeClr val="accent1">
-        <a:tint val="50000"/>
-      </a:schemeClr>
-    </dgm:fillClrLst>
-    <dgm:linClrLst meth="repeat">
-      <a:schemeClr val="lt1"/>
-    </dgm:linClrLst>
-    <dgm:effectClrLst/>
-    <dgm:txLinClrLst/>
-    <dgm:txFillClrLst meth="repeat">
-      <a:schemeClr val="lt1"/>
-    </dgm:txFillClrLst>
-    <dgm:txEffectClrLst/>
-  </dgm:styleLbl>
-  <dgm:styleLbl name="alignImgPlace1">
-    <dgm:fillClrLst meth="repeat">
-      <a:schemeClr val="accent1">
-        <a:tint val="50000"/>
-      </a:schemeClr>
-    </dgm:fillClrLst>
-    <dgm:linClrLst meth="repeat">
-      <a:schemeClr val="lt1"/>
-    </dgm:linClrLst>
-    <dgm:effectClrLst/>
-    <dgm:txLinClrLst/>
-    <dgm:txFillClrLst meth="repeat">
-      <a:schemeClr val="lt1"/>
-    </dgm:txFillClrLst>
-    <dgm:txEffectClrLst/>
-  </dgm:styleLbl>
-  <dgm:styleLbl name="bgImgPlace1">
-    <dgm:fillClrLst meth="repeat">
-      <a:schemeClr val="accent1">
-        <a:tint val="50000"/>
-      </a:schemeClr>
-    </dgm:fillClrLst>
-    <dgm:linClrLst meth="repeat">
-      <a:schemeClr val="lt1"/>
-    </dgm:linClrLst>
-    <dgm:effectClrLst/>
-    <dgm:txLinClrLst/>
-    <dgm:txFillClrLst meth="repeat">
-      <a:schemeClr val="lt1"/>
-    </dgm:txFillClrLst>
-    <dgm:txEffectClrLst/>
-  </dgm:styleLbl>
-  <dgm:styleLbl name="sibTrans2D1">
-    <dgm:fillClrLst meth="repeat">
-      <a:schemeClr val="accent1">
-        <a:tint val="60000"/>
-      </a:schemeClr>
-    </dgm:fillClrLst>
-    <dgm:linClrLst meth="repeat">
-      <a:schemeClr val="accent1">
-        <a:tint val="60000"/>
-      </a:schemeClr>
-    </dgm:linClrLst>
-    <dgm:effectClrLst/>
-    <dgm:txLinClrLst/>
-    <dgm:txFillClrLst/>
-    <dgm:txEffectClrLst/>
-  </dgm:styleLbl>
-  <dgm:styleLbl name="fgSibTrans2D1">
-    <dgm:fillClrLst meth="repeat">
-      <a:schemeClr val="accent1">
-        <a:tint val="60000"/>
-      </a:schemeClr>
-    </dgm:fillClrLst>
-    <dgm:linClrLst meth="repeat">
-      <a:schemeClr val="accent1">
-        <a:tint val="60000"/>
-      </a:schemeClr>
-    </dgm:linClrLst>
-    <dgm:effectClrLst/>
-    <dgm:txLinClrLst/>
-    <dgm:txFillClrLst/>
-    <dgm:txEffectClrLst/>
-  </dgm:styleLbl>
-  <dgm:styleLbl name="bgSibTrans2D1">
-    <dgm:fillClrLst meth="repeat">
-      <a:schemeClr val="accent1">
-        <a:tint val="60000"/>
-      </a:schemeClr>
-    </dgm:fillClrLst>
-    <dgm:linClrLst meth="repeat">
-      <a:schemeClr val="accent1">
-        <a:tint val="60000"/>
-      </a:schemeClr>
-    </dgm:linClrLst>
-    <dgm:effectClrLst/>
-    <dgm:txLinClrLst/>
-    <dgm:txFillClrLst/>
-    <dgm:txEffectClrLst/>
-  </dgm:styleLbl>
-  <dgm:styleLbl name="sibTrans1D1">
-    <dgm:fillClrLst meth="repeat">
-      <a:schemeClr val="accent1"/>
-    </dgm:fillClrLst>
-    <dgm:linClrLst meth="repeat">
-      <a:schemeClr val="accent1"/>
-    </dgm:linClrLst>
-    <dgm:effectClrLst/>
-    <dgm:txLinClrLst/>
-    <dgm:txFillClrLst meth="repeat">
-      <a:schemeClr val="tx1"/>
-    </dgm:txFillClrLst>
-    <dgm:txEffectClrLst/>
-  </dgm:styleLbl>
-  <dgm:styleLbl name="callout">
-    <dgm:fillClrLst meth="repeat">
-      <a:schemeClr val="accent1"/>
-    </dgm:fillClrLst>
-    <dgm:linClrLst meth="repeat">
-      <a:schemeClr val="accent1">
-        <a:tint val="50000"/>
-      </a:schemeClr>
-    </dgm:linClrLst>
-    <dgm:effectClrLst/>
-    <dgm:txLinClrLst/>
-    <dgm:txFillClrLst meth="repeat">
-      <a:schemeClr val="tx1"/>
-    </dgm:txFillClrLst>
-    <dgm:txEffectClrLst/>
-  </dgm:styleLbl>
-  <dgm:styleLbl name="asst0">
-    <dgm:fillClrLst meth="repeat">
-      <a:schemeClr val="accent1"/>
-    </dgm:fillClrLst>
-    <dgm:linClrLst meth="repeat">
-      <a:schemeClr val="lt1"/>
-    </dgm:linClrLst>
-    <dgm:effectClrLst/>
-    <dgm:txLinClrLst/>
-    <dgm:txFillClrLst/>
-    <dgm:txEffectClrLst/>
-  </dgm:styleLbl>
-  <dgm:styleLbl name="asst1">
-    <dgm:fillClrLst meth="repeat">
-      <a:schemeClr val="accent1"/>
-    </dgm:fillClrLst>
-    <dgm:linClrLst meth="repeat">
-      <a:schemeClr val="lt1"/>
-    </dgm:linClrLst>
-    <dgm:effectClrLst/>
-    <dgm:txLinClrLst/>
-    <dgm:txFillClrLst/>
-    <dgm:txEffectClrLst/>
-  </dgm:styleLbl>
-  <dgm:styleLbl name="asst2">
-    <dgm:fillClrLst meth="repeat">
-      <a:schemeClr val="accent1"/>
-    </dgm:fillClrLst>
-    <dgm:linClrLst meth="repeat">
-      <a:schemeClr val="lt1"/>
-    </dgm:linClrLst>
-    <dgm:effectClrLst/>
-    <dgm:txLinClrLst/>
-    <dgm:txFillClrLst/>
-    <dgm:txEffectClrLst/>
-  </dgm:styleLbl>
-  <dgm:styleLbl name="asst3">
-    <dgm:fillClrLst meth="repeat">
-      <a:schemeClr val="accent1"/>
-    </dgm:fillClrLst>
-    <dgm:linClrLst meth="repeat">
-      <a:schemeClr val="lt1"/>
-    </dgm:linClrLst>
-    <dgm:effectClrLst/>
-    <dgm:txLinClrLst/>
-    <dgm:txFillClrLst/>
-    <dgm:txEffectClrLst/>
-  </dgm:styleLbl>
-  <dgm:styleLbl name="asst4">
-    <dgm:fillClrLst meth="repeat">
-      <a:schemeClr val="accent1"/>
-    </dgm:fillClrLst>
-    <dgm:linClrLst meth="repeat">
-      <a:schemeClr val="lt1"/>
-    </dgm:linClrLst>
-    <dgm:effectClrLst/>
-    <dgm:txLinClrLst/>
-    <dgm:txFillClrLst/>
-    <dgm:txEffectClrLst/>
-  </dgm:styleLbl>
-  <dgm:styleLbl name="parChTrans2D1">
-    <dgm:fillClrLst meth="repeat">
-      <a:schemeClr val="accent1">
-        <a:tint val="60000"/>
-      </a:schemeClr>
-    </dgm:fillClrLst>
-    <dgm:linClrLst meth="repeat">
-      <a:schemeClr val="accent1">
-        <a:tint val="60000"/>
-      </a:schemeClr>
-    </dgm:linClrLst>
-    <dgm:effectClrLst/>
-    <dgm:txLinClrLst/>
-    <dgm:txFillClrLst meth="repeat">
-      <a:schemeClr val="lt1"/>
-    </dgm:txFillClrLst>
-    <dgm:txEffectClrLst/>
-  </dgm:styleLbl>
-  <dgm:styleLbl name="parChTrans2D2">
-    <dgm:fillClrLst meth="repeat">
-      <a:schemeClr val="accent1"/>
-    </dgm:fillClrLst>
-    <dgm:linClrLst meth="repeat">
-      <a:schemeClr val="accent1"/>
-    </dgm:linClrLst>
-    <dgm:effectClrLst/>
-    <dgm:txLinClrLst/>
-    <dgm:txFillClrLst meth="repeat">
-      <a:schemeClr val="lt1"/>
-    </dgm:txFillClrLst>
-    <dgm:txEffectClrLst/>
-  </dgm:styleLbl>
-  <dgm:styleLbl name="parChTrans2D3">
-    <dgm:fillClrLst meth="repeat">
-      <a:schemeClr val="accent1"/>
-    </dgm:fillClrLst>
-    <dgm:linClrLst meth="repeat">
-      <a:schemeClr val="accent1"/>
-    </dgm:linClrLst>
-    <dgm:effectClrLst/>
-    <dgm:txLinClrLst/>
-    <dgm:txFillClrLst meth="repeat">
-      <a:schemeClr val="lt1"/>
-    </dgm:txFillClrLst>
-    <dgm:txEffectClrLst/>
-  </dgm:styleLbl>
-  <dgm:styleLbl name="parChTrans2D4">
-    <dgm:fillClrLst meth="repeat">
-      <a:schemeClr val="accent1"/>
-    </dgm:fillClrLst>
-    <dgm:linClrLst meth="repeat">
-      <a:schemeClr val="accent1"/>
-    </dgm:linClrLst>
-    <dgm:effectClrLst/>
-    <dgm:txLinClrLst/>
-    <dgm:txFillClrLst meth="repeat">
-      <a:schemeClr val="lt1"/>
-    </dgm:txFillClrLst>
-    <dgm:txEffectClrLst/>
-  </dgm:styleLbl>
-  <dgm:styleLbl name="parChTrans1D1">
-    <dgm:fillClrLst meth="repeat">
-      <a:schemeClr val="accent1"/>
-    </dgm:fillClrLst>
-    <dgm:linClrLst meth="repeat">
-      <a:schemeClr val="accent1">
-        <a:shade val="60000"/>
-      </a:schemeClr>
-    </dgm:linClrLst>
-    <dgm:effectClrLst/>
-    <dgm:txLinClrLst/>
-    <dgm:txFillClrLst meth="repeat">
-      <a:schemeClr val="tx1"/>
-    </dgm:txFillClrLst>
-    <dgm:txEffectClrLst/>
-  </dgm:styleLbl>
-  <dgm:styleLbl name="parChTrans1D2">
-    <dgm:fillClrLst meth="repeat">
-      <a:schemeClr val="accent1"/>
-    </dgm:fillClrLst>
-    <dgm:linClrLst meth="repeat">
-      <a:schemeClr val="accent1">
-        <a:shade val="60000"/>
-      </a:schemeClr>
-    </dgm:linClrLst>
-    <dgm:effectClrLst/>
-    <dgm:txLinClrLst/>
-    <dgm:txFillClrLst meth="repeat">
-      <a:schemeClr val="tx1"/>
-    </dgm:txFillClrLst>
-    <dgm:txEffectClrLst/>
-  </dgm:styleLbl>
-  <dgm:styleLbl name="parChTrans1D3">
-    <dgm:fillClrLst meth="repeat">
-      <a:schemeClr val="accent1"/>
-    </dgm:fillClrLst>
-    <dgm:linClrLst meth="repeat">
-      <a:schemeClr val="accent1">
-        <a:shade val="80000"/>
-      </a:schemeClr>
-    </dgm:linClrLst>
-    <dgm:effectClrLst/>
-    <dgm:txLinClrLst/>
-    <dgm:txFillClrLst meth="repeat">
-      <a:schemeClr val="tx1"/>
-    </dgm:txFillClrLst>
-    <dgm:txEffectClrLst/>
-  </dgm:styleLbl>
-  <dgm:styleLbl name="parChTrans1D4">
-    <dgm:fillClrLst meth="repeat">
-      <a:schemeClr val="accent1"/>
-    </dgm:fillClrLst>
-    <dgm:linClrLst meth="repeat">
-      <a:schemeClr val="accent1">
-        <a:shade val="80000"/>
-      </a:schemeClr>
-    </dgm:linClrLst>
-    <dgm:effectClrLst/>
-    <dgm:txLinClrLst/>
-    <dgm:txFillClrLst meth="repeat">
-      <a:schemeClr val="tx1"/>
-    </dgm:txFillClrLst>
-    <dgm:txEffectClrLst/>
-  </dgm:styleLbl>
-  <dgm:styleLbl name="fgAcc1">
-    <dgm:fillClrLst meth="repeat">
-      <a:schemeClr val="lt1">
-        <a:alpha val="90000"/>
-      </a:schemeClr>
-    </dgm:fillClrLst>
-    <dgm:linClrLst meth="repeat">
-      <a:schemeClr val="accent1"/>
-    </dgm:linClrLst>
-    <dgm:effectClrLst/>
-    <dgm:txLinClrLst/>
-    <dgm:txFillClrLst meth="repeat">
-      <a:schemeClr val="dk1"/>
-    </dgm:txFillClrLst>
-    <dgm:txEffectClrLst/>
-  </dgm:styleLbl>
-  <dgm:styleLbl name="conFgAcc1">
-    <dgm:fillClrLst meth="repeat">
-      <a:schemeClr val="lt1">
-        <a:alpha val="90000"/>
-      </a:schemeClr>
-    </dgm:fillClrLst>
-    <dgm:linClrLst meth="repeat">
-      <a:schemeClr val="accent1"/>
-    </dgm:linClrLst>
-    <dgm:effectClrLst/>
-    <dgm:txLinClrLst/>
-    <dgm:txFillClrLst meth="repeat">
-      <a:schemeClr val="dk1"/>
-    </dgm:txFillClrLst>
-    <dgm:txEffectClrLst/>
-  </dgm:styleLbl>
-  <dgm:styleLbl name="alignAcc1">
-    <dgm:fillClrLst meth="repeat">
-      <a:schemeClr val="lt1">
-        <a:alpha val="90000"/>
-      </a:schemeClr>
-    </dgm:fillClrLst>
-    <dgm:linClrLst meth="repeat">
-      <a:schemeClr val="accent1"/>
-    </dgm:linClrLst>
-    <dgm:effectClrLst/>
-    <dgm:txLinClrLst/>
-    <dgm:txFillClrLst meth="repeat">
-      <a:schemeClr val="dk1"/>
-    </dgm:txFillClrLst>
-    <dgm:txEffectClrLst/>
-  </dgm:styleLbl>
-  <dgm:styleLbl name="trAlignAcc1">
-    <dgm:fillClrLst meth="repeat">
-      <a:schemeClr val="lt1">
-        <a:alpha val="40000"/>
-      </a:schemeClr>
-    </dgm:fillClrLst>
-    <dgm:linClrLst meth="repeat">
-      <a:schemeClr val="accent1"/>
-    </dgm:linClrLst>
-    <dgm:effectClrLst/>
-    <dgm:txLinClrLst/>
-    <dgm:txFillClrLst meth="repeat">
-      <a:schemeClr val="dk1"/>
-    </dgm:txFillClrLst>
-    <dgm:txEffectClrLst/>
-  </dgm:styleLbl>
-  <dgm:styleLbl name="bgAcc1">
-    <dgm:fillClrLst meth="repeat">
-      <a:schemeClr val="lt1">
-        <a:alpha val="90000"/>
-      </a:schemeClr>
-    </dgm:fillClrLst>
-    <dgm:linClrLst meth="repeat">
-      <a:schemeClr val="accent1"/>
-    </dgm:linClrLst>
-    <dgm:effectClrLst/>
-    <dgm:txLinClrLst/>
-    <dgm:txFillClrLst meth="repeat">
-      <a:schemeClr val="dk1"/>
-    </dgm:txFillClrLst>
-    <dgm:txEffectClrLst/>
-  </dgm:styleLbl>
-  <dgm:styleLbl name="solidFgAcc1">
-    <dgm:fillClrLst meth="repeat">
-      <a:schemeClr val="lt1"/>
-    </dgm:fillClrLst>
-    <dgm:linClrLst meth="repeat">
-      <a:schemeClr val="accent1"/>
-    </dgm:linClrLst>
-    <dgm:effectClrLst/>
-    <dgm:txLinClrLst/>
-    <dgm:txFillClrLst meth="repeat">
-      <a:schemeClr val="dk1"/>
-    </dgm:txFillClrLst>
-    <dgm:txEffectClrLst/>
-  </dgm:styleLbl>
-  <dgm:styleLbl name="solidAlignAcc1">
-    <dgm:fillClrLst meth="repeat">
-      <a:schemeClr val="lt1"/>
-    </dgm:fillClrLst>
-    <dgm:linClrLst meth="repeat">
-      <a:schemeClr val="accent1"/>
-    </dgm:linClrLst>
-    <dgm:effectClrLst/>
-    <dgm:txLinClrLst/>
-    <dgm:txFillClrLst meth="repeat">
-      <a:schemeClr val="dk1"/>
-    </dgm:txFillClrLst>
-    <dgm:txEffectClrLst/>
-  </dgm:styleLbl>
-  <dgm:styleLbl name="solidBgAcc1">
-    <dgm:fillClrLst meth="repeat">
-      <a:schemeClr val="lt1"/>
-    </dgm:fillClrLst>
-    <dgm:linClrLst meth="repeat">
-      <a:schemeClr val="accent1"/>
-    </dgm:linClrLst>
-    <dgm:effectClrLst/>
-    <dgm:txLinClrLst/>
-    <dgm:txFillClrLst meth="repeat">
-      <a:schemeClr val="dk1"/>
-    </dgm:txFillClrLst>
-    <dgm:txEffectClrLst/>
-  </dgm:styleLbl>
-  <dgm:styleLbl name="fgAccFollowNode1">
-    <dgm:fillClrLst meth="repeat">
-      <a:schemeClr val="accent1">
-        <a:alpha val="90000"/>
-        <a:tint val="40000"/>
-      </a:schemeClr>
-    </dgm:fillClrLst>
-    <dgm:linClrLst meth="repeat">
-      <a:schemeClr val="accent1">
-        <a:alpha val="90000"/>
-        <a:tint val="40000"/>
-      </a:schemeClr>
-    </dgm:linClrLst>
-    <dgm:effectClrLst/>
-    <dgm:txLinClrLst/>
-    <dgm:txFillClrLst meth="repeat">
-      <a:schemeClr val="dk1"/>
-    </dgm:txFillClrLst>
-    <dgm:txEffectClrLst/>
-  </dgm:styleLbl>
-  <dgm:styleLbl name="alignAccFollowNode1">
-    <dgm:fillClrLst meth="repeat">
-      <a:schemeClr val="accent1">
-        <a:alpha val="90000"/>
-        <a:tint val="40000"/>
-      </a:schemeClr>
-    </dgm:fillClrLst>
-    <dgm:linClrLst meth="repeat">
-      <a:schemeClr val="accent1">
-        <a:alpha val="90000"/>
-        <a:tint val="40000"/>
-      </a:schemeClr>
-    </dgm:linClrLst>
-    <dgm:effectClrLst/>
-    <dgm:txLinClrLst/>
-    <dgm:txFillClrLst meth="repeat">
-      <a:schemeClr val="dk1"/>
-    </dgm:txFillClrLst>
-    <dgm:txEffectClrLst/>
-  </dgm:styleLbl>
-  <dgm:styleLbl name="bgAccFollowNode1">
-    <dgm:fillClrLst meth="repeat">
-      <a:schemeClr val="accent1">
-        <a:alpha val="90000"/>
-        <a:tint val="40000"/>
-      </a:schemeClr>
-    </dgm:fillClrLst>
-    <dgm:linClrLst meth="repeat">
-      <a:schemeClr val="accent1">
-        <a:alpha val="90000"/>
-        <a:tint val="40000"/>
-      </a:schemeClr>
-    </dgm:linClrLst>
-    <dgm:effectClrLst/>
-    <dgm:txLinClrLst/>
-    <dgm:txFillClrLst meth="repeat">
-      <a:schemeClr val="dk1"/>
-    </dgm:txFillClrLst>
-    <dgm:txEffectClrLst/>
-  </dgm:styleLbl>
-  <dgm:styleLbl name="fgAcc0">
-    <dgm:fillClrLst meth="repeat">
-      <a:schemeClr val="lt1">
-        <a:alpha val="90000"/>
-      </a:schemeClr>
-    </dgm:fillClrLst>
-    <dgm:linClrLst meth="repeat">
-      <a:schemeClr val="accent1"/>
-    </dgm:linClrLst>
-    <dgm:effectClrLst/>
-    <dgm:txLinClrLst/>
-    <dgm:txFillClrLst meth="repeat">
-      <a:schemeClr val="dk1"/>
-    </dgm:txFillClrLst>
-    <dgm:txEffectClrLst/>
-  </dgm:styleLbl>
-  <dgm:styleLbl name="fgAcc2">
-    <dgm:fillClrLst meth="repeat">
-      <a:schemeClr val="lt1">
-        <a:alpha val="90000"/>
-      </a:schemeClr>
-    </dgm:fillClrLst>
-    <dgm:linClrLst meth="repeat">
-      <a:schemeClr val="accent1"/>
-    </dgm:linClrLst>
-    <dgm:effectClrLst/>
-    <dgm:txLinClrLst/>
-    <dgm:txFillClrLst meth="repeat">
-      <a:schemeClr val="dk1"/>
-    </dgm:txFillClrLst>
-    <dgm:txEffectClrLst/>
-  </dgm:styleLbl>
-  <dgm:styleLbl name="fgAcc3">
-    <dgm:fillClrLst meth="repeat">
-      <a:schemeClr val="lt1">
-        <a:alpha val="90000"/>
-      </a:schemeClr>
-    </dgm:fillClrLst>
-    <dgm:linClrLst meth="repeat">
-      <a:schemeClr val="accent1"/>
-    </dgm:linClrLst>
-    <dgm:effectClrLst/>
-    <dgm:txLinClrLst/>
-    <dgm:txFillClrLst meth="repeat">
-      <a:schemeClr val="dk1"/>
-    </dgm:txFillClrLst>
-    <dgm:txEffectClrLst/>
-  </dgm:styleLbl>
-  <dgm:styleLbl name="fgAcc4">
-    <dgm:fillClrLst meth="repeat">
-      <a:schemeClr val="lt1">
-        <a:alpha val="90000"/>
-      </a:schemeClr>
-    </dgm:fillClrLst>
-    <dgm:linClrLst meth="repeat">
-      <a:schemeClr val="accent1"/>
-    </dgm:linClrLst>
-    <dgm:effectClrLst/>
-    <dgm:txLinClrLst/>
-    <dgm:txFillClrLst meth="repeat">
-      <a:schemeClr val="dk1"/>
-    </dgm:txFillClrLst>
-    <dgm:txEffectClrLst/>
-  </dgm:styleLbl>
-  <dgm:styleLbl name="bgShp">
-    <dgm:fillClrLst meth="repeat">
-      <a:schemeClr val="accent1">
-        <a:tint val="40000"/>
-      </a:schemeClr>
-    </dgm:fillClrLst>
-    <dgm:linClrLst meth="repeat">
-      <a:schemeClr val="accent1"/>
-    </dgm:linClrLst>
-    <dgm:effectClrLst/>
-    <dgm:txLinClrLst/>
-    <dgm:txFillClrLst meth="repeat">
-      <a:schemeClr val="dk1"/>
-    </dgm:txFillClrLst>
-    <dgm:txEffectClrLst/>
-  </dgm:styleLbl>
-  <dgm:styleLbl name="dkBgShp">
-    <dgm:fillClrLst meth="repeat">
-      <a:schemeClr val="accent1">
-        <a:shade val="80000"/>
-      </a:schemeClr>
-    </dgm:fillClrLst>
-    <dgm:linClrLst meth="repeat">
-      <a:schemeClr val="accent1"/>
-    </dgm:linClrLst>
-    <dgm:effectClrLst/>
-    <dgm:txLinClrLst/>
-    <dgm:txFillClrLst meth="repeat">
-      <a:schemeClr val="lt1"/>
-    </dgm:txFillClrLst>
-    <dgm:txEffectClrLst/>
-  </dgm:styleLbl>
-  <dgm:styleLbl name="trBgShp">
-    <dgm:fillClrLst meth="repeat">
-      <a:schemeClr val="accent1">
-        <a:tint val="50000"/>
-        <a:alpha val="40000"/>
-      </a:schemeClr>
-    </dgm:fillClrLst>
-    <dgm:linClrLst meth="repeat">
-      <a:schemeClr val="accent1"/>
-    </dgm:linClrLst>
-    <dgm:effectClrLst/>
-    <dgm:txLinClrLst/>
-    <dgm:txFillClrLst meth="repeat">
-      <a:schemeClr val="lt1"/>
-    </dgm:txFillClrLst>
-    <dgm:txEffectClrLst/>
-  </dgm:styleLbl>
-  <dgm:styleLbl name="fgShp">
-    <dgm:fillClrLst meth="repeat">
-      <a:schemeClr val="accent1">
-        <a:tint val="60000"/>
-      </a:schemeClr>
-    </dgm:fillClrLst>
-    <dgm:linClrLst meth="repeat">
-      <a:schemeClr val="lt1"/>
-    </dgm:linClrLst>
-    <dgm:effectClrLst/>
-    <dgm:txLinClrLst/>
-    <dgm:txFillClrLst meth="repeat">
-      <a:schemeClr val="dk1"/>
-    </dgm:txFillClrLst>
-    <dgm:txEffectClrLst/>
-  </dgm:styleLbl>
-  <dgm:styleLbl name="revTx">
-    <dgm:fillClrLst meth="repeat">
-      <a:schemeClr val="lt1">
-        <a:alpha val="0"/>
-      </a:schemeClr>
-    </dgm:fillClrLst>
-    <dgm:linClrLst meth="repeat">
-      <a:schemeClr val="dk1">
-        <a:alpha val="0"/>
-      </a:schemeClr>
-    </dgm:linClrLst>
-    <dgm:effectClrLst/>
-    <dgm:txLinClrLst/>
-    <dgm:txFillClrLst meth="repeat">
-      <a:schemeClr val="tx1"/>
-    </dgm:txFillClrLst>
-    <dgm:txEffectClrLst/>
-  </dgm:styleLbl>
-</dgm:colorsDef>
-</file>
-
-<file path=ppt/diagrams/data1.xml><?xml version="1.0" encoding="utf-8"?>
-<dgm:dataModel xmlns:dgm="http://schemas.openxmlformats.org/drawingml/2006/diagram" xmlns:a="http://schemas.openxmlformats.org/drawingml/2006/main">
-  <dgm:ptLst>
-    <dgm:pt modelId="{352019CB-D1D9-4674-B87E-782D4A6775F9}" type="doc">
-      <dgm:prSet loTypeId="urn:microsoft.com/office/officeart/2005/8/layout/cycle7" loCatId="cycle" qsTypeId="urn:microsoft.com/office/officeart/2005/8/quickstyle/simple1" qsCatId="simple" csTypeId="urn:microsoft.com/office/officeart/2005/8/colors/accent1_2" csCatId="accent1" phldr="1"/>
-      <dgm:spPr/>
-      <dgm:t>
-        <a:bodyPr/>
-        <a:lstStyle/>
-        <a:p>
-          <a:endParaRPr lang="en-US"/>
-        </a:p>
-      </dgm:t>
-    </dgm:pt>
-    <dgm:pt modelId="{4B1556E8-F5CF-4D41-8FBA-B2F7AB4553EF}">
-      <dgm:prSet phldrT="[Text]"/>
-      <dgm:spPr/>
-      <dgm:t>
-        <a:bodyPr/>
-        <a:lstStyle/>
-        <a:p>
-          <a:r>
-            <a:rPr lang="en-US" dirty="0" smtClean="0"/>
-            <a:t>View</a:t>
-          </a:r>
-          <a:endParaRPr lang="en-US" dirty="0"/>
-        </a:p>
-      </dgm:t>
-    </dgm:pt>
-    <dgm:pt modelId="{BB3208D9-CBC3-4EDB-BBC5-468D2B518E69}" type="parTrans" cxnId="{033727FD-7776-4954-914C-0E5D368EB434}">
-      <dgm:prSet/>
-      <dgm:spPr/>
-      <dgm:t>
-        <a:bodyPr/>
-        <a:lstStyle/>
-        <a:p>
-          <a:endParaRPr lang="en-US"/>
-        </a:p>
-      </dgm:t>
-    </dgm:pt>
-    <dgm:pt modelId="{D5C5D3E2-9734-43E0-B46A-7A19F3F3A476}" type="sibTrans" cxnId="{033727FD-7776-4954-914C-0E5D368EB434}">
-      <dgm:prSet/>
-      <dgm:spPr/>
-      <dgm:t>
-        <a:bodyPr/>
-        <a:lstStyle/>
-        <a:p>
-          <a:endParaRPr lang="en-US"/>
-        </a:p>
-      </dgm:t>
-    </dgm:pt>
-    <dgm:pt modelId="{983D1BC6-FD9C-4AB5-9E64-19F23753F277}">
-      <dgm:prSet phldrT="[Text]"/>
-      <dgm:spPr/>
-      <dgm:t>
-        <a:bodyPr/>
-        <a:lstStyle/>
-        <a:p>
-          <a:r>
-            <a:rPr lang="en-US" dirty="0" smtClean="0"/>
-            <a:t>Model</a:t>
-          </a:r>
-          <a:endParaRPr lang="en-US" dirty="0"/>
-        </a:p>
-      </dgm:t>
-    </dgm:pt>
-    <dgm:pt modelId="{F03CFC87-DB8A-442F-A2AD-95EECE8B6EEA}" type="parTrans" cxnId="{58A01C45-B3A0-44CB-9EB5-520FA848EC6A}">
-      <dgm:prSet/>
-      <dgm:spPr/>
-      <dgm:t>
-        <a:bodyPr/>
-        <a:lstStyle/>
-        <a:p>
-          <a:endParaRPr lang="en-US"/>
-        </a:p>
-      </dgm:t>
-    </dgm:pt>
-    <dgm:pt modelId="{79F67E3A-9054-440B-91E4-1AD06C2824A7}" type="sibTrans" cxnId="{58A01C45-B3A0-44CB-9EB5-520FA848EC6A}">
-      <dgm:prSet/>
-      <dgm:spPr/>
-      <dgm:t>
-        <a:bodyPr/>
-        <a:lstStyle/>
-        <a:p>
-          <a:endParaRPr lang="en-US"/>
-        </a:p>
-      </dgm:t>
-    </dgm:pt>
-    <dgm:pt modelId="{939559D2-0140-4139-8FCB-AC0F35E5E5E7}">
-      <dgm:prSet phldrT="[Text]" phldr="1"/>
-      <dgm:spPr/>
-      <dgm:t>
-        <a:bodyPr/>
-        <a:lstStyle/>
-        <a:p>
-          <a:endParaRPr lang="en-US" dirty="0"/>
-        </a:p>
-      </dgm:t>
-    </dgm:pt>
-    <dgm:pt modelId="{A03C335E-F3B0-4717-890E-6889F0DBFD12}" type="parTrans" cxnId="{E02A90CC-76A1-4BE4-9A1A-7DE2CD775B03}">
-      <dgm:prSet/>
-      <dgm:spPr/>
-      <dgm:t>
-        <a:bodyPr/>
-        <a:lstStyle/>
-        <a:p>
-          <a:endParaRPr lang="en-US"/>
-        </a:p>
-      </dgm:t>
-    </dgm:pt>
-    <dgm:pt modelId="{84534A6B-C25A-40F7-B05B-CD01A1156120}" type="sibTrans" cxnId="{E02A90CC-76A1-4BE4-9A1A-7DE2CD775B03}">
-      <dgm:prSet/>
-      <dgm:spPr/>
-      <dgm:t>
-        <a:bodyPr/>
-        <a:lstStyle/>
-        <a:p>
-          <a:endParaRPr lang="en-US"/>
-        </a:p>
-      </dgm:t>
-    </dgm:pt>
-    <dgm:pt modelId="{5E585C82-6E29-4881-AA02-503F5E4CA8AC}" type="pres">
-      <dgm:prSet presAssocID="{352019CB-D1D9-4674-B87E-782D4A6775F9}" presName="Name0" presStyleCnt="0">
-        <dgm:presLayoutVars>
-          <dgm:dir/>
-          <dgm:resizeHandles val="exact"/>
-        </dgm:presLayoutVars>
-      </dgm:prSet>
-      <dgm:spPr/>
-      <dgm:t>
-        <a:bodyPr/>
-        <a:lstStyle/>
-        <a:p>
-          <a:endParaRPr lang="en-US"/>
-        </a:p>
-      </dgm:t>
-    </dgm:pt>
-    <dgm:pt modelId="{703904BF-859F-4A67-8969-188D8E518219}" type="pres">
-      <dgm:prSet presAssocID="{4B1556E8-F5CF-4D41-8FBA-B2F7AB4553EF}" presName="node" presStyleLbl="node1" presStyleIdx="0" presStyleCnt="3">
-        <dgm:presLayoutVars>
-          <dgm:bulletEnabled val="1"/>
-        </dgm:presLayoutVars>
-      </dgm:prSet>
-      <dgm:spPr/>
-      <dgm:t>
-        <a:bodyPr/>
-        <a:lstStyle/>
-        <a:p>
-          <a:endParaRPr lang="en-US"/>
-        </a:p>
-      </dgm:t>
-    </dgm:pt>
-    <dgm:pt modelId="{679B943D-8192-44A6-B2F1-EA46AED7D9EB}" type="pres">
-      <dgm:prSet presAssocID="{D5C5D3E2-9734-43E0-B46A-7A19F3F3A476}" presName="sibTrans" presStyleLbl="sibTrans2D1" presStyleIdx="0" presStyleCnt="3"/>
-      <dgm:spPr/>
-      <dgm:t>
-        <a:bodyPr/>
-        <a:lstStyle/>
-        <a:p>
-          <a:endParaRPr lang="en-US"/>
-        </a:p>
-      </dgm:t>
-    </dgm:pt>
-    <dgm:pt modelId="{02B4D60E-6B03-4AC4-B847-EB3E825872B3}" type="pres">
-      <dgm:prSet presAssocID="{D5C5D3E2-9734-43E0-B46A-7A19F3F3A476}" presName="connectorText" presStyleLbl="sibTrans2D1" presStyleIdx="0" presStyleCnt="3"/>
-      <dgm:spPr/>
-      <dgm:t>
-        <a:bodyPr/>
-        <a:lstStyle/>
-        <a:p>
-          <a:endParaRPr lang="en-US"/>
-        </a:p>
-      </dgm:t>
-    </dgm:pt>
-    <dgm:pt modelId="{FFB0C39E-E212-4EA8-86B4-EF94CFB087E9}" type="pres">
-      <dgm:prSet presAssocID="{983D1BC6-FD9C-4AB5-9E64-19F23753F277}" presName="node" presStyleLbl="node1" presStyleIdx="1" presStyleCnt="3">
-        <dgm:presLayoutVars>
-          <dgm:bulletEnabled val="1"/>
-        </dgm:presLayoutVars>
-      </dgm:prSet>
-      <dgm:spPr/>
-      <dgm:t>
-        <a:bodyPr/>
-        <a:lstStyle/>
-        <a:p>
-          <a:endParaRPr lang="en-US"/>
-        </a:p>
-      </dgm:t>
-    </dgm:pt>
-    <dgm:pt modelId="{F55E8144-DADC-43C0-AE5C-93A9BA46206F}" type="pres">
-      <dgm:prSet presAssocID="{79F67E3A-9054-440B-91E4-1AD06C2824A7}" presName="sibTrans" presStyleLbl="sibTrans2D1" presStyleIdx="1" presStyleCnt="3"/>
-      <dgm:spPr/>
-      <dgm:t>
-        <a:bodyPr/>
-        <a:lstStyle/>
-        <a:p>
-          <a:endParaRPr lang="en-US"/>
-        </a:p>
-      </dgm:t>
-    </dgm:pt>
-    <dgm:pt modelId="{FBF7E9CA-D698-4D3D-92CF-58E9ADB5BA33}" type="pres">
-      <dgm:prSet presAssocID="{79F67E3A-9054-440B-91E4-1AD06C2824A7}" presName="connectorText" presStyleLbl="sibTrans2D1" presStyleIdx="1" presStyleCnt="3"/>
-      <dgm:spPr/>
-      <dgm:t>
-        <a:bodyPr/>
-        <a:lstStyle/>
-        <a:p>
-          <a:endParaRPr lang="en-US"/>
-        </a:p>
-      </dgm:t>
-    </dgm:pt>
-    <dgm:pt modelId="{4C4F5550-6351-405A-9698-CBBD6E888B5D}" type="pres">
-      <dgm:prSet presAssocID="{939559D2-0140-4139-8FCB-AC0F35E5E5E7}" presName="node" presStyleLbl="node1" presStyleIdx="2" presStyleCnt="3">
-        <dgm:presLayoutVars>
-          <dgm:bulletEnabled val="1"/>
-        </dgm:presLayoutVars>
-      </dgm:prSet>
-      <dgm:spPr/>
-      <dgm:t>
-        <a:bodyPr/>
-        <a:lstStyle/>
-        <a:p>
-          <a:endParaRPr lang="en-US"/>
-        </a:p>
-      </dgm:t>
-    </dgm:pt>
-    <dgm:pt modelId="{8A1366F2-BED0-4068-80B0-969252D71355}" type="pres">
-      <dgm:prSet presAssocID="{84534A6B-C25A-40F7-B05B-CD01A1156120}" presName="sibTrans" presStyleLbl="sibTrans2D1" presStyleIdx="2" presStyleCnt="3"/>
-      <dgm:spPr/>
-      <dgm:t>
-        <a:bodyPr/>
-        <a:lstStyle/>
-        <a:p>
-          <a:endParaRPr lang="en-US"/>
-        </a:p>
-      </dgm:t>
-    </dgm:pt>
-    <dgm:pt modelId="{585AE069-E07A-4505-A19C-451F02065734}" type="pres">
-      <dgm:prSet presAssocID="{84534A6B-C25A-40F7-B05B-CD01A1156120}" presName="connectorText" presStyleLbl="sibTrans2D1" presStyleIdx="2" presStyleCnt="3"/>
-      <dgm:spPr/>
-      <dgm:t>
-        <a:bodyPr/>
-        <a:lstStyle/>
-        <a:p>
-          <a:endParaRPr lang="en-US"/>
-        </a:p>
-      </dgm:t>
-    </dgm:pt>
-  </dgm:ptLst>
-  <dgm:cxnLst>
-    <dgm:cxn modelId="{CD03ECFD-586A-4685-9DED-693750B58519}" type="presOf" srcId="{D5C5D3E2-9734-43E0-B46A-7A19F3F3A476}" destId="{02B4D60E-6B03-4AC4-B847-EB3E825872B3}" srcOrd="1" destOrd="0" presId="urn:microsoft.com/office/officeart/2005/8/layout/cycle7"/>
-    <dgm:cxn modelId="{244CD8A1-AC54-4686-99E3-5908BE35A758}" type="presOf" srcId="{D5C5D3E2-9734-43E0-B46A-7A19F3F3A476}" destId="{679B943D-8192-44A6-B2F1-EA46AED7D9EB}" srcOrd="0" destOrd="0" presId="urn:microsoft.com/office/officeart/2005/8/layout/cycle7"/>
-    <dgm:cxn modelId="{93EA3083-B173-48CD-A2B0-1131712A8458}" type="presOf" srcId="{79F67E3A-9054-440B-91E4-1AD06C2824A7}" destId="{F55E8144-DADC-43C0-AE5C-93A9BA46206F}" srcOrd="0" destOrd="0" presId="urn:microsoft.com/office/officeart/2005/8/layout/cycle7"/>
-    <dgm:cxn modelId="{E02A90CC-76A1-4BE4-9A1A-7DE2CD775B03}" srcId="{352019CB-D1D9-4674-B87E-782D4A6775F9}" destId="{939559D2-0140-4139-8FCB-AC0F35E5E5E7}" srcOrd="2" destOrd="0" parTransId="{A03C335E-F3B0-4717-890E-6889F0DBFD12}" sibTransId="{84534A6B-C25A-40F7-B05B-CD01A1156120}"/>
-    <dgm:cxn modelId="{7FAB2706-E6BC-464B-A94A-26ED6AF07903}" type="presOf" srcId="{84534A6B-C25A-40F7-B05B-CD01A1156120}" destId="{585AE069-E07A-4505-A19C-451F02065734}" srcOrd="1" destOrd="0" presId="urn:microsoft.com/office/officeart/2005/8/layout/cycle7"/>
-    <dgm:cxn modelId="{033727FD-7776-4954-914C-0E5D368EB434}" srcId="{352019CB-D1D9-4674-B87E-782D4A6775F9}" destId="{4B1556E8-F5CF-4D41-8FBA-B2F7AB4553EF}" srcOrd="0" destOrd="0" parTransId="{BB3208D9-CBC3-4EDB-BBC5-468D2B518E69}" sibTransId="{D5C5D3E2-9734-43E0-B46A-7A19F3F3A476}"/>
-    <dgm:cxn modelId="{0FE44365-B1ED-4A86-9BAE-E4B247218D53}" type="presOf" srcId="{79F67E3A-9054-440B-91E4-1AD06C2824A7}" destId="{FBF7E9CA-D698-4D3D-92CF-58E9ADB5BA33}" srcOrd="1" destOrd="0" presId="urn:microsoft.com/office/officeart/2005/8/layout/cycle7"/>
-    <dgm:cxn modelId="{7D8C4CEA-36EB-43BB-8F56-B561593A8D01}" type="presOf" srcId="{4B1556E8-F5CF-4D41-8FBA-B2F7AB4553EF}" destId="{703904BF-859F-4A67-8969-188D8E518219}" srcOrd="0" destOrd="0" presId="urn:microsoft.com/office/officeart/2005/8/layout/cycle7"/>
-    <dgm:cxn modelId="{EB911450-B9C7-4108-8FEF-30DDA698A538}" type="presOf" srcId="{939559D2-0140-4139-8FCB-AC0F35E5E5E7}" destId="{4C4F5550-6351-405A-9698-CBBD6E888B5D}" srcOrd="0" destOrd="0" presId="urn:microsoft.com/office/officeart/2005/8/layout/cycle7"/>
-    <dgm:cxn modelId="{25087288-76C2-4D0D-8DD5-6C7ECDF3FAB3}" type="presOf" srcId="{983D1BC6-FD9C-4AB5-9E64-19F23753F277}" destId="{FFB0C39E-E212-4EA8-86B4-EF94CFB087E9}" srcOrd="0" destOrd="0" presId="urn:microsoft.com/office/officeart/2005/8/layout/cycle7"/>
-    <dgm:cxn modelId="{7F471B01-8B8D-4661-8ED1-3DD390C913EC}" type="presOf" srcId="{84534A6B-C25A-40F7-B05B-CD01A1156120}" destId="{8A1366F2-BED0-4068-80B0-969252D71355}" srcOrd="0" destOrd="0" presId="urn:microsoft.com/office/officeart/2005/8/layout/cycle7"/>
-    <dgm:cxn modelId="{295D2D50-37BB-479E-B63F-FF0A754AF7E4}" type="presOf" srcId="{352019CB-D1D9-4674-B87E-782D4A6775F9}" destId="{5E585C82-6E29-4881-AA02-503F5E4CA8AC}" srcOrd="0" destOrd="0" presId="urn:microsoft.com/office/officeart/2005/8/layout/cycle7"/>
-    <dgm:cxn modelId="{58A01C45-B3A0-44CB-9EB5-520FA848EC6A}" srcId="{352019CB-D1D9-4674-B87E-782D4A6775F9}" destId="{983D1BC6-FD9C-4AB5-9E64-19F23753F277}" srcOrd="1" destOrd="0" parTransId="{F03CFC87-DB8A-442F-A2AD-95EECE8B6EEA}" sibTransId="{79F67E3A-9054-440B-91E4-1AD06C2824A7}"/>
-    <dgm:cxn modelId="{4F741A64-EBA0-43EA-A225-4F563AEF6B38}" type="presParOf" srcId="{5E585C82-6E29-4881-AA02-503F5E4CA8AC}" destId="{703904BF-859F-4A67-8969-188D8E518219}" srcOrd="0" destOrd="0" presId="urn:microsoft.com/office/officeart/2005/8/layout/cycle7"/>
-    <dgm:cxn modelId="{FAF34F9A-A21D-47E5-B914-3794C097502F}" type="presParOf" srcId="{5E585C82-6E29-4881-AA02-503F5E4CA8AC}" destId="{679B943D-8192-44A6-B2F1-EA46AED7D9EB}" srcOrd="1" destOrd="0" presId="urn:microsoft.com/office/officeart/2005/8/layout/cycle7"/>
-    <dgm:cxn modelId="{B9F34750-04FB-4619-818B-4D1A9864F81E}" type="presParOf" srcId="{679B943D-8192-44A6-B2F1-EA46AED7D9EB}" destId="{02B4D60E-6B03-4AC4-B847-EB3E825872B3}" srcOrd="0" destOrd="0" presId="urn:microsoft.com/office/officeart/2005/8/layout/cycle7"/>
-    <dgm:cxn modelId="{364BDD33-8A0E-432A-94D5-FB05B332D226}" type="presParOf" srcId="{5E585C82-6E29-4881-AA02-503F5E4CA8AC}" destId="{FFB0C39E-E212-4EA8-86B4-EF94CFB087E9}" srcOrd="2" destOrd="0" presId="urn:microsoft.com/office/officeart/2005/8/layout/cycle7"/>
-    <dgm:cxn modelId="{07FACF75-321A-42A1-BB20-1421D6A3E833}" type="presParOf" srcId="{5E585C82-6E29-4881-AA02-503F5E4CA8AC}" destId="{F55E8144-DADC-43C0-AE5C-93A9BA46206F}" srcOrd="3" destOrd="0" presId="urn:microsoft.com/office/officeart/2005/8/layout/cycle7"/>
-    <dgm:cxn modelId="{DBD3A78D-288C-4A39-9855-8CD4BCA7EB63}" type="presParOf" srcId="{F55E8144-DADC-43C0-AE5C-93A9BA46206F}" destId="{FBF7E9CA-D698-4D3D-92CF-58E9ADB5BA33}" srcOrd="0" destOrd="0" presId="urn:microsoft.com/office/officeart/2005/8/layout/cycle7"/>
-    <dgm:cxn modelId="{8601A325-EF57-4123-BA55-961AC7FF5C65}" type="presParOf" srcId="{5E585C82-6E29-4881-AA02-503F5E4CA8AC}" destId="{4C4F5550-6351-405A-9698-CBBD6E888B5D}" srcOrd="4" destOrd="0" presId="urn:microsoft.com/office/officeart/2005/8/layout/cycle7"/>
-    <dgm:cxn modelId="{9FC3B57B-4BCF-473A-BDB7-197FDF074F54}" type="presParOf" srcId="{5E585C82-6E29-4881-AA02-503F5E4CA8AC}" destId="{8A1366F2-BED0-4068-80B0-969252D71355}" srcOrd="5" destOrd="0" presId="urn:microsoft.com/office/officeart/2005/8/layout/cycle7"/>
-    <dgm:cxn modelId="{37D5F703-5F1A-4BFF-9A9C-4E21FC65070D}" type="presParOf" srcId="{8A1366F2-BED0-4068-80B0-969252D71355}" destId="{585AE069-E07A-4505-A19C-451F02065734}" srcOrd="0" destOrd="0" presId="urn:microsoft.com/office/officeart/2005/8/layout/cycle7"/>
-  </dgm:cxnLst>
-  <dgm:bg/>
-  <dgm:whole/>
-  <dgm:extLst>
-    <a:ext uri="http://schemas.microsoft.com/office/drawing/2008/diagram">
-      <dsp:dataModelExt xmlns:dsp="http://schemas.microsoft.com/office/drawing/2008/diagram" relId="rId6" minVer="http://schemas.openxmlformats.org/drawingml/2006/diagram"/>
-    </a:ext>
-  </dgm:extLst>
-</dgm:dataModel>
-</file>
-
-<file path=ppt/diagrams/drawing1.xml><?xml version="1.0" encoding="utf-8"?>
-<dsp:drawing xmlns:dgm="http://schemas.openxmlformats.org/drawingml/2006/diagram" xmlns:dsp="http://schemas.microsoft.com/office/drawing/2008/diagram" xmlns:a="http://schemas.openxmlformats.org/drawingml/2006/main">
-  <dsp:spTree>
-    <dsp:nvGrpSpPr>
-      <dsp:cNvPr id="0" name=""/>
-      <dsp:cNvGrpSpPr/>
-    </dsp:nvGrpSpPr>
-    <dsp:grpSpPr/>
-    <dsp:sp modelId="{703904BF-859F-4A67-8969-188D8E518219}">
-      <dsp:nvSpPr>
-        <dsp:cNvPr id="0" name=""/>
-        <dsp:cNvSpPr/>
-      </dsp:nvSpPr>
-      <dsp:spPr>
-        <a:xfrm>
-          <a:off x="2943448" y="1529"/>
-          <a:ext cx="2342703" cy="1171351"/>
-        </a:xfrm>
-        <a:prstGeom prst="roundRect">
-          <a:avLst>
-            <a:gd name="adj" fmla="val 10000"/>
-          </a:avLst>
-        </a:prstGeom>
-        <a:solidFill>
-          <a:schemeClr val="accent1">
-            <a:hueOff val="0"/>
-            <a:satOff val="0"/>
-            <a:lumOff val="0"/>
-            <a:alphaOff val="0"/>
-          </a:schemeClr>
-        </a:solidFill>
-        <a:ln w="25400" cap="flat" cmpd="sng" algn="ctr">
-          <a:solidFill>
-            <a:schemeClr val="lt1">
-              <a:hueOff val="0"/>
-              <a:satOff val="0"/>
-              <a:lumOff val="0"/>
-              <a:alphaOff val="0"/>
-            </a:schemeClr>
-          </a:solidFill>
-          <a:prstDash val="solid"/>
-        </a:ln>
-        <a:effectLst/>
-      </dsp:spPr>
-      <dsp:style>
-        <a:lnRef idx="2">
-          <a:scrgbClr r="0" g="0" b="0"/>
-        </a:lnRef>
-        <a:fillRef idx="1">
-          <a:scrgbClr r="0" g="0" b="0"/>
-        </a:fillRef>
-        <a:effectRef idx="0">
-          <a:scrgbClr r="0" g="0" b="0"/>
-        </a:effectRef>
-        <a:fontRef idx="minor">
-          <a:schemeClr val="lt1"/>
-        </a:fontRef>
-      </dsp:style>
-      <dsp:txBody>
-        <a:bodyPr spcFirstLastPara="0" vert="horz" wrap="square" lIns="194310" tIns="194310" rIns="194310" bIns="194310" numCol="1" spcCol="1270" anchor="ctr" anchorCtr="0">
-          <a:noAutofit/>
-        </a:bodyPr>
-        <a:lstStyle/>
-        <a:p>
-          <a:pPr lvl="0" algn="ctr" defTabSz="2266950">
-            <a:lnSpc>
-              <a:spcPct val="90000"/>
-            </a:lnSpc>
-            <a:spcBef>
-              <a:spcPct val="0"/>
-            </a:spcBef>
-            <a:spcAft>
-              <a:spcPct val="35000"/>
-            </a:spcAft>
-          </a:pPr>
-          <a:r>
-            <a:rPr lang="en-US" sz="5100" kern="1200" dirty="0" smtClean="0"/>
-            <a:t>View</a:t>
-          </a:r>
-          <a:endParaRPr lang="en-US" sz="5100" kern="1200" dirty="0"/>
-        </a:p>
-      </dsp:txBody>
-      <dsp:txXfrm>
-        <a:off x="2977756" y="35837"/>
-        <a:ext cx="2274087" cy="1102735"/>
-      </dsp:txXfrm>
-    </dsp:sp>
-    <dsp:sp modelId="{679B943D-8192-44A6-B2F1-EA46AED7D9EB}">
-      <dsp:nvSpPr>
-        <dsp:cNvPr id="0" name=""/>
-        <dsp:cNvSpPr/>
-      </dsp:nvSpPr>
-      <dsp:spPr>
-        <a:xfrm rot="3600000">
-          <a:off x="4471375" y="2057994"/>
-          <a:ext cx="1221869" cy="409973"/>
-        </a:xfrm>
-        <a:prstGeom prst="leftRightArrow">
-          <a:avLst>
-            <a:gd name="adj1" fmla="val 60000"/>
-            <a:gd name="adj2" fmla="val 50000"/>
-          </a:avLst>
-        </a:prstGeom>
-        <a:solidFill>
-          <a:schemeClr val="accent1">
-            <a:tint val="60000"/>
-            <a:hueOff val="0"/>
-            <a:satOff val="0"/>
-            <a:lumOff val="0"/>
-            <a:alphaOff val="0"/>
-          </a:schemeClr>
-        </a:solidFill>
-        <a:ln>
-          <a:noFill/>
-        </a:ln>
-        <a:effectLst/>
-      </dsp:spPr>
-      <dsp:style>
-        <a:lnRef idx="0">
-          <a:scrgbClr r="0" g="0" b="0"/>
-        </a:lnRef>
-        <a:fillRef idx="1">
-          <a:scrgbClr r="0" g="0" b="0"/>
-        </a:fillRef>
-        <a:effectRef idx="0">
-          <a:scrgbClr r="0" g="0" b="0"/>
-        </a:effectRef>
-        <a:fontRef idx="minor">
-          <a:schemeClr val="lt1"/>
-        </a:fontRef>
-      </dsp:style>
-      <dsp:txBody>
-        <a:bodyPr spcFirstLastPara="0" vert="horz" wrap="square" lIns="0" tIns="0" rIns="0" bIns="0" numCol="1" spcCol="1270" anchor="ctr" anchorCtr="0">
-          <a:noAutofit/>
-        </a:bodyPr>
-        <a:lstStyle/>
-        <a:p>
-          <a:pPr lvl="0" algn="ctr" defTabSz="755650">
-            <a:lnSpc>
-              <a:spcPct val="90000"/>
-            </a:lnSpc>
-            <a:spcBef>
-              <a:spcPct val="0"/>
-            </a:spcBef>
-            <a:spcAft>
-              <a:spcPct val="35000"/>
-            </a:spcAft>
-          </a:pPr>
-          <a:endParaRPr lang="en-US" sz="1700" kern="1200"/>
-        </a:p>
-      </dsp:txBody>
-      <dsp:txXfrm>
-        <a:off x="4594367" y="2139989"/>
-        <a:ext cx="975885" cy="245983"/>
-      </dsp:txXfrm>
-    </dsp:sp>
-    <dsp:sp modelId="{FFB0C39E-E212-4EA8-86B4-EF94CFB087E9}">
-      <dsp:nvSpPr>
-        <dsp:cNvPr id="0" name=""/>
-        <dsp:cNvSpPr/>
-      </dsp:nvSpPr>
-      <dsp:spPr>
-        <a:xfrm>
-          <a:off x="4878468" y="3353082"/>
-          <a:ext cx="2342703" cy="1171351"/>
-        </a:xfrm>
-        <a:prstGeom prst="roundRect">
-          <a:avLst>
-            <a:gd name="adj" fmla="val 10000"/>
-          </a:avLst>
-        </a:prstGeom>
-        <a:solidFill>
-          <a:schemeClr val="accent1">
-            <a:hueOff val="0"/>
-            <a:satOff val="0"/>
-            <a:lumOff val="0"/>
-            <a:alphaOff val="0"/>
-          </a:schemeClr>
-        </a:solidFill>
-        <a:ln w="25400" cap="flat" cmpd="sng" algn="ctr">
-          <a:solidFill>
-            <a:schemeClr val="lt1">
-              <a:hueOff val="0"/>
-              <a:satOff val="0"/>
-              <a:lumOff val="0"/>
-              <a:alphaOff val="0"/>
-            </a:schemeClr>
-          </a:solidFill>
-          <a:prstDash val="solid"/>
-        </a:ln>
-        <a:effectLst/>
-      </dsp:spPr>
-      <dsp:style>
-        <a:lnRef idx="2">
-          <a:scrgbClr r="0" g="0" b="0"/>
-        </a:lnRef>
-        <a:fillRef idx="1">
-          <a:scrgbClr r="0" g="0" b="0"/>
-        </a:fillRef>
-        <a:effectRef idx="0">
-          <a:scrgbClr r="0" g="0" b="0"/>
-        </a:effectRef>
-        <a:fontRef idx="minor">
-          <a:schemeClr val="lt1"/>
-        </a:fontRef>
-      </dsp:style>
-      <dsp:txBody>
-        <a:bodyPr spcFirstLastPara="0" vert="horz" wrap="square" lIns="194310" tIns="194310" rIns="194310" bIns="194310" numCol="1" spcCol="1270" anchor="ctr" anchorCtr="0">
-          <a:noAutofit/>
-        </a:bodyPr>
-        <a:lstStyle/>
-        <a:p>
-          <a:pPr lvl="0" algn="ctr" defTabSz="2266950">
-            <a:lnSpc>
-              <a:spcPct val="90000"/>
-            </a:lnSpc>
-            <a:spcBef>
-              <a:spcPct val="0"/>
-            </a:spcBef>
-            <a:spcAft>
-              <a:spcPct val="35000"/>
-            </a:spcAft>
-          </a:pPr>
-          <a:r>
-            <a:rPr lang="en-US" sz="5100" kern="1200" dirty="0" smtClean="0"/>
-            <a:t>Model</a:t>
-          </a:r>
-          <a:endParaRPr lang="en-US" sz="5100" kern="1200" dirty="0"/>
-        </a:p>
-      </dsp:txBody>
-      <dsp:txXfrm>
-        <a:off x="4912776" y="3387390"/>
-        <a:ext cx="2274087" cy="1102735"/>
-      </dsp:txXfrm>
-    </dsp:sp>
-    <dsp:sp modelId="{F55E8144-DADC-43C0-AE5C-93A9BA46206F}">
-      <dsp:nvSpPr>
-        <dsp:cNvPr id="0" name=""/>
-        <dsp:cNvSpPr/>
-      </dsp:nvSpPr>
-      <dsp:spPr>
-        <a:xfrm rot="10800000">
-          <a:off x="3503865" y="3733771"/>
-          <a:ext cx="1221869" cy="409973"/>
-        </a:xfrm>
-        <a:prstGeom prst="leftRightArrow">
-          <a:avLst>
-            <a:gd name="adj1" fmla="val 60000"/>
-            <a:gd name="adj2" fmla="val 50000"/>
-          </a:avLst>
-        </a:prstGeom>
-        <a:solidFill>
-          <a:schemeClr val="accent1">
-            <a:tint val="60000"/>
-            <a:hueOff val="0"/>
-            <a:satOff val="0"/>
-            <a:lumOff val="0"/>
-            <a:alphaOff val="0"/>
-          </a:schemeClr>
-        </a:solidFill>
-        <a:ln>
-          <a:noFill/>
-        </a:ln>
-        <a:effectLst/>
-      </dsp:spPr>
-      <dsp:style>
-        <a:lnRef idx="0">
-          <a:scrgbClr r="0" g="0" b="0"/>
-        </a:lnRef>
-        <a:fillRef idx="1">
-          <a:scrgbClr r="0" g="0" b="0"/>
-        </a:fillRef>
-        <a:effectRef idx="0">
-          <a:scrgbClr r="0" g="0" b="0"/>
-        </a:effectRef>
-        <a:fontRef idx="minor">
-          <a:schemeClr val="lt1"/>
-        </a:fontRef>
-      </dsp:style>
-      <dsp:txBody>
-        <a:bodyPr spcFirstLastPara="0" vert="horz" wrap="square" lIns="0" tIns="0" rIns="0" bIns="0" numCol="1" spcCol="1270" anchor="ctr" anchorCtr="0">
-          <a:noAutofit/>
-        </a:bodyPr>
-        <a:lstStyle/>
-        <a:p>
-          <a:pPr lvl="0" algn="ctr" defTabSz="755650">
-            <a:lnSpc>
-              <a:spcPct val="90000"/>
-            </a:lnSpc>
-            <a:spcBef>
-              <a:spcPct val="0"/>
-            </a:spcBef>
-            <a:spcAft>
-              <a:spcPct val="35000"/>
-            </a:spcAft>
-          </a:pPr>
-          <a:endParaRPr lang="en-US" sz="1700" kern="1200"/>
-        </a:p>
-      </dsp:txBody>
-      <dsp:txXfrm rot="10800000">
-        <a:off x="3626857" y="3815766"/>
-        <a:ext cx="975885" cy="245983"/>
-      </dsp:txXfrm>
-    </dsp:sp>
-    <dsp:sp modelId="{4C4F5550-6351-405A-9698-CBBD6E888B5D}">
-      <dsp:nvSpPr>
-        <dsp:cNvPr id="0" name=""/>
-        <dsp:cNvSpPr/>
-      </dsp:nvSpPr>
-      <dsp:spPr>
-        <a:xfrm>
-          <a:off x="1008428" y="3353082"/>
-          <a:ext cx="2342703" cy="1171351"/>
-        </a:xfrm>
-        <a:prstGeom prst="roundRect">
-          <a:avLst>
-            <a:gd name="adj" fmla="val 10000"/>
-          </a:avLst>
-        </a:prstGeom>
-        <a:solidFill>
-          <a:schemeClr val="accent1">
-            <a:hueOff val="0"/>
-            <a:satOff val="0"/>
-            <a:lumOff val="0"/>
-            <a:alphaOff val="0"/>
-          </a:schemeClr>
-        </a:solidFill>
-        <a:ln w="25400" cap="flat" cmpd="sng" algn="ctr">
-          <a:solidFill>
-            <a:schemeClr val="lt1">
-              <a:hueOff val="0"/>
-              <a:satOff val="0"/>
-              <a:lumOff val="0"/>
-              <a:alphaOff val="0"/>
-            </a:schemeClr>
-          </a:solidFill>
-          <a:prstDash val="solid"/>
-        </a:ln>
-        <a:effectLst/>
-      </dsp:spPr>
-      <dsp:style>
-        <a:lnRef idx="2">
-          <a:scrgbClr r="0" g="0" b="0"/>
-        </a:lnRef>
-        <a:fillRef idx="1">
-          <a:scrgbClr r="0" g="0" b="0"/>
-        </a:fillRef>
-        <a:effectRef idx="0">
-          <a:scrgbClr r="0" g="0" b="0"/>
-        </a:effectRef>
-        <a:fontRef idx="minor">
-          <a:schemeClr val="lt1"/>
-        </a:fontRef>
-      </dsp:style>
-      <dsp:txBody>
-        <a:bodyPr spcFirstLastPara="0" vert="horz" wrap="square" lIns="194310" tIns="194310" rIns="194310" bIns="194310" numCol="1" spcCol="1270" anchor="ctr" anchorCtr="0">
-          <a:noAutofit/>
-        </a:bodyPr>
-        <a:lstStyle/>
-        <a:p>
-          <a:pPr lvl="0" algn="ctr" defTabSz="2266950">
-            <a:lnSpc>
-              <a:spcPct val="90000"/>
-            </a:lnSpc>
-            <a:spcBef>
-              <a:spcPct val="0"/>
-            </a:spcBef>
-            <a:spcAft>
-              <a:spcPct val="35000"/>
-            </a:spcAft>
-          </a:pPr>
-          <a:endParaRPr lang="en-US" sz="5100" kern="1200" dirty="0"/>
-        </a:p>
-      </dsp:txBody>
-      <dsp:txXfrm>
-        <a:off x="1042736" y="3387390"/>
-        <a:ext cx="2274087" cy="1102735"/>
-      </dsp:txXfrm>
-    </dsp:sp>
-    <dsp:sp modelId="{8A1366F2-BED0-4068-80B0-969252D71355}">
-      <dsp:nvSpPr>
-        <dsp:cNvPr id="0" name=""/>
-        <dsp:cNvSpPr/>
-      </dsp:nvSpPr>
-      <dsp:spPr>
-        <a:xfrm rot="18000000">
-          <a:off x="2536355" y="2057994"/>
-          <a:ext cx="1221869" cy="409973"/>
-        </a:xfrm>
-        <a:prstGeom prst="leftRightArrow">
-          <a:avLst>
-            <a:gd name="adj1" fmla="val 60000"/>
-            <a:gd name="adj2" fmla="val 50000"/>
-          </a:avLst>
-        </a:prstGeom>
-        <a:solidFill>
-          <a:schemeClr val="accent1">
-            <a:tint val="60000"/>
-            <a:hueOff val="0"/>
-            <a:satOff val="0"/>
-            <a:lumOff val="0"/>
-            <a:alphaOff val="0"/>
-          </a:schemeClr>
-        </a:solidFill>
-        <a:ln>
-          <a:noFill/>
-        </a:ln>
-        <a:effectLst/>
-      </dsp:spPr>
-      <dsp:style>
-        <a:lnRef idx="0">
-          <a:scrgbClr r="0" g="0" b="0"/>
-        </a:lnRef>
-        <a:fillRef idx="1">
-          <a:scrgbClr r="0" g="0" b="0"/>
-        </a:fillRef>
-        <a:effectRef idx="0">
-          <a:scrgbClr r="0" g="0" b="0"/>
-        </a:effectRef>
-        <a:fontRef idx="minor">
-          <a:schemeClr val="lt1"/>
-        </a:fontRef>
-      </dsp:style>
-      <dsp:txBody>
-        <a:bodyPr spcFirstLastPara="0" vert="horz" wrap="square" lIns="0" tIns="0" rIns="0" bIns="0" numCol="1" spcCol="1270" anchor="ctr" anchorCtr="0">
-          <a:noAutofit/>
-        </a:bodyPr>
-        <a:lstStyle/>
-        <a:p>
-          <a:pPr lvl="0" algn="ctr" defTabSz="755650">
-            <a:lnSpc>
-              <a:spcPct val="90000"/>
-            </a:lnSpc>
-            <a:spcBef>
-              <a:spcPct val="0"/>
-            </a:spcBef>
-            <a:spcAft>
-              <a:spcPct val="35000"/>
-            </a:spcAft>
-          </a:pPr>
-          <a:endParaRPr lang="en-US" sz="1700" kern="1200"/>
-        </a:p>
-      </dsp:txBody>
-      <dsp:txXfrm>
-        <a:off x="2659347" y="2139989"/>
-        <a:ext cx="975885" cy="245983"/>
-      </dsp:txXfrm>
-    </dsp:sp>
-  </dsp:spTree>
-</dsp:drawing>
-</file>
-
-<file path=ppt/diagrams/layout1.xml><?xml version="1.0" encoding="utf-8"?>
-<dgm:layoutDef xmlns:dgm="http://schemas.openxmlformats.org/drawingml/2006/diagram" xmlns:a="http://schemas.openxmlformats.org/drawingml/2006/main" uniqueId="urn:microsoft.com/office/officeart/2005/8/layout/cycle7">
-  <dgm:title val=""/>
-  <dgm:desc val=""/>
-  <dgm:catLst>
-    <dgm:cat type="cycle" pri="6000"/>
-  </dgm:catLst>
-  <dgm:sampData>
-    <dgm:dataModel>
-      <dgm:ptLst>
-        <dgm:pt modelId="0" type="doc"/>
-        <dgm:pt modelId="1">
-          <dgm:prSet phldr="1"/>
-        </dgm:pt>
-        <dgm:pt modelId="2">
-          <dgm:prSet phldr="1"/>
-        </dgm:pt>
-        <dgm:pt modelId="3">
-          <dgm:prSet phldr="1"/>
-        </dgm:pt>
-      </dgm:ptLst>
-      <dgm:cxnLst>
-        <dgm:cxn modelId="6" srcId="0" destId="1" srcOrd="0" destOrd="0"/>
-        <dgm:cxn modelId="7" srcId="0" destId="2" srcOrd="1" destOrd="0"/>
-        <dgm:cxn modelId="8" srcId="0" destId="3" srcOrd="2" destOrd="0"/>
-      </dgm:cxnLst>
-      <dgm:bg/>
-      <dgm:whole/>
-    </dgm:dataModel>
-  </dgm:sampData>
-  <dgm:styleData>
-    <dgm:dataModel>
-      <dgm:ptLst>
-        <dgm:pt modelId="0" type="doc"/>
-        <dgm:pt modelId="1"/>
-        <dgm:pt modelId="2"/>
-        <dgm:pt modelId="3"/>
-      </dgm:ptLst>
-      <dgm:cxnLst>
-        <dgm:cxn modelId="4" srcId="0" destId="1" srcOrd="0" destOrd="0"/>
-        <dgm:cxn modelId="5" srcId="0" destId="2" srcOrd="1" destOrd="0"/>
-        <dgm:cxn modelId="6" srcId="0" destId="3" srcOrd="2" destOrd="0"/>
-      </dgm:cxnLst>
-      <dgm:bg/>
-      <dgm:whole/>
-    </dgm:dataModel>
-  </dgm:styleData>
-  <dgm:clrData>
-    <dgm:dataModel>
-      <dgm:ptLst>
-        <dgm:pt modelId="0" type="doc"/>
-        <dgm:pt modelId="1"/>
-        <dgm:pt modelId="2"/>
-        <dgm:pt modelId="3"/>
-        <dgm:pt modelId="4"/>
-        <dgm:pt modelId="5"/>
-        <dgm:pt modelId="6"/>
-      </dgm:ptLst>
-      <dgm:cxnLst>
-        <dgm:cxn modelId="7" srcId="0" destId="1" srcOrd="0" destOrd="0"/>
-        <dgm:cxn modelId="8" srcId="0" destId="2" srcOrd="1" destOrd="0"/>
-        <dgm:cxn modelId="9" srcId="0" destId="3" srcOrd="2" destOrd="0"/>
-        <dgm:cxn modelId="10" srcId="0" destId="4" srcOrd="3" destOrd="0"/>
-        <dgm:cxn modelId="11" srcId="0" destId="5" srcOrd="4" destOrd="0"/>
-        <dgm:cxn modelId="12" srcId="0" destId="6" srcOrd="5" destOrd="0"/>
-      </dgm:cxnLst>
-      <dgm:bg/>
-      <dgm:whole/>
-    </dgm:dataModel>
-  </dgm:clrData>
-  <dgm:layoutNode name="Name0">
-    <dgm:varLst>
-      <dgm:dir/>
-      <dgm:resizeHandles val="exact"/>
-    </dgm:varLst>
-    <dgm:choose name="Name1">
-      <dgm:if name="Name2" func="var" arg="dir" op="equ" val="norm">
-        <dgm:alg type="cycle">
-          <dgm:param type="stAng" val="0"/>
-          <dgm:param type="spanAng" val="360"/>
-        </dgm:alg>
-      </dgm:if>
-      <dgm:else name="Name3">
-        <dgm:alg type="cycle">
-          <dgm:param type="stAng" val="0"/>
-          <dgm:param type="spanAng" val="-360"/>
-        </dgm:alg>
-      </dgm:else>
-    </dgm:choose>
-    <dgm:shape xmlns:r="http://schemas.openxmlformats.org/officeDocument/2006/relationships" r:blip="">
-      <dgm:adjLst/>
-    </dgm:shape>
-    <dgm:presOf/>
-    <dgm:constrLst>
-      <dgm:constr type="diam" refType="w"/>
-      <dgm:constr type="w" for="ch" ptType="node" refType="w"/>
-      <dgm:constr type="primFontSz" for="ch" ptType="node" op="equ" val="65"/>
-      <dgm:constr type="w" for="ch" forName="sibTrans" refType="w" refFor="ch" refPtType="node" op="equ" fact="0.35"/>
-      <dgm:constr type="connDist" for="ch" forName="sibTrans" op="equ"/>
-      <dgm:constr type="primFontSz" for="des" forName="connectorText" op="equ" val="55"/>
-      <dgm:constr type="primFontSz" for="des" forName="connectorText" refType="primFontSz" refFor="ch" refPtType="node" op="lte" fact="0.8"/>
-      <dgm:constr type="sibSp" refType="w" refFor="ch" refPtType="node" op="equ" fact="0.65"/>
-    </dgm:constrLst>
-    <dgm:ruleLst/>
-    <dgm:forEach name="nodesForEach" axis="ch" ptType="node">
-      <dgm:layoutNode name="node">
-        <dgm:varLst>
-          <dgm:bulletEnabled val="1"/>
-        </dgm:varLst>
-        <dgm:alg type="tx"/>
-        <dgm:shape xmlns:r="http://schemas.openxmlformats.org/officeDocument/2006/relationships" type="roundRect" r:blip="">
-          <dgm:adjLst>
-            <dgm:adj idx="1" val="0.1"/>
-          </dgm:adjLst>
-        </dgm:shape>
-        <dgm:presOf axis="desOrSelf" ptType="node"/>
-        <dgm:constrLst>
-          <dgm:constr type="h" refType="w" fact="0.5"/>
-          <dgm:constr type="tMarg" refType="primFontSz" fact="0.3"/>
-          <dgm:constr type="bMarg" refType="primFontSz" fact="0.3"/>
-          <dgm:constr type="lMarg" refType="primFontSz" fact="0.3"/>
-          <dgm:constr type="rMarg" refType="primFontSz" fact="0.3"/>
-        </dgm:constrLst>
-        <dgm:ruleLst>
-          <dgm:rule type="primFontSz" val="5" fact="NaN" max="NaN"/>
-        </dgm:ruleLst>
-      </dgm:layoutNode>
-      <dgm:choose name="Name4">
-        <dgm:if name="Name5" axis="par ch" ptType="doc node" func="cnt" op="gt" val="1">
-          <dgm:forEach name="sibTransForEach" axis="followSib" ptType="sibTrans" hideLastTrans="0" cnt="1">
-            <dgm:layoutNode name="sibTrans">
-              <dgm:choose name="Name6">
-                <dgm:if name="Name7" axis="par ch" ptType="doc node" func="posEven" op="equ" val="1">
-                  <dgm:alg type="conn">
-                    <dgm:param type="begPts" val="radial"/>
-                    <dgm:param type="endPts" val="radial"/>
-                    <dgm:param type="begSty" val="arr"/>
-                    <dgm:param type="endSty" val="arr"/>
-                  </dgm:alg>
-                </dgm:if>
-                <dgm:else name="Name8">
-                  <dgm:alg type="conn">
-                    <dgm:param type="begPts" val="auto"/>
-                    <dgm:param type="endPts" val="auto"/>
-                    <dgm:param type="begSty" val="arr"/>
-                    <dgm:param type="endSty" val="arr"/>
-                  </dgm:alg>
-                </dgm:else>
-              </dgm:choose>
-              <dgm:shape xmlns:r="http://schemas.openxmlformats.org/officeDocument/2006/relationships" type="conn" r:blip="">
-                <dgm:adjLst/>
-              </dgm:shape>
-              <dgm:presOf axis="self"/>
-              <dgm:constrLst>
-                <dgm:constr type="h" refType="w" fact="0.5"/>
-                <dgm:constr type="connDist"/>
-                <dgm:constr type="begPad" refType="connDist" fact="0.1"/>
-                <dgm:constr type="endPad" refType="connDist" fact="0.1"/>
-              </dgm:constrLst>
-              <dgm:ruleLst/>
-              <dgm:layoutNode name="connectorText">
-                <dgm:alg type="tx">
-                  <dgm:param type="autoTxRot" val="grav"/>
-                </dgm:alg>
-                <dgm:shape xmlns:r="http://schemas.openxmlformats.org/officeDocument/2006/relationships" type="conn" r:blip="" hideGeom="1">
-                  <dgm:adjLst/>
-                </dgm:shape>
-                <dgm:presOf axis="self"/>
-                <dgm:constrLst>
-                  <dgm:constr type="lMarg"/>
-                  <dgm:constr type="rMarg"/>
-                  <dgm:constr type="tMarg"/>
-                  <dgm:constr type="bMarg"/>
-                </dgm:constrLst>
-                <dgm:ruleLst>
-                  <dgm:rule type="primFontSz" val="5" fact="NaN" max="NaN"/>
-                </dgm:ruleLst>
-              </dgm:layoutNode>
-            </dgm:layoutNode>
-          </dgm:forEach>
-        </dgm:if>
-        <dgm:else name="Name9"/>
-      </dgm:choose>
-    </dgm:forEach>
-  </dgm:layoutNode>
-</dgm:layoutDef>
-</file>
-
-<file path=ppt/diagrams/quickStyle1.xml><?xml version="1.0" encoding="utf-8"?>
-<dgm:styleDef xmlns:dgm="http://schemas.openxmlformats.org/drawingml/2006/diagram" xmlns:a="http://schemas.openxmlformats.org/drawingml/2006/main" uniqueId="urn:microsoft.com/office/officeart/2005/8/quickstyle/simple1">
-  <dgm:title val=""/>
-  <dgm:desc val=""/>
-  <dgm:catLst>
-    <dgm:cat type="simple" pri="10100"/>
-  </dgm:catLst>
-  <dgm:scene3d>
-    <a:camera prst="orthographicFront"/>
-    <a:lightRig rig="threePt" dir="t"/>
-  </dgm:scene3d>
-  <dgm:styleLbl name="node0">
-    <dgm:scene3d>
-      <a:camera prst="orthographicFront"/>
-      <a:lightRig rig="threePt" dir="t"/>
-    </dgm:scene3d>
-    <dgm:sp3d/>
-    <dgm:txPr/>
-    <dgm:style>
-      <a:lnRef idx="2">
-        <a:scrgbClr r="0" g="0" b="0"/>
-      </a:lnRef>
-      <a:fillRef idx="1">
-        <a:scrgbClr r="0" g="0" b="0"/>
-      </a:fillRef>
-      <a:effectRef idx="0">
-        <a:scrgbClr r="0" g="0" b="0"/>
-      </a:effectRef>
-      <a:fontRef idx="minor">
-        <a:schemeClr val="lt1"/>
-      </a:fontRef>
-    </dgm:style>
-  </dgm:styleLbl>
-  <dgm:styleLbl name="lnNode1">
-    <dgm:scene3d>
-      <a:camera prst="orthographicFront"/>
-      <a:lightRig rig="threePt" dir="t"/>
-    </dgm:scene3d>
-    <dgm:sp3d/>
-    <dgm:txPr/>
-    <dgm:style>
-      <a:lnRef idx="2">
-        <a:scrgbClr r="0" g="0" b="0"/>
-      </a:lnRef>
-      <a:fillRef idx="1">
-        <a:scrgbClr r="0" g="0" b="0"/>
-      </a:fillRef>
-      <a:effectRef idx="0">
-        <a:scrgbClr r="0" g="0" b="0"/>
-      </a:effectRef>
-      <a:fontRef idx="minor">
-        <a:schemeClr val="lt1"/>
-      </a:fontRef>
-    </dgm:style>
-  </dgm:styleLbl>
-  <dgm:styleLbl name="vennNode1">
-    <dgm:scene3d>
-      <a:camera prst="orthographicFront"/>
-      <a:lightRig rig="threePt" dir="t"/>
-    </dgm:scene3d>
-    <dgm:sp3d/>
-    <dgm:txPr/>
-    <dgm:style>
-      <a:lnRef idx="2">
-        <a:scrgbClr r="0" g="0" b="0"/>
-      </a:lnRef>
-      <a:fillRef idx="1">
-        <a:scrgbClr r="0" g="0" b="0"/>
-      </a:fillRef>
-      <a:effectRef idx="0">
-        <a:scrgbClr r="0" g="0" b="0"/>
-      </a:effectRef>
-      <a:fontRef idx="minor">
-        <a:schemeClr val="tx1"/>
-      </a:fontRef>
-    </dgm:style>
-  </dgm:styleLbl>
-  <dgm:styleLbl name="alignNode1">
-    <dgm:scene3d>
-      <a:camera prst="orthographicFront"/>
-      <a:lightRig rig="threePt" dir="t"/>
-    </dgm:scene3d>
-    <dgm:sp3d/>
-    <dgm:txPr/>
-    <dgm:style>
-      <a:lnRef idx="2">
-        <a:scrgbClr r="0" g="0" b="0"/>
-      </a:lnRef>
-      <a:fillRef idx="1">
-        <a:scrgbClr r="0" g="0" b="0"/>
-      </a:fillRef>
-      <a:effectRef idx="0">
-        <a:scrgbClr r="0" g="0" b="0"/>
-      </a:effectRef>
-      <a:fontRef idx="minor">
-        <a:schemeClr val="lt1"/>
-      </a:fontRef>
-    </dgm:style>
-  </dgm:styleLbl>
-  <dgm:styleLbl name="node1">
-    <dgm:scene3d>
-      <a:camera prst="orthographicFront"/>
-      <a:lightRig rig="threePt" dir="t"/>
-    </dgm:scene3d>
-    <dgm:sp3d/>
-    <dgm:txPr/>
-    <dgm:style>
-      <a:lnRef idx="2">
-        <a:scrgbClr r="0" g="0" b="0"/>
-      </a:lnRef>
-      <a:fillRef idx="1">
-        <a:scrgbClr r="0" g="0" b="0"/>
-      </a:fillRef>
-      <a:effectRef idx="0">
-        <a:scrgbClr r="0" g="0" b="0"/>
-      </a:effectRef>
-      <a:fontRef idx="minor">
-        <a:schemeClr val="lt1"/>
-      </a:fontRef>
-    </dgm:style>
-  </dgm:styleLbl>
-  <dgm:styleLbl name="node2">
-    <dgm:scene3d>
-      <a:camera prst="orthographicFront"/>
-      <a:lightRig rig="threePt" dir="t"/>
-    </dgm:scene3d>
-    <dgm:sp3d/>
-    <dgm:txPr/>
-    <dgm:style>
-      <a:lnRef idx="2">
-        <a:scrgbClr r="0" g="0" b="0"/>
-      </a:lnRef>
-      <a:fillRef idx="1">
-        <a:scrgbClr r="0" g="0" b="0"/>
-      </a:fillRef>
-      <a:effectRef idx="0">
-        <a:scrgbClr r="0" g="0" b="0"/>
-      </a:effectRef>
-      <a:fontRef idx="minor">
-        <a:schemeClr val="lt1"/>
-      </a:fontRef>
-    </dgm:style>
-  </dgm:styleLbl>
-  <dgm:styleLbl name="node3">
-    <dgm:scene3d>
-      <a:camera prst="orthographicFront"/>
-      <a:lightRig rig="threePt" dir="t"/>
-    </dgm:scene3d>
-    <dgm:sp3d/>
-    <dgm:txPr/>
-    <dgm:style>
-      <a:lnRef idx="2">
-        <a:scrgbClr r="0" g="0" b="0"/>
-      </a:lnRef>
-      <a:fillRef idx="1">
-        <a:scrgbClr r="0" g="0" b="0"/>
-      </a:fillRef>
-      <a:effectRef idx="0">
-        <a:scrgbClr r="0" g="0" b="0"/>
-      </a:effectRef>
-      <a:fontRef idx="minor">
-        <a:schemeClr val="lt1"/>
-      </a:fontRef>
-    </dgm:style>
-  </dgm:styleLbl>
-  <dgm:styleLbl name="node4">
-    <dgm:scene3d>
-      <a:camera prst="orthographicFront"/>
-      <a:lightRig rig="threePt" dir="t"/>
-    </dgm:scene3d>
-    <dgm:sp3d/>
-    <dgm:txPr/>
-    <dgm:style>
-      <a:lnRef idx="2">
-        <a:scrgbClr r="0" g="0" b="0"/>
-      </a:lnRef>
-      <a:fillRef idx="1">
-        <a:scrgbClr r="0" g="0" b="0"/>
-      </a:fillRef>
-      <a:effectRef idx="0">
-        <a:scrgbClr r="0" g="0" b="0"/>
-      </a:effectRef>
-      <a:fontRef idx="minor">
-        <a:schemeClr val="lt1"/>
-      </a:fontRef>
-    </dgm:style>
-  </dgm:styleLbl>
-  <dgm:styleLbl name="fgImgPlace1">
-    <dgm:scene3d>
-      <a:camera prst="orthographicFront"/>
-      <a:lightRig rig="threePt" dir="t"/>
-    </dgm:scene3d>
-    <dgm:sp3d/>
-    <dgm:txPr/>
-    <dgm:style>
-      <a:lnRef idx="2">
-        <a:scrgbClr r="0" g="0" b="0"/>
-      </a:lnRef>
-      <a:fillRef idx="1">
-        <a:scrgbClr r="0" g="0" b="0"/>
-      </a:fillRef>
-      <a:effectRef idx="0">
-        <a:scrgbClr r="0" g="0" b="0"/>
-      </a:effectRef>
-      <a:fontRef idx="minor"/>
-    </dgm:style>
-  </dgm:styleLbl>
-  <dgm:styleLbl name="alignImgPlace1">
-    <dgm:scene3d>
-      <a:camera prst="orthographicFront"/>
-      <a:lightRig rig="threePt" dir="t"/>
-    </dgm:scene3d>
-    <dgm:sp3d/>
-    <dgm:txPr/>
-    <dgm:style>
-      <a:lnRef idx="2">
-        <a:scrgbClr r="0" g="0" b="0"/>
-      </a:lnRef>
-      <a:fillRef idx="1">
-        <a:scrgbClr r="0" g="0" b="0"/>
-      </a:fillRef>
-      <a:effectRef idx="0">
-        <a:scrgbClr r="0" g="0" b="0"/>
-      </a:effectRef>
-      <a:fontRef idx="minor"/>
-    </dgm:style>
-  </dgm:styleLbl>
-  <dgm:styleLbl name="bgImgPlace1">
-    <dgm:scene3d>
-      <a:camera prst="orthographicFront"/>
-      <a:lightRig rig="threePt" dir="t"/>
-    </dgm:scene3d>
-    <dgm:sp3d/>
-    <dgm:txPr/>
-    <dgm:style>
-      <a:lnRef idx="2">
-        <a:scrgbClr r="0" g="0" b="0"/>
-      </a:lnRef>
-      <a:fillRef idx="1">
-        <a:scrgbClr r="0" g="0" b="0"/>
-      </a:fillRef>
-      <a:effectRef idx="0">
-        <a:scrgbClr r="0" g="0" b="0"/>
-      </a:effectRef>
-      <a:fontRef idx="minor"/>
-    </dgm:style>
-  </dgm:styleLbl>
-  <dgm:styleLbl name="sibTrans2D1">
-    <dgm:scene3d>
-      <a:camera prst="orthographicFront"/>
-      <a:lightRig rig="threePt" dir="t"/>
-    </dgm:scene3d>
-    <dgm:sp3d/>
-    <dgm:txPr/>
-    <dgm:style>
-      <a:lnRef idx="0">
-        <a:scrgbClr r="0" g="0" b="0"/>
-      </a:lnRef>
-      <a:fillRef idx="1">
-        <a:scrgbClr r="0" g="0" b="0"/>
-      </a:fillRef>
-      <a:effectRef idx="0">
-        <a:scrgbClr r="0" g="0" b="0"/>
-      </a:effectRef>
-      <a:fontRef idx="minor">
-        <a:schemeClr val="lt1"/>
-      </a:fontRef>
-    </dgm:style>
-  </dgm:styleLbl>
-  <dgm:styleLbl name="fgSibTrans2D1">
-    <dgm:scene3d>
-      <a:camera prst="orthographicFront"/>
-      <a:lightRig rig="threePt" dir="t"/>
-    </dgm:scene3d>
-    <dgm:sp3d/>
-    <dgm:txPr/>
-    <dgm:style>
-      <a:lnRef idx="0">
-        <a:scrgbClr r="0" g="0" b="0"/>
-      </a:lnRef>
-      <a:fillRef idx="1">
-        <a:scrgbClr r="0" g="0" b="0"/>
-      </a:fillRef>
-      <a:effectRef idx="0">
-        <a:scrgbClr r="0" g="0" b="0"/>
-      </a:effectRef>
-      <a:fontRef idx="minor">
-        <a:schemeClr val="lt1"/>
-      </a:fontRef>
-    </dgm:style>
-  </dgm:styleLbl>
-  <dgm:styleLbl name="bgSibTrans2D1">
-    <dgm:scene3d>
-      <a:camera prst="orthographicFront"/>
-      <a:lightRig rig="threePt" dir="t"/>
-    </dgm:scene3d>
-    <dgm:sp3d/>
-    <dgm:txPr/>
-    <dgm:style>
-      <a:lnRef idx="0">
-        <a:scrgbClr r="0" g="0" b="0"/>
-      </a:lnRef>
-      <a:fillRef idx="1">
-        <a:scrgbClr r="0" g="0" b="0"/>
-      </a:fillRef>
-      <a:effectRef idx="0">
-        <a:scrgbClr r="0" g="0" b="0"/>
-      </a:effectRef>
-      <a:fontRef idx="minor">
-        <a:schemeClr val="lt1"/>
-      </a:fontRef>
-    </dgm:style>
-  </dgm:styleLbl>
-  <dgm:styleLbl name="sibTrans1D1">
-    <dgm:scene3d>
-      <a:camera prst="orthographicFront"/>
-      <a:lightRig rig="threePt" dir="t"/>
-    </dgm:scene3d>
-    <dgm:sp3d/>
-    <dgm:txPr/>
-    <dgm:style>
-      <a:lnRef idx="1">
-        <a:scrgbClr r="0" g="0" b="0"/>
-      </a:lnRef>
-      <a:fillRef idx="0">
-        <a:scrgbClr r="0" g="0" b="0"/>
-      </a:fillRef>
-      <a:effectRef idx="0">
-        <a:scrgbClr r="0" g="0" b="0"/>
-      </a:effectRef>
-      <a:fontRef idx="minor"/>
-    </dgm:style>
-  </dgm:styleLbl>
-  <dgm:styleLbl name="callout">
-    <dgm:scene3d>
-      <a:camera prst="orthographicFront"/>
-      <a:lightRig rig="threePt" dir="t"/>
-    </dgm:scene3d>
-    <dgm:sp3d/>
-    <dgm:txPr/>
-    <dgm:style>
-      <a:lnRef idx="2">
-        <a:scrgbClr r="0" g="0" b="0"/>
-      </a:lnRef>
-      <a:fillRef idx="1">
-        <a:scrgbClr r="0" g="0" b="0"/>
-      </a:fillRef>
-      <a:effectRef idx="0">
-        <a:scrgbClr r="0" g="0" b="0"/>
-      </a:effectRef>
-      <a:fontRef idx="minor"/>
-    </dgm:style>
-  </dgm:styleLbl>
-  <dgm:styleLbl name="asst0">
-    <dgm:scene3d>
-      <a:camera prst="orthographicFront"/>
-      <a:lightRig rig="threePt" dir="t"/>
-    </dgm:scene3d>
-    <dgm:sp3d/>
-    <dgm:txPr/>
-    <dgm:style>
-      <a:lnRef idx="2">
-        <a:scrgbClr r="0" g="0" b="0"/>
-      </a:lnRef>
-      <a:fillRef idx="1">
-        <a:scrgbClr r="0" g="0" b="0"/>
-      </a:fillRef>
-      <a:effectRef idx="0">
-        <a:scrgbClr r="0" g="0" b="0"/>
-      </a:effectRef>
-      <a:fontRef idx="minor">
-        <a:schemeClr val="lt1"/>
-      </a:fontRef>
-    </dgm:style>
-  </dgm:styleLbl>
-  <dgm:styleLbl name="asst1">
-    <dgm:scene3d>
-      <a:camera prst="orthographicFront"/>
-      <a:lightRig rig="threePt" dir="t"/>
-    </dgm:scene3d>
-    <dgm:sp3d/>
-    <dgm:txPr/>
-    <dgm:style>
-      <a:lnRef idx="2">
-        <a:scrgbClr r="0" g="0" b="0"/>
-      </a:lnRef>
-      <a:fillRef idx="1">
-        <a:scrgbClr r="0" g="0" b="0"/>
-      </a:fillRef>
-      <a:effectRef idx="0">
-        <a:scrgbClr r="0" g="0" b="0"/>
-      </a:effectRef>
-      <a:fontRef idx="minor">
-        <a:schemeClr val="lt1"/>
-      </a:fontRef>
-    </dgm:style>
-  </dgm:styleLbl>
-  <dgm:styleLbl name="asst2">
-    <dgm:scene3d>
-      <a:camera prst="orthographicFront"/>
-      <a:lightRig rig="threePt" dir="t"/>
-    </dgm:scene3d>
-    <dgm:sp3d/>
-    <dgm:txPr/>
-    <dgm:style>
-      <a:lnRef idx="2">
-        <a:scrgbClr r="0" g="0" b="0"/>
-      </a:lnRef>
-      <a:fillRef idx="1">
-        <a:scrgbClr r="0" g="0" b="0"/>
-      </a:fillRef>
-      <a:effectRef idx="0">
-        <a:scrgbClr r="0" g="0" b="0"/>
-      </a:effectRef>
-      <a:fontRef idx="minor">
-        <a:schemeClr val="lt1"/>
-      </a:fontRef>
-    </dgm:style>
-  </dgm:styleLbl>
-  <dgm:styleLbl name="asst3">
-    <dgm:scene3d>
-      <a:camera prst="orthographicFront"/>
-      <a:lightRig rig="threePt" dir="t"/>
-    </dgm:scene3d>
-    <dgm:sp3d/>
-    <dgm:txPr/>
-    <dgm:style>
-      <a:lnRef idx="2">
-        <a:scrgbClr r="0" g="0" b="0"/>
-      </a:lnRef>
-      <a:fillRef idx="1">
-        <a:scrgbClr r="0" g="0" b="0"/>
-      </a:fillRef>
-      <a:effectRef idx="0">
-        <a:scrgbClr r="0" g="0" b="0"/>
-      </a:effectRef>
-      <a:fontRef idx="minor">
-        <a:schemeClr val="lt1"/>
-      </a:fontRef>
-    </dgm:style>
-  </dgm:styleLbl>
-  <dgm:styleLbl name="asst4">
-    <dgm:scene3d>
-      <a:camera prst="orthographicFront"/>
-      <a:lightRig rig="threePt" dir="t"/>
-    </dgm:scene3d>
-    <dgm:sp3d/>
-    <dgm:txPr/>
-    <dgm:style>
-      <a:lnRef idx="2">
-        <a:scrgbClr r="0" g="0" b="0"/>
-      </a:lnRef>
-      <a:fillRef idx="1">
-        <a:scrgbClr r="0" g="0" b="0"/>
-      </a:fillRef>
-      <a:effectRef idx="0">
-        <a:scrgbClr r="0" g="0" b="0"/>
-      </a:effectRef>
-      <a:fontRef idx="minor">
-        <a:schemeClr val="lt1"/>
-      </a:fontRef>
-    </dgm:style>
-  </dgm:styleLbl>
-  <dgm:styleLbl name="parChTrans2D1">
-    <dgm:scene3d>
-      <a:camera prst="orthographicFront"/>
-      <a:lightRig rig="threePt" dir="t"/>
-    </dgm:scene3d>
-    <dgm:sp3d/>
-    <dgm:txPr/>
-    <dgm:style>
-      <a:lnRef idx="2">
-        <a:scrgbClr r="0" g="0" b="0"/>
-      </a:lnRef>
-      <a:fillRef idx="1">
-        <a:scrgbClr r="0" g="0" b="0"/>
-      </a:fillRef>
-      <a:effectRef idx="0">
-        <a:scrgbClr r="0" g="0" b="0"/>
-      </a:effectRef>
-      <a:fontRef idx="minor">
-        <a:schemeClr val="lt1"/>
-      </a:fontRef>
-    </dgm:style>
-  </dgm:styleLbl>
-  <dgm:styleLbl name="parChTrans2D2">
-    <dgm:scene3d>
-      <a:camera prst="orthographicFront"/>
-      <a:lightRig rig="threePt" dir="t"/>
-    </dgm:scene3d>
-    <dgm:sp3d/>
-    <dgm:txPr/>
-    <dgm:style>
-      <a:lnRef idx="2">
-        <a:scrgbClr r="0" g="0" b="0"/>
-      </a:lnRef>
-      <a:fillRef idx="1">
-        <a:scrgbClr r="0" g="0" b="0"/>
-      </a:fillRef>
-      <a:effectRef idx="0">
-        <a:scrgbClr r="0" g="0" b="0"/>
-      </a:effectRef>
-      <a:fontRef idx="minor">
-        <a:schemeClr val="lt1"/>
-      </a:fontRef>
-    </dgm:style>
-  </dgm:styleLbl>
-  <dgm:styleLbl name="parChTrans2D3">
-    <dgm:scene3d>
-      <a:camera prst="orthographicFront"/>
-      <a:lightRig rig="threePt" dir="t"/>
-    </dgm:scene3d>
-    <dgm:sp3d/>
-    <dgm:txPr/>
-    <dgm:style>
-      <a:lnRef idx="2">
-        <a:scrgbClr r="0" g="0" b="0"/>
-      </a:lnRef>
-      <a:fillRef idx="1">
-        <a:scrgbClr r="0" g="0" b="0"/>
-      </a:fillRef>
-      <a:effectRef idx="0">
-        <a:scrgbClr r="0" g="0" b="0"/>
-      </a:effectRef>
-      <a:fontRef idx="minor">
-        <a:schemeClr val="lt1"/>
-      </a:fontRef>
-    </dgm:style>
-  </dgm:styleLbl>
-  <dgm:styleLbl name="parChTrans2D4">
-    <dgm:scene3d>
-      <a:camera prst="orthographicFront"/>
-      <a:lightRig rig="threePt" dir="t"/>
-    </dgm:scene3d>
-    <dgm:sp3d/>
-    <dgm:txPr/>
-    <dgm:style>
-      <a:lnRef idx="2">
-        <a:scrgbClr r="0" g="0" b="0"/>
-      </a:lnRef>
-      <a:fillRef idx="1">
-        <a:scrgbClr r="0" g="0" b="0"/>
-      </a:fillRef>
-      <a:effectRef idx="0">
-        <a:scrgbClr r="0" g="0" b="0"/>
-      </a:effectRef>
-      <a:fontRef idx="minor">
-        <a:schemeClr val="lt1"/>
-      </a:fontRef>
-    </dgm:style>
-  </dgm:styleLbl>
-  <dgm:styleLbl name="parChTrans1D1">
-    <dgm:scene3d>
-      <a:camera prst="orthographicFront"/>
-      <a:lightRig rig="threePt" dir="t"/>
-    </dgm:scene3d>
-    <dgm:sp3d/>
-    <dgm:txPr/>
-    <dgm:style>
-      <a:lnRef idx="2">
-        <a:scrgbClr r="0" g="0" b="0"/>
-      </a:lnRef>
-      <a:fillRef idx="0">
-        <a:scrgbClr r="0" g="0" b="0"/>
-      </a:fillRef>
-      <a:effectRef idx="0">
-        <a:scrgbClr r="0" g="0" b="0"/>
-      </a:effectRef>
-      <a:fontRef idx="minor"/>
-    </dgm:style>
-  </dgm:styleLbl>
-  <dgm:styleLbl name="parChTrans1D2">
-    <dgm:scene3d>
-      <a:camera prst="orthographicFront"/>
-      <a:lightRig rig="threePt" dir="t"/>
-    </dgm:scene3d>
-    <dgm:sp3d/>
-    <dgm:txPr/>
-    <dgm:style>
-      <a:lnRef idx="2">
-        <a:scrgbClr r="0" g="0" b="0"/>
-      </a:lnRef>
-      <a:fillRef idx="0">
-        <a:scrgbClr r="0" g="0" b="0"/>
-      </a:fillRef>
-      <a:effectRef idx="0">
-        <a:scrgbClr r="0" g="0" b="0"/>
-      </a:effectRef>
-      <a:fontRef idx="minor"/>
-    </dgm:style>
-  </dgm:styleLbl>
-  <dgm:styleLbl name="parChTrans1D3">
-    <dgm:scene3d>
-      <a:camera prst="orthographicFront"/>
-      <a:lightRig rig="threePt" dir="t"/>
-    </dgm:scene3d>
-    <dgm:sp3d/>
-    <dgm:txPr/>
-    <dgm:style>
-      <a:lnRef idx="2">
-        <a:scrgbClr r="0" g="0" b="0"/>
-      </a:lnRef>
-      <a:fillRef idx="0">
-        <a:scrgbClr r="0" g="0" b="0"/>
-      </a:fillRef>
-      <a:effectRef idx="0">
-        <a:scrgbClr r="0" g="0" b="0"/>
-      </a:effectRef>
-      <a:fontRef idx="minor"/>
-    </dgm:style>
-  </dgm:styleLbl>
-  <dgm:styleLbl name="parChTrans1D4">
-    <dgm:scene3d>
-      <a:camera prst="orthographicFront"/>
-      <a:lightRig rig="threePt" dir="t"/>
-    </dgm:scene3d>
-    <dgm:sp3d/>
-    <dgm:txPr/>
-    <dgm:style>
-      <a:lnRef idx="2">
-        <a:scrgbClr r="0" g="0" b="0"/>
-      </a:lnRef>
-      <a:fillRef idx="0">
-        <a:scrgbClr r="0" g="0" b="0"/>
-      </a:fillRef>
-      <a:effectRef idx="0">
-        <a:scrgbClr r="0" g="0" b="0"/>
-      </a:effectRef>
-      <a:fontRef idx="minor"/>
-    </dgm:style>
-  </dgm:styleLbl>
-  <dgm:styleLbl name="fgAcc1">
-    <dgm:scene3d>
-      <a:camera prst="orthographicFront"/>
-      <a:lightRig rig="threePt" dir="t"/>
-    </dgm:scene3d>
-    <dgm:sp3d/>
-    <dgm:txPr/>
-    <dgm:style>
-      <a:lnRef idx="2">
-        <a:scrgbClr r="0" g="0" b="0"/>
-      </a:lnRef>
-      <a:fillRef idx="1">
-        <a:scrgbClr r="0" g="0" b="0"/>
-      </a:fillRef>
-      <a:effectRef idx="0">
-        <a:scrgbClr r="0" g="0" b="0"/>
-      </a:effectRef>
-      <a:fontRef idx="minor"/>
-    </dgm:style>
-  </dgm:styleLbl>
-  <dgm:styleLbl name="conFgAcc1">
-    <dgm:scene3d>
-      <a:camera prst="orthographicFront"/>
-      <a:lightRig rig="threePt" dir="t"/>
-    </dgm:scene3d>
-    <dgm:sp3d/>
-    <dgm:txPr/>
-    <dgm:style>
-      <a:lnRef idx="2">
-        <a:scrgbClr r="0" g="0" b="0"/>
-      </a:lnRef>
-      <a:fillRef idx="1">
-        <a:scrgbClr r="0" g="0" b="0"/>
-      </a:fillRef>
-      <a:effectRef idx="0">
-        <a:scrgbClr r="0" g="0" b="0"/>
-      </a:effectRef>
-      <a:fontRef idx="minor"/>
-    </dgm:style>
-  </dgm:styleLbl>
-  <dgm:styleLbl name="alignAcc1">
-    <dgm:scene3d>
-      <a:camera prst="orthographicFront"/>
-      <a:lightRig rig="threePt" dir="t"/>
-    </dgm:scene3d>
-    <dgm:sp3d/>
-    <dgm:txPr/>
-    <dgm:style>
-      <a:lnRef idx="2">
-        <a:scrgbClr r="0" g="0" b="0"/>
-      </a:lnRef>
-      <a:fillRef idx="1">
-        <a:scrgbClr r="0" g="0" b="0"/>
-      </a:fillRef>
-      <a:effectRef idx="0">
-        <a:scrgbClr r="0" g="0" b="0"/>
-      </a:effectRef>
-      <a:fontRef idx="minor"/>
-    </dgm:style>
-  </dgm:styleLbl>
-  <dgm:styleLbl name="trAlignAcc1">
-    <dgm:scene3d>
-      <a:camera prst="orthographicFront"/>
-      <a:lightRig rig="threePt" dir="t"/>
-    </dgm:scene3d>
-    <dgm:sp3d/>
-    <dgm:txPr/>
-    <dgm:style>
-      <a:lnRef idx="1">
-        <a:scrgbClr r="0" g="0" b="0"/>
-      </a:lnRef>
-      <a:fillRef idx="1">
-        <a:scrgbClr r="0" g="0" b="0"/>
-      </a:fillRef>
-      <a:effectRef idx="0">
-        <a:scrgbClr r="0" g="0" b="0"/>
-      </a:effectRef>
-      <a:fontRef idx="minor"/>
-    </dgm:style>
-  </dgm:styleLbl>
-  <dgm:styleLbl name="bgAcc1">
-    <dgm:scene3d>
-      <a:camera prst="orthographicFront"/>
-      <a:lightRig rig="threePt" dir="t"/>
-    </dgm:scene3d>
-    <dgm:sp3d/>
-    <dgm:txPr/>
-    <dgm:style>
-      <a:lnRef idx="2">
-        <a:scrgbClr r="0" g="0" b="0"/>
-      </a:lnRef>
-      <a:fillRef idx="1">
-        <a:scrgbClr r="0" g="0" b="0"/>
-      </a:fillRef>
-      <a:effectRef idx="0">
-        <a:scrgbClr r="0" g="0" b="0"/>
-      </a:effectRef>
-      <a:fontRef idx="minor"/>
-    </dgm:style>
-  </dgm:styleLbl>
-  <dgm:styleLbl name="solidFgAcc1">
-    <dgm:scene3d>
-      <a:camera prst="orthographicFront"/>
-      <a:lightRig rig="threePt" dir="t"/>
-    </dgm:scene3d>
-    <dgm:sp3d/>
-    <dgm:txPr/>
-    <dgm:style>
-      <a:lnRef idx="2">
-        <a:scrgbClr r="0" g="0" b="0"/>
-      </a:lnRef>
-      <a:fillRef idx="1">
-        <a:scrgbClr r="0" g="0" b="0"/>
-      </a:fillRef>
-      <a:effectRef idx="0">
-        <a:scrgbClr r="0" g="0" b="0"/>
-      </a:effectRef>
-      <a:fontRef idx="minor"/>
-    </dgm:style>
-  </dgm:styleLbl>
-  <dgm:styleLbl name="solidAlignAcc1">
-    <dgm:scene3d>
-      <a:camera prst="orthographicFront"/>
-      <a:lightRig rig="threePt" dir="t"/>
-    </dgm:scene3d>
-    <dgm:sp3d/>
-    <dgm:txPr/>
-    <dgm:style>
-      <a:lnRef idx="2">
-        <a:scrgbClr r="0" g="0" b="0"/>
-      </a:lnRef>
-      <a:fillRef idx="1">
-        <a:scrgbClr r="0" g="0" b="0"/>
-      </a:fillRef>
-      <a:effectRef idx="0">
-        <a:scrgbClr r="0" g="0" b="0"/>
-      </a:effectRef>
-      <a:fontRef idx="minor"/>
-    </dgm:style>
-  </dgm:styleLbl>
-  <dgm:styleLbl name="solidBgAcc1">
-    <dgm:scene3d>
-      <a:camera prst="orthographicFront"/>
-      <a:lightRig rig="threePt" dir="t"/>
-    </dgm:scene3d>
-    <dgm:sp3d/>
-    <dgm:txPr/>
-    <dgm:style>
-      <a:lnRef idx="2">
-        <a:scrgbClr r="0" g="0" b="0"/>
-      </a:lnRef>
-      <a:fillRef idx="1">
-        <a:scrgbClr r="0" g="0" b="0"/>
-      </a:fillRef>
-      <a:effectRef idx="0">
-        <a:scrgbClr r="0" g="0" b="0"/>
-      </a:effectRef>
-      <a:fontRef idx="minor"/>
-    </dgm:style>
-  </dgm:styleLbl>
-  <dgm:styleLbl name="fgAccFollowNode1">
-    <dgm:scene3d>
-      <a:camera prst="orthographicFront"/>
-      <a:lightRig rig="threePt" dir="t"/>
-    </dgm:scene3d>
-    <dgm:sp3d/>
-    <dgm:txPr/>
-    <dgm:style>
-      <a:lnRef idx="2">
-        <a:scrgbClr r="0" g="0" b="0"/>
-      </a:lnRef>
-      <a:fillRef idx="1">
-        <a:scrgbClr r="0" g="0" b="0"/>
-      </a:fillRef>
-      <a:effectRef idx="0">
-        <a:scrgbClr r="0" g="0" b="0"/>
-      </a:effectRef>
-      <a:fontRef idx="minor"/>
-    </dgm:style>
-  </dgm:styleLbl>
-  <dgm:styleLbl name="alignAccFollowNode1">
-    <dgm:scene3d>
-      <a:camera prst="orthographicFront"/>
-      <a:lightRig rig="threePt" dir="t"/>
-    </dgm:scene3d>
-    <dgm:sp3d/>
-    <dgm:txPr/>
-    <dgm:style>
-      <a:lnRef idx="2">
-        <a:scrgbClr r="0" g="0" b="0"/>
-      </a:lnRef>
-      <a:fillRef idx="1">
-        <a:scrgbClr r="0" g="0" b="0"/>
-      </a:fillRef>
-      <a:effectRef idx="0">
-        <a:scrgbClr r="0" g="0" b="0"/>
-      </a:effectRef>
-      <a:fontRef idx="minor"/>
-    </dgm:style>
-  </dgm:styleLbl>
-  <dgm:styleLbl name="bgAccFollowNode1">
-    <dgm:scene3d>
-      <a:camera prst="orthographicFront"/>
-      <a:lightRig rig="threePt" dir="t"/>
-    </dgm:scene3d>
-    <dgm:sp3d/>
-    <dgm:txPr/>
-    <dgm:style>
-      <a:lnRef idx="2">
-        <a:scrgbClr r="0" g="0" b="0"/>
-      </a:lnRef>
-      <a:fillRef idx="1">
-        <a:scrgbClr r="0" g="0" b="0"/>
-      </a:fillRef>
-      <a:effectRef idx="0">
-        <a:scrgbClr r="0" g="0" b="0"/>
-      </a:effectRef>
-      <a:fontRef idx="minor"/>
-    </dgm:style>
-  </dgm:styleLbl>
-  <dgm:styleLbl name="fgAcc0">
-    <dgm:scene3d>
-      <a:camera prst="orthographicFront"/>
-      <a:lightRig rig="threePt" dir="t"/>
-    </dgm:scene3d>
-    <dgm:sp3d/>
-    <dgm:txPr/>
-    <dgm:style>
-      <a:lnRef idx="2">
-        <a:scrgbClr r="0" g="0" b="0"/>
-      </a:lnRef>
-      <a:fillRef idx="1">
-        <a:scrgbClr r="0" g="0" b="0"/>
-      </a:fillRef>
-      <a:effectRef idx="0">
-        <a:scrgbClr r="0" g="0" b="0"/>
-      </a:effectRef>
-      <a:fontRef idx="minor"/>
-    </dgm:style>
-  </dgm:styleLbl>
-  <dgm:styleLbl name="fgAcc2">
-    <dgm:scene3d>
-      <a:camera prst="orthographicFront"/>
-      <a:lightRig rig="threePt" dir="t"/>
-    </dgm:scene3d>
-    <dgm:sp3d/>
-    <dgm:txPr/>
-    <dgm:style>
-      <a:lnRef idx="2">
-        <a:scrgbClr r="0" g="0" b="0"/>
-      </a:lnRef>
-      <a:fillRef idx="1">
-        <a:scrgbClr r="0" g="0" b="0"/>
-      </a:fillRef>
-      <a:effectRef idx="0">
-        <a:scrgbClr r="0" g="0" b="0"/>
-      </a:effectRef>
-      <a:fontRef idx="minor"/>
-    </dgm:style>
-  </dgm:styleLbl>
-  <dgm:styleLbl name="fgAcc3">
-    <dgm:scene3d>
-      <a:camera prst="orthographicFront"/>
-      <a:lightRig rig="threePt" dir="t"/>
-    </dgm:scene3d>
-    <dgm:sp3d/>
-    <dgm:txPr/>
-    <dgm:style>
-      <a:lnRef idx="2">
-        <a:scrgbClr r="0" g="0" b="0"/>
-      </a:lnRef>
-      <a:fillRef idx="1">
-        <a:scrgbClr r="0" g="0" b="0"/>
-      </a:fillRef>
-      <a:effectRef idx="0">
-        <a:scrgbClr r="0" g="0" b="0"/>
-      </a:effectRef>
-      <a:fontRef idx="minor"/>
-    </dgm:style>
-  </dgm:styleLbl>
-  <dgm:styleLbl name="fgAcc4">
-    <dgm:scene3d>
-      <a:camera prst="orthographicFront"/>
-      <a:lightRig rig="threePt" dir="t"/>
-    </dgm:scene3d>
-    <dgm:sp3d/>
-    <dgm:txPr/>
-    <dgm:style>
-      <a:lnRef idx="2">
-        <a:scrgbClr r="0" g="0" b="0"/>
-      </a:lnRef>
-      <a:fillRef idx="1">
-        <a:scrgbClr r="0" g="0" b="0"/>
-      </a:fillRef>
-      <a:effectRef idx="0">
-        <a:scrgbClr r="0" g="0" b="0"/>
-      </a:effectRef>
-      <a:fontRef idx="minor"/>
-    </dgm:style>
-  </dgm:styleLbl>
-  <dgm:styleLbl name="bgShp">
-    <dgm:scene3d>
-      <a:camera prst="orthographicFront"/>
-      <a:lightRig rig="threePt" dir="t"/>
-    </dgm:scene3d>
-    <dgm:sp3d/>
-    <dgm:txPr/>
-    <dgm:style>
-      <a:lnRef idx="0">
-        <a:scrgbClr r="0" g="0" b="0"/>
-      </a:lnRef>
-      <a:fillRef idx="1">
-        <a:scrgbClr r="0" g="0" b="0"/>
-      </a:fillRef>
-      <a:effectRef idx="0">
-        <a:scrgbClr r="0" g="0" b="0"/>
-      </a:effectRef>
-      <a:fontRef idx="minor"/>
-    </dgm:style>
-  </dgm:styleLbl>
-  <dgm:styleLbl name="dkBgShp">
-    <dgm:scene3d>
-      <a:camera prst="orthographicFront"/>
-      <a:lightRig rig="threePt" dir="t"/>
-    </dgm:scene3d>
-    <dgm:sp3d/>
-    <dgm:txPr/>
-    <dgm:style>
-      <a:lnRef idx="0">
-        <a:scrgbClr r="0" g="0" b="0"/>
-      </a:lnRef>
-      <a:fillRef idx="1">
-        <a:scrgbClr r="0" g="0" b="0"/>
-      </a:fillRef>
-      <a:effectRef idx="0">
-        <a:scrgbClr r="0" g="0" b="0"/>
-      </a:effectRef>
-      <a:fontRef idx="minor"/>
-    </dgm:style>
-  </dgm:styleLbl>
-  <dgm:styleLbl name="trBgShp">
-    <dgm:scene3d>
-      <a:camera prst="orthographicFront"/>
-      <a:lightRig rig="threePt" dir="t"/>
-    </dgm:scene3d>
-    <dgm:sp3d/>
-    <dgm:txPr/>
-    <dgm:style>
-      <a:lnRef idx="0">
-        <a:scrgbClr r="0" g="0" b="0"/>
-      </a:lnRef>
-      <a:fillRef idx="1">
-        <a:scrgbClr r="0" g="0" b="0"/>
-      </a:fillRef>
-      <a:effectRef idx="0">
-        <a:scrgbClr r="0" g="0" b="0"/>
-      </a:effectRef>
-      <a:fontRef idx="minor"/>
-    </dgm:style>
-  </dgm:styleLbl>
-  <dgm:styleLbl name="fgShp">
-    <dgm:scene3d>
-      <a:camera prst="orthographicFront"/>
-      <a:lightRig rig="threePt" dir="t"/>
-    </dgm:scene3d>
-    <dgm:sp3d/>
-    <dgm:txPr/>
-    <dgm:style>
-      <a:lnRef idx="2">
-        <a:scrgbClr r="0" g="0" b="0"/>
-      </a:lnRef>
-      <a:fillRef idx="1">
-        <a:scrgbClr r="0" g="0" b="0"/>
-      </a:fillRef>
-      <a:effectRef idx="0">
-        <a:scrgbClr r="0" g="0" b="0"/>
-      </a:effectRef>
-      <a:fontRef idx="minor"/>
-    </dgm:style>
-  </dgm:styleLbl>
-  <dgm:styleLbl name="revTx">
-    <dgm:scene3d>
-      <a:camera prst="orthographicFront"/>
-      <a:lightRig rig="threePt" dir="t"/>
-    </dgm:scene3d>
-    <dgm:sp3d/>
-    <dgm:txPr/>
-    <dgm:style>
-      <a:lnRef idx="0">
-        <a:scrgbClr r="0" g="0" b="0"/>
-      </a:lnRef>
-      <a:fillRef idx="0">
-        <a:scrgbClr r="0" g="0" b="0"/>
-      </a:fillRef>
-      <a:effectRef idx="0">
-        <a:scrgbClr r="0" g="0" b="0"/>
-      </a:effectRef>
-      <a:fontRef idx="minor"/>
-    </dgm:style>
-  </dgm:styleLbl>
-</dgm:styleDef>
-</file>
-
 <file path=ppt/slideLayouts/slideLayout1.xml><?xml version="1.0" encoding="utf-8"?>
 <p:sldLayout xmlns:a="http://schemas.openxmlformats.org/drawingml/2006/main" xmlns:r="http://schemas.openxmlformats.org/officeDocument/2006/relationships" xmlns:p="http://schemas.openxmlformats.org/presentationml/2006/main" type="title" preserve="1">
   <p:cSld name="Title Slide">
@@ -3005,7 +303,7 @@
           <a:p>
             <a:fld id="{B06573E4-03D4-4EBC-99A5-6667D03022A7}" type="datetimeFigureOut">
               <a:rPr lang="en-US" smtClean="0"/>
-              <a:t>5/29/2012</a:t>
+              <a:t>6/2/2012</a:t>
             </a:fld>
             <a:endParaRPr lang="en-US"/>
           </a:p>
@@ -3175,7 +473,7 @@
           <a:p>
             <a:fld id="{B06573E4-03D4-4EBC-99A5-6667D03022A7}" type="datetimeFigureOut">
               <a:rPr lang="en-US" smtClean="0"/>
-              <a:t>5/29/2012</a:t>
+              <a:t>6/2/2012</a:t>
             </a:fld>
             <a:endParaRPr lang="en-US"/>
           </a:p>
@@ -3355,7 +653,7 @@
           <a:p>
             <a:fld id="{B06573E4-03D4-4EBC-99A5-6667D03022A7}" type="datetimeFigureOut">
               <a:rPr lang="en-US" smtClean="0"/>
-              <a:t>5/29/2012</a:t>
+              <a:t>6/2/2012</a:t>
             </a:fld>
             <a:endParaRPr lang="en-US"/>
           </a:p>
@@ -3525,7 +823,7 @@
           <a:p>
             <a:fld id="{B06573E4-03D4-4EBC-99A5-6667D03022A7}" type="datetimeFigureOut">
               <a:rPr lang="en-US" smtClean="0"/>
-              <a:t>5/29/2012</a:t>
+              <a:t>6/2/2012</a:t>
             </a:fld>
             <a:endParaRPr lang="en-US"/>
           </a:p>
@@ -3771,7 +1069,7 @@
           <a:p>
             <a:fld id="{B06573E4-03D4-4EBC-99A5-6667D03022A7}" type="datetimeFigureOut">
               <a:rPr lang="en-US" smtClean="0"/>
-              <a:t>5/29/2012</a:t>
+              <a:t>6/2/2012</a:t>
             </a:fld>
             <a:endParaRPr lang="en-US"/>
           </a:p>
@@ -4059,7 +1357,7 @@
           <a:p>
             <a:fld id="{B06573E4-03D4-4EBC-99A5-6667D03022A7}" type="datetimeFigureOut">
               <a:rPr lang="en-US" smtClean="0"/>
-              <a:t>5/29/2012</a:t>
+              <a:t>6/2/2012</a:t>
             </a:fld>
             <a:endParaRPr lang="en-US"/>
           </a:p>
@@ -4481,7 +1779,7 @@
           <a:p>
             <a:fld id="{B06573E4-03D4-4EBC-99A5-6667D03022A7}" type="datetimeFigureOut">
               <a:rPr lang="en-US" smtClean="0"/>
-              <a:t>5/29/2012</a:t>
+              <a:t>6/2/2012</a:t>
             </a:fld>
             <a:endParaRPr lang="en-US"/>
           </a:p>
@@ -4599,7 +1897,7 @@
           <a:p>
             <a:fld id="{B06573E4-03D4-4EBC-99A5-6667D03022A7}" type="datetimeFigureOut">
               <a:rPr lang="en-US" smtClean="0"/>
-              <a:t>5/29/2012</a:t>
+              <a:t>6/2/2012</a:t>
             </a:fld>
             <a:endParaRPr lang="en-US"/>
           </a:p>
@@ -4694,7 +1992,7 @@
           <a:p>
             <a:fld id="{B06573E4-03D4-4EBC-99A5-6667D03022A7}" type="datetimeFigureOut">
               <a:rPr lang="en-US" smtClean="0"/>
-              <a:t>5/29/2012</a:t>
+              <a:t>6/2/2012</a:t>
             </a:fld>
             <a:endParaRPr lang="en-US"/>
           </a:p>
@@ -4971,7 +2269,7 @@
           <a:p>
             <a:fld id="{B06573E4-03D4-4EBC-99A5-6667D03022A7}" type="datetimeFigureOut">
               <a:rPr lang="en-US" smtClean="0"/>
-              <a:t>5/29/2012</a:t>
+              <a:t>6/2/2012</a:t>
             </a:fld>
             <a:endParaRPr lang="en-US"/>
           </a:p>
@@ -5224,7 +2522,7 @@
           <a:p>
             <a:fld id="{B06573E4-03D4-4EBC-99A5-6667D03022A7}" type="datetimeFigureOut">
               <a:rPr lang="en-US" smtClean="0"/>
-              <a:t>5/29/2012</a:t>
+              <a:t>6/2/2012</a:t>
             </a:fld>
             <a:endParaRPr lang="en-US"/>
           </a:p>
@@ -5437,7 +2735,7 @@
           <a:p>
             <a:fld id="{B06573E4-03D4-4EBC-99A5-6667D03022A7}" type="datetimeFigureOut">
               <a:rPr lang="en-US" smtClean="0"/>
-              <a:t>5/29/2012</a:t>
+              <a:t>6/2/2012</a:t>
             </a:fld>
             <a:endParaRPr lang="en-US"/>
           </a:p>
@@ -5854,6 +3152,39 @@
           </a:p>
         </p:txBody>
       </p:sp>
+      <p:pic>
+        <p:nvPicPr>
+          <p:cNvPr id="4" name="Audio 3">
+            <a:hlinkClick r:id="" action="ppaction://media"/>
+          </p:cNvPr>
+          <p:cNvPicPr>
+            <a:picLocks noChangeAspect="1"/>
+          </p:cNvPicPr>
+          <p:nvPr>
+            <a:audioFile r:link="rId2"/>
+            <p:extLst>
+              <p:ext uri="{DAA4B4D4-6D71-4841-9C94-3DE7FCFB9230}">
+                <p14:media xmlns:p14="http://schemas.microsoft.com/office/powerpoint/2010/main" r:embed="rId1"/>
+              </p:ext>
+            </p:extLst>
+          </p:nvPr>
+        </p:nvPicPr>
+        <p:blipFill>
+          <a:blip r:embed="rId4"/>
+          <a:stretch>
+            <a:fillRect/>
+          </a:stretch>
+        </p:blipFill>
+        <p:spPr>
+          <a:xfrm>
+            <a:off x="8382000" y="6096000"/>
+            <a:ext cx="609600" cy="609600"/>
+          </a:xfrm>
+          <a:prstGeom prst="rect">
+            <a:avLst/>
+          </a:prstGeom>
+        </p:spPr>
+      </p:pic>
     </p:spTree>
     <p:extLst>
       <p:ext uri="{BB962C8B-B14F-4D97-AF65-F5344CB8AC3E}">
@@ -5864,6 +3195,101 @@
   <p:clrMapOvr>
     <a:masterClrMapping/>
   </p:clrMapOvr>
+  <mc:AlternateContent xmlns:mc="http://schemas.openxmlformats.org/markup-compatibility/2006">
+    <mc:Choice xmlns:p14="http://schemas.microsoft.com/office/powerpoint/2010/main" Requires="p14">
+      <p:transition spd="slow" p14:dur="2000" advTm="1979"/>
+    </mc:Choice>
+    <mc:Fallback>
+      <p:transition spd="slow" advTm="1979"/>
+    </mc:Fallback>
+  </mc:AlternateContent>
+  <p:timing>
+    <p:tnLst>
+      <p:par>
+        <p:cTn id="1" dur="indefinite" restart="never" nodeType="tmRoot">
+          <p:childTnLst>
+            <p:seq concurrent="1" nextAc="seek">
+              <p:cTn id="2" dur="indefinite" nodeType="mainSeq">
+                <p:childTnLst>
+                  <p:par>
+                    <p:cTn id="3" fill="hold">
+                      <p:stCondLst>
+                        <p:cond delay="indefinite"/>
+                        <p:cond evt="onBegin" delay="0">
+                          <p:tn val="2"/>
+                        </p:cond>
+                      </p:stCondLst>
+                      <p:childTnLst>
+                        <p:par>
+                          <p:cTn id="4" fill="hold">
+                            <p:stCondLst>
+                              <p:cond delay="0"/>
+                            </p:stCondLst>
+                            <p:childTnLst>
+                              <p:par>
+                                <p:cTn id="5" presetID="1" presetClass="mediacall" presetSubtype="0" fill="hold" nodeType="afterEffect">
+                                  <p:stCondLst>
+                                    <p:cond delay="0"/>
+                                  </p:stCondLst>
+                                  <p:childTnLst>
+                                    <p:cmd type="call" cmd="playFrom(0.0)">
+                                      <p:cBhvr>
+                                        <p:cTn id="6" dur="1" fill="hold"/>
+                                        <p:tgtEl>
+                                          <p:spTgt spid="4"/>
+                                        </p:tgtEl>
+                                      </p:cBhvr>
+                                    </p:cmd>
+                                  </p:childTnLst>
+                                </p:cTn>
+                              </p:par>
+                            </p:childTnLst>
+                          </p:cTn>
+                        </p:par>
+                      </p:childTnLst>
+                    </p:cTn>
+                  </p:par>
+                </p:childTnLst>
+              </p:cTn>
+              <p:prevCondLst>
+                <p:cond evt="onPrev" delay="0">
+                  <p:tgtEl>
+                    <p:sldTgt/>
+                  </p:tgtEl>
+                </p:cond>
+              </p:prevCondLst>
+              <p:nextCondLst>
+                <p:cond evt="onNext" delay="0">
+                  <p:tgtEl>
+                    <p:sldTgt/>
+                  </p:tgtEl>
+                </p:cond>
+              </p:nextCondLst>
+            </p:seq>
+            <p:audio isNarration="1">
+              <p:cMediaNode vol="80000" showWhenStopped="0">
+                <p:cTn id="7" fill="hold" display="0">
+                  <p:stCondLst>
+                    <p:cond delay="indefinite"/>
+                  </p:stCondLst>
+                  <p:endCondLst>
+                    <p:cond evt="onStopAudio" delay="0">
+                      <p:tgtEl>
+                        <p:sldTgt/>
+                      </p:tgtEl>
+                    </p:cond>
+                  </p:endCondLst>
+                </p:cTn>
+                <p:tgtEl>
+                  <p:spTgt spid="4"/>
+                </p:tgtEl>
+              </p:cMediaNode>
+            </p:audio>
+          </p:childTnLst>
+        </p:cTn>
+      </p:par>
+    </p:tnLst>
+  </p:timing>
 </p:sld>
 </file>
 
@@ -5901,7 +3327,11 @@
           <a:p>
             <a:r>
               <a:rPr lang="en-US" dirty="0" smtClean="0"/>
-              <a:t>So what?</a:t>
+              <a:t>Model </a:t>
+            </a:r>
+            <a:r>
+              <a:rPr lang="en-US" dirty="0" err="1" smtClean="0"/>
+              <a:t>Codeup</a:t>
             </a:r>
             <a:endParaRPr lang="en-US" dirty="0"/>
           </a:p>
@@ -5924,33 +3354,172 @@
           <a:p>
             <a:r>
               <a:rPr lang="en-US" dirty="0" smtClean="0"/>
-              <a:t>Is this all about yet another verbose framework.  It didn’t save any code</a:t>
-            </a:r>
-          </a:p>
-          <a:p>
-            <a:endParaRPr lang="en-US" dirty="0"/>
-          </a:p>
-          <a:p>
-            <a:r>
-              <a:rPr lang="en-US" dirty="0" smtClean="0"/>
-              <a:t>It gave STRUCTURE.  </a:t>
-            </a:r>
-          </a:p>
-          <a:p>
-            <a:endParaRPr lang="en-US" dirty="0"/>
-          </a:p>
-        </p:txBody>
-      </p:sp>
+              <a:t>Quickly proto the </a:t>
+            </a:r>
+            <a:r>
+              <a:rPr lang="en-US" dirty="0" err="1" smtClean="0"/>
+              <a:t>incrementlikes</a:t>
+            </a:r>
+            <a:endParaRPr lang="en-US" dirty="0" smtClean="0"/>
+          </a:p>
+          <a:p>
+            <a:r>
+              <a:rPr lang="en-US" dirty="0" smtClean="0"/>
+              <a:t>Cover getters and setters</a:t>
+            </a:r>
+          </a:p>
+          <a:p>
+            <a:r>
+              <a:rPr lang="en-US" dirty="0" smtClean="0"/>
+              <a:t>Cover instantiating a model from the proto</a:t>
+            </a:r>
+          </a:p>
+          <a:p>
+            <a:r>
+              <a:rPr lang="en-US" dirty="0" smtClean="0"/>
+              <a:t>Take 60s or less</a:t>
+            </a:r>
+          </a:p>
+        </p:txBody>
+      </p:sp>
+      <p:pic>
+        <p:nvPicPr>
+          <p:cNvPr id="4" name="Audio 3">
+            <a:hlinkClick r:id="" action="ppaction://media"/>
+          </p:cNvPr>
+          <p:cNvPicPr>
+            <a:picLocks noChangeAspect="1"/>
+          </p:cNvPicPr>
+          <p:nvPr>
+            <a:audioFile r:link="rId2"/>
+            <p:extLst>
+              <p:ext uri="{DAA4B4D4-6D71-4841-9C94-3DE7FCFB9230}">
+                <p14:media xmlns:p14="http://schemas.microsoft.com/office/powerpoint/2010/main" r:embed="rId1"/>
+              </p:ext>
+            </p:extLst>
+          </p:nvPr>
+        </p:nvPicPr>
+        <p:blipFill>
+          <a:blip r:embed="rId4"/>
+          <a:stretch>
+            <a:fillRect/>
+          </a:stretch>
+        </p:blipFill>
+        <p:spPr>
+          <a:xfrm>
+            <a:off x="8382000" y="6096000"/>
+            <a:ext cx="609600" cy="609600"/>
+          </a:xfrm>
+          <a:prstGeom prst="rect">
+            <a:avLst/>
+          </a:prstGeom>
+        </p:spPr>
+      </p:pic>
     </p:spTree>
     <p:extLst>
       <p:ext uri="{BB962C8B-B14F-4D97-AF65-F5344CB8AC3E}">
-        <p14:creationId xmlns:p14="http://schemas.microsoft.com/office/powerpoint/2010/main" val="3057703812"/>
+        <p14:creationId xmlns:p14="http://schemas.microsoft.com/office/powerpoint/2010/main" val="1841543986"/>
       </p:ext>
     </p:extLst>
   </p:cSld>
   <p:clrMapOvr>
     <a:masterClrMapping/>
   </p:clrMapOvr>
+  <mc:AlternateContent xmlns:mc="http://schemas.openxmlformats.org/markup-compatibility/2006">
+    <mc:Choice xmlns:p14="http://schemas.microsoft.com/office/powerpoint/2010/main" Requires="p14">
+      <p:transition spd="slow" p14:dur="2000" advTm="566"/>
+    </mc:Choice>
+    <mc:Fallback>
+      <p:transition spd="slow" advTm="566"/>
+    </mc:Fallback>
+  </mc:AlternateContent>
+  <p:timing>
+    <p:tnLst>
+      <p:par>
+        <p:cTn id="1" dur="indefinite" restart="never" nodeType="tmRoot">
+          <p:childTnLst>
+            <p:seq concurrent="1" nextAc="seek">
+              <p:cTn id="2" dur="indefinite" nodeType="mainSeq">
+                <p:childTnLst>
+                  <p:par>
+                    <p:cTn id="3" fill="hold">
+                      <p:stCondLst>
+                        <p:cond delay="indefinite"/>
+                        <p:cond evt="onBegin" delay="0">
+                          <p:tn val="2"/>
+                        </p:cond>
+                      </p:stCondLst>
+                      <p:childTnLst>
+                        <p:par>
+                          <p:cTn id="4" fill="hold">
+                            <p:stCondLst>
+                              <p:cond delay="0"/>
+                            </p:stCondLst>
+                            <p:childTnLst>
+                              <p:par>
+                                <p:cTn id="5" presetID="1" presetClass="mediacall" presetSubtype="0" fill="hold" nodeType="afterEffect">
+                                  <p:stCondLst>
+                                    <p:cond delay="0"/>
+                                  </p:stCondLst>
+                                  <p:childTnLst>
+                                    <p:cmd type="call" cmd="playFrom(0.0)">
+                                      <p:cBhvr>
+                                        <p:cTn id="6" dur="1" fill="hold"/>
+                                        <p:tgtEl>
+                                          <p:spTgt spid="4"/>
+                                        </p:tgtEl>
+                                      </p:cBhvr>
+                                    </p:cmd>
+                                  </p:childTnLst>
+                                </p:cTn>
+                              </p:par>
+                            </p:childTnLst>
+                          </p:cTn>
+                        </p:par>
+                      </p:childTnLst>
+                    </p:cTn>
+                  </p:par>
+                </p:childTnLst>
+              </p:cTn>
+              <p:prevCondLst>
+                <p:cond evt="onPrev" delay="0">
+                  <p:tgtEl>
+                    <p:sldTgt/>
+                  </p:tgtEl>
+                </p:cond>
+              </p:prevCondLst>
+              <p:nextCondLst>
+                <p:cond evt="onNext" delay="0">
+                  <p:tgtEl>
+                    <p:sldTgt/>
+                  </p:tgtEl>
+                </p:cond>
+              </p:nextCondLst>
+            </p:seq>
+            <p:audio isNarration="1">
+              <p:cMediaNode vol="80000" showWhenStopped="0">
+                <p:cTn id="7" fill="hold" display="0">
+                  <p:stCondLst>
+                    <p:cond delay="indefinite"/>
+                  </p:stCondLst>
+                  <p:endCondLst>
+                    <p:cond evt="onStopAudio" delay="0">
+                      <p:tgtEl>
+                        <p:sldTgt/>
+                      </p:tgtEl>
+                    </p:cond>
+                  </p:endCondLst>
+                </p:cTn>
+                <p:tgtEl>
+                  <p:spTgt spid="4"/>
+                </p:tgtEl>
+              </p:cMediaNode>
+            </p:audio>
+          </p:childTnLst>
+        </p:cTn>
+      </p:par>
+    </p:tnLst>
+  </p:timing>
 </p:sld>
 </file>
 
@@ -5981,86 +3550,199 @@
             <p:ph type="title"/>
           </p:nvPr>
         </p:nvSpPr>
+        <p:spPr>
+          <a:xfrm>
+            <a:off x="457200" y="274638"/>
+            <a:ext cx="8229600" cy="2392362"/>
+          </a:xfrm>
+        </p:spPr>
+        <p:txBody>
+          <a:bodyPr>
+            <a:normAutofit fontScale="90000"/>
+          </a:bodyPr>
+          <a:lstStyle/>
+          <a:p>
+            <a:r>
+              <a:rPr lang="en-US" dirty="0" smtClean="0"/>
+              <a:t>Views </a:t>
+            </a:r>
+            <a:r>
+              <a:rPr lang="en-US" dirty="0" smtClean="0"/>
+              <a:t>are used to generate a DOM node </a:t>
+            </a:r>
+            <a:r>
+              <a:rPr lang="en-US" dirty="0" smtClean="0"/>
+              <a:t>with </a:t>
+            </a:r>
+            <a:r>
+              <a:rPr lang="en-US" dirty="0" smtClean="0"/>
+              <a:t>HTML content and events delegation, that references an</a:t>
+            </a:r>
+            <a:r>
+              <a:rPr lang="en-US" dirty="0" smtClean="0"/>
+              <a:t> underlying MODEL instance</a:t>
+            </a:r>
+            <a:endParaRPr lang="en-US" dirty="0"/>
+          </a:p>
+        </p:txBody>
+      </p:sp>
+      <p:pic>
+        <p:nvPicPr>
+          <p:cNvPr id="4" name="Audio 3">
+            <a:hlinkClick r:id="" action="ppaction://media"/>
+          </p:cNvPr>
+          <p:cNvPicPr>
+            <a:picLocks noChangeAspect="1"/>
+          </p:cNvPicPr>
+          <p:nvPr>
+            <a:audioFile r:link="rId2"/>
+            <p:extLst>
+              <p:ext uri="{DAA4B4D4-6D71-4841-9C94-3DE7FCFB9230}">
+                <p14:media xmlns:p14="http://schemas.microsoft.com/office/powerpoint/2010/main" r:embed="rId1"/>
+              </p:ext>
+            </p:extLst>
+          </p:nvPr>
+        </p:nvPicPr>
+        <p:blipFill>
+          <a:blip r:embed="rId4"/>
+          <a:stretch>
+            <a:fillRect/>
+          </a:stretch>
+        </p:blipFill>
+        <p:spPr>
+          <a:xfrm>
+            <a:off x="8382000" y="6096000"/>
+            <a:ext cx="609600" cy="609600"/>
+          </a:xfrm>
+          <a:prstGeom prst="rect">
+            <a:avLst/>
+          </a:prstGeom>
+        </p:spPr>
+      </p:pic>
+      <p:sp>
+        <p:nvSpPr>
+          <p:cNvPr id="5" name="Content Placeholder 4"/>
+          <p:cNvSpPr>
+            <a:spLocks noGrp="1"/>
+          </p:cNvSpPr>
+          <p:nvPr>
+            <p:ph idx="1"/>
+          </p:nvPr>
+        </p:nvSpPr>
         <p:spPr/>
         <p:txBody>
-          <a:bodyPr>
-            <a:normAutofit/>
-          </a:bodyPr>
-          <a:lstStyle/>
-          <a:p>
-            <a:r>
-              <a:rPr lang="en-US" dirty="0" smtClean="0"/>
-              <a:t>MODEL</a:t>
-            </a:r>
-            <a:endParaRPr lang="en-US" dirty="0"/>
-          </a:p>
-        </p:txBody>
-      </p:sp>
-      <p:sp>
-        <p:nvSpPr>
-          <p:cNvPr id="3" name="Content Placeholder 2"/>
-          <p:cNvSpPr>
-            <a:spLocks noGrp="1"/>
-          </p:cNvSpPr>
-          <p:nvPr>
-            <p:ph idx="1"/>
-          </p:nvPr>
-        </p:nvSpPr>
-        <p:spPr/>
-        <p:txBody>
-          <a:bodyPr>
-            <a:normAutofit/>
-          </a:bodyPr>
-          <a:lstStyle/>
-          <a:p>
-            <a:r>
-              <a:rPr lang="en-US" dirty="0" smtClean="0"/>
-              <a:t>Prototype for your JSON data that adds:</a:t>
-            </a:r>
-          </a:p>
-          <a:p>
-            <a:pPr lvl="1"/>
-            <a:r>
-              <a:rPr lang="en-US" dirty="0" smtClean="0"/>
-              <a:t>Custom methods</a:t>
-            </a:r>
-          </a:p>
-          <a:p>
-            <a:pPr lvl="1"/>
-            <a:r>
-              <a:rPr lang="en-US" dirty="0" smtClean="0"/>
-              <a:t>Custom callbacks (events)</a:t>
-            </a:r>
-          </a:p>
-          <a:p>
-            <a:pPr lvl="1"/>
-            <a:r>
-              <a:rPr lang="en-US" dirty="0" smtClean="0"/>
-              <a:t>Getter/setter hash</a:t>
-            </a:r>
-          </a:p>
-          <a:p>
-            <a:pPr lvl="1"/>
-            <a:r>
-              <a:rPr lang="en-US" dirty="0" smtClean="0"/>
-              <a:t>Built-in plumbing for saving back to server (not covered)</a:t>
-            </a:r>
-          </a:p>
-          <a:p>
-            <a:endParaRPr lang="en-US" dirty="0"/>
+          <a:bodyPr/>
+          <a:lstStyle/>
+          <a:p>
+            <a:endParaRPr lang="en-US"/>
           </a:p>
         </p:txBody>
       </p:sp>
     </p:spTree>
     <p:extLst>
       <p:ext uri="{BB962C8B-B14F-4D97-AF65-F5344CB8AC3E}">
-        <p14:creationId xmlns:p14="http://schemas.microsoft.com/office/powerpoint/2010/main" val="383136027"/>
+        <p14:creationId xmlns:p14="http://schemas.microsoft.com/office/powerpoint/2010/main" val="3257679435"/>
       </p:ext>
     </p:extLst>
   </p:cSld>
   <p:clrMapOvr>
     <a:masterClrMapping/>
   </p:clrMapOvr>
+  <mc:AlternateContent xmlns:mc="http://schemas.openxmlformats.org/markup-compatibility/2006">
+    <mc:Choice xmlns:p14="http://schemas.microsoft.com/office/powerpoint/2010/main" Requires="p14">
+      <p:transition spd="slow" p14:dur="2000" advTm="918"/>
+    </mc:Choice>
+    <mc:Fallback>
+      <p:transition spd="slow" advTm="918"/>
+    </mc:Fallback>
+  </mc:AlternateContent>
+  <p:timing>
+    <p:tnLst>
+      <p:par>
+        <p:cTn id="1" dur="indefinite" restart="never" nodeType="tmRoot">
+          <p:childTnLst>
+            <p:seq concurrent="1" nextAc="seek">
+              <p:cTn id="2" dur="indefinite" nodeType="mainSeq">
+                <p:childTnLst>
+                  <p:par>
+                    <p:cTn id="3" fill="hold">
+                      <p:stCondLst>
+                        <p:cond delay="indefinite"/>
+                        <p:cond evt="onBegin" delay="0">
+                          <p:tn val="2"/>
+                        </p:cond>
+                      </p:stCondLst>
+                      <p:childTnLst>
+                        <p:par>
+                          <p:cTn id="4" fill="hold">
+                            <p:stCondLst>
+                              <p:cond delay="0"/>
+                            </p:stCondLst>
+                            <p:childTnLst>
+                              <p:par>
+                                <p:cTn id="5" presetID="1" presetClass="mediacall" presetSubtype="0" fill="hold" nodeType="afterEffect">
+                                  <p:stCondLst>
+                                    <p:cond delay="0"/>
+                                  </p:stCondLst>
+                                  <p:childTnLst>
+                                    <p:cmd type="call" cmd="playFrom(0.0)">
+                                      <p:cBhvr>
+                                        <p:cTn id="6" dur="1" fill="hold"/>
+                                        <p:tgtEl>
+                                          <p:spTgt spid="4"/>
+                                        </p:tgtEl>
+                                      </p:cBhvr>
+                                    </p:cmd>
+                                  </p:childTnLst>
+                                </p:cTn>
+                              </p:par>
+                            </p:childTnLst>
+                          </p:cTn>
+                        </p:par>
+                      </p:childTnLst>
+                    </p:cTn>
+                  </p:par>
+                </p:childTnLst>
+              </p:cTn>
+              <p:prevCondLst>
+                <p:cond evt="onPrev" delay="0">
+                  <p:tgtEl>
+                    <p:sldTgt/>
+                  </p:tgtEl>
+                </p:cond>
+              </p:prevCondLst>
+              <p:nextCondLst>
+                <p:cond evt="onNext" delay="0">
+                  <p:tgtEl>
+                    <p:sldTgt/>
+                  </p:tgtEl>
+                </p:cond>
+              </p:nextCondLst>
+            </p:seq>
+            <p:audio isNarration="1">
+              <p:cMediaNode vol="80000" showWhenStopped="0">
+                <p:cTn id="7" fill="hold" display="0">
+                  <p:stCondLst>
+                    <p:cond delay="indefinite"/>
+                  </p:stCondLst>
+                  <p:endCondLst>
+                    <p:cond evt="onStopAudio" delay="0">
+                      <p:tgtEl>
+                        <p:sldTgt/>
+                      </p:tgtEl>
+                    </p:cond>
+                  </p:endCondLst>
+                </p:cTn>
+                <p:tgtEl>
+                  <p:spTgt spid="4"/>
+                </p:tgtEl>
+              </p:cMediaNode>
+            </p:audio>
+          </p:childTnLst>
+        </p:cTn>
+      </p:par>
+    </p:tnLst>
+  </p:timing>
 </p:sld>
 </file>
 
@@ -6098,7 +3780,11 @@
           <a:p>
             <a:r>
               <a:rPr lang="en-US" dirty="0" smtClean="0"/>
-              <a:t>VIEW - What it does for you</a:t>
+              <a:t>View </a:t>
+            </a:r>
+            <a:r>
+              <a:rPr lang="en-US" dirty="0" err="1" smtClean="0"/>
+              <a:t>Codeup</a:t>
             </a:r>
             <a:endParaRPr lang="en-US" dirty="0"/>
           </a:p>
@@ -6116,91 +3802,172 @@
         </p:nvSpPr>
         <p:spPr/>
         <p:txBody>
-          <a:bodyPr>
-            <a:normAutofit fontScale="85000" lnSpcReduction="20000"/>
-          </a:bodyPr>
-          <a:lstStyle/>
-          <a:p>
-            <a:r>
-              <a:rPr lang="en-US" dirty="0"/>
-              <a:t>what it does for you: </a:t>
-            </a:r>
-          </a:p>
-          <a:p>
-            <a:r>
-              <a:rPr lang="en-US" dirty="0"/>
-              <a:t>it references a model</a:t>
-            </a:r>
-          </a:p>
-          <a:p>
-            <a:r>
-              <a:rPr lang="en-US" dirty="0"/>
-              <a:t>it wires up </a:t>
-            </a:r>
-            <a:r>
-              <a:rPr lang="en-US" dirty="0" err="1"/>
-              <a:t>dom</a:t>
-            </a:r>
-            <a:r>
-              <a:rPr lang="en-US" dirty="0"/>
-              <a:t> events</a:t>
-            </a:r>
-          </a:p>
-          <a:p>
-            <a:r>
-              <a:rPr lang="en-US" dirty="0"/>
-              <a:t>it exposes event handlers</a:t>
-            </a:r>
-          </a:p>
-          <a:p>
-            <a:r>
-              <a:rPr lang="en-US" dirty="0"/>
-              <a:t>it create it's own </a:t>
-            </a:r>
-            <a:r>
-              <a:rPr lang="en-US" dirty="0" err="1"/>
-              <a:t>dom</a:t>
-            </a:r>
-            <a:r>
-              <a:rPr lang="en-US" dirty="0"/>
-              <a:t> element and add itself to the tree.  This is not as trivial as it sounds.</a:t>
-            </a:r>
-          </a:p>
-          <a:p>
-            <a:r>
-              <a:rPr lang="en-US" dirty="0"/>
-              <a:t>Rendering is all about </a:t>
-            </a:r>
-            <a:r>
-              <a:rPr lang="en-US" dirty="0" smtClean="0"/>
-              <a:t>instantiating </a:t>
-            </a:r>
-            <a:r>
-              <a:rPr lang="en-US" dirty="0"/>
-              <a:t>a LIVE DOM NODE, with both content and an underlying model, and callbacks that connect the two.</a:t>
-            </a:r>
-          </a:p>
-          <a:p>
-            <a:r>
-              <a:rPr lang="en-US" dirty="0"/>
-              <a:t>Only after render() has created this node is it INSERTED for display in browser</a:t>
-            </a:r>
+          <a:bodyPr/>
+          <a:lstStyle/>
+          <a:p>
+            <a:r>
+              <a:rPr lang="en-US" dirty="0" smtClean="0"/>
+              <a:t>60s or less</a:t>
+            </a:r>
+          </a:p>
+          <a:p>
+            <a:r>
+              <a:rPr lang="en-US" dirty="0" smtClean="0"/>
+              <a:t>Subscribe to model change</a:t>
+            </a:r>
+          </a:p>
+          <a:p>
+            <a:r>
+              <a:rPr lang="en-US" dirty="0" smtClean="0"/>
+              <a:t>To template or not?</a:t>
+            </a:r>
+          </a:p>
+          <a:p>
+            <a:endParaRPr lang="en-US" dirty="0" smtClean="0"/>
           </a:p>
           <a:p>
             <a:endParaRPr lang="en-US" dirty="0"/>
           </a:p>
         </p:txBody>
       </p:sp>
+      <p:pic>
+        <p:nvPicPr>
+          <p:cNvPr id="4" name="Audio 3">
+            <a:hlinkClick r:id="" action="ppaction://media"/>
+          </p:cNvPr>
+          <p:cNvPicPr>
+            <a:picLocks noChangeAspect="1"/>
+          </p:cNvPicPr>
+          <p:nvPr>
+            <a:audioFile r:link="rId2"/>
+            <p:extLst>
+              <p:ext uri="{DAA4B4D4-6D71-4841-9C94-3DE7FCFB9230}">
+                <p14:media xmlns:p14="http://schemas.microsoft.com/office/powerpoint/2010/main" r:embed="rId1"/>
+              </p:ext>
+            </p:extLst>
+          </p:nvPr>
+        </p:nvPicPr>
+        <p:blipFill>
+          <a:blip r:embed="rId4"/>
+          <a:stretch>
+            <a:fillRect/>
+          </a:stretch>
+        </p:blipFill>
+        <p:spPr>
+          <a:xfrm>
+            <a:off x="8382000" y="6096000"/>
+            <a:ext cx="609600" cy="609600"/>
+          </a:xfrm>
+          <a:prstGeom prst="rect">
+            <a:avLst/>
+          </a:prstGeom>
+        </p:spPr>
+      </p:pic>
     </p:spTree>
     <p:extLst>
       <p:ext uri="{BB962C8B-B14F-4D97-AF65-F5344CB8AC3E}">
-        <p14:creationId xmlns:p14="http://schemas.microsoft.com/office/powerpoint/2010/main" val="3257679435"/>
+        <p14:creationId xmlns:p14="http://schemas.microsoft.com/office/powerpoint/2010/main" val="2729316115"/>
       </p:ext>
     </p:extLst>
   </p:cSld>
   <p:clrMapOvr>
     <a:masterClrMapping/>
   </p:clrMapOvr>
+  <mc:AlternateContent xmlns:mc="http://schemas.openxmlformats.org/markup-compatibility/2006">
+    <mc:Choice xmlns:p14="http://schemas.microsoft.com/office/powerpoint/2010/main" Requires="p14">
+      <p:transition spd="slow" p14:dur="2000" advTm="816"/>
+    </mc:Choice>
+    <mc:Fallback>
+      <p:transition spd="slow" advTm="816"/>
+    </mc:Fallback>
+  </mc:AlternateContent>
+  <p:timing>
+    <p:tnLst>
+      <p:par>
+        <p:cTn id="1" dur="indefinite" restart="never" nodeType="tmRoot">
+          <p:childTnLst>
+            <p:seq concurrent="1" nextAc="seek">
+              <p:cTn id="2" dur="indefinite" nodeType="mainSeq">
+                <p:childTnLst>
+                  <p:par>
+                    <p:cTn id="3" fill="hold">
+                      <p:stCondLst>
+                        <p:cond delay="indefinite"/>
+                        <p:cond evt="onBegin" delay="0">
+                          <p:tn val="2"/>
+                        </p:cond>
+                      </p:stCondLst>
+                      <p:childTnLst>
+                        <p:par>
+                          <p:cTn id="4" fill="hold">
+                            <p:stCondLst>
+                              <p:cond delay="0"/>
+                            </p:stCondLst>
+                            <p:childTnLst>
+                              <p:par>
+                                <p:cTn id="5" presetID="1" presetClass="mediacall" presetSubtype="0" fill="hold" nodeType="afterEffect">
+                                  <p:stCondLst>
+                                    <p:cond delay="0"/>
+                                  </p:stCondLst>
+                                  <p:childTnLst>
+                                    <p:cmd type="call" cmd="playFrom(0.0)">
+                                      <p:cBhvr>
+                                        <p:cTn id="6" dur="1" fill="hold"/>
+                                        <p:tgtEl>
+                                          <p:spTgt spid="4"/>
+                                        </p:tgtEl>
+                                      </p:cBhvr>
+                                    </p:cmd>
+                                  </p:childTnLst>
+                                </p:cTn>
+                              </p:par>
+                            </p:childTnLst>
+                          </p:cTn>
+                        </p:par>
+                      </p:childTnLst>
+                    </p:cTn>
+                  </p:par>
+                </p:childTnLst>
+              </p:cTn>
+              <p:prevCondLst>
+                <p:cond evt="onPrev" delay="0">
+                  <p:tgtEl>
+                    <p:sldTgt/>
+                  </p:tgtEl>
+                </p:cond>
+              </p:prevCondLst>
+              <p:nextCondLst>
+                <p:cond evt="onNext" delay="0">
+                  <p:tgtEl>
+                    <p:sldTgt/>
+                  </p:tgtEl>
+                </p:cond>
+              </p:nextCondLst>
+            </p:seq>
+            <p:audio isNarration="1">
+              <p:cMediaNode vol="80000" showWhenStopped="0">
+                <p:cTn id="7" fill="hold" display="0">
+                  <p:stCondLst>
+                    <p:cond delay="indefinite"/>
+                  </p:stCondLst>
+                  <p:endCondLst>
+                    <p:cond evt="onStopAudio" delay="0">
+                      <p:tgtEl>
+                        <p:sldTgt/>
+                      </p:tgtEl>
+                    </p:cond>
+                  </p:endCondLst>
+                </p:cTn>
+                <p:tgtEl>
+                  <p:spTgt spid="4"/>
+                </p:tgtEl>
+              </p:cMediaNode>
+            </p:audio>
+          </p:childTnLst>
+        </p:cTn>
+      </p:par>
+    </p:tnLst>
+  </p:timing>
 </p:sld>
 </file>
 
@@ -6231,91 +3998,201 @@
             <p:ph type="title"/>
           </p:nvPr>
         </p:nvSpPr>
+        <p:spPr>
+          <a:xfrm>
+            <a:off x="457200" y="274638"/>
+            <a:ext cx="8229600" cy="2163762"/>
+          </a:xfrm>
+        </p:spPr>
+        <p:txBody>
+          <a:bodyPr>
+            <a:normAutofit fontScale="90000"/>
+          </a:bodyPr>
+          <a:lstStyle/>
+          <a:p>
+            <a:r>
+              <a:rPr lang="en-US" dirty="0" smtClean="0"/>
+              <a:t>So what</a:t>
+            </a:r>
+            <a:r>
+              <a:rPr lang="en-US" dirty="0"/>
+              <a:t>?? This looks like a LOT of code and all it does it increment </a:t>
+            </a:r>
+            <a:r>
+              <a:rPr lang="en-US" dirty="0" smtClean="0"/>
+              <a:t>likes.</a:t>
+            </a:r>
+            <a:r>
+              <a:rPr lang="en-US" dirty="0"/>
+              <a:t/>
+            </a:r>
+            <a:br>
+              <a:rPr lang="en-US" dirty="0"/>
+            </a:br>
+            <a:endParaRPr lang="en-US" dirty="0"/>
+          </a:p>
+        </p:txBody>
+      </p:sp>
+      <p:sp>
+        <p:nvSpPr>
+          <p:cNvPr id="3" name="Content Placeholder 2"/>
+          <p:cNvSpPr>
+            <a:spLocks noGrp="1"/>
+          </p:cNvSpPr>
+          <p:nvPr>
+            <p:ph idx="1"/>
+          </p:nvPr>
+        </p:nvSpPr>
         <p:spPr/>
         <p:txBody>
           <a:bodyPr/>
           <a:lstStyle/>
           <a:p>
-            <a:r>
-              <a:rPr lang="en-US" dirty="0" smtClean="0"/>
-              <a:t>What Else?</a:t>
-            </a:r>
+            <a:endParaRPr lang="en-US" dirty="0" smtClean="0"/>
+          </a:p>
+          <a:p>
             <a:endParaRPr lang="en-US" dirty="0"/>
           </a:p>
         </p:txBody>
       </p:sp>
-      <p:sp>
-        <p:nvSpPr>
-          <p:cNvPr id="3" name="Content Placeholder 2"/>
-          <p:cNvSpPr>
-            <a:spLocks noGrp="1"/>
-          </p:cNvSpPr>
-          <p:nvPr>
-            <p:ph idx="1"/>
-          </p:nvPr>
-        </p:nvSpPr>
-        <p:spPr/>
-        <p:txBody>
-          <a:bodyPr/>
-          <a:lstStyle/>
-          <a:p>
-            <a:r>
-              <a:rPr lang="en-US" dirty="0" err="1" smtClean="0"/>
-              <a:t>Backbone.sync</a:t>
-            </a:r>
-            <a:endParaRPr lang="en-US" dirty="0" smtClean="0"/>
-          </a:p>
-          <a:p>
-            <a:r>
-              <a:rPr lang="en-US" dirty="0" smtClean="0"/>
-              <a:t>Validation</a:t>
-            </a:r>
-          </a:p>
-          <a:p>
-            <a:r>
-              <a:rPr lang="en-US" dirty="0" err="1" smtClean="0"/>
-              <a:t>Templating</a:t>
-            </a:r>
-            <a:endParaRPr lang="en-US" dirty="0" smtClean="0"/>
-          </a:p>
-          <a:p>
-            <a:r>
-              <a:rPr lang="en-US" dirty="0" smtClean="0"/>
-              <a:t>TDD</a:t>
-            </a:r>
-          </a:p>
-          <a:p>
-            <a:r>
-              <a:rPr lang="en-US" dirty="0" err="1" smtClean="0"/>
-              <a:t>Namespacing</a:t>
-            </a:r>
-            <a:endParaRPr lang="en-US" dirty="0" smtClean="0"/>
-          </a:p>
-          <a:p>
-            <a:r>
-              <a:rPr lang="en-US" dirty="0" smtClean="0"/>
-              <a:t>Collections</a:t>
-            </a:r>
-          </a:p>
-          <a:p>
-            <a:r>
-              <a:rPr lang="en-US" dirty="0" smtClean="0"/>
-              <a:t>routers</a:t>
-            </a:r>
-            <a:endParaRPr lang="en-US" dirty="0"/>
-          </a:p>
-        </p:txBody>
-      </p:sp>
+      <p:pic>
+        <p:nvPicPr>
+          <p:cNvPr id="4" name="Audio 3">
+            <a:hlinkClick r:id="" action="ppaction://media"/>
+          </p:cNvPr>
+          <p:cNvPicPr>
+            <a:picLocks noChangeAspect="1"/>
+          </p:cNvPicPr>
+          <p:nvPr>
+            <a:audioFile r:link="rId2"/>
+            <p:extLst>
+              <p:ext uri="{DAA4B4D4-6D71-4841-9C94-3DE7FCFB9230}">
+                <p14:media xmlns:p14="http://schemas.microsoft.com/office/powerpoint/2010/main" r:embed="rId1"/>
+              </p:ext>
+            </p:extLst>
+          </p:nvPr>
+        </p:nvPicPr>
+        <p:blipFill>
+          <a:blip r:embed="rId4"/>
+          <a:stretch>
+            <a:fillRect/>
+          </a:stretch>
+        </p:blipFill>
+        <p:spPr>
+          <a:xfrm>
+            <a:off x="8382000" y="6096000"/>
+            <a:ext cx="609600" cy="609600"/>
+          </a:xfrm>
+          <a:prstGeom prst="rect">
+            <a:avLst/>
+          </a:prstGeom>
+        </p:spPr>
+      </p:pic>
     </p:spTree>
     <p:extLst>
       <p:ext uri="{BB962C8B-B14F-4D97-AF65-F5344CB8AC3E}">
-        <p14:creationId xmlns:p14="http://schemas.microsoft.com/office/powerpoint/2010/main" val="3913846662"/>
+        <p14:creationId xmlns:p14="http://schemas.microsoft.com/office/powerpoint/2010/main" val="3057703812"/>
       </p:ext>
     </p:extLst>
   </p:cSld>
   <p:clrMapOvr>
     <a:masterClrMapping/>
   </p:clrMapOvr>
+  <mc:AlternateContent xmlns:mc="http://schemas.openxmlformats.org/markup-compatibility/2006">
+    <mc:Choice xmlns:p14="http://schemas.microsoft.com/office/powerpoint/2010/main" Requires="p14">
+      <p:transition spd="slow" p14:dur="2000" advTm="22872"/>
+    </mc:Choice>
+    <mc:Fallback>
+      <p:transition spd="slow" advTm="22872"/>
+    </mc:Fallback>
+  </mc:AlternateContent>
+  <p:timing>
+    <p:tnLst>
+      <p:par>
+        <p:cTn id="1" dur="indefinite" restart="never" nodeType="tmRoot">
+          <p:childTnLst>
+            <p:seq concurrent="1" nextAc="seek">
+              <p:cTn id="2" dur="indefinite" nodeType="mainSeq">
+                <p:childTnLst>
+                  <p:par>
+                    <p:cTn id="3" fill="hold">
+                      <p:stCondLst>
+                        <p:cond delay="indefinite"/>
+                        <p:cond evt="onBegin" delay="0">
+                          <p:tn val="2"/>
+                        </p:cond>
+                      </p:stCondLst>
+                      <p:childTnLst>
+                        <p:par>
+                          <p:cTn id="4" fill="hold">
+                            <p:stCondLst>
+                              <p:cond delay="0"/>
+                            </p:stCondLst>
+                            <p:childTnLst>
+                              <p:par>
+                                <p:cTn id="5" presetID="1" presetClass="mediacall" presetSubtype="0" fill="hold" nodeType="afterEffect">
+                                  <p:stCondLst>
+                                    <p:cond delay="0"/>
+                                  </p:stCondLst>
+                                  <p:childTnLst>
+                                    <p:cmd type="call" cmd="playFrom(0.0)">
+                                      <p:cBhvr>
+                                        <p:cTn id="6" dur="1" fill="hold"/>
+                                        <p:tgtEl>
+                                          <p:spTgt spid="4"/>
+                                        </p:tgtEl>
+                                      </p:cBhvr>
+                                    </p:cmd>
+                                  </p:childTnLst>
+                                </p:cTn>
+                              </p:par>
+                            </p:childTnLst>
+                          </p:cTn>
+                        </p:par>
+                      </p:childTnLst>
+                    </p:cTn>
+                  </p:par>
+                </p:childTnLst>
+              </p:cTn>
+              <p:prevCondLst>
+                <p:cond evt="onPrev" delay="0">
+                  <p:tgtEl>
+                    <p:sldTgt/>
+                  </p:tgtEl>
+                </p:cond>
+              </p:prevCondLst>
+              <p:nextCondLst>
+                <p:cond evt="onNext" delay="0">
+                  <p:tgtEl>
+                    <p:sldTgt/>
+                  </p:tgtEl>
+                </p:cond>
+              </p:nextCondLst>
+            </p:seq>
+            <p:audio isNarration="1">
+              <p:cMediaNode vol="80000" showWhenStopped="0">
+                <p:cTn id="7" fill="hold" display="0">
+                  <p:stCondLst>
+                    <p:cond delay="indefinite"/>
+                  </p:stCondLst>
+                  <p:endCondLst>
+                    <p:cond evt="onStopAudio" delay="0">
+                      <p:tgtEl>
+                        <p:sldTgt/>
+                      </p:tgtEl>
+                    </p:cond>
+                  </p:endCondLst>
+                </p:cTn>
+                <p:tgtEl>
+                  <p:spTgt spid="4"/>
+                </p:tgtEl>
+              </p:cMediaNode>
+            </p:audio>
+          </p:childTnLst>
+        </p:cTn>
+      </p:par>
+    </p:tnLst>
+  </p:timing>
 </p:sld>
 </file>
 
@@ -6353,6 +4230,249 @@
           <a:p>
             <a:r>
               <a:rPr lang="en-US" dirty="0" smtClean="0"/>
+              <a:t>What Else?</a:t>
+            </a:r>
+            <a:endParaRPr lang="en-US" dirty="0"/>
+          </a:p>
+        </p:txBody>
+      </p:sp>
+      <p:sp>
+        <p:nvSpPr>
+          <p:cNvPr id="3" name="Content Placeholder 2"/>
+          <p:cNvSpPr>
+            <a:spLocks noGrp="1"/>
+          </p:cNvSpPr>
+          <p:nvPr>
+            <p:ph idx="1"/>
+          </p:nvPr>
+        </p:nvSpPr>
+        <p:spPr/>
+        <p:txBody>
+          <a:bodyPr/>
+          <a:lstStyle/>
+          <a:p>
+            <a:r>
+              <a:rPr lang="en-US" dirty="0" err="1" smtClean="0"/>
+              <a:t>Backbone.sync</a:t>
+            </a:r>
+            <a:endParaRPr lang="en-US" dirty="0" smtClean="0"/>
+          </a:p>
+          <a:p>
+            <a:r>
+              <a:rPr lang="en-US" dirty="0" smtClean="0"/>
+              <a:t>Validation</a:t>
+            </a:r>
+          </a:p>
+          <a:p>
+            <a:r>
+              <a:rPr lang="en-US" dirty="0" err="1" smtClean="0"/>
+              <a:t>Templating</a:t>
+            </a:r>
+            <a:endParaRPr lang="en-US" dirty="0" smtClean="0"/>
+          </a:p>
+          <a:p>
+            <a:r>
+              <a:rPr lang="en-US" dirty="0" smtClean="0"/>
+              <a:t>TDD</a:t>
+            </a:r>
+          </a:p>
+          <a:p>
+            <a:r>
+              <a:rPr lang="en-US" dirty="0" err="1" smtClean="0"/>
+              <a:t>Namespacing</a:t>
+            </a:r>
+            <a:endParaRPr lang="en-US" dirty="0" smtClean="0"/>
+          </a:p>
+          <a:p>
+            <a:r>
+              <a:rPr lang="en-US" dirty="0" smtClean="0"/>
+              <a:t>Collections</a:t>
+            </a:r>
+          </a:p>
+          <a:p>
+            <a:r>
+              <a:rPr lang="en-US" dirty="0" smtClean="0"/>
+              <a:t>routers</a:t>
+            </a:r>
+            <a:endParaRPr lang="en-US" dirty="0"/>
+          </a:p>
+        </p:txBody>
+      </p:sp>
+      <p:pic>
+        <p:nvPicPr>
+          <p:cNvPr id="4" name="Audio 3">
+            <a:hlinkClick r:id="" action="ppaction://media"/>
+          </p:cNvPr>
+          <p:cNvPicPr>
+            <a:picLocks noChangeAspect="1"/>
+          </p:cNvPicPr>
+          <p:nvPr>
+            <a:audioFile r:link="rId2"/>
+            <p:extLst>
+              <p:ext uri="{DAA4B4D4-6D71-4841-9C94-3DE7FCFB9230}">
+                <p14:media xmlns:p14="http://schemas.microsoft.com/office/powerpoint/2010/main" r:embed="rId1"/>
+              </p:ext>
+            </p:extLst>
+          </p:nvPr>
+        </p:nvPicPr>
+        <p:blipFill>
+          <a:blip r:embed="rId4"/>
+          <a:stretch>
+            <a:fillRect/>
+          </a:stretch>
+        </p:blipFill>
+        <p:spPr>
+          <a:xfrm>
+            <a:off x="8382000" y="6096000"/>
+            <a:ext cx="609600" cy="609600"/>
+          </a:xfrm>
+          <a:prstGeom prst="rect">
+            <a:avLst/>
+          </a:prstGeom>
+        </p:spPr>
+      </p:pic>
+    </p:spTree>
+    <p:extLst>
+      <p:ext uri="{BB962C8B-B14F-4D97-AF65-F5344CB8AC3E}">
+        <p14:creationId xmlns:p14="http://schemas.microsoft.com/office/powerpoint/2010/main" val="3913846662"/>
+      </p:ext>
+    </p:extLst>
+  </p:cSld>
+  <p:clrMapOvr>
+    <a:masterClrMapping/>
+  </p:clrMapOvr>
+  <mc:AlternateContent xmlns:mc="http://schemas.openxmlformats.org/markup-compatibility/2006">
+    <mc:Choice xmlns:p14="http://schemas.microsoft.com/office/powerpoint/2010/main" Requires="p14">
+      <p:transition spd="slow" p14:dur="2000" advTm="6822"/>
+    </mc:Choice>
+    <mc:Fallback>
+      <p:transition spd="slow" advTm="6822"/>
+    </mc:Fallback>
+  </mc:AlternateContent>
+  <p:timing>
+    <p:tnLst>
+      <p:par>
+        <p:cTn id="1" dur="indefinite" restart="never" nodeType="tmRoot">
+          <p:childTnLst>
+            <p:seq concurrent="1" nextAc="seek">
+              <p:cTn id="2" dur="indefinite" nodeType="mainSeq">
+                <p:childTnLst>
+                  <p:par>
+                    <p:cTn id="3" fill="hold">
+                      <p:stCondLst>
+                        <p:cond delay="indefinite"/>
+                        <p:cond evt="onBegin" delay="0">
+                          <p:tn val="2"/>
+                        </p:cond>
+                      </p:stCondLst>
+                      <p:childTnLst>
+                        <p:par>
+                          <p:cTn id="4" fill="hold">
+                            <p:stCondLst>
+                              <p:cond delay="0"/>
+                            </p:stCondLst>
+                            <p:childTnLst>
+                              <p:par>
+                                <p:cTn id="5" presetID="1" presetClass="mediacall" presetSubtype="0" fill="hold" nodeType="afterEffect">
+                                  <p:stCondLst>
+                                    <p:cond delay="0"/>
+                                  </p:stCondLst>
+                                  <p:childTnLst>
+                                    <p:cmd type="call" cmd="playFrom(0.0)">
+                                      <p:cBhvr>
+                                        <p:cTn id="6" dur="1" fill="hold"/>
+                                        <p:tgtEl>
+                                          <p:spTgt spid="4"/>
+                                        </p:tgtEl>
+                                      </p:cBhvr>
+                                    </p:cmd>
+                                  </p:childTnLst>
+                                </p:cTn>
+                              </p:par>
+                            </p:childTnLst>
+                          </p:cTn>
+                        </p:par>
+                      </p:childTnLst>
+                    </p:cTn>
+                  </p:par>
+                </p:childTnLst>
+              </p:cTn>
+              <p:prevCondLst>
+                <p:cond evt="onPrev" delay="0">
+                  <p:tgtEl>
+                    <p:sldTgt/>
+                  </p:tgtEl>
+                </p:cond>
+              </p:prevCondLst>
+              <p:nextCondLst>
+                <p:cond evt="onNext" delay="0">
+                  <p:tgtEl>
+                    <p:sldTgt/>
+                  </p:tgtEl>
+                </p:cond>
+              </p:nextCondLst>
+            </p:seq>
+            <p:audio isNarration="1">
+              <p:cMediaNode vol="80000" showWhenStopped="0">
+                <p:cTn id="7" fill="hold" display="0">
+                  <p:stCondLst>
+                    <p:cond delay="indefinite"/>
+                  </p:stCondLst>
+                  <p:endCondLst>
+                    <p:cond evt="onStopAudio" delay="0">
+                      <p:tgtEl>
+                        <p:sldTgt/>
+                      </p:tgtEl>
+                    </p:cond>
+                  </p:endCondLst>
+                </p:cTn>
+                <p:tgtEl>
+                  <p:spTgt spid="4"/>
+                </p:tgtEl>
+              </p:cMediaNode>
+            </p:audio>
+          </p:childTnLst>
+        </p:cTn>
+      </p:par>
+    </p:tnLst>
+  </p:timing>
+</p:sld>
+</file>
+
+<file path=ppt/slides/slide15.xml><?xml version="1.0" encoding="utf-8"?>
+<p:sld xmlns:a="http://schemas.openxmlformats.org/drawingml/2006/main" xmlns:r="http://schemas.openxmlformats.org/officeDocument/2006/relationships" xmlns:p="http://schemas.openxmlformats.org/presentationml/2006/main">
+  <p:cSld>
+    <p:spTree>
+      <p:nvGrpSpPr>
+        <p:cNvPr id="1" name=""/>
+        <p:cNvGrpSpPr/>
+        <p:nvPr/>
+      </p:nvGrpSpPr>
+      <p:grpSpPr>
+        <a:xfrm>
+          <a:off x="0" y="0"/>
+          <a:ext cx="0" cy="0"/>
+          <a:chOff x="0" y="0"/>
+          <a:chExt cx="0" cy="0"/>
+        </a:xfrm>
+      </p:grpSpPr>
+      <p:sp>
+        <p:nvSpPr>
+          <p:cNvPr id="2" name="Title 1"/>
+          <p:cNvSpPr>
+            <a:spLocks noGrp="1"/>
+          </p:cNvSpPr>
+          <p:nvPr>
+            <p:ph type="title"/>
+          </p:nvPr>
+        </p:nvSpPr>
+        <p:spPr/>
+        <p:txBody>
+          <a:bodyPr/>
+          <a:lstStyle/>
+          <a:p>
+            <a:r>
+              <a:rPr lang="en-US" dirty="0" smtClean="0"/>
               <a:t>Takeaways	</a:t>
             </a:r>
             <a:endParaRPr lang="en-US" dirty="0"/>
@@ -6429,6 +4549,104 @@
   <p:clrMapOvr>
     <a:masterClrMapping/>
   </p:clrMapOvr>
+  <p:timing>
+    <p:tnLst>
+      <p:par>
+        <p:cTn id="1" dur="indefinite" restart="never" nodeType="tmRoot"/>
+      </p:par>
+    </p:tnLst>
+  </p:timing>
+</p:sld>
+</file>
+
+<file path=ppt/slides/slide16.xml><?xml version="1.0" encoding="utf-8"?>
+<p:sld xmlns:a="http://schemas.openxmlformats.org/drawingml/2006/main" xmlns:r="http://schemas.openxmlformats.org/officeDocument/2006/relationships" xmlns:p="http://schemas.openxmlformats.org/presentationml/2006/main">
+  <p:cSld>
+    <p:spTree>
+      <p:nvGrpSpPr>
+        <p:cNvPr id="1" name=""/>
+        <p:cNvGrpSpPr/>
+        <p:nvPr/>
+      </p:nvGrpSpPr>
+      <p:grpSpPr>
+        <a:xfrm>
+          <a:off x="0" y="0"/>
+          <a:ext cx="0" cy="0"/>
+          <a:chOff x="0" y="0"/>
+          <a:chExt cx="0" cy="0"/>
+        </a:xfrm>
+      </p:grpSpPr>
+      <p:sp>
+        <p:nvSpPr>
+          <p:cNvPr id="2" name="Title 1"/>
+          <p:cNvSpPr>
+            <a:spLocks noGrp="1"/>
+          </p:cNvSpPr>
+          <p:nvPr>
+            <p:ph type="title"/>
+          </p:nvPr>
+        </p:nvSpPr>
+        <p:spPr>
+          <a:xfrm>
+            <a:off x="457200" y="274638"/>
+            <a:ext cx="8229600" cy="2163762"/>
+          </a:xfrm>
+        </p:spPr>
+        <p:txBody>
+          <a:bodyPr>
+            <a:normAutofit/>
+          </a:bodyPr>
+          <a:lstStyle/>
+          <a:p>
+            <a:r>
+              <a:rPr lang="en-US" b="1" dirty="0" smtClean="0"/>
+              <a:t>The Client Side is already pretty mature</a:t>
+            </a:r>
+            <a:endParaRPr lang="en-US" b="1" dirty="0"/>
+          </a:p>
+        </p:txBody>
+      </p:sp>
+      <p:sp>
+        <p:nvSpPr>
+          <p:cNvPr id="3" name="Content Placeholder 2"/>
+          <p:cNvSpPr>
+            <a:spLocks noGrp="1"/>
+          </p:cNvSpPr>
+          <p:nvPr>
+            <p:ph idx="1"/>
+          </p:nvPr>
+        </p:nvSpPr>
+        <p:spPr>
+          <a:xfrm>
+            <a:off x="457200" y="2743200"/>
+            <a:ext cx="8229600" cy="3382963"/>
+          </a:xfrm>
+        </p:spPr>
+        <p:txBody>
+          <a:bodyPr/>
+          <a:lstStyle/>
+          <a:p>
+            <a:endParaRPr lang="en-US" dirty="0"/>
+          </a:p>
+        </p:txBody>
+      </p:sp>
+    </p:spTree>
+    <p:extLst>
+      <p:ext uri="{BB962C8B-B14F-4D97-AF65-F5344CB8AC3E}">
+        <p14:creationId xmlns:p14="http://schemas.microsoft.com/office/powerpoint/2010/main" val="367746346"/>
+      </p:ext>
+    </p:extLst>
+  </p:cSld>
+  <p:clrMapOvr>
+    <a:masterClrMapping/>
+  </p:clrMapOvr>
+  <p:timing>
+    <p:tnLst>
+      <p:par>
+        <p:cTn id="1" dur="indefinite" restart="never" nodeType="tmRoot"/>
+      </p:par>
+    </p:tnLst>
+  </p:timing>
 </p:sld>
 </file>
 
@@ -6464,7 +4682,11 @@
           <a:bodyPr/>
           <a:lstStyle/>
           <a:p>
-            <a:endParaRPr lang="en-US"/>
+            <a:r>
+              <a:rPr lang="en-US" b="1" dirty="0" smtClean="0"/>
+              <a:t>What Will NOT be Covered</a:t>
+            </a:r>
+            <a:endParaRPr lang="en-US" b="1" dirty="0"/>
           </a:p>
         </p:txBody>
       </p:sp>
@@ -6478,25 +4700,264 @@
             <p:ph idx="1"/>
           </p:nvPr>
         </p:nvSpPr>
-        <p:spPr/>
-        <p:txBody>
-          <a:bodyPr/>
-          <a:lstStyle/>
-          <a:p>
-            <a:endParaRPr lang="en-US"/>
-          </a:p>
-        </p:txBody>
-      </p:sp>
+        <p:spPr>
+          <a:xfrm>
+            <a:off x="3276600" y="1600200"/>
+            <a:ext cx="5410200" cy="4525963"/>
+          </a:xfrm>
+        </p:spPr>
+        <p:txBody>
+          <a:bodyPr>
+            <a:normAutofit/>
+          </a:bodyPr>
+          <a:lstStyle/>
+          <a:p>
+            <a:r>
+              <a:rPr lang="en-US" dirty="0" smtClean="0"/>
+              <a:t>DB Stuff </a:t>
+            </a:r>
+            <a:r>
+              <a:rPr lang="en-US" dirty="0" smtClean="0"/>
+              <a:t>-&gt; Serializing your </a:t>
+            </a:r>
+            <a:r>
+              <a:rPr lang="en-US" dirty="0" smtClean="0"/>
+              <a:t>model into the document</a:t>
+            </a:r>
+            <a:endParaRPr lang="en-US" dirty="0" smtClean="0"/>
+          </a:p>
+          <a:p>
+            <a:r>
+              <a:rPr lang="en-US" dirty="0" smtClean="0"/>
+              <a:t>DB Stuff-&gt;</a:t>
+            </a:r>
+            <a:r>
+              <a:rPr lang="en-US" dirty="0" err="1" smtClean="0"/>
+              <a:t>Upserting</a:t>
+            </a:r>
+            <a:r>
+              <a:rPr lang="en-US" dirty="0" smtClean="0"/>
+              <a:t> changes to </a:t>
+            </a:r>
+            <a:r>
+              <a:rPr lang="en-US" dirty="0" smtClean="0"/>
+              <a:t>restful endpoints </a:t>
+            </a:r>
+          </a:p>
+          <a:p>
+            <a:r>
+              <a:rPr lang="en-US" dirty="0" smtClean="0"/>
+              <a:t>Unit Testing your Models</a:t>
+            </a:r>
+          </a:p>
+          <a:p>
+            <a:r>
+              <a:rPr lang="en-US" dirty="0" smtClean="0"/>
+              <a:t>Using View templates to </a:t>
+            </a:r>
+            <a:r>
+              <a:rPr lang="en-US" dirty="0" smtClean="0"/>
+              <a:t>separate </a:t>
+            </a:r>
+            <a:r>
+              <a:rPr lang="en-US" dirty="0" smtClean="0"/>
+              <a:t>markup</a:t>
+            </a:r>
+          </a:p>
+          <a:p>
+            <a:r>
+              <a:rPr lang="en-US" dirty="0" smtClean="0"/>
+              <a:t>Backbone </a:t>
+            </a:r>
+            <a:r>
+              <a:rPr lang="en-US" dirty="0" smtClean="0"/>
+              <a:t>Routers, History </a:t>
+            </a:r>
+          </a:p>
+          <a:p>
+            <a:endParaRPr lang="en-US" dirty="0"/>
+          </a:p>
+        </p:txBody>
+      </p:sp>
+      <p:pic>
+        <p:nvPicPr>
+          <p:cNvPr id="2051" name="Picture 3" descr="C:\Users\jkoynok\Desktop\db copy.jpg"/>
+          <p:cNvPicPr>
+            <a:picLocks noChangeAspect="1" noChangeArrowheads="1"/>
+          </p:cNvPicPr>
+          <p:nvPr/>
+        </p:nvPicPr>
+        <p:blipFill>
+          <a:blip r:embed="rId4">
+            <a:extLst>
+              <a:ext uri="{28A0092B-C50C-407E-A947-70E740481C1C}">
+                <a14:useLocalDpi xmlns:a14="http://schemas.microsoft.com/office/drawing/2010/main" val="0"/>
+              </a:ext>
+            </a:extLst>
+          </a:blip>
+          <a:srcRect/>
+          <a:stretch>
+            <a:fillRect/>
+          </a:stretch>
+        </p:blipFill>
+        <p:spPr bwMode="auto">
+          <a:xfrm>
+            <a:off x="371475" y="1752600"/>
+            <a:ext cx="2460625" cy="2460625"/>
+          </a:xfrm>
+          <a:prstGeom prst="rect">
+            <a:avLst/>
+          </a:prstGeom>
+          <a:noFill/>
+          <a:extLst>
+            <a:ext uri="{909E8E84-426E-40DD-AFC4-6F175D3DCCD1}">
+              <a14:hiddenFill xmlns:a14="http://schemas.microsoft.com/office/drawing/2010/main">
+                <a:solidFill>
+                  <a:srgbClr val="FFFFFF"/>
+                </a:solidFill>
+              </a14:hiddenFill>
+            </a:ext>
+          </a:extLst>
+        </p:spPr>
+      </p:pic>
+      <p:pic>
+        <p:nvPicPr>
+          <p:cNvPr id="4" name="Audio 3">
+            <a:hlinkClick r:id="" action="ppaction://media"/>
+          </p:cNvPr>
+          <p:cNvPicPr>
+            <a:picLocks noChangeAspect="1"/>
+          </p:cNvPicPr>
+          <p:nvPr>
+            <a:audioFile r:link="rId2"/>
+            <p:extLst>
+              <p:ext uri="{DAA4B4D4-6D71-4841-9C94-3DE7FCFB9230}">
+                <p14:media xmlns:p14="http://schemas.microsoft.com/office/powerpoint/2010/main" r:embed="rId1"/>
+              </p:ext>
+            </p:extLst>
+          </p:nvPr>
+        </p:nvPicPr>
+        <p:blipFill>
+          <a:blip r:embed="rId5"/>
+          <a:stretch>
+            <a:fillRect/>
+          </a:stretch>
+        </p:blipFill>
+        <p:spPr>
+          <a:xfrm>
+            <a:off x="8382000" y="6096000"/>
+            <a:ext cx="609600" cy="609600"/>
+          </a:xfrm>
+          <a:prstGeom prst="rect">
+            <a:avLst/>
+          </a:prstGeom>
+        </p:spPr>
+      </p:pic>
     </p:spTree>
     <p:extLst>
       <p:ext uri="{BB962C8B-B14F-4D97-AF65-F5344CB8AC3E}">
-        <p14:creationId xmlns:p14="http://schemas.microsoft.com/office/powerpoint/2010/main" val="137555774"/>
+        <p14:creationId xmlns:p14="http://schemas.microsoft.com/office/powerpoint/2010/main" val="1504512266"/>
       </p:ext>
     </p:extLst>
   </p:cSld>
   <p:clrMapOvr>
     <a:masterClrMapping/>
   </p:clrMapOvr>
+  <mc:AlternateContent xmlns:mc="http://schemas.openxmlformats.org/markup-compatibility/2006">
+    <mc:Choice xmlns:p14="http://schemas.microsoft.com/office/powerpoint/2010/main" Requires="p14">
+      <p:transition spd="slow" p14:dur="2000" advTm="392"/>
+    </mc:Choice>
+    <mc:Fallback>
+      <p:transition spd="slow" advTm="392"/>
+    </mc:Fallback>
+  </mc:AlternateContent>
+  <p:timing>
+    <p:tnLst>
+      <p:par>
+        <p:cTn id="1" dur="indefinite" restart="never" nodeType="tmRoot">
+          <p:childTnLst>
+            <p:seq concurrent="1" nextAc="seek">
+              <p:cTn id="2" dur="indefinite" nodeType="mainSeq">
+                <p:childTnLst>
+                  <p:par>
+                    <p:cTn id="3" fill="hold">
+                      <p:stCondLst>
+                        <p:cond delay="indefinite"/>
+                        <p:cond evt="onBegin" delay="0">
+                          <p:tn val="2"/>
+                        </p:cond>
+                      </p:stCondLst>
+                      <p:childTnLst>
+                        <p:par>
+                          <p:cTn id="4" fill="hold">
+                            <p:stCondLst>
+                              <p:cond delay="0"/>
+                            </p:stCondLst>
+                            <p:childTnLst>
+                              <p:par>
+                                <p:cTn id="5" presetID="1" presetClass="mediacall" presetSubtype="0" fill="hold" nodeType="afterEffect">
+                                  <p:stCondLst>
+                                    <p:cond delay="0"/>
+                                  </p:stCondLst>
+                                  <p:childTnLst>
+                                    <p:cmd type="call" cmd="playFrom(0.0)">
+                                      <p:cBhvr>
+                                        <p:cTn id="6" dur="1" fill="hold"/>
+                                        <p:tgtEl>
+                                          <p:spTgt spid="4"/>
+                                        </p:tgtEl>
+                                      </p:cBhvr>
+                                    </p:cmd>
+                                  </p:childTnLst>
+                                </p:cTn>
+                              </p:par>
+                            </p:childTnLst>
+                          </p:cTn>
+                        </p:par>
+                      </p:childTnLst>
+                    </p:cTn>
+                  </p:par>
+                </p:childTnLst>
+              </p:cTn>
+              <p:prevCondLst>
+                <p:cond evt="onPrev" delay="0">
+                  <p:tgtEl>
+                    <p:sldTgt/>
+                  </p:tgtEl>
+                </p:cond>
+              </p:prevCondLst>
+              <p:nextCondLst>
+                <p:cond evt="onNext" delay="0">
+                  <p:tgtEl>
+                    <p:sldTgt/>
+                  </p:tgtEl>
+                </p:cond>
+              </p:nextCondLst>
+            </p:seq>
+            <p:audio isNarration="1">
+              <p:cMediaNode vol="80000" showWhenStopped="0">
+                <p:cTn id="7" fill="hold" display="0">
+                  <p:stCondLst>
+                    <p:cond delay="indefinite"/>
+                  </p:stCondLst>
+                  <p:endCondLst>
+                    <p:cond evt="onStopAudio" delay="0">
+                      <p:tgtEl>
+                        <p:sldTgt/>
+                      </p:tgtEl>
+                    </p:cond>
+                  </p:endCondLst>
+                </p:cTn>
+                <p:tgtEl>
+                  <p:spTgt spid="4"/>
+                </p:tgtEl>
+              </p:cMediaNode>
+            </p:audio>
+          </p:childTnLst>
+        </p:cTn>
+      </p:par>
+    </p:tnLst>
+  </p:timing>
 </p:sld>
 </file>
 
@@ -6527,142 +4988,218 @@
             <p:ph type="title"/>
           </p:nvPr>
         </p:nvSpPr>
-        <p:spPr/>
+        <p:spPr>
+          <a:xfrm>
+            <a:off x="457200" y="274638"/>
+            <a:ext cx="8229600" cy="1706562"/>
+          </a:xfrm>
+        </p:spPr>
+        <p:txBody>
+          <a:bodyPr>
+            <a:normAutofit fontScale="90000"/>
+          </a:bodyPr>
+          <a:lstStyle/>
+          <a:p>
+            <a:r>
+              <a:rPr lang="en-US" b="1" dirty="0" smtClean="0"/>
+              <a:t>What WILL be </a:t>
+            </a:r>
+            <a:r>
+              <a:rPr lang="en-US" b="1" dirty="0" smtClean="0"/>
+              <a:t>Covered: </a:t>
+            </a:r>
+            <a:br>
+              <a:rPr lang="en-US" b="1" dirty="0" smtClean="0"/>
+            </a:br>
+            <a:r>
+              <a:rPr lang="en-US" b="1" dirty="0" smtClean="0"/>
+              <a:t>the foundations of client-side frameworks</a:t>
+            </a:r>
+            <a:endParaRPr lang="en-US" b="1" dirty="0"/>
+          </a:p>
+        </p:txBody>
+      </p:sp>
+      <p:sp>
+        <p:nvSpPr>
+          <p:cNvPr id="3" name="Content Placeholder 2"/>
+          <p:cNvSpPr>
+            <a:spLocks noGrp="1"/>
+          </p:cNvSpPr>
+          <p:nvPr>
+            <p:ph idx="1"/>
+          </p:nvPr>
+        </p:nvSpPr>
+        <p:spPr>
+          <a:xfrm>
+            <a:off x="457200" y="2438400"/>
+            <a:ext cx="8229600" cy="3687763"/>
+          </a:xfrm>
+        </p:spPr>
         <p:txBody>
           <a:bodyPr/>
           <a:lstStyle/>
           <a:p>
             <a:r>
               <a:rPr lang="en-US" dirty="0" smtClean="0"/>
-              <a:t>Spa-Query</a:t>
-            </a:r>
+              <a:t>Models</a:t>
+            </a:r>
+            <a:endParaRPr lang="en-US" dirty="0" smtClean="0"/>
+          </a:p>
+          <a:p>
+            <a:r>
+              <a:rPr lang="en-US" dirty="0" smtClean="0"/>
+              <a:t>Views</a:t>
+            </a:r>
+          </a:p>
+          <a:p>
+            <a:r>
+              <a:rPr lang="en-US" dirty="0" smtClean="0"/>
+              <a:t>And how to connect them</a:t>
+            </a:r>
+          </a:p>
+          <a:p>
             <a:endParaRPr lang="en-US" dirty="0"/>
           </a:p>
         </p:txBody>
       </p:sp>
-      <p:sp>
-        <p:nvSpPr>
-          <p:cNvPr id="3" name="Content Placeholder 2"/>
-          <p:cNvSpPr>
-            <a:spLocks noGrp="1"/>
-          </p:cNvSpPr>
-          <p:nvPr>
-            <p:ph idx="1"/>
-          </p:nvPr>
-        </p:nvSpPr>
-        <p:spPr/>
-        <p:txBody>
-          <a:bodyPr>
-            <a:normAutofit fontScale="92500" lnSpcReduction="10000"/>
-          </a:bodyPr>
-          <a:lstStyle/>
-          <a:p>
-            <a:r>
-              <a:rPr lang="en-US" dirty="0" smtClean="0"/>
-              <a:t>Spaghetti-</a:t>
-            </a:r>
-            <a:r>
-              <a:rPr lang="en-US" dirty="0" err="1" smtClean="0"/>
-              <a:t>jquery</a:t>
-            </a:r>
-            <a:endParaRPr lang="en-US" dirty="0" smtClean="0"/>
-          </a:p>
-          <a:p>
-            <a:r>
-              <a:rPr lang="en-US" dirty="0" smtClean="0"/>
-              <a:t>$(document).ready(function() {</a:t>
-            </a:r>
-          </a:p>
-          <a:p>
-            <a:pPr lvl="2"/>
-            <a:r>
-              <a:rPr lang="en-US" dirty="0" smtClean="0"/>
-              <a:t>$(‘#foo’).click(function()  {</a:t>
-            </a:r>
-          </a:p>
-          <a:p>
-            <a:pPr lvl="3"/>
-            <a:r>
-              <a:rPr lang="en-US" dirty="0" smtClean="0"/>
-              <a:t>$.</a:t>
-            </a:r>
-            <a:r>
-              <a:rPr lang="en-US" dirty="0" err="1" smtClean="0"/>
-              <a:t>ajax</a:t>
-            </a:r>
-            <a:r>
-              <a:rPr lang="en-US" dirty="0" smtClean="0"/>
-              <a:t>(‘/</a:t>
-            </a:r>
-            <a:r>
-              <a:rPr lang="en-US" dirty="0" err="1" smtClean="0"/>
-              <a:t>url</a:t>
-            </a:r>
-            <a:r>
-              <a:rPr lang="en-US" dirty="0" smtClean="0"/>
-              <a:t>’,a, function(</a:t>
-            </a:r>
-            <a:r>
-              <a:rPr lang="en-US" dirty="0" err="1" smtClean="0"/>
-              <a:t>er</a:t>
-            </a:r>
-            <a:r>
-              <a:rPr lang="en-US" dirty="0" smtClean="0"/>
-              <a:t>) {</a:t>
-            </a:r>
-          </a:p>
-          <a:p>
-            <a:pPr lvl="3"/>
-            <a:r>
-              <a:rPr lang="en-US" dirty="0" smtClean="0"/>
-              <a:t>});</a:t>
-            </a:r>
-          </a:p>
-          <a:p>
-            <a:pPr lvl="2"/>
-            <a:r>
-              <a:rPr lang="en-US" dirty="0" smtClean="0"/>
-              <a:t>}):</a:t>
-            </a:r>
-            <a:endParaRPr lang="en-US" dirty="0"/>
-          </a:p>
-          <a:p>
-            <a:r>
-              <a:rPr lang="en-US" dirty="0" smtClean="0"/>
-              <a:t>});</a:t>
-            </a:r>
-          </a:p>
-          <a:p>
-            <a:endParaRPr lang="en-US" dirty="0"/>
-          </a:p>
-          <a:p>
-            <a:r>
-              <a:rPr lang="en-US" dirty="0" smtClean="0"/>
-              <a:t>function a() {</a:t>
-            </a:r>
-          </a:p>
-          <a:p>
-            <a:r>
-              <a:rPr lang="en-US" dirty="0" smtClean="0"/>
-              <a:t>}</a:t>
-            </a:r>
-            <a:endParaRPr lang="en-US" dirty="0"/>
-          </a:p>
-          <a:p>
-            <a:endParaRPr lang="en-US" dirty="0"/>
-          </a:p>
-        </p:txBody>
-      </p:sp>
+      <p:pic>
+        <p:nvPicPr>
+          <p:cNvPr id="4" name="Audio 3">
+            <a:hlinkClick r:id="" action="ppaction://media"/>
+          </p:cNvPr>
+          <p:cNvPicPr>
+            <a:picLocks noChangeAspect="1"/>
+          </p:cNvPicPr>
+          <p:nvPr>
+            <a:audioFile r:link="rId2"/>
+            <p:extLst>
+              <p:ext uri="{DAA4B4D4-6D71-4841-9C94-3DE7FCFB9230}">
+                <p14:media xmlns:p14="http://schemas.microsoft.com/office/powerpoint/2010/main" r:embed="rId1"/>
+              </p:ext>
+            </p:extLst>
+          </p:nvPr>
+        </p:nvPicPr>
+        <p:blipFill>
+          <a:blip r:embed="rId4"/>
+          <a:stretch>
+            <a:fillRect/>
+          </a:stretch>
+        </p:blipFill>
+        <p:spPr>
+          <a:xfrm>
+            <a:off x="8382000" y="6096000"/>
+            <a:ext cx="609600" cy="609600"/>
+          </a:xfrm>
+          <a:prstGeom prst="rect">
+            <a:avLst/>
+          </a:prstGeom>
+        </p:spPr>
+      </p:pic>
     </p:spTree>
     <p:extLst>
       <p:ext uri="{BB962C8B-B14F-4D97-AF65-F5344CB8AC3E}">
-        <p14:creationId xmlns:p14="http://schemas.microsoft.com/office/powerpoint/2010/main" val="2290306457"/>
+        <p14:creationId xmlns:p14="http://schemas.microsoft.com/office/powerpoint/2010/main" val="437079684"/>
       </p:ext>
     </p:extLst>
   </p:cSld>
   <p:clrMapOvr>
     <a:masterClrMapping/>
   </p:clrMapOvr>
+  <mc:AlternateContent xmlns:mc="http://schemas.openxmlformats.org/markup-compatibility/2006">
+    <mc:Choice xmlns:p14="http://schemas.microsoft.com/office/powerpoint/2010/main" Requires="p14">
+      <p:transition spd="slow" p14:dur="2000" advTm="472"/>
+    </mc:Choice>
+    <mc:Fallback>
+      <p:transition spd="slow" advTm="472"/>
+    </mc:Fallback>
+  </mc:AlternateContent>
+  <p:timing>
+    <p:tnLst>
+      <p:par>
+        <p:cTn id="1" dur="indefinite" restart="never" nodeType="tmRoot">
+          <p:childTnLst>
+            <p:seq concurrent="1" nextAc="seek">
+              <p:cTn id="2" dur="indefinite" nodeType="mainSeq">
+                <p:childTnLst>
+                  <p:par>
+                    <p:cTn id="3" fill="hold">
+                      <p:stCondLst>
+                        <p:cond delay="indefinite"/>
+                        <p:cond evt="onBegin" delay="0">
+                          <p:tn val="2"/>
+                        </p:cond>
+                      </p:stCondLst>
+                      <p:childTnLst>
+                        <p:par>
+                          <p:cTn id="4" fill="hold">
+                            <p:stCondLst>
+                              <p:cond delay="0"/>
+                            </p:stCondLst>
+                            <p:childTnLst>
+                              <p:par>
+                                <p:cTn id="5" presetID="1" presetClass="mediacall" presetSubtype="0" fill="hold" nodeType="afterEffect">
+                                  <p:stCondLst>
+                                    <p:cond delay="0"/>
+                                  </p:stCondLst>
+                                  <p:childTnLst>
+                                    <p:cmd type="call" cmd="playFrom(0.0)">
+                                      <p:cBhvr>
+                                        <p:cTn id="6" dur="1" fill="hold"/>
+                                        <p:tgtEl>
+                                          <p:spTgt spid="4"/>
+                                        </p:tgtEl>
+                                      </p:cBhvr>
+                                    </p:cmd>
+                                  </p:childTnLst>
+                                </p:cTn>
+                              </p:par>
+                            </p:childTnLst>
+                          </p:cTn>
+                        </p:par>
+                      </p:childTnLst>
+                    </p:cTn>
+                  </p:par>
+                </p:childTnLst>
+              </p:cTn>
+              <p:prevCondLst>
+                <p:cond evt="onPrev" delay="0">
+                  <p:tgtEl>
+                    <p:sldTgt/>
+                  </p:tgtEl>
+                </p:cond>
+              </p:prevCondLst>
+              <p:nextCondLst>
+                <p:cond evt="onNext" delay="0">
+                  <p:tgtEl>
+                    <p:sldTgt/>
+                  </p:tgtEl>
+                </p:cond>
+              </p:nextCondLst>
+            </p:seq>
+            <p:audio isNarration="1">
+              <p:cMediaNode vol="80000" showWhenStopped="0">
+                <p:cTn id="7" fill="hold" display="0">
+                  <p:stCondLst>
+                    <p:cond delay="indefinite"/>
+                  </p:stCondLst>
+                  <p:endCondLst>
+                    <p:cond evt="onStopAudio" delay="0">
+                      <p:tgtEl>
+                        <p:sldTgt/>
+                      </p:tgtEl>
+                    </p:cond>
+                  </p:endCondLst>
+                </p:cTn>
+                <p:tgtEl>
+                  <p:spTgt spid="4"/>
+                </p:tgtEl>
+              </p:cMediaNode>
+            </p:audio>
+          </p:childTnLst>
+        </p:cTn>
+      </p:par>
+    </p:tnLst>
+  </p:timing>
 </p:sld>
 </file>
 
@@ -6695,61 +5232,268 @@
         </p:nvSpPr>
         <p:spPr/>
         <p:txBody>
+          <a:bodyPr/>
+          <a:lstStyle/>
+          <a:p>
+            <a:r>
+              <a:rPr lang="en-US" dirty="0" smtClean="0"/>
+              <a:t>Spa-Query</a:t>
+            </a:r>
+            <a:endParaRPr lang="en-US" dirty="0"/>
+          </a:p>
+        </p:txBody>
+      </p:sp>
+      <p:sp>
+        <p:nvSpPr>
+          <p:cNvPr id="3" name="Content Placeholder 2"/>
+          <p:cNvSpPr>
+            <a:spLocks noGrp="1"/>
+          </p:cNvSpPr>
+          <p:nvPr>
+            <p:ph idx="1"/>
+          </p:nvPr>
+        </p:nvSpPr>
+        <p:spPr/>
+        <p:txBody>
           <a:bodyPr>
-            <a:normAutofit fontScale="90000"/>
+            <a:normAutofit fontScale="92500" lnSpcReduction="10000"/>
           </a:bodyPr>
           <a:lstStyle/>
           <a:p>
             <a:r>
               <a:rPr lang="en-US" dirty="0" smtClean="0"/>
-              <a:t>Server Side MVC Frameworks connect models and views with HTTP verbs:</a:t>
-            </a:r>
-            <a:br>
-              <a:rPr lang="en-US" dirty="0" smtClean="0"/>
-            </a:br>
-            <a:r>
-              <a:rPr lang="en-US" dirty="0" smtClean="0"/>
-              <a:t>GET, POST, etc.</a:t>
+              <a:t>Spaghetti-</a:t>
+            </a:r>
+            <a:r>
+              <a:rPr lang="en-US" dirty="0" err="1" smtClean="0"/>
+              <a:t>jquery</a:t>
+            </a:r>
+            <a:endParaRPr lang="en-US" dirty="0" smtClean="0"/>
+          </a:p>
+          <a:p>
+            <a:r>
+              <a:rPr lang="en-US" dirty="0" smtClean="0"/>
+              <a:t>$(document).ready(function() {</a:t>
+            </a:r>
+          </a:p>
+          <a:p>
+            <a:pPr lvl="2"/>
+            <a:r>
+              <a:rPr lang="en-US" dirty="0" smtClean="0"/>
+              <a:t>$(‘#foo’).click(function()  {</a:t>
+            </a:r>
+          </a:p>
+          <a:p>
+            <a:pPr lvl="3"/>
+            <a:r>
+              <a:rPr lang="en-US" dirty="0" smtClean="0"/>
+              <a:t>$.</a:t>
+            </a:r>
+            <a:r>
+              <a:rPr lang="en-US" dirty="0" err="1" smtClean="0"/>
+              <a:t>ajax</a:t>
+            </a:r>
+            <a:r>
+              <a:rPr lang="en-US" dirty="0" smtClean="0"/>
+              <a:t>(‘/</a:t>
+            </a:r>
+            <a:r>
+              <a:rPr lang="en-US" dirty="0" err="1" smtClean="0"/>
+              <a:t>url</a:t>
+            </a:r>
+            <a:r>
+              <a:rPr lang="en-US" dirty="0" smtClean="0"/>
+              <a:t>’,a, function(</a:t>
+            </a:r>
+            <a:r>
+              <a:rPr lang="en-US" dirty="0" err="1" smtClean="0"/>
+              <a:t>er</a:t>
+            </a:r>
+            <a:r>
+              <a:rPr lang="en-US" dirty="0" smtClean="0"/>
+              <a:t>) {</a:t>
+            </a:r>
+          </a:p>
+          <a:p>
+            <a:pPr lvl="3"/>
+            <a:r>
+              <a:rPr lang="en-US" dirty="0" smtClean="0"/>
+              <a:t>});</a:t>
+            </a:r>
+          </a:p>
+          <a:p>
+            <a:pPr lvl="2"/>
+            <a:r>
+              <a:rPr lang="en-US" dirty="0" smtClean="0"/>
+              <a:t>}):</a:t>
             </a:r>
             <a:endParaRPr lang="en-US" dirty="0"/>
           </a:p>
-        </p:txBody>
-      </p:sp>
-      <p:graphicFrame>
-        <p:nvGraphicFramePr>
-          <p:cNvPr id="6" name="Content Placeholder 5"/>
-          <p:cNvGraphicFramePr>
-            <a:graphicFrameLocks noGrp="1"/>
-          </p:cNvGraphicFramePr>
-          <p:nvPr>
-            <p:ph idx="1"/>
+          <a:p>
+            <a:r>
+              <a:rPr lang="en-US" dirty="0" smtClean="0"/>
+              <a:t>});</a:t>
+            </a:r>
+          </a:p>
+          <a:p>
+            <a:endParaRPr lang="en-US" dirty="0"/>
+          </a:p>
+          <a:p>
+            <a:r>
+              <a:rPr lang="en-US" dirty="0" smtClean="0"/>
+              <a:t>function a() {</a:t>
+            </a:r>
+          </a:p>
+          <a:p>
+            <a:r>
+              <a:rPr lang="en-US" dirty="0" smtClean="0"/>
+              <a:t>}</a:t>
+            </a:r>
+            <a:endParaRPr lang="en-US" dirty="0"/>
+          </a:p>
+          <a:p>
+            <a:endParaRPr lang="en-US" dirty="0"/>
+          </a:p>
+        </p:txBody>
+      </p:sp>
+      <p:pic>
+        <p:nvPicPr>
+          <p:cNvPr id="4" name="Audio 3">
+            <a:hlinkClick r:id="" action="ppaction://media"/>
+          </p:cNvPr>
+          <p:cNvPicPr>
+            <a:picLocks noChangeAspect="1"/>
+          </p:cNvPicPr>
+          <p:nvPr>
+            <a:audioFile r:link="rId2"/>
             <p:extLst>
-              <p:ext uri="{D42A27DB-BD31-4B8C-83A1-F6EECF244321}">
-                <p14:modId xmlns:p14="http://schemas.microsoft.com/office/powerpoint/2010/main" val="3289639352"/>
+              <p:ext uri="{DAA4B4D4-6D71-4841-9C94-3DE7FCFB9230}">
+                <p14:media xmlns:p14="http://schemas.microsoft.com/office/powerpoint/2010/main" r:embed="rId1"/>
               </p:ext>
             </p:extLst>
           </p:nvPr>
-        </p:nvGraphicFramePr>
-        <p:xfrm>
-          <a:off x="457200" y="1600200"/>
-          <a:ext cx="8229600" cy="4525963"/>
-        </p:xfrm>
-        <a:graphic>
-          <a:graphicData uri="http://schemas.openxmlformats.org/drawingml/2006/diagram">
-            <dgm:relIds xmlns:dgm="http://schemas.openxmlformats.org/drawingml/2006/diagram" xmlns:r="http://schemas.openxmlformats.org/officeDocument/2006/relationships" r:dm="rId2" r:lo="rId3" r:qs="rId4" r:cs="rId5"/>
-          </a:graphicData>
-        </a:graphic>
-      </p:graphicFrame>
+        </p:nvPicPr>
+        <p:blipFill>
+          <a:blip r:embed="rId4"/>
+          <a:stretch>
+            <a:fillRect/>
+          </a:stretch>
+        </p:blipFill>
+        <p:spPr>
+          <a:xfrm>
+            <a:off x="8382000" y="6096000"/>
+            <a:ext cx="609600" cy="609600"/>
+          </a:xfrm>
+          <a:prstGeom prst="rect">
+            <a:avLst/>
+          </a:prstGeom>
+        </p:spPr>
+      </p:pic>
     </p:spTree>
     <p:extLst>
       <p:ext uri="{BB962C8B-B14F-4D97-AF65-F5344CB8AC3E}">
-        <p14:creationId xmlns:p14="http://schemas.microsoft.com/office/powerpoint/2010/main" val="3286277275"/>
+        <p14:creationId xmlns:p14="http://schemas.microsoft.com/office/powerpoint/2010/main" val="2290306457"/>
       </p:ext>
     </p:extLst>
   </p:cSld>
   <p:clrMapOvr>
     <a:masterClrMapping/>
   </p:clrMapOvr>
+  <mc:AlternateContent xmlns:mc="http://schemas.openxmlformats.org/markup-compatibility/2006">
+    <mc:Choice xmlns:p14="http://schemas.microsoft.com/office/powerpoint/2010/main" Requires="p14">
+      <p:transition spd="slow" p14:dur="2000" advTm="211"/>
+    </mc:Choice>
+    <mc:Fallback>
+      <p:transition spd="slow" advTm="211"/>
+    </mc:Fallback>
+  </mc:AlternateContent>
+  <p:timing>
+    <p:tnLst>
+      <p:par>
+        <p:cTn id="1" dur="indefinite" restart="never" nodeType="tmRoot">
+          <p:childTnLst>
+            <p:seq concurrent="1" nextAc="seek">
+              <p:cTn id="2" dur="indefinite" nodeType="mainSeq">
+                <p:childTnLst>
+                  <p:par>
+                    <p:cTn id="3" fill="hold">
+                      <p:stCondLst>
+                        <p:cond delay="indefinite"/>
+                        <p:cond evt="onBegin" delay="0">
+                          <p:tn val="2"/>
+                        </p:cond>
+                      </p:stCondLst>
+                      <p:childTnLst>
+                        <p:par>
+                          <p:cTn id="4" fill="hold">
+                            <p:stCondLst>
+                              <p:cond delay="0"/>
+                            </p:stCondLst>
+                            <p:childTnLst>
+                              <p:par>
+                                <p:cTn id="5" presetID="1" presetClass="mediacall" presetSubtype="0" fill="hold" nodeType="afterEffect">
+                                  <p:stCondLst>
+                                    <p:cond delay="0"/>
+                                  </p:stCondLst>
+                                  <p:childTnLst>
+                                    <p:cmd type="call" cmd="playFrom(0.0)">
+                                      <p:cBhvr>
+                                        <p:cTn id="6" dur="1" fill="hold"/>
+                                        <p:tgtEl>
+                                          <p:spTgt spid="4"/>
+                                        </p:tgtEl>
+                                      </p:cBhvr>
+                                    </p:cmd>
+                                  </p:childTnLst>
+                                </p:cTn>
+                              </p:par>
+                            </p:childTnLst>
+                          </p:cTn>
+                        </p:par>
+                      </p:childTnLst>
+                    </p:cTn>
+                  </p:par>
+                </p:childTnLst>
+              </p:cTn>
+              <p:prevCondLst>
+                <p:cond evt="onPrev" delay="0">
+                  <p:tgtEl>
+                    <p:sldTgt/>
+                  </p:tgtEl>
+                </p:cond>
+              </p:prevCondLst>
+              <p:nextCondLst>
+                <p:cond evt="onNext" delay="0">
+                  <p:tgtEl>
+                    <p:sldTgt/>
+                  </p:tgtEl>
+                </p:cond>
+              </p:nextCondLst>
+            </p:seq>
+            <p:audio isNarration="1">
+              <p:cMediaNode vol="80000" showWhenStopped="0">
+                <p:cTn id="7" fill="hold" display="0">
+                  <p:stCondLst>
+                    <p:cond delay="indefinite"/>
+                  </p:stCondLst>
+                  <p:endCondLst>
+                    <p:cond evt="onStopAudio" delay="0">
+                      <p:tgtEl>
+                        <p:sldTgt/>
+                      </p:tgtEl>
+                    </p:cond>
+                  </p:endCondLst>
+                </p:cTn>
+                <p:tgtEl>
+                  <p:spTgt spid="4"/>
+                </p:tgtEl>
+              </p:cMediaNode>
+            </p:audio>
+          </p:childTnLst>
+        </p:cTn>
+      </p:par>
+    </p:tnLst>
+  </p:timing>
 </p:sld>
 </file>
 
@@ -6780,7 +5524,12 @@
             <p:ph type="title"/>
           </p:nvPr>
         </p:nvSpPr>
-        <p:spPr/>
+        <p:spPr>
+          <a:xfrm>
+            <a:off x="457200" y="274638"/>
+            <a:ext cx="8229600" cy="2239962"/>
+          </a:xfrm>
+        </p:spPr>
         <p:txBody>
           <a:bodyPr>
             <a:normAutofit fontScale="90000"/>
@@ -6789,64 +5538,198 @@
           <a:p>
             <a:r>
               <a:rPr lang="en-US" dirty="0" smtClean="0"/>
-              <a:t>Client Side Frameworks connect models and views with DOM events:</a:t>
+              <a:t>Server Side MVC Frameworks connect models and views with HTTP verbs:</a:t>
             </a:r>
             <a:br>
               <a:rPr lang="en-US" dirty="0" smtClean="0"/>
             </a:br>
             <a:r>
-              <a:rPr lang="en-US" dirty="0" err="1" smtClean="0"/>
-              <a:t>onclick</a:t>
-            </a:r>
-            <a:r>
-              <a:rPr lang="en-US" dirty="0" smtClean="0"/>
-              <a:t>, etc.</a:t>
+              <a:rPr lang="en-US" dirty="0" smtClean="0"/>
+              <a:t>GET, POST, etc. over the Request/Response Cycle</a:t>
             </a:r>
             <a:endParaRPr lang="en-US" dirty="0"/>
           </a:p>
         </p:txBody>
       </p:sp>
-      <p:sp>
-        <p:nvSpPr>
-          <p:cNvPr id="3" name="Content Placeholder 2"/>
-          <p:cNvSpPr>
-            <a:spLocks noGrp="1"/>
-          </p:cNvSpPr>
-          <p:nvPr>
-            <p:ph idx="1"/>
-          </p:nvPr>
-        </p:nvSpPr>
-        <p:spPr/>
-        <p:txBody>
-          <a:bodyPr/>
-          <a:lstStyle/>
-          <a:p>
-            <a:r>
-              <a:rPr lang="en-US" dirty="0" smtClean="0"/>
-              <a:t>It’s all on the client</a:t>
-            </a:r>
-          </a:p>
-          <a:p>
-            <a:r>
-              <a:rPr lang="en-US" dirty="0" smtClean="0"/>
-              <a:t>Now the controller needs to connect the server in a different way to persist.</a:t>
-            </a:r>
-          </a:p>
-          <a:p>
-            <a:endParaRPr lang="en-US" dirty="0"/>
-          </a:p>
-        </p:txBody>
-      </p:sp>
+      <p:pic>
+        <p:nvPicPr>
+          <p:cNvPr id="1026" name="Picture 2" descr="C:\Users\jkoynok\Desktop\What-Is-MVC.png"/>
+          <p:cNvPicPr>
+            <a:picLocks noChangeAspect="1" noChangeArrowheads="1"/>
+          </p:cNvPicPr>
+          <p:nvPr/>
+        </p:nvPicPr>
+        <p:blipFill>
+          <a:blip r:embed="rId4">
+            <a:extLst>
+              <a:ext uri="{28A0092B-C50C-407E-A947-70E740481C1C}">
+                <a14:useLocalDpi xmlns:a14="http://schemas.microsoft.com/office/drawing/2010/main" val="0"/>
+              </a:ext>
+            </a:extLst>
+          </a:blip>
+          <a:srcRect/>
+          <a:stretch>
+            <a:fillRect/>
+          </a:stretch>
+        </p:blipFill>
+        <p:spPr bwMode="auto">
+          <a:xfrm>
+            <a:off x="2603499" y="3200400"/>
+            <a:ext cx="3114675" cy="2990850"/>
+          </a:xfrm>
+          <a:prstGeom prst="rect">
+            <a:avLst/>
+          </a:prstGeom>
+          <a:noFill/>
+          <a:extLst>
+            <a:ext uri="{909E8E84-426E-40DD-AFC4-6F175D3DCCD1}">
+              <a14:hiddenFill xmlns:a14="http://schemas.microsoft.com/office/drawing/2010/main">
+                <a:solidFill>
+                  <a:srgbClr val="FFFFFF"/>
+                </a:solidFill>
+              </a14:hiddenFill>
+            </a:ext>
+          </a:extLst>
+        </p:spPr>
+      </p:pic>
+      <p:pic>
+        <p:nvPicPr>
+          <p:cNvPr id="4" name="Audio 3">
+            <a:hlinkClick r:id="" action="ppaction://media"/>
+          </p:cNvPr>
+          <p:cNvPicPr>
+            <a:picLocks noChangeAspect="1"/>
+          </p:cNvPicPr>
+          <p:nvPr>
+            <a:audioFile r:link="rId2"/>
+            <p:extLst>
+              <p:ext uri="{DAA4B4D4-6D71-4841-9C94-3DE7FCFB9230}">
+                <p14:media xmlns:p14="http://schemas.microsoft.com/office/powerpoint/2010/main" r:embed="rId1"/>
+              </p:ext>
+            </p:extLst>
+          </p:nvPr>
+        </p:nvPicPr>
+        <p:blipFill>
+          <a:blip r:embed="rId5"/>
+          <a:stretch>
+            <a:fillRect/>
+          </a:stretch>
+        </p:blipFill>
+        <p:spPr>
+          <a:xfrm>
+            <a:off x="8382000" y="6096000"/>
+            <a:ext cx="609600" cy="609600"/>
+          </a:xfrm>
+          <a:prstGeom prst="rect">
+            <a:avLst/>
+          </a:prstGeom>
+        </p:spPr>
+      </p:pic>
     </p:spTree>
     <p:extLst>
       <p:ext uri="{BB962C8B-B14F-4D97-AF65-F5344CB8AC3E}">
-        <p14:creationId xmlns:p14="http://schemas.microsoft.com/office/powerpoint/2010/main" val="3447008513"/>
+        <p14:creationId xmlns:p14="http://schemas.microsoft.com/office/powerpoint/2010/main" val="3286277275"/>
       </p:ext>
     </p:extLst>
   </p:cSld>
   <p:clrMapOvr>
     <a:masterClrMapping/>
   </p:clrMapOvr>
+  <mc:AlternateContent xmlns:mc="http://schemas.openxmlformats.org/markup-compatibility/2006">
+    <mc:Choice xmlns:p14="http://schemas.microsoft.com/office/powerpoint/2010/main" Requires="p14">
+      <p:transition spd="slow" p14:dur="2000" advTm="307"/>
+    </mc:Choice>
+    <mc:Fallback>
+      <p:transition spd="slow" advTm="307"/>
+    </mc:Fallback>
+  </mc:AlternateContent>
+  <p:timing>
+    <p:tnLst>
+      <p:par>
+        <p:cTn id="1" dur="indefinite" restart="never" nodeType="tmRoot">
+          <p:childTnLst>
+            <p:seq concurrent="1" nextAc="seek">
+              <p:cTn id="2" dur="indefinite" nodeType="mainSeq">
+                <p:childTnLst>
+                  <p:par>
+                    <p:cTn id="3" fill="hold">
+                      <p:stCondLst>
+                        <p:cond delay="indefinite"/>
+                        <p:cond evt="onBegin" delay="0">
+                          <p:tn val="2"/>
+                        </p:cond>
+                      </p:stCondLst>
+                      <p:childTnLst>
+                        <p:par>
+                          <p:cTn id="4" fill="hold">
+                            <p:stCondLst>
+                              <p:cond delay="0"/>
+                            </p:stCondLst>
+                            <p:childTnLst>
+                              <p:par>
+                                <p:cTn id="5" presetID="1" presetClass="mediacall" presetSubtype="0" fill="hold" nodeType="afterEffect">
+                                  <p:stCondLst>
+                                    <p:cond delay="0"/>
+                                  </p:stCondLst>
+                                  <p:childTnLst>
+                                    <p:cmd type="call" cmd="playFrom(0.0)">
+                                      <p:cBhvr>
+                                        <p:cTn id="6" dur="1" fill="hold"/>
+                                        <p:tgtEl>
+                                          <p:spTgt spid="4"/>
+                                        </p:tgtEl>
+                                      </p:cBhvr>
+                                    </p:cmd>
+                                  </p:childTnLst>
+                                </p:cTn>
+                              </p:par>
+                            </p:childTnLst>
+                          </p:cTn>
+                        </p:par>
+                      </p:childTnLst>
+                    </p:cTn>
+                  </p:par>
+                </p:childTnLst>
+              </p:cTn>
+              <p:prevCondLst>
+                <p:cond evt="onPrev" delay="0">
+                  <p:tgtEl>
+                    <p:sldTgt/>
+                  </p:tgtEl>
+                </p:cond>
+              </p:prevCondLst>
+              <p:nextCondLst>
+                <p:cond evt="onNext" delay="0">
+                  <p:tgtEl>
+                    <p:sldTgt/>
+                  </p:tgtEl>
+                </p:cond>
+              </p:nextCondLst>
+            </p:seq>
+            <p:audio isNarration="1">
+              <p:cMediaNode vol="80000" showWhenStopped="0">
+                <p:cTn id="7" fill="hold" display="0">
+                  <p:stCondLst>
+                    <p:cond delay="indefinite"/>
+                  </p:stCondLst>
+                  <p:endCondLst>
+                    <p:cond evt="onStopAudio" delay="0">
+                      <p:tgtEl>
+                        <p:sldTgt/>
+                      </p:tgtEl>
+                    </p:cond>
+                  </p:endCondLst>
+                </p:cTn>
+                <p:tgtEl>
+                  <p:spTgt spid="4"/>
+                </p:tgtEl>
+              </p:cMediaNode>
+            </p:audio>
+          </p:childTnLst>
+        </p:cTn>
+      </p:par>
+    </p:tnLst>
+  </p:timing>
 </p:sld>
 </file>
 
@@ -6877,14 +5760,36 @@
             <p:ph type="title"/>
           </p:nvPr>
         </p:nvSpPr>
-        <p:spPr/>
-        <p:txBody>
-          <a:bodyPr/>
-          <a:lstStyle/>
-          <a:p>
-            <a:r>
-              <a:rPr lang="en-US" dirty="0" smtClean="0"/>
-              <a:t>The Players</a:t>
+        <p:spPr>
+          <a:xfrm>
+            <a:off x="457200" y="274638"/>
+            <a:ext cx="8382000" cy="2620962"/>
+          </a:xfrm>
+        </p:spPr>
+        <p:txBody>
+          <a:bodyPr>
+            <a:normAutofit/>
+          </a:bodyPr>
+          <a:lstStyle/>
+          <a:p>
+            <a:r>
+              <a:rPr lang="en-US" dirty="0" smtClean="0"/>
+              <a:t>Client Frameworks </a:t>
+            </a:r>
+            <a:r>
+              <a:rPr lang="en-US" dirty="0" smtClean="0"/>
+              <a:t>connect models and views with DOM events</a:t>
+            </a:r>
+            <a:br>
+              <a:rPr lang="en-US" dirty="0" smtClean="0"/>
+            </a:br>
+            <a:r>
+              <a:rPr lang="en-US" dirty="0" err="1" smtClean="0"/>
+              <a:t>onclick</a:t>
+            </a:r>
+            <a:r>
+              <a:rPr lang="en-US" dirty="0" smtClean="0"/>
+              <a:t>, etc. in the window.</a:t>
             </a:r>
             <a:endParaRPr lang="en-US" dirty="0"/>
           </a:p>
@@ -6900,56 +5805,246 @@
             <p:ph idx="1"/>
           </p:nvPr>
         </p:nvSpPr>
-        <p:spPr/>
-        <p:txBody>
-          <a:bodyPr/>
-          <a:lstStyle/>
-          <a:p>
-            <a:r>
-              <a:rPr lang="en-US" dirty="0" smtClean="0"/>
-              <a:t>Backbone</a:t>
-            </a:r>
-          </a:p>
-          <a:p>
-            <a:r>
-              <a:rPr lang="en-US" dirty="0" smtClean="0"/>
-              <a:t>Knockout</a:t>
-            </a:r>
-          </a:p>
-          <a:p>
-            <a:r>
-              <a:rPr lang="en-US" dirty="0" smtClean="0"/>
-              <a:t>Ember.js</a:t>
-            </a:r>
-          </a:p>
-          <a:p>
-            <a:r>
-              <a:rPr lang="en-US" dirty="0" err="1" smtClean="0"/>
-              <a:t>Jquery</a:t>
-            </a:r>
-            <a:r>
-              <a:rPr lang="en-US" dirty="0" smtClean="0"/>
-              <a:t> UI widgets (not flexible enough)</a:t>
-            </a:r>
-          </a:p>
+        <p:spPr>
+          <a:xfrm>
+            <a:off x="457200" y="5486400"/>
+            <a:ext cx="8229600" cy="990600"/>
+          </a:xfrm>
+          <a:ln>
+            <a:solidFill>
+              <a:schemeClr val="accent1"/>
+            </a:solidFill>
+          </a:ln>
+        </p:spPr>
+        <p:txBody>
+          <a:bodyPr>
+            <a:normAutofit fontScale="92500" lnSpcReduction="20000"/>
+          </a:bodyPr>
+          <a:lstStyle/>
           <a:p>
             <a:pPr marL="0" indent="0">
               <a:buNone/>
             </a:pPr>
+            <a:endParaRPr lang="en-US" dirty="0" smtClean="0"/>
+          </a:p>
+          <a:p>
+            <a:pPr marL="0" indent="0" algn="ctr">
+              <a:buNone/>
+            </a:pPr>
+            <a:r>
+              <a:rPr lang="en-US" dirty="0" smtClean="0"/>
+              <a:t>No longer </a:t>
+            </a:r>
+            <a:r>
+              <a:rPr lang="en-US" b="1" i="1" dirty="0" smtClean="0"/>
+              <a:t>simulating</a:t>
+            </a:r>
+            <a:r>
+              <a:rPr lang="en-US" b="1" dirty="0" smtClean="0"/>
+              <a:t> </a:t>
+            </a:r>
+            <a:r>
+              <a:rPr lang="en-US" dirty="0" smtClean="0"/>
+              <a:t>a </a:t>
+            </a:r>
+            <a:r>
+              <a:rPr lang="en-US" dirty="0" err="1" smtClean="0"/>
+              <a:t>stateful</a:t>
+            </a:r>
+            <a:r>
+              <a:rPr lang="en-US" dirty="0"/>
+              <a:t> </a:t>
+            </a:r>
+            <a:r>
+              <a:rPr lang="en-US" dirty="0" smtClean="0"/>
+              <a:t>a process</a:t>
+            </a:r>
+            <a:endParaRPr lang="en-US" dirty="0" smtClean="0"/>
+          </a:p>
+          <a:p>
             <a:endParaRPr lang="en-US" dirty="0"/>
           </a:p>
         </p:txBody>
       </p:sp>
+      <p:pic>
+        <p:nvPicPr>
+          <p:cNvPr id="3075" name="Picture 3" descr="C:\Users\jkoynok\Desktop\layers copy.png"/>
+          <p:cNvPicPr>
+            <a:picLocks noChangeAspect="1" noChangeArrowheads="1"/>
+          </p:cNvPicPr>
+          <p:nvPr/>
+        </p:nvPicPr>
+        <p:blipFill>
+          <a:blip r:embed="rId4">
+            <a:extLst>
+              <a:ext uri="{28A0092B-C50C-407E-A947-70E740481C1C}">
+                <a14:useLocalDpi xmlns:a14="http://schemas.microsoft.com/office/drawing/2010/main" val="0"/>
+              </a:ext>
+            </a:extLst>
+          </a:blip>
+          <a:srcRect/>
+          <a:stretch>
+            <a:fillRect/>
+          </a:stretch>
+        </p:blipFill>
+        <p:spPr bwMode="auto">
+          <a:xfrm>
+            <a:off x="1981200" y="2743200"/>
+            <a:ext cx="5114925" cy="3076575"/>
+          </a:xfrm>
+          <a:prstGeom prst="rect">
+            <a:avLst/>
+          </a:prstGeom>
+          <a:noFill/>
+          <a:extLst>
+            <a:ext uri="{909E8E84-426E-40DD-AFC4-6F175D3DCCD1}">
+              <a14:hiddenFill xmlns:a14="http://schemas.microsoft.com/office/drawing/2010/main">
+                <a:solidFill>
+                  <a:srgbClr val="FFFFFF"/>
+                </a:solidFill>
+              </a14:hiddenFill>
+            </a:ext>
+          </a:extLst>
+        </p:spPr>
+      </p:pic>
+      <p:pic>
+        <p:nvPicPr>
+          <p:cNvPr id="4" name="Audio 3">
+            <a:hlinkClick r:id="" action="ppaction://media"/>
+          </p:cNvPr>
+          <p:cNvPicPr>
+            <a:picLocks noChangeAspect="1"/>
+          </p:cNvPicPr>
+          <p:nvPr>
+            <a:audioFile r:link="rId2"/>
+            <p:extLst>
+              <p:ext uri="{DAA4B4D4-6D71-4841-9C94-3DE7FCFB9230}">
+                <p14:media xmlns:p14="http://schemas.microsoft.com/office/powerpoint/2010/main" r:embed="rId1"/>
+              </p:ext>
+            </p:extLst>
+          </p:nvPr>
+        </p:nvPicPr>
+        <p:blipFill>
+          <a:blip r:embed="rId5"/>
+          <a:stretch>
+            <a:fillRect/>
+          </a:stretch>
+        </p:blipFill>
+        <p:spPr>
+          <a:xfrm>
+            <a:off x="8382000" y="6096000"/>
+            <a:ext cx="609600" cy="609600"/>
+          </a:xfrm>
+          <a:prstGeom prst="rect">
+            <a:avLst/>
+          </a:prstGeom>
+        </p:spPr>
+      </p:pic>
     </p:spTree>
     <p:extLst>
       <p:ext uri="{BB962C8B-B14F-4D97-AF65-F5344CB8AC3E}">
-        <p14:creationId xmlns:p14="http://schemas.microsoft.com/office/powerpoint/2010/main" val="3083029155"/>
+        <p14:creationId xmlns:p14="http://schemas.microsoft.com/office/powerpoint/2010/main" val="3447008513"/>
       </p:ext>
     </p:extLst>
   </p:cSld>
   <p:clrMapOvr>
     <a:masterClrMapping/>
   </p:clrMapOvr>
+  <mc:AlternateContent xmlns:mc="http://schemas.openxmlformats.org/markup-compatibility/2006">
+    <mc:Choice xmlns:p14="http://schemas.microsoft.com/office/powerpoint/2010/main" Requires="p14">
+      <p:transition spd="slow" p14:dur="2000" advTm="75"/>
+    </mc:Choice>
+    <mc:Fallback>
+      <p:transition spd="slow" advTm="75"/>
+    </mc:Fallback>
+  </mc:AlternateContent>
+  <p:timing>
+    <p:tnLst>
+      <p:par>
+        <p:cTn id="1" dur="indefinite" restart="never" nodeType="tmRoot">
+          <p:childTnLst>
+            <p:seq concurrent="1" nextAc="seek">
+              <p:cTn id="2" dur="indefinite" nodeType="mainSeq">
+                <p:childTnLst>
+                  <p:par>
+                    <p:cTn id="3" fill="hold">
+                      <p:stCondLst>
+                        <p:cond delay="indefinite"/>
+                        <p:cond evt="onBegin" delay="0">
+                          <p:tn val="2"/>
+                        </p:cond>
+                      </p:stCondLst>
+                      <p:childTnLst>
+                        <p:par>
+                          <p:cTn id="4" fill="hold">
+                            <p:stCondLst>
+                              <p:cond delay="0"/>
+                            </p:stCondLst>
+                            <p:childTnLst>
+                              <p:par>
+                                <p:cTn id="5" presetID="1" presetClass="mediacall" presetSubtype="0" fill="hold" nodeType="afterEffect">
+                                  <p:stCondLst>
+                                    <p:cond delay="0"/>
+                                  </p:stCondLst>
+                                  <p:childTnLst>
+                                    <p:cmd type="call" cmd="playFrom(0.0)">
+                                      <p:cBhvr>
+                                        <p:cTn id="6" dur="1" fill="hold"/>
+                                        <p:tgtEl>
+                                          <p:spTgt spid="4"/>
+                                        </p:tgtEl>
+                                      </p:cBhvr>
+                                    </p:cmd>
+                                  </p:childTnLst>
+                                </p:cTn>
+                              </p:par>
+                            </p:childTnLst>
+                          </p:cTn>
+                        </p:par>
+                      </p:childTnLst>
+                    </p:cTn>
+                  </p:par>
+                </p:childTnLst>
+              </p:cTn>
+              <p:prevCondLst>
+                <p:cond evt="onPrev" delay="0">
+                  <p:tgtEl>
+                    <p:sldTgt/>
+                  </p:tgtEl>
+                </p:cond>
+              </p:prevCondLst>
+              <p:nextCondLst>
+                <p:cond evt="onNext" delay="0">
+                  <p:tgtEl>
+                    <p:sldTgt/>
+                  </p:tgtEl>
+                </p:cond>
+              </p:nextCondLst>
+            </p:seq>
+            <p:audio isNarration="1">
+              <p:cMediaNode vol="80000" showWhenStopped="0">
+                <p:cTn id="7" fill="hold" display="0">
+                  <p:stCondLst>
+                    <p:cond delay="indefinite"/>
+                  </p:stCondLst>
+                  <p:endCondLst>
+                    <p:cond evt="onStopAudio" delay="0">
+                      <p:tgtEl>
+                        <p:sldTgt/>
+                      </p:tgtEl>
+                    </p:cond>
+                  </p:endCondLst>
+                </p:cTn>
+                <p:tgtEl>
+                  <p:spTgt spid="4"/>
+                </p:tgtEl>
+              </p:cMediaNode>
+            </p:audio>
+          </p:childTnLst>
+        </p:cTn>
+      </p:par>
+    </p:tnLst>
+  </p:timing>
 </p:sld>
 </file>
 
@@ -6987,7 +6082,11 @@
           <a:p>
             <a:r>
               <a:rPr lang="en-US" dirty="0" smtClean="0"/>
-              <a:t>What Will NOT be Covered</a:t>
+              <a:t>Some of the </a:t>
+            </a:r>
+            <a:r>
+              <a:rPr lang="en-US" dirty="0" smtClean="0"/>
+              <a:t>Players</a:t>
             </a:r>
             <a:endParaRPr lang="en-US" dirty="0"/>
           </a:p>
@@ -7010,66 +6109,188 @@
           <a:p>
             <a:r>
               <a:rPr lang="en-US" dirty="0" smtClean="0"/>
-              <a:t>Database Stuff -&gt; </a:t>
-            </a:r>
-            <a:r>
-              <a:rPr lang="en-US" dirty="0" smtClean="0"/>
-              <a:t>Serializing your model</a:t>
-            </a:r>
-          </a:p>
-          <a:p>
+              <a:t>Backbone - </a:t>
+            </a:r>
             <a:r>
               <a:rPr lang="en-US" dirty="0" err="1" smtClean="0"/>
-              <a:t>Upserting</a:t>
-            </a:r>
-            <a:r>
-              <a:rPr lang="en-US" dirty="0" smtClean="0"/>
-              <a:t> to restful endpoints</a:t>
-            </a:r>
-            <a:r>
-              <a:rPr lang="en-US" dirty="0" smtClean="0"/>
-              <a:t> </a:t>
-            </a:r>
-          </a:p>
-          <a:p>
-            <a:r>
-              <a:rPr lang="en-US" dirty="0" smtClean="0"/>
-              <a:t>Unit Testing your Models</a:t>
+              <a:t>railsy</a:t>
             </a:r>
             <a:endParaRPr lang="en-US" dirty="0" smtClean="0"/>
           </a:p>
           <a:p>
             <a:r>
               <a:rPr lang="en-US" dirty="0" smtClean="0"/>
-              <a:t>Backbone Collections</a:t>
-            </a:r>
-          </a:p>
-          <a:p>
-            <a:r>
-              <a:rPr lang="en-US" dirty="0" smtClean="0"/>
-              <a:t>Backbone </a:t>
-            </a:r>
-            <a:r>
-              <a:rPr lang="en-US" dirty="0" smtClean="0"/>
-              <a:t>Routers, History </a:t>
+              <a:t>Knockout - </a:t>
+            </a:r>
+            <a:r>
+              <a:rPr lang="en-US" dirty="0" err="1" smtClean="0"/>
+              <a:t>miscrosofty</a:t>
             </a:r>
             <a:endParaRPr lang="en-US" dirty="0" smtClean="0"/>
           </a:p>
           <a:p>
+            <a:r>
+              <a:rPr lang="en-US" dirty="0" smtClean="0"/>
+              <a:t>Ember.js </a:t>
+            </a:r>
+            <a:endParaRPr lang="en-US" dirty="0" smtClean="0"/>
+          </a:p>
+          <a:p>
+            <a:r>
+              <a:rPr lang="en-US" dirty="0" err="1" smtClean="0"/>
+              <a:t>Jquery</a:t>
+            </a:r>
+            <a:r>
+              <a:rPr lang="en-US" dirty="0" smtClean="0"/>
+              <a:t> UI widgets (not flexible enough)</a:t>
+            </a:r>
+          </a:p>
+          <a:p>
+            <a:pPr marL="0" indent="0">
+              <a:buNone/>
+            </a:pPr>
             <a:endParaRPr lang="en-US" dirty="0"/>
           </a:p>
         </p:txBody>
       </p:sp>
+      <p:pic>
+        <p:nvPicPr>
+          <p:cNvPr id="4" name="Audio 3">
+            <a:hlinkClick r:id="" action="ppaction://media"/>
+          </p:cNvPr>
+          <p:cNvPicPr>
+            <a:picLocks noChangeAspect="1"/>
+          </p:cNvPicPr>
+          <p:nvPr>
+            <a:audioFile r:link="rId2"/>
+            <p:extLst>
+              <p:ext uri="{DAA4B4D4-6D71-4841-9C94-3DE7FCFB9230}">
+                <p14:media xmlns:p14="http://schemas.microsoft.com/office/powerpoint/2010/main" r:embed="rId1"/>
+              </p:ext>
+            </p:extLst>
+          </p:nvPr>
+        </p:nvPicPr>
+        <p:blipFill>
+          <a:blip r:embed="rId4"/>
+          <a:stretch>
+            <a:fillRect/>
+          </a:stretch>
+        </p:blipFill>
+        <p:spPr>
+          <a:xfrm>
+            <a:off x="8382000" y="6096000"/>
+            <a:ext cx="609600" cy="609600"/>
+          </a:xfrm>
+          <a:prstGeom prst="rect">
+            <a:avLst/>
+          </a:prstGeom>
+        </p:spPr>
+      </p:pic>
     </p:spTree>
     <p:extLst>
       <p:ext uri="{BB962C8B-B14F-4D97-AF65-F5344CB8AC3E}">
-        <p14:creationId xmlns:p14="http://schemas.microsoft.com/office/powerpoint/2010/main" val="1504512266"/>
+        <p14:creationId xmlns:p14="http://schemas.microsoft.com/office/powerpoint/2010/main" val="3083029155"/>
       </p:ext>
     </p:extLst>
   </p:cSld>
   <p:clrMapOvr>
     <a:masterClrMapping/>
   </p:clrMapOvr>
+  <mc:AlternateContent xmlns:mc="http://schemas.openxmlformats.org/markup-compatibility/2006">
+    <mc:Choice xmlns:p14="http://schemas.microsoft.com/office/powerpoint/2010/main" Requires="p14">
+      <p:transition spd="slow" p14:dur="2000" advTm="525"/>
+    </mc:Choice>
+    <mc:Fallback>
+      <p:transition spd="slow" advTm="525"/>
+    </mc:Fallback>
+  </mc:AlternateContent>
+  <p:timing>
+    <p:tnLst>
+      <p:par>
+        <p:cTn id="1" dur="indefinite" restart="never" nodeType="tmRoot">
+          <p:childTnLst>
+            <p:seq concurrent="1" nextAc="seek">
+              <p:cTn id="2" dur="indefinite" nodeType="mainSeq">
+                <p:childTnLst>
+                  <p:par>
+                    <p:cTn id="3" fill="hold">
+                      <p:stCondLst>
+                        <p:cond delay="indefinite"/>
+                        <p:cond evt="onBegin" delay="0">
+                          <p:tn val="2"/>
+                        </p:cond>
+                      </p:stCondLst>
+                      <p:childTnLst>
+                        <p:par>
+                          <p:cTn id="4" fill="hold">
+                            <p:stCondLst>
+                              <p:cond delay="0"/>
+                            </p:stCondLst>
+                            <p:childTnLst>
+                              <p:par>
+                                <p:cTn id="5" presetID="1" presetClass="mediacall" presetSubtype="0" fill="hold" nodeType="afterEffect">
+                                  <p:stCondLst>
+                                    <p:cond delay="0"/>
+                                  </p:stCondLst>
+                                  <p:childTnLst>
+                                    <p:cmd type="call" cmd="playFrom(0.0)">
+                                      <p:cBhvr>
+                                        <p:cTn id="6" dur="1" fill="hold"/>
+                                        <p:tgtEl>
+                                          <p:spTgt spid="4"/>
+                                        </p:tgtEl>
+                                      </p:cBhvr>
+                                    </p:cmd>
+                                  </p:childTnLst>
+                                </p:cTn>
+                              </p:par>
+                            </p:childTnLst>
+                          </p:cTn>
+                        </p:par>
+                      </p:childTnLst>
+                    </p:cTn>
+                  </p:par>
+                </p:childTnLst>
+              </p:cTn>
+              <p:prevCondLst>
+                <p:cond evt="onPrev" delay="0">
+                  <p:tgtEl>
+                    <p:sldTgt/>
+                  </p:tgtEl>
+                </p:cond>
+              </p:prevCondLst>
+              <p:nextCondLst>
+                <p:cond evt="onNext" delay="0">
+                  <p:tgtEl>
+                    <p:sldTgt/>
+                  </p:tgtEl>
+                </p:cond>
+              </p:nextCondLst>
+            </p:seq>
+            <p:audio isNarration="1">
+              <p:cMediaNode vol="80000" showWhenStopped="0">
+                <p:cTn id="7" fill="hold" display="0">
+                  <p:stCondLst>
+                    <p:cond delay="indefinite"/>
+                  </p:stCondLst>
+                  <p:endCondLst>
+                    <p:cond evt="onStopAudio" delay="0">
+                      <p:tgtEl>
+                        <p:sldTgt/>
+                      </p:tgtEl>
+                    </p:cond>
+                  </p:endCondLst>
+                </p:cTn>
+                <p:tgtEl>
+                  <p:spTgt spid="4"/>
+                </p:tgtEl>
+              </p:cMediaNode>
+            </p:audio>
+          </p:childTnLst>
+        </p:cTn>
+      </p:par>
+    </p:tnLst>
+  </p:timing>
 </p:sld>
 </file>
 
@@ -7106,61 +6327,211 @@
           <a:lstStyle/>
           <a:p>
             <a:r>
-              <a:rPr lang="en-US" dirty="0" smtClean="0"/>
-              <a:t>What WILL be Covered</a:t>
-            </a:r>
+              <a:rPr lang="en-US" b="1" dirty="0" smtClean="0"/>
+              <a:t>Consider this </a:t>
+            </a:r>
+            <a:r>
+              <a:rPr lang="en-US" b="1" dirty="0" smtClean="0"/>
+              <a:t>Book </a:t>
+            </a:r>
+            <a:r>
+              <a:rPr lang="en-US" b="1" dirty="0" smtClean="0"/>
+              <a:t>Data Model</a:t>
+            </a:r>
+            <a:endParaRPr lang="en-US" b="1" dirty="0"/>
+          </a:p>
+        </p:txBody>
+      </p:sp>
+      <p:sp>
+        <p:nvSpPr>
+          <p:cNvPr id="3" name="Content Placeholder 2"/>
+          <p:cNvSpPr>
+            <a:spLocks noGrp="1"/>
+          </p:cNvSpPr>
+          <p:nvPr>
+            <p:ph idx="1"/>
+          </p:nvPr>
+        </p:nvSpPr>
+        <p:spPr/>
+        <p:txBody>
+          <a:bodyPr/>
+          <a:lstStyle/>
+          <a:p>
+            <a:r>
+              <a:rPr lang="en-US" sz="4000" b="1" dirty="0" smtClean="0"/>
+              <a:t> </a:t>
+            </a:r>
+            <a:r>
+              <a:rPr lang="en-US" sz="4000" b="1" dirty="0"/>
+              <a:t>{ "id": 1, "Title": "</a:t>
+            </a:r>
+            <a:r>
+              <a:rPr lang="en-US" sz="4000" b="1" dirty="0" err="1"/>
+              <a:t>RabbitMQ</a:t>
+            </a:r>
+            <a:r>
+              <a:rPr lang="en-US" sz="4000" b="1" dirty="0"/>
+              <a:t> in Action", "</a:t>
+            </a:r>
+            <a:r>
+              <a:rPr lang="en-US" sz="4000" b="1" dirty="0" err="1"/>
+              <a:t>PageCount</a:t>
+            </a:r>
+            <a:r>
+              <a:rPr lang="en-US" sz="4000" b="1" dirty="0"/>
+              <a:t>": 200, "Likes": </a:t>
+            </a:r>
+            <a:r>
+              <a:rPr lang="en-US" sz="4000" b="1" dirty="0" smtClean="0"/>
+              <a:t>0}</a:t>
+            </a:r>
+          </a:p>
+          <a:p>
+            <a:pPr marL="0" indent="0">
+              <a:buNone/>
+            </a:pPr>
             <a:endParaRPr lang="en-US" dirty="0"/>
           </a:p>
         </p:txBody>
       </p:sp>
-      <p:sp>
-        <p:nvSpPr>
-          <p:cNvPr id="3" name="Content Placeholder 2"/>
-          <p:cNvSpPr>
-            <a:spLocks noGrp="1"/>
-          </p:cNvSpPr>
-          <p:nvPr>
-            <p:ph idx="1"/>
-          </p:nvPr>
-        </p:nvSpPr>
-        <p:spPr/>
-        <p:txBody>
-          <a:bodyPr/>
-          <a:lstStyle/>
-          <a:p>
-            <a:r>
-              <a:rPr lang="en-US" dirty="0" smtClean="0"/>
-              <a:t>Models</a:t>
-            </a:r>
-          </a:p>
-          <a:p>
-            <a:r>
-              <a:rPr lang="en-US" dirty="0" smtClean="0"/>
-              <a:t>Views</a:t>
-            </a:r>
-          </a:p>
-          <a:p>
-            <a:r>
-              <a:rPr lang="en-US" dirty="0" smtClean="0"/>
-              <a:t>And how to connect them</a:t>
-            </a:r>
-            <a:endParaRPr lang="en-US" dirty="0" smtClean="0"/>
-          </a:p>
-          <a:p>
-            <a:endParaRPr lang="en-US" dirty="0"/>
-          </a:p>
-        </p:txBody>
-      </p:sp>
+      <p:pic>
+        <p:nvPicPr>
+          <p:cNvPr id="4" name="Audio 3">
+            <a:hlinkClick r:id="" action="ppaction://media"/>
+          </p:cNvPr>
+          <p:cNvPicPr>
+            <a:picLocks noChangeAspect="1"/>
+          </p:cNvPicPr>
+          <p:nvPr>
+            <a:audioFile r:link="rId2"/>
+            <p:extLst>
+              <p:ext uri="{DAA4B4D4-6D71-4841-9C94-3DE7FCFB9230}">
+                <p14:media xmlns:p14="http://schemas.microsoft.com/office/powerpoint/2010/main" r:embed="rId1"/>
+              </p:ext>
+            </p:extLst>
+          </p:nvPr>
+        </p:nvPicPr>
+        <p:blipFill>
+          <a:blip r:embed="rId4"/>
+          <a:stretch>
+            <a:fillRect/>
+          </a:stretch>
+        </p:blipFill>
+        <p:spPr>
+          <a:xfrm>
+            <a:off x="8382000" y="6096000"/>
+            <a:ext cx="609600" cy="609600"/>
+          </a:xfrm>
+          <a:prstGeom prst="rect">
+            <a:avLst/>
+          </a:prstGeom>
+        </p:spPr>
+      </p:pic>
     </p:spTree>
     <p:extLst>
       <p:ext uri="{BB962C8B-B14F-4D97-AF65-F5344CB8AC3E}">
-        <p14:creationId xmlns:p14="http://schemas.microsoft.com/office/powerpoint/2010/main" val="437079684"/>
+        <p14:creationId xmlns:p14="http://schemas.microsoft.com/office/powerpoint/2010/main" val="3445556225"/>
       </p:ext>
     </p:extLst>
   </p:cSld>
   <p:clrMapOvr>
     <a:masterClrMapping/>
   </p:clrMapOvr>
+  <mc:AlternateContent xmlns:mc="http://schemas.openxmlformats.org/markup-compatibility/2006">
+    <mc:Choice xmlns:p14="http://schemas.microsoft.com/office/powerpoint/2010/main" Requires="p14">
+      <p:transition spd="slow" p14:dur="2000" advTm="383"/>
+    </mc:Choice>
+    <mc:Fallback>
+      <p:transition spd="slow" advTm="383"/>
+    </mc:Fallback>
+  </mc:AlternateContent>
+  <p:timing>
+    <p:tnLst>
+      <p:par>
+        <p:cTn id="1" dur="indefinite" restart="never" nodeType="tmRoot">
+          <p:childTnLst>
+            <p:seq concurrent="1" nextAc="seek">
+              <p:cTn id="2" dur="indefinite" nodeType="mainSeq">
+                <p:childTnLst>
+                  <p:par>
+                    <p:cTn id="3" fill="hold">
+                      <p:stCondLst>
+                        <p:cond delay="indefinite"/>
+                        <p:cond evt="onBegin" delay="0">
+                          <p:tn val="2"/>
+                        </p:cond>
+                      </p:stCondLst>
+                      <p:childTnLst>
+                        <p:par>
+                          <p:cTn id="4" fill="hold">
+                            <p:stCondLst>
+                              <p:cond delay="0"/>
+                            </p:stCondLst>
+                            <p:childTnLst>
+                              <p:par>
+                                <p:cTn id="5" presetID="1" presetClass="mediacall" presetSubtype="0" fill="hold" nodeType="afterEffect">
+                                  <p:stCondLst>
+                                    <p:cond delay="0"/>
+                                  </p:stCondLst>
+                                  <p:childTnLst>
+                                    <p:cmd type="call" cmd="playFrom(0.0)">
+                                      <p:cBhvr>
+                                        <p:cTn id="6" dur="1" fill="hold"/>
+                                        <p:tgtEl>
+                                          <p:spTgt spid="4"/>
+                                        </p:tgtEl>
+                                      </p:cBhvr>
+                                    </p:cmd>
+                                  </p:childTnLst>
+                                </p:cTn>
+                              </p:par>
+                            </p:childTnLst>
+                          </p:cTn>
+                        </p:par>
+                      </p:childTnLst>
+                    </p:cTn>
+                  </p:par>
+                </p:childTnLst>
+              </p:cTn>
+              <p:prevCondLst>
+                <p:cond evt="onPrev" delay="0">
+                  <p:tgtEl>
+                    <p:sldTgt/>
+                  </p:tgtEl>
+                </p:cond>
+              </p:prevCondLst>
+              <p:nextCondLst>
+                <p:cond evt="onNext" delay="0">
+                  <p:tgtEl>
+                    <p:sldTgt/>
+                  </p:tgtEl>
+                </p:cond>
+              </p:nextCondLst>
+            </p:seq>
+            <p:audio isNarration="1">
+              <p:cMediaNode vol="80000" showWhenStopped="0">
+                <p:cTn id="7" fill="hold" display="0">
+                  <p:stCondLst>
+                    <p:cond delay="indefinite"/>
+                  </p:stCondLst>
+                  <p:endCondLst>
+                    <p:cond evt="onStopAudio" delay="0">
+                      <p:tgtEl>
+                        <p:sldTgt/>
+                      </p:tgtEl>
+                    </p:cond>
+                  </p:endCondLst>
+                </p:cTn>
+                <p:tgtEl>
+                  <p:spTgt spid="4"/>
+                </p:tgtEl>
+              </p:cMediaNode>
+            </p:audio>
+          </p:childTnLst>
+        </p:cTn>
+      </p:par>
+    </p:tnLst>
+  </p:timing>
 </p:sld>
 </file>
 
@@ -7193,12 +6564,14 @@
         </p:nvSpPr>
         <p:spPr/>
         <p:txBody>
-          <a:bodyPr/>
-          <a:lstStyle/>
-          <a:p>
-            <a:r>
-              <a:rPr lang="en-US" dirty="0" smtClean="0"/>
-              <a:t>Book Data Model</a:t>
+          <a:bodyPr>
+            <a:normAutofit/>
+          </a:bodyPr>
+          <a:lstStyle/>
+          <a:p>
+            <a:r>
+              <a:rPr lang="en-US" dirty="0" smtClean="0"/>
+              <a:t>MODEL</a:t>
             </a:r>
             <a:endParaRPr lang="en-US" dirty="0"/>
           </a:p>
@@ -7216,77 +6589,212 @@
         </p:nvSpPr>
         <p:spPr/>
         <p:txBody>
-          <a:bodyPr/>
-          <a:lstStyle/>
-          <a:p>
-            <a:pPr marL="0" indent="0">
-              <a:buNone/>
-            </a:pPr>
+          <a:bodyPr>
+            <a:normAutofit/>
+          </a:bodyPr>
+          <a:lstStyle/>
+          <a:p>
+            <a:r>
+              <a:rPr lang="en-US" dirty="0" smtClean="0"/>
+              <a:t>Prototype for your JSON </a:t>
+            </a:r>
+            <a:r>
+              <a:rPr lang="en-US" dirty="0" smtClean="0"/>
+              <a:t>data </a:t>
+            </a:r>
+            <a:r>
+              <a:rPr lang="en-US" dirty="0" smtClean="0"/>
+              <a:t>object </a:t>
+            </a:r>
+            <a:r>
+              <a:rPr lang="en-US" dirty="0" smtClean="0"/>
+              <a:t>that </a:t>
+            </a:r>
+            <a:r>
+              <a:rPr lang="en-US" dirty="0" smtClean="0"/>
+              <a:t>adds:</a:t>
+            </a:r>
+          </a:p>
+          <a:p>
+            <a:pPr lvl="1"/>
+            <a:r>
+              <a:rPr lang="en-US" dirty="0" smtClean="0"/>
+              <a:t>Custom </a:t>
+            </a:r>
+            <a:r>
+              <a:rPr lang="en-US" dirty="0" smtClean="0"/>
+              <a:t>methods</a:t>
+            </a:r>
+          </a:p>
+          <a:p>
+            <a:pPr lvl="1"/>
+            <a:r>
+              <a:rPr lang="en-US" dirty="0" smtClean="0"/>
+              <a:t>Attribute</a:t>
+            </a:r>
+            <a:r>
+              <a:rPr lang="en-US" dirty="0" smtClean="0"/>
+              <a:t> Getters/Setters (properties)</a:t>
+            </a:r>
+          </a:p>
+          <a:p>
+            <a:pPr lvl="1"/>
+            <a:r>
+              <a:rPr lang="en-US" dirty="0" smtClean="0"/>
+              <a:t>Event model – publish/subscribe for attribute changes</a:t>
+            </a:r>
             <a:endParaRPr lang="en-US" dirty="0" smtClean="0"/>
           </a:p>
           <a:p>
-            <a:r>
-              <a:rPr lang="en-US" dirty="0" smtClean="0"/>
-              <a:t>String Title, </a:t>
-            </a:r>
-            <a:r>
-              <a:rPr lang="en-US" dirty="0" err="1" smtClean="0"/>
-              <a:t>Int</a:t>
-            </a:r>
-            <a:r>
-              <a:rPr lang="en-US" dirty="0" smtClean="0"/>
-              <a:t> </a:t>
-            </a:r>
-            <a:r>
-              <a:rPr lang="en-US" dirty="0" smtClean="0"/>
-              <a:t>Likes</a:t>
-            </a:r>
-          </a:p>
-          <a:p>
-            <a:r>
-              <a:rPr lang="en-US" dirty="0"/>
-              <a:t> { "id": 1, "Title": "</a:t>
-            </a:r>
-            <a:r>
-              <a:rPr lang="en-US" dirty="0" err="1"/>
-              <a:t>RabbitMQ</a:t>
-            </a:r>
-            <a:r>
-              <a:rPr lang="en-US" dirty="0"/>
-              <a:t> in Action", "</a:t>
-            </a:r>
-            <a:r>
-              <a:rPr lang="en-US" dirty="0" err="1"/>
-              <a:t>PageCount</a:t>
-            </a:r>
-            <a:r>
-              <a:rPr lang="en-US" dirty="0"/>
-              <a:t>": 200, "Likes": </a:t>
-            </a:r>
-            <a:r>
-              <a:rPr lang="en-US" dirty="0" smtClean="0"/>
-              <a:t>0}</a:t>
-            </a:r>
-            <a:endParaRPr lang="en-US" dirty="0" smtClean="0"/>
-          </a:p>
-          <a:p>
-            <a:pPr marL="0" indent="0">
-              <a:buNone/>
-            </a:pPr>
+            <a:pPr lvl="1"/>
+            <a:r>
+              <a:rPr lang="en-US" dirty="0" smtClean="0"/>
+              <a:t>Built-in plumbing for saving back to server (not covered)</a:t>
+            </a:r>
+          </a:p>
+          <a:p>
             <a:endParaRPr lang="en-US" dirty="0"/>
           </a:p>
         </p:txBody>
       </p:sp>
+      <p:pic>
+        <p:nvPicPr>
+          <p:cNvPr id="4" name="Audio 3">
+            <a:hlinkClick r:id="" action="ppaction://media"/>
+          </p:cNvPr>
+          <p:cNvPicPr>
+            <a:picLocks noChangeAspect="1"/>
+          </p:cNvPicPr>
+          <p:nvPr>
+            <a:audioFile r:link="rId2"/>
+            <p:extLst>
+              <p:ext uri="{DAA4B4D4-6D71-4841-9C94-3DE7FCFB9230}">
+                <p14:media xmlns:p14="http://schemas.microsoft.com/office/powerpoint/2010/main" r:embed="rId1"/>
+              </p:ext>
+            </p:extLst>
+          </p:nvPr>
+        </p:nvPicPr>
+        <p:blipFill>
+          <a:blip r:embed="rId4"/>
+          <a:stretch>
+            <a:fillRect/>
+          </a:stretch>
+        </p:blipFill>
+        <p:spPr>
+          <a:xfrm>
+            <a:off x="8382000" y="6096000"/>
+            <a:ext cx="609600" cy="609600"/>
+          </a:xfrm>
+          <a:prstGeom prst="rect">
+            <a:avLst/>
+          </a:prstGeom>
+        </p:spPr>
+      </p:pic>
     </p:spTree>
     <p:extLst>
       <p:ext uri="{BB962C8B-B14F-4D97-AF65-F5344CB8AC3E}">
-        <p14:creationId xmlns:p14="http://schemas.microsoft.com/office/powerpoint/2010/main" val="3445556225"/>
+        <p14:creationId xmlns:p14="http://schemas.microsoft.com/office/powerpoint/2010/main" val="383136027"/>
       </p:ext>
     </p:extLst>
   </p:cSld>
   <p:clrMapOvr>
     <a:masterClrMapping/>
   </p:clrMapOvr>
+  <mc:AlternateContent xmlns:mc="http://schemas.openxmlformats.org/markup-compatibility/2006">
+    <mc:Choice xmlns:p14="http://schemas.microsoft.com/office/powerpoint/2010/main" Requires="p14">
+      <p:transition spd="slow" p14:dur="2000" advTm="934"/>
+    </mc:Choice>
+    <mc:Fallback>
+      <p:transition spd="slow" advTm="934"/>
+    </mc:Fallback>
+  </mc:AlternateContent>
+  <p:timing>
+    <p:tnLst>
+      <p:par>
+        <p:cTn id="1" dur="indefinite" restart="never" nodeType="tmRoot">
+          <p:childTnLst>
+            <p:seq concurrent="1" nextAc="seek">
+              <p:cTn id="2" dur="indefinite" nodeType="mainSeq">
+                <p:childTnLst>
+                  <p:par>
+                    <p:cTn id="3" fill="hold">
+                      <p:stCondLst>
+                        <p:cond delay="indefinite"/>
+                        <p:cond evt="onBegin" delay="0">
+                          <p:tn val="2"/>
+                        </p:cond>
+                      </p:stCondLst>
+                      <p:childTnLst>
+                        <p:par>
+                          <p:cTn id="4" fill="hold">
+                            <p:stCondLst>
+                              <p:cond delay="0"/>
+                            </p:stCondLst>
+                            <p:childTnLst>
+                              <p:par>
+                                <p:cTn id="5" presetID="1" presetClass="mediacall" presetSubtype="0" fill="hold" nodeType="afterEffect">
+                                  <p:stCondLst>
+                                    <p:cond delay="0"/>
+                                  </p:stCondLst>
+                                  <p:childTnLst>
+                                    <p:cmd type="call" cmd="playFrom(0.0)">
+                                      <p:cBhvr>
+                                        <p:cTn id="6" dur="1" fill="hold"/>
+                                        <p:tgtEl>
+                                          <p:spTgt spid="4"/>
+                                        </p:tgtEl>
+                                      </p:cBhvr>
+                                    </p:cmd>
+                                  </p:childTnLst>
+                                </p:cTn>
+                              </p:par>
+                            </p:childTnLst>
+                          </p:cTn>
+                        </p:par>
+                      </p:childTnLst>
+                    </p:cTn>
+                  </p:par>
+                </p:childTnLst>
+              </p:cTn>
+              <p:prevCondLst>
+                <p:cond evt="onPrev" delay="0">
+                  <p:tgtEl>
+                    <p:sldTgt/>
+                  </p:tgtEl>
+                </p:cond>
+              </p:prevCondLst>
+              <p:nextCondLst>
+                <p:cond evt="onNext" delay="0">
+                  <p:tgtEl>
+                    <p:sldTgt/>
+                  </p:tgtEl>
+                </p:cond>
+              </p:nextCondLst>
+            </p:seq>
+            <p:audio isNarration="1">
+              <p:cMediaNode vol="80000" showWhenStopped="0">
+                <p:cTn id="7" fill="hold" display="0">
+                  <p:stCondLst>
+                    <p:cond delay="indefinite"/>
+                  </p:stCondLst>
+                  <p:endCondLst>
+                    <p:cond evt="onStopAudio" delay="0">
+                      <p:tgtEl>
+                        <p:sldTgt/>
+                      </p:tgtEl>
+                    </p:cond>
+                  </p:endCondLst>
+                </p:cTn>
+                <p:tgtEl>
+                  <p:spTgt spid="4"/>
+                </p:tgtEl>
+              </p:cMediaNode>
+            </p:audio>
+          </p:childTnLst>
+        </p:cTn>
+      </p:par>
+    </p:tnLst>
+  </p:timing>
 </p:sld>
 </file>
 

--- a/TechFest.Backbone/tf.backbone.pptx
+++ b/TechFest.Backbone/tf.backbone.pptx
@@ -18,9 +18,11 @@
     <p:sldId id="264" r:id="rId12"/>
     <p:sldId id="272" r:id="rId13"/>
     <p:sldId id="260" r:id="rId14"/>
-    <p:sldId id="263" r:id="rId15"/>
-    <p:sldId id="265" r:id="rId16"/>
-    <p:sldId id="273" r:id="rId17"/>
+    <p:sldId id="274" r:id="rId15"/>
+    <p:sldId id="275" r:id="rId16"/>
+    <p:sldId id="263" r:id="rId17"/>
+    <p:sldId id="265" r:id="rId18"/>
+    <p:sldId id="273" r:id="rId19"/>
   </p:sldIdLst>
   <p:sldSz cx="9144000" cy="6858000" type="screen4x3"/>
   <p:notesSz cx="6858000" cy="9144000"/>
@@ -4016,11 +4018,19 @@
             </a:r>
             <a:r>
               <a:rPr lang="en-US" dirty="0"/>
-              <a:t>?? This looks like a LOT of code and all it does it increment </a:t>
-            </a:r>
-            <a:r>
-              <a:rPr lang="en-US" dirty="0" smtClean="0"/>
-              <a:t>likes.</a:t>
+              <a:t>?? </a:t>
+            </a:r>
+            <a:r>
+              <a:rPr lang="en-US" dirty="0" smtClean="0"/>
+              <a:t>BFD, this </a:t>
+            </a:r>
+            <a:r>
+              <a:rPr lang="en-US" dirty="0"/>
+              <a:t>looks like a LOT of code and all it does it increment </a:t>
+            </a:r>
+            <a:r>
+              <a:rPr lang="en-US" dirty="0" smtClean="0"/>
+              <a:t>click.</a:t>
             </a:r>
             <a:r>
               <a:rPr lang="en-US" dirty="0"/>
@@ -4043,7 +4053,12 @@
             <p:ph idx="1"/>
           </p:nvPr>
         </p:nvSpPr>
-        <p:spPr/>
+        <p:spPr>
+          <a:xfrm>
+            <a:off x="762000" y="2133600"/>
+            <a:ext cx="4038600" cy="4267200"/>
+          </a:xfrm>
+        </p:spPr>
         <p:txBody>
           <a:bodyPr/>
           <a:lstStyle/>
@@ -4051,7 +4066,31 @@
             <a:endParaRPr lang="en-US" dirty="0" smtClean="0"/>
           </a:p>
           <a:p>
-            <a:endParaRPr lang="en-US" dirty="0"/>
+            <a:pPr marL="514350" indent="-514350">
+              <a:buAutoNum type="arabicPeriod"/>
+            </a:pPr>
+            <a:r>
+              <a:rPr lang="en-US" dirty="0" smtClean="0"/>
+              <a:t>Maintainable</a:t>
+            </a:r>
+          </a:p>
+          <a:p>
+            <a:pPr marL="514350" indent="-514350">
+              <a:buAutoNum type="arabicPeriod"/>
+            </a:pPr>
+            <a:r>
+              <a:rPr lang="en-US" dirty="0" smtClean="0"/>
+              <a:t>Maintainable</a:t>
+            </a:r>
+          </a:p>
+          <a:p>
+            <a:pPr marL="514350" indent="-514350">
+              <a:buAutoNum type="arabicPeriod"/>
+            </a:pPr>
+            <a:r>
+              <a:rPr lang="en-US" dirty="0" smtClean="0"/>
+              <a:t>Maintainable</a:t>
+            </a:r>
           </a:p>
         </p:txBody>
       </p:sp>
@@ -4086,6 +4125,129 @@
           <a:prstGeom prst="rect">
             <a:avLst/>
           </a:prstGeom>
+        </p:spPr>
+      </p:pic>
+      <p:pic>
+        <p:nvPicPr>
+          <p:cNvPr id="5122" name="Picture 2" descr="C:\Users\jkoynok\Desktop\oil\OilCan1inch.jpg"/>
+          <p:cNvPicPr>
+            <a:picLocks noChangeAspect="1" noChangeArrowheads="1"/>
+          </p:cNvPicPr>
+          <p:nvPr/>
+        </p:nvPicPr>
+        <p:blipFill>
+          <a:blip r:embed="rId5">
+            <a:extLst>
+              <a:ext uri="{28A0092B-C50C-407E-A947-70E740481C1C}">
+                <a14:useLocalDpi xmlns:a14="http://schemas.microsoft.com/office/drawing/2010/main" val="0"/>
+              </a:ext>
+            </a:extLst>
+          </a:blip>
+          <a:srcRect/>
+          <a:stretch>
+            <a:fillRect/>
+          </a:stretch>
+        </p:blipFill>
+        <p:spPr bwMode="auto">
+          <a:xfrm>
+            <a:off x="5700713" y="5026207"/>
+            <a:ext cx="2681287" cy="1614967"/>
+          </a:xfrm>
+          <a:prstGeom prst="rect">
+            <a:avLst/>
+          </a:prstGeom>
+          <a:noFill/>
+          <a:extLst>
+            <a:ext uri="{909E8E84-426E-40DD-AFC4-6F175D3DCCD1}">
+              <a14:hiddenFill xmlns:a14="http://schemas.microsoft.com/office/drawing/2010/main">
+                <a:solidFill>
+                  <a:srgbClr val="FFFFFF"/>
+                </a:solidFill>
+              </a14:hiddenFill>
+            </a:ext>
+          </a:extLst>
+        </p:spPr>
+      </p:pic>
+      <p:pic>
+        <p:nvPicPr>
+          <p:cNvPr id="5123" name="Picture 3" descr="C:\Users\jkoynok\Desktop\oil\Oil Can.jpg"/>
+          <p:cNvPicPr>
+            <a:picLocks noChangeAspect="1" noChangeArrowheads="1"/>
+          </p:cNvPicPr>
+          <p:nvPr/>
+        </p:nvPicPr>
+        <p:blipFill>
+          <a:blip r:embed="rId6">
+            <a:extLst>
+              <a:ext uri="{28A0092B-C50C-407E-A947-70E740481C1C}">
+                <a14:useLocalDpi xmlns:a14="http://schemas.microsoft.com/office/drawing/2010/main" val="0"/>
+              </a:ext>
+            </a:extLst>
+          </a:blip>
+          <a:srcRect/>
+          <a:stretch>
+            <a:fillRect/>
+          </a:stretch>
+        </p:blipFill>
+        <p:spPr bwMode="auto">
+          <a:xfrm>
+            <a:off x="3592830" y="5177019"/>
+            <a:ext cx="1619250" cy="1143000"/>
+          </a:xfrm>
+          <a:prstGeom prst="rect">
+            <a:avLst/>
+          </a:prstGeom>
+          <a:noFill/>
+          <a:extLst>
+            <a:ext uri="{909E8E84-426E-40DD-AFC4-6F175D3DCCD1}">
+              <a14:hiddenFill xmlns:a14="http://schemas.microsoft.com/office/drawing/2010/main">
+                <a:solidFill>
+                  <a:srgbClr val="FFFFFF"/>
+                </a:solidFill>
+              </a14:hiddenFill>
+            </a:ext>
+          </a:extLst>
+        </p:spPr>
+      </p:pic>
+      <p:pic>
+        <p:nvPicPr>
+          <p:cNvPr id="5124" name="Picture 4" descr="C:\Users\jkoynok\Desktop\oil\oil_can_-_clip_art.jpg"/>
+          <p:cNvPicPr>
+            <a:picLocks noChangeAspect="1" noChangeArrowheads="1"/>
+          </p:cNvPicPr>
+          <p:nvPr/>
+        </p:nvPicPr>
+        <p:blipFill>
+          <a:blip r:embed="rId7" cstate="print">
+            <a:extLst>
+              <a:ext uri="{28A0092B-C50C-407E-A947-70E740481C1C}">
+                <a14:useLocalDpi xmlns:a14="http://schemas.microsoft.com/office/drawing/2010/main" val="0"/>
+              </a:ext>
+            </a:extLst>
+          </a:blip>
+          <a:srcRect/>
+          <a:stretch>
+            <a:fillRect/>
+          </a:stretch>
+        </p:blipFill>
+        <p:spPr bwMode="auto">
+          <a:xfrm>
+            <a:off x="990600" y="5026207"/>
+            <a:ext cx="1444625" cy="1444625"/>
+          </a:xfrm>
+          <a:prstGeom prst="rect">
+            <a:avLst/>
+          </a:prstGeom>
+          <a:noFill/>
+          <a:extLst>
+            <a:ext uri="{909E8E84-426E-40DD-AFC4-6F175D3DCCD1}">
+              <a14:hiddenFill xmlns:a14="http://schemas.microsoft.com/office/drawing/2010/main">
+                <a:solidFill>
+                  <a:srgbClr val="FFFFFF"/>
+                </a:solidFill>
+              </a14:hiddenFill>
+            </a:ext>
+          </a:extLst>
         </p:spPr>
       </p:pic>
     </p:spTree>
@@ -4230,6 +4392,285 @@
           <a:p>
             <a:r>
               <a:rPr lang="en-US" dirty="0" smtClean="0"/>
+              <a:t>A Guru Speaks</a:t>
+            </a:r>
+            <a:endParaRPr lang="en-US" dirty="0"/>
+          </a:p>
+        </p:txBody>
+      </p:sp>
+      <p:pic>
+        <p:nvPicPr>
+          <p:cNvPr id="6146" name="Picture 2"/>
+          <p:cNvPicPr>
+            <a:picLocks noChangeAspect="1" noChangeArrowheads="1"/>
+          </p:cNvPicPr>
+          <p:nvPr/>
+        </p:nvPicPr>
+        <p:blipFill>
+          <a:blip r:embed="rId2">
+            <a:extLst>
+              <a:ext uri="{28A0092B-C50C-407E-A947-70E740481C1C}">
+                <a14:useLocalDpi xmlns:a14="http://schemas.microsoft.com/office/drawing/2010/main" val="0"/>
+              </a:ext>
+            </a:extLst>
+          </a:blip>
+          <a:srcRect/>
+          <a:stretch>
+            <a:fillRect/>
+          </a:stretch>
+        </p:blipFill>
+        <p:spPr bwMode="auto">
+          <a:xfrm>
+            <a:off x="2011363" y="2971800"/>
+            <a:ext cx="5121275" cy="914400"/>
+          </a:xfrm>
+          <a:prstGeom prst="rect">
+            <a:avLst/>
+          </a:prstGeom>
+          <a:noFill/>
+          <a:ln>
+            <a:noFill/>
+          </a:ln>
+          <a:effectLst/>
+          <a:extLst>
+            <a:ext uri="{909E8E84-426E-40DD-AFC4-6F175D3DCCD1}">
+              <a14:hiddenFill xmlns:a14="http://schemas.microsoft.com/office/drawing/2010/main">
+                <a:solidFill>
+                  <a:schemeClr val="accent1"/>
+                </a:solidFill>
+              </a14:hiddenFill>
+            </a:ext>
+            <a:ext uri="{91240B29-F687-4F45-9708-019B960494DF}">
+              <a14:hiddenLine xmlns:a14="http://schemas.microsoft.com/office/drawing/2010/main" w="9525">
+                <a:solidFill>
+                  <a:schemeClr val="tx1"/>
+                </a:solidFill>
+                <a:miter lim="800000"/>
+                <a:headEnd/>
+                <a:tailEnd/>
+              </a14:hiddenLine>
+            </a:ext>
+            <a:ext uri="{AF507438-7753-43E0-B8FC-AC1667EBCBE1}">
+              <a14:hiddenEffects xmlns:a14="http://schemas.microsoft.com/office/drawing/2010/main">
+                <a:effectLst>
+                  <a:outerShdw dist="35921" dir="2700000" algn="ctr" rotWithShape="0">
+                    <a:schemeClr val="bg2"/>
+                  </a:outerShdw>
+                </a:effectLst>
+              </a14:hiddenEffects>
+            </a:ext>
+          </a:extLst>
+        </p:spPr>
+      </p:pic>
+      <p:pic>
+        <p:nvPicPr>
+          <p:cNvPr id="6147" name="Picture 3"/>
+          <p:cNvPicPr>
+            <a:picLocks noChangeAspect="1" noChangeArrowheads="1"/>
+          </p:cNvPicPr>
+          <p:nvPr/>
+        </p:nvPicPr>
+        <p:blipFill>
+          <a:blip r:embed="rId3">
+            <a:extLst>
+              <a:ext uri="{28A0092B-C50C-407E-A947-70E740481C1C}">
+                <a14:useLocalDpi xmlns:a14="http://schemas.microsoft.com/office/drawing/2010/main" val="0"/>
+              </a:ext>
+            </a:extLst>
+          </a:blip>
+          <a:srcRect/>
+          <a:stretch>
+            <a:fillRect/>
+          </a:stretch>
+        </p:blipFill>
+        <p:spPr bwMode="auto">
+          <a:xfrm>
+            <a:off x="761998" y="1752600"/>
+            <a:ext cx="7256463" cy="2973387"/>
+          </a:xfrm>
+          <a:prstGeom prst="rect">
+            <a:avLst/>
+          </a:prstGeom>
+          <a:noFill/>
+          <a:ln>
+            <a:noFill/>
+          </a:ln>
+          <a:effectLst/>
+          <a:extLst>
+            <a:ext uri="{909E8E84-426E-40DD-AFC4-6F175D3DCCD1}">
+              <a14:hiddenFill xmlns:a14="http://schemas.microsoft.com/office/drawing/2010/main">
+                <a:solidFill>
+                  <a:schemeClr val="accent1"/>
+                </a:solidFill>
+              </a14:hiddenFill>
+            </a:ext>
+            <a:ext uri="{91240B29-F687-4F45-9708-019B960494DF}">
+              <a14:hiddenLine xmlns:a14="http://schemas.microsoft.com/office/drawing/2010/main" w="9525">
+                <a:solidFill>
+                  <a:schemeClr val="tx1"/>
+                </a:solidFill>
+                <a:miter lim="800000"/>
+                <a:headEnd/>
+                <a:tailEnd/>
+              </a14:hiddenLine>
+            </a:ext>
+            <a:ext uri="{AF507438-7753-43E0-B8FC-AC1667EBCBE1}">
+              <a14:hiddenEffects xmlns:a14="http://schemas.microsoft.com/office/drawing/2010/main">
+                <a:effectLst>
+                  <a:outerShdw dist="35921" dir="2700000" algn="ctr" rotWithShape="0">
+                    <a:schemeClr val="bg2"/>
+                  </a:outerShdw>
+                </a:effectLst>
+              </a14:hiddenEffects>
+            </a:ext>
+          </a:extLst>
+        </p:spPr>
+      </p:pic>
+      <p:sp>
+        <p:nvSpPr>
+          <p:cNvPr id="4" name="TextBox 3"/>
+          <p:cNvSpPr txBox="1"/>
+          <p:nvPr/>
+        </p:nvSpPr>
+        <p:spPr>
+          <a:xfrm>
+            <a:off x="1219200" y="5257800"/>
+            <a:ext cx="3733800" cy="369332"/>
+          </a:xfrm>
+          <a:prstGeom prst="rect">
+            <a:avLst/>
+          </a:prstGeom>
+          <a:noFill/>
+        </p:spPr>
+        <p:txBody>
+          <a:bodyPr wrap="square" rtlCol="0">
+            <a:spAutoFit/>
+          </a:bodyPr>
+          <a:lstStyle/>
+          <a:p>
+            <a:r>
+              <a:rPr lang="en-US" dirty="0" smtClean="0"/>
+              <a:t>Source:  Wikipedia article on MVC</a:t>
+            </a:r>
+            <a:endParaRPr lang="en-US" dirty="0"/>
+          </a:p>
+        </p:txBody>
+      </p:sp>
+    </p:spTree>
+    <p:extLst>
+      <p:ext uri="{BB962C8B-B14F-4D97-AF65-F5344CB8AC3E}">
+        <p14:creationId xmlns:p14="http://schemas.microsoft.com/office/powerpoint/2010/main" val="1830526412"/>
+      </p:ext>
+    </p:extLst>
+  </p:cSld>
+  <p:clrMapOvr>
+    <a:masterClrMapping/>
+  </p:clrMapOvr>
+</p:sld>
+</file>
+
+<file path=ppt/slides/slide15.xml><?xml version="1.0" encoding="utf-8"?>
+<p:sld xmlns:a="http://schemas.openxmlformats.org/drawingml/2006/main" xmlns:r="http://schemas.openxmlformats.org/officeDocument/2006/relationships" xmlns:p="http://schemas.openxmlformats.org/presentationml/2006/main">
+  <p:cSld>
+    <p:spTree>
+      <p:nvGrpSpPr>
+        <p:cNvPr id="1" name=""/>
+        <p:cNvGrpSpPr/>
+        <p:nvPr/>
+      </p:nvGrpSpPr>
+      <p:grpSpPr>
+        <a:xfrm>
+          <a:off x="0" y="0"/>
+          <a:ext cx="0" cy="0"/>
+          <a:chOff x="0" y="0"/>
+          <a:chExt cx="0" cy="0"/>
+        </a:xfrm>
+      </p:grpSpPr>
+      <p:sp>
+        <p:nvSpPr>
+          <p:cNvPr id="2" name="Title 1"/>
+          <p:cNvSpPr>
+            <a:spLocks noGrp="1"/>
+          </p:cNvSpPr>
+          <p:nvPr>
+            <p:ph type="title"/>
+          </p:nvPr>
+        </p:nvSpPr>
+        <p:spPr/>
+        <p:txBody>
+          <a:bodyPr/>
+          <a:lstStyle/>
+          <a:p>
+            <a:endParaRPr lang="en-US"/>
+          </a:p>
+        </p:txBody>
+      </p:sp>
+      <p:sp>
+        <p:nvSpPr>
+          <p:cNvPr id="3" name="Content Placeholder 2"/>
+          <p:cNvSpPr>
+            <a:spLocks noGrp="1"/>
+          </p:cNvSpPr>
+          <p:nvPr>
+            <p:ph idx="1"/>
+          </p:nvPr>
+        </p:nvSpPr>
+        <p:spPr/>
+        <p:txBody>
+          <a:bodyPr/>
+          <a:lstStyle/>
+          <a:p>
+            <a:endParaRPr lang="en-US"/>
+          </a:p>
+        </p:txBody>
+      </p:sp>
+    </p:spTree>
+    <p:extLst>
+      <p:ext uri="{BB962C8B-B14F-4D97-AF65-F5344CB8AC3E}">
+        <p14:creationId xmlns:p14="http://schemas.microsoft.com/office/powerpoint/2010/main" val="916396906"/>
+      </p:ext>
+    </p:extLst>
+  </p:cSld>
+  <p:clrMapOvr>
+    <a:masterClrMapping/>
+  </p:clrMapOvr>
+</p:sld>
+</file>
+
+<file path=ppt/slides/slide16.xml><?xml version="1.0" encoding="utf-8"?>
+<p:sld xmlns:a="http://schemas.openxmlformats.org/drawingml/2006/main" xmlns:r="http://schemas.openxmlformats.org/officeDocument/2006/relationships" xmlns:p="http://schemas.openxmlformats.org/presentationml/2006/main">
+  <p:cSld>
+    <p:spTree>
+      <p:nvGrpSpPr>
+        <p:cNvPr id="1" name=""/>
+        <p:cNvGrpSpPr/>
+        <p:nvPr/>
+      </p:nvGrpSpPr>
+      <p:grpSpPr>
+        <a:xfrm>
+          <a:off x="0" y="0"/>
+          <a:ext cx="0" cy="0"/>
+          <a:chOff x="0" y="0"/>
+          <a:chExt cx="0" cy="0"/>
+        </a:xfrm>
+      </p:grpSpPr>
+      <p:sp>
+        <p:nvSpPr>
+          <p:cNvPr id="2" name="Title 1"/>
+          <p:cNvSpPr>
+            <a:spLocks noGrp="1"/>
+          </p:cNvSpPr>
+          <p:nvPr>
+            <p:ph type="title"/>
+          </p:nvPr>
+        </p:nvSpPr>
+        <p:spPr/>
+        <p:txBody>
+          <a:bodyPr/>
+          <a:lstStyle/>
+          <a:p>
+            <a:r>
+              <a:rPr lang="en-US" dirty="0" smtClean="0"/>
               <a:t>What Else?</a:t>
             </a:r>
             <a:endParaRPr lang="en-US" dirty="0"/>
@@ -4439,7 +4880,7 @@
 </p:sld>
 </file>
 
-<file path=ppt/slides/slide15.xml><?xml version="1.0" encoding="utf-8"?>
+<file path=ppt/slides/slide17.xml><?xml version="1.0" encoding="utf-8"?>
 <p:sld xmlns:a="http://schemas.openxmlformats.org/drawingml/2006/main" xmlns:r="http://schemas.openxmlformats.org/officeDocument/2006/relationships" xmlns:p="http://schemas.openxmlformats.org/presentationml/2006/main">
   <p:cSld>
     <p:spTree>
@@ -4559,7 +5000,7 @@
 </p:sld>
 </file>
 
-<file path=ppt/slides/slide16.xml><?xml version="1.0" encoding="utf-8"?>
+<file path=ppt/slides/slide18.xml><?xml version="1.0" encoding="utf-8"?>
 <p:sld xmlns:a="http://schemas.openxmlformats.org/drawingml/2006/main" xmlns:r="http://schemas.openxmlformats.org/officeDocument/2006/relationships" xmlns:p="http://schemas.openxmlformats.org/presentationml/2006/main">
   <p:cSld>
     <p:spTree>
@@ -6131,7 +6572,11 @@
           <a:p>
             <a:r>
               <a:rPr lang="en-US" dirty="0" smtClean="0"/>
-              <a:t>Ember.js </a:t>
+              <a:t>Ember.js - </a:t>
+            </a:r>
+            <a:r>
+              <a:rPr lang="en-US" dirty="0" err="1" smtClean="0"/>
+              <a:t>railsy</a:t>
             </a:r>
             <a:endParaRPr lang="en-US" dirty="0" smtClean="0"/>
           </a:p>
@@ -6149,6 +6594,10 @@
             <a:pPr marL="0" indent="0">
               <a:buNone/>
             </a:pPr>
+            <a:r>
+              <a:rPr lang="en-US" dirty="0" smtClean="0"/>
+              <a:t>- A whole slew of others, but it is the first two that have the most momentum right now</a:t>
+            </a:r>
             <a:endParaRPr lang="en-US" dirty="0"/>
           </a:p>
         </p:txBody>
@@ -6342,58 +6791,6 @@
           </a:p>
         </p:txBody>
       </p:sp>
-      <p:sp>
-        <p:nvSpPr>
-          <p:cNvPr id="3" name="Content Placeholder 2"/>
-          <p:cNvSpPr>
-            <a:spLocks noGrp="1"/>
-          </p:cNvSpPr>
-          <p:nvPr>
-            <p:ph idx="1"/>
-          </p:nvPr>
-        </p:nvSpPr>
-        <p:spPr/>
-        <p:txBody>
-          <a:bodyPr/>
-          <a:lstStyle/>
-          <a:p>
-            <a:r>
-              <a:rPr lang="en-US" sz="4000" b="1" dirty="0" smtClean="0"/>
-              <a:t> </a:t>
-            </a:r>
-            <a:r>
-              <a:rPr lang="en-US" sz="4000" b="1" dirty="0"/>
-              <a:t>{ "id": 1, "Title": "</a:t>
-            </a:r>
-            <a:r>
-              <a:rPr lang="en-US" sz="4000" b="1" dirty="0" err="1"/>
-              <a:t>RabbitMQ</a:t>
-            </a:r>
-            <a:r>
-              <a:rPr lang="en-US" sz="4000" b="1" dirty="0"/>
-              <a:t> in Action", "</a:t>
-            </a:r>
-            <a:r>
-              <a:rPr lang="en-US" sz="4000" b="1" dirty="0" err="1"/>
-              <a:t>PageCount</a:t>
-            </a:r>
-            <a:r>
-              <a:rPr lang="en-US" sz="4000" b="1" dirty="0"/>
-              <a:t>": 200, "Likes": </a:t>
-            </a:r>
-            <a:r>
-              <a:rPr lang="en-US" sz="4000" b="1" dirty="0" smtClean="0"/>
-              <a:t>0}</a:t>
-            </a:r>
-          </a:p>
-          <a:p>
-            <a:pPr marL="0" indent="0">
-              <a:buNone/>
-            </a:pPr>
-            <a:endParaRPr lang="en-US" dirty="0"/>
-          </a:p>
-        </p:txBody>
-      </p:sp>
       <p:pic>
         <p:nvPicPr>
           <p:cNvPr id="4" name="Audio 3">
@@ -6425,6 +6822,134 @@
           <a:prstGeom prst="rect">
             <a:avLst/>
           </a:prstGeom>
+        </p:spPr>
+      </p:pic>
+      <p:pic>
+        <p:nvPicPr>
+          <p:cNvPr id="4098" name="Picture 2"/>
+          <p:cNvPicPr>
+            <a:picLocks noChangeAspect="1" noChangeArrowheads="1"/>
+          </p:cNvPicPr>
+          <p:nvPr/>
+        </p:nvPicPr>
+        <p:blipFill>
+          <a:blip r:embed="rId5">
+            <a:extLst>
+              <a:ext uri="{28A0092B-C50C-407E-A947-70E740481C1C}">
+                <a14:useLocalDpi xmlns:a14="http://schemas.microsoft.com/office/drawing/2010/main" val="0"/>
+              </a:ext>
+            </a:extLst>
+          </a:blip>
+          <a:srcRect/>
+          <a:stretch>
+            <a:fillRect/>
+          </a:stretch>
+        </p:blipFill>
+        <p:spPr bwMode="auto">
+          <a:xfrm>
+            <a:off x="1295400" y="2286000"/>
+            <a:ext cx="7205663" cy="3062287"/>
+          </a:xfrm>
+          <a:prstGeom prst="rect">
+            <a:avLst/>
+          </a:prstGeom>
+          <a:noFill/>
+          <a:ln>
+            <a:noFill/>
+          </a:ln>
+          <a:effectLst/>
+          <a:extLst>
+            <a:ext uri="{909E8E84-426E-40DD-AFC4-6F175D3DCCD1}">
+              <a14:hiddenFill xmlns:a14="http://schemas.microsoft.com/office/drawing/2010/main">
+                <a:solidFill>
+                  <a:schemeClr val="accent1"/>
+                </a:solidFill>
+              </a14:hiddenFill>
+            </a:ext>
+            <a:ext uri="{91240B29-F687-4F45-9708-019B960494DF}">
+              <a14:hiddenLine xmlns:a14="http://schemas.microsoft.com/office/drawing/2010/main" w="9525">
+                <a:solidFill>
+                  <a:schemeClr val="tx1"/>
+                </a:solidFill>
+                <a:miter lim="800000"/>
+                <a:headEnd/>
+                <a:tailEnd/>
+              </a14:hiddenLine>
+            </a:ext>
+            <a:ext uri="{AF507438-7753-43E0-B8FC-AC1667EBCBE1}">
+              <a14:hiddenEffects xmlns:a14="http://schemas.microsoft.com/office/drawing/2010/main">
+                <a:effectLst>
+                  <a:outerShdw dist="35921" dir="2700000" algn="ctr" rotWithShape="0">
+                    <a:schemeClr val="bg2"/>
+                  </a:outerShdw>
+                </a:effectLst>
+              </a14:hiddenEffects>
+            </a:ext>
+          </a:extLst>
+        </p:spPr>
+      </p:pic>
+      <p:pic>
+        <p:nvPicPr>
+          <p:cNvPr id="4099" name="Picture 3"/>
+          <p:cNvPicPr>
+            <a:picLocks noChangeAspect="1" noChangeArrowheads="1"/>
+          </p:cNvPicPr>
+          <p:nvPr/>
+        </p:nvPicPr>
+        <p:blipFill>
+          <a:blip r:embed="rId6">
+            <a:extLst>
+              <a:ext uri="{28A0092B-C50C-407E-A947-70E740481C1C}">
+                <a14:useLocalDpi xmlns:a14="http://schemas.microsoft.com/office/drawing/2010/main" val="0"/>
+              </a:ext>
+            </a:extLst>
+          </a:blip>
+          <a:srcRect/>
+          <a:stretch>
+            <a:fillRect/>
+          </a:stretch>
+        </p:blipFill>
+        <p:spPr bwMode="auto">
+          <a:xfrm>
+            <a:off x="352425" y="1846263"/>
+            <a:ext cx="8437563" cy="3163887"/>
+          </a:xfrm>
+          <a:prstGeom prst="rect">
+            <a:avLst/>
+          </a:prstGeom>
+          <a:noFill/>
+          <a:ln>
+            <a:noFill/>
+          </a:ln>
+          <a:effectLst/>
+          <a:extLst>
+            <a:ext uri="{909E8E84-426E-40DD-AFC4-6F175D3DCCD1}">
+              <a14:hiddenFill xmlns:a14="http://schemas.microsoft.com/office/drawing/2010/main">
+                <a:solidFill>
+                  <a:schemeClr val="accent1"/>
+                </a:solidFill>
+              </a14:hiddenFill>
+            </a:ext>
+            <a:ext uri="{91240B29-F687-4F45-9708-019B960494DF}">
+              <a14:hiddenLine xmlns:a14="http://schemas.microsoft.com/office/drawing/2010/main" w="9525">
+                <a:solidFill>
+                  <a:schemeClr val="tx1"/>
+                </a:solidFill>
+                <a:miter lim="800000"/>
+                <a:headEnd/>
+                <a:tailEnd/>
+              </a14:hiddenLine>
+            </a:ext>
+            <a:ext uri="{AF507438-7753-43E0-B8FC-AC1667EBCBE1}">
+              <a14:hiddenEffects xmlns:a14="http://schemas.microsoft.com/office/drawing/2010/main">
+                <a:effectLst>
+                  <a:outerShdw dist="35921" dir="2700000" algn="ctr" rotWithShape="0">
+                    <a:schemeClr val="bg2"/>
+                  </a:outerShdw>
+                </a:effectLst>
+              </a14:hiddenEffects>
+            </a:ext>
+          </a:extLst>
         </p:spPr>
       </p:pic>
     </p:spTree>
@@ -6570,8 +7095,12 @@
           <a:lstStyle/>
           <a:p>
             <a:r>
-              <a:rPr lang="en-US" dirty="0" smtClean="0"/>
-              <a:t>MODEL</a:t>
+              <a:rPr lang="en-US" dirty="0" err="1" smtClean="0"/>
+              <a:t>BackBone</a:t>
+            </a:r>
+            <a:r>
+              <a:rPr lang="en-US" dirty="0" err="1" smtClean="0"/>
+              <a:t>.Model</a:t>
             </a:r>
             <a:endParaRPr lang="en-US" dirty="0"/>
           </a:p>
@@ -6619,29 +7148,25 @@
             <a:pPr lvl="1"/>
             <a:r>
               <a:rPr lang="en-US" dirty="0" smtClean="0"/>
-              <a:t>Custom </a:t>
-            </a:r>
-            <a:r>
-              <a:rPr lang="en-US" dirty="0" smtClean="0"/>
-              <a:t>methods</a:t>
+              <a:t>Attribute</a:t>
+            </a:r>
+            <a:r>
+              <a:rPr lang="en-US" dirty="0" smtClean="0"/>
+              <a:t> Getters/Setters (properties)</a:t>
             </a:r>
           </a:p>
           <a:p>
             <a:pPr lvl="1"/>
             <a:r>
               <a:rPr lang="en-US" dirty="0" smtClean="0"/>
-              <a:t>Attribute</a:t>
-            </a:r>
-            <a:r>
-              <a:rPr lang="en-US" dirty="0" smtClean="0"/>
-              <a:t> Getters/Setters (properties)</a:t>
+              <a:t>The ability to add custom methods</a:t>
             </a:r>
           </a:p>
           <a:p>
             <a:pPr lvl="1"/>
             <a:r>
               <a:rPr lang="en-US" dirty="0" smtClean="0"/>
-              <a:t>Event model – publish/subscribe for attribute changes</a:t>
+              <a:t>Event model – publish/subscribe to attribute changes</a:t>
             </a:r>
             <a:endParaRPr lang="en-US" dirty="0" smtClean="0"/>
           </a:p>
@@ -6649,11 +7174,13 @@
             <a:pPr lvl="1"/>
             <a:r>
               <a:rPr lang="en-US" dirty="0" smtClean="0"/>
-              <a:t>Built-in plumbing for saving back to server (not covered)</a:t>
-            </a:r>
-          </a:p>
-          <a:p>
-            <a:endParaRPr lang="en-US" dirty="0"/>
+              <a:t>Built-in plumbing for saving back to server (not covered</a:t>
+            </a:r>
+            <a:r>
+              <a:rPr lang="en-US" dirty="0" smtClean="0"/>
+              <a:t>)</a:t>
+            </a:r>
+            <a:endParaRPr lang="en-US" dirty="0" smtClean="0"/>
           </a:p>
         </p:txBody>
       </p:sp>

--- a/TechFest.Backbone/tf.backbone.pptx
+++ b/TechFest.Backbone/tf.backbone.pptx
@@ -3197,11 +3197,11 @@
   <p:clrMapOvr>
     <a:masterClrMapping/>
   </p:clrMapOvr>
-  <mc:AlternateContent xmlns:mc="http://schemas.openxmlformats.org/markup-compatibility/2006">
-    <mc:Choice xmlns:p14="http://schemas.microsoft.com/office/powerpoint/2010/main" Requires="p14">
+  <mc:AlternateContent xmlns:mc="http://schemas.openxmlformats.org/markup-compatibility/2006" xmlns:p14="http://schemas.microsoft.com/office/powerpoint/2010/main">
+    <mc:Choice Requires="p14">
       <p:transition spd="slow" p14:dur="2000" advTm="1979"/>
     </mc:Choice>
-    <mc:Fallback>
+    <mc:Fallback xmlns="">
       <p:transition spd="slow" advTm="1979"/>
     </mc:Fallback>
   </mc:AlternateContent>
@@ -3427,11 +3427,11 @@
   <p:clrMapOvr>
     <a:masterClrMapping/>
   </p:clrMapOvr>
-  <mc:AlternateContent xmlns:mc="http://schemas.openxmlformats.org/markup-compatibility/2006">
-    <mc:Choice xmlns:p14="http://schemas.microsoft.com/office/powerpoint/2010/main" Requires="p14">
+  <mc:AlternateContent xmlns:mc="http://schemas.openxmlformats.org/markup-compatibility/2006" xmlns:p14="http://schemas.microsoft.com/office/powerpoint/2010/main">
+    <mc:Choice Requires="p14">
       <p:transition spd="slow" p14:dur="2000" advTm="566"/>
     </mc:Choice>
-    <mc:Fallback>
+    <mc:Fallback xmlns="">
       <p:transition spd="slow" advTm="566"/>
     </mc:Fallback>
   </mc:AlternateContent>
@@ -3566,23 +3566,15 @@
           <a:p>
             <a:r>
               <a:rPr lang="en-US" dirty="0" smtClean="0"/>
-              <a:t>Views </a:t>
-            </a:r>
-            <a:r>
-              <a:rPr lang="en-US" dirty="0" smtClean="0"/>
-              <a:t>are used to generate a DOM node </a:t>
-            </a:r>
-            <a:r>
-              <a:rPr lang="en-US" dirty="0" smtClean="0"/>
-              <a:t>with </a:t>
-            </a:r>
-            <a:r>
-              <a:rPr lang="en-US" dirty="0" smtClean="0"/>
-              <a:t>HTML content and events delegation, that references an</a:t>
-            </a:r>
-            <a:r>
-              <a:rPr lang="en-US" dirty="0" smtClean="0"/>
-              <a:t> underlying MODEL instance</a:t>
+              <a:t>Views are used to generate a DOM node with HTML content and events </a:t>
+            </a:r>
+            <a:r>
+              <a:rPr lang="en-US" dirty="0" smtClean="0"/>
+              <a:t>and </a:t>
+            </a:r>
+            <a:r>
+              <a:rPr lang="en-US" dirty="0" smtClean="0"/>
+              <a:t>references an underlying MODEL instance</a:t>
             </a:r>
             <a:endParaRPr lang="en-US" dirty="0"/>
           </a:p>
@@ -3631,12 +3623,17 @@
             <p:ph idx="1"/>
           </p:nvPr>
         </p:nvSpPr>
-        <p:spPr/>
+        <p:spPr>
+          <a:xfrm>
+            <a:off x="457200" y="3962400"/>
+            <a:ext cx="8229600" cy="2163763"/>
+          </a:xfrm>
+        </p:spPr>
         <p:txBody>
           <a:bodyPr/>
           <a:lstStyle/>
           <a:p>
-            <a:endParaRPr lang="en-US"/>
+            <a:endParaRPr lang="en-US" dirty="0"/>
           </a:p>
         </p:txBody>
       </p:sp>
@@ -3650,11 +3647,11 @@
   <p:clrMapOvr>
     <a:masterClrMapping/>
   </p:clrMapOvr>
-  <mc:AlternateContent xmlns:mc="http://schemas.openxmlformats.org/markup-compatibility/2006">
-    <mc:Choice xmlns:p14="http://schemas.microsoft.com/office/powerpoint/2010/main" Requires="p14">
+  <mc:AlternateContent xmlns:mc="http://schemas.openxmlformats.org/markup-compatibility/2006" xmlns:p14="http://schemas.microsoft.com/office/powerpoint/2010/main">
+    <mc:Choice Requires="p14">
       <p:transition spd="slow" p14:dur="2000" advTm="918"/>
     </mc:Choice>
-    <mc:Fallback>
+    <mc:Fallback xmlns="">
       <p:transition spd="slow" advTm="918"/>
     </mc:Fallback>
   </mc:AlternateContent>
@@ -3875,11 +3872,11 @@
   <p:clrMapOvr>
     <a:masterClrMapping/>
   </p:clrMapOvr>
-  <mc:AlternateContent xmlns:mc="http://schemas.openxmlformats.org/markup-compatibility/2006">
-    <mc:Choice xmlns:p14="http://schemas.microsoft.com/office/powerpoint/2010/main" Requires="p14">
+  <mc:AlternateContent xmlns:mc="http://schemas.openxmlformats.org/markup-compatibility/2006" xmlns:p14="http://schemas.microsoft.com/office/powerpoint/2010/main">
+    <mc:Choice Requires="p14">
       <p:transition spd="slow" p14:dur="2000" advTm="816"/>
     </mc:Choice>
-    <mc:Fallback>
+    <mc:Fallback xmlns="">
       <p:transition spd="slow" advTm="816"/>
     </mc:Fallback>
   </mc:AlternateContent>
@@ -4211,7 +4208,7 @@
       </p:pic>
       <p:pic>
         <p:nvPicPr>
-          <p:cNvPr id="5124" name="Picture 4" descr="C:\Users\jkoynok\Desktop\oil\oil_can_-_clip_art.jpg"/>
+          <p:cNvPr id="8" name="Picture 4" descr="C:\Users\jkoynok\Desktop\oil\oil_can_-_clip_art.jpg"/>
           <p:cNvPicPr>
             <a:picLocks noChangeAspect="1" noChangeArrowheads="1"/>
           </p:cNvPicPr>
@@ -4260,11 +4257,11 @@
   <p:clrMapOvr>
     <a:masterClrMapping/>
   </p:clrMapOvr>
-  <mc:AlternateContent xmlns:mc="http://schemas.openxmlformats.org/markup-compatibility/2006">
-    <mc:Choice xmlns:p14="http://schemas.microsoft.com/office/powerpoint/2010/main" Requires="p14">
+  <mc:AlternateContent xmlns:mc="http://schemas.openxmlformats.org/markup-compatibility/2006" xmlns:p14="http://schemas.microsoft.com/office/powerpoint/2010/main">
+    <mc:Choice Requires="p14">
       <p:transition spd="slow" p14:dur="2000" advTm="22872"/>
     </mc:Choice>
-    <mc:Fallback>
+    <mc:Fallback xmlns="">
       <p:transition spd="slow" advTm="22872"/>
     </mc:Fallback>
   </mc:AlternateContent>
@@ -4601,7 +4598,15 @@
           <a:bodyPr/>
           <a:lstStyle/>
           <a:p>
-            <a:endParaRPr lang="en-US"/>
+            <a:r>
+              <a:rPr lang="en-US" dirty="0" err="1" smtClean="0"/>
+              <a:t>BackBone.Collection</a:t>
+            </a:r>
+            <a:r>
+              <a:rPr lang="en-US" dirty="0" smtClean="0"/>
+              <a:t> &amp; More</a:t>
+            </a:r>
+            <a:endParaRPr lang="en-US" dirty="0"/>
           </a:p>
         </p:txBody>
       </p:sp>
@@ -4620,7 +4625,17 @@
           <a:bodyPr/>
           <a:lstStyle/>
           <a:p>
-            <a:endParaRPr lang="en-US"/>
+            <a:r>
+              <a:rPr lang="en-US" dirty="0"/>
+              <a:t>Model Reuse</a:t>
+            </a:r>
+          </a:p>
+          <a:p>
+            <a:r>
+              <a:rPr lang="en-US" dirty="0" smtClean="0"/>
+              <a:t>Array of Model with add/remove callbacks, array extensions</a:t>
+            </a:r>
+            <a:endParaRPr lang="en-US" dirty="0"/>
           </a:p>
         </p:txBody>
       </p:sp>
@@ -4689,52 +4704,129 @@
         </p:nvSpPr>
         <p:spPr/>
         <p:txBody>
-          <a:bodyPr/>
+          <a:bodyPr>
+            <a:normAutofit fontScale="92500" lnSpcReduction="10000"/>
+          </a:bodyPr>
           <a:lstStyle/>
           <a:p>
+            <a:r>
+              <a:rPr lang="en-US" dirty="0" smtClean="0"/>
+              <a:t>Persistence -&gt; </a:t>
+            </a:r>
             <a:r>
               <a:rPr lang="en-US" dirty="0" err="1" smtClean="0"/>
               <a:t>Backbone.sync</a:t>
             </a:r>
+            <a:r>
+              <a:rPr lang="en-US" dirty="0" smtClean="0"/>
+              <a:t> (</a:t>
+            </a:r>
+            <a:r>
+              <a:rPr lang="en-US" dirty="0" err="1" smtClean="0"/>
+              <a:t>model.save</a:t>
+            </a:r>
+            <a:r>
+              <a:rPr lang="en-US" dirty="0" smtClean="0"/>
+              <a:t> posts to server and only registers changes in </a:t>
+            </a:r>
+            <a:r>
+              <a:rPr lang="en-US" dirty="0" err="1" smtClean="0"/>
+              <a:t>attr</a:t>
+            </a:r>
+            <a:r>
+              <a:rPr lang="en-US" dirty="0" smtClean="0"/>
+              <a:t> collection after 200 -&gt; saves A LOT of nested callbacks -&gt; </a:t>
+            </a:r>
+            <a:r>
+              <a:rPr lang="en-US" b="1" dirty="0"/>
+              <a:t>Build </a:t>
+            </a:r>
+            <a:r>
+              <a:rPr lang="en-US" b="1" dirty="0" err="1"/>
+              <a:t>RESTful</a:t>
+            </a:r>
+            <a:r>
+              <a:rPr lang="en-US" b="1" dirty="0"/>
+              <a:t> API's with ASP.NET Web </a:t>
+            </a:r>
+            <a:r>
+              <a:rPr lang="en-US" b="1" dirty="0" smtClean="0"/>
+              <a:t>API </a:t>
+            </a:r>
+            <a:r>
+              <a:rPr lang="en-US" dirty="0" smtClean="0">
+                <a:hlinkClick r:id="rId4"/>
+              </a:rPr>
+              <a:t>John </a:t>
+            </a:r>
+            <a:r>
+              <a:rPr lang="en-US" dirty="0">
+                <a:hlinkClick r:id="rId4"/>
+              </a:rPr>
+              <a:t>V. </a:t>
+            </a:r>
+            <a:r>
+              <a:rPr lang="en-US" dirty="0" smtClean="0">
+                <a:hlinkClick r:id="rId4"/>
+              </a:rPr>
+              <a:t>Petersen</a:t>
+            </a:r>
+            <a:r>
+              <a:rPr lang="en-US" dirty="0" smtClean="0"/>
+              <a:t> at 1:45pm</a:t>
+            </a:r>
+            <a:endParaRPr lang="en-US" dirty="0"/>
+          </a:p>
+          <a:p>
             <a:endParaRPr lang="en-US" dirty="0" smtClean="0"/>
           </a:p>
           <a:p>
             <a:r>
               <a:rPr lang="en-US" dirty="0" smtClean="0"/>
-              <a:t>Validation</a:t>
-            </a:r>
-          </a:p>
-          <a:p>
-            <a:r>
-              <a:rPr lang="en-US" dirty="0" err="1" smtClean="0"/>
-              <a:t>Templating</a:t>
+              <a:t>Validation is built in, but best for mobile/quick hits</a:t>
             </a:r>
             <a:endParaRPr lang="en-US" dirty="0" smtClean="0"/>
           </a:p>
           <a:p>
             <a:r>
               <a:rPr lang="en-US" dirty="0" smtClean="0"/>
-              <a:t>TDD</a:t>
-            </a:r>
-          </a:p>
-          <a:p>
-            <a:r>
-              <a:rPr lang="en-US" dirty="0" err="1" smtClean="0"/>
-              <a:t>Namespacing</a:t>
+              <a:t>TDD -&gt; </a:t>
+            </a:r>
+            <a:r>
+              <a:rPr lang="en-US" b="1" dirty="0"/>
+              <a:t>JavaScript </a:t>
+            </a:r>
+            <a:r>
+              <a:rPr lang="en-US" b="1" dirty="0" smtClean="0"/>
+              <a:t>Testing </a:t>
+            </a:r>
+            <a:r>
+              <a:rPr lang="en-US" dirty="0" smtClean="0"/>
+              <a:t>John </a:t>
+            </a:r>
+            <a:r>
+              <a:rPr lang="en-US" dirty="0"/>
+              <a:t>V. </a:t>
+            </a:r>
+            <a:r>
+              <a:rPr lang="en-US" dirty="0" smtClean="0"/>
+              <a:t>Petersen</a:t>
+            </a:r>
+            <a:r>
+              <a:rPr lang="en-US" dirty="0"/>
+              <a:t> </a:t>
+            </a:r>
+            <a:r>
+              <a:rPr lang="en-US" dirty="0" smtClean="0"/>
+              <a:t>at 3:15pm today</a:t>
+            </a:r>
+            <a:r>
+              <a:rPr lang="en-US" dirty="0" smtClean="0"/>
+              <a:t> </a:t>
             </a:r>
             <a:endParaRPr lang="en-US" dirty="0" smtClean="0"/>
           </a:p>
           <a:p>
-            <a:r>
-              <a:rPr lang="en-US" dirty="0" smtClean="0"/>
-              <a:t>Collections</a:t>
-            </a:r>
-          </a:p>
-          <a:p>
-            <a:r>
-              <a:rPr lang="en-US" dirty="0" smtClean="0"/>
-              <a:t>routers</a:t>
-            </a:r>
             <a:endParaRPr lang="en-US" dirty="0"/>
           </a:p>
         </p:txBody>
@@ -4757,7 +4849,7 @@
           </p:nvPr>
         </p:nvPicPr>
         <p:blipFill>
-          <a:blip r:embed="rId4"/>
+          <a:blip r:embed="rId5"/>
           <a:stretch>
             <a:fillRect/>
           </a:stretch>
@@ -4782,11 +4874,11 @@
   <p:clrMapOvr>
     <a:masterClrMapping/>
   </p:clrMapOvr>
-  <mc:AlternateContent xmlns:mc="http://schemas.openxmlformats.org/markup-compatibility/2006">
-    <mc:Choice xmlns:p14="http://schemas.microsoft.com/office/powerpoint/2010/main" Requires="p14">
+  <mc:AlternateContent xmlns:mc="http://schemas.openxmlformats.org/markup-compatibility/2006" xmlns:p14="http://schemas.microsoft.com/office/powerpoint/2010/main">
+    <mc:Choice Requires="p14">
       <p:transition spd="slow" p14:dur="2000" advTm="6822"/>
     </mc:Choice>
-    <mc:Fallback>
+    <mc:Fallback xmlns="">
       <p:transition spd="slow" advTm="6822"/>
     </mc:Fallback>
   </mc:AlternateContent>
@@ -4930,53 +5022,38 @@
             <p:ph idx="1"/>
           </p:nvPr>
         </p:nvSpPr>
-        <p:spPr/>
+        <p:spPr>
+          <a:xfrm>
+            <a:off x="381000" y="1905000"/>
+            <a:ext cx="8229600" cy="4525963"/>
+          </a:xfrm>
+        </p:spPr>
         <p:txBody>
           <a:bodyPr/>
           <a:lstStyle/>
           <a:p>
             <a:r>
               <a:rPr lang="en-US" dirty="0" smtClean="0"/>
-              <a:t>Backbone is Agnostic about:</a:t>
-            </a:r>
-          </a:p>
-          <a:p>
-            <a:r>
-              <a:rPr lang="en-US" dirty="0" err="1" smtClean="0"/>
-              <a:t>Templating</a:t>
+              <a:t>The is a landscape of MV*</a:t>
             </a:r>
             <a:endParaRPr lang="en-US" dirty="0" smtClean="0"/>
           </a:p>
           <a:p>
             <a:r>
               <a:rPr lang="en-US" dirty="0" smtClean="0"/>
-              <a:t>When/how to re-render after the model changes:</a:t>
-            </a:r>
-          </a:p>
-          <a:p>
-            <a:pPr lvl="1"/>
-            <a:r>
-              <a:rPr lang="en-US" dirty="0" err="1" smtClean="0"/>
-              <a:t>Rerender</a:t>
-            </a:r>
-            <a:r>
-              <a:rPr lang="en-US" dirty="0" smtClean="0"/>
-              <a:t> in view stack</a:t>
-            </a:r>
-          </a:p>
-          <a:p>
-            <a:pPr marL="457200" lvl="1" indent="0">
-              <a:buNone/>
-            </a:pPr>
-            <a:r>
-              <a:rPr lang="en-US" dirty="0"/>
-              <a:t>-</a:t>
-            </a:r>
-            <a:r>
-              <a:rPr lang="en-US" dirty="0" smtClean="0"/>
-              <a:t>subscribe to change events in the model</a:t>
-            </a:r>
-            <a:endParaRPr lang="en-US" dirty="0"/>
+              <a:t>Intro to bb code (render is </a:t>
+            </a:r>
+            <a:r>
+              <a:rPr lang="en-US" dirty="0" smtClean="0"/>
+              <a:t>tricky and </a:t>
+            </a:r>
+            <a:r>
+              <a:rPr lang="en-US" dirty="0" smtClean="0"/>
+              <a:t>key)</a:t>
+            </a:r>
+          </a:p>
+          <a:p>
+            <a:endParaRPr lang="en-US" dirty="0" smtClean="0"/>
           </a:p>
         </p:txBody>
       </p:sp>
@@ -5041,7 +5118,27 @@
           <a:p>
             <a:r>
               <a:rPr lang="en-US" b="1" dirty="0" smtClean="0"/>
-              <a:t>The Client Side is already pretty mature</a:t>
+              <a:t>Client </a:t>
+            </a:r>
+            <a:r>
+              <a:rPr lang="en-US" b="1" smtClean="0"/>
+              <a:t>Side </a:t>
+            </a:r>
+            <a:r>
+              <a:rPr lang="en-US" b="1" smtClean="0"/>
+              <a:t>Technology </a:t>
+            </a:r>
+            <a:r>
+              <a:rPr lang="en-US" b="1" dirty="0" smtClean="0"/>
+              <a:t>is </a:t>
+            </a:r>
+            <a:r>
+              <a:rPr lang="en-US" b="1" dirty="0" smtClean="0"/>
+              <a:t>already pretty </a:t>
+            </a:r>
+            <a:r>
+              <a:rPr lang="en-US" b="1" dirty="0" smtClean="0"/>
+              <a:t>mature – right now</a:t>
             </a:r>
             <a:endParaRPr lang="en-US" b="1" dirty="0"/>
           </a:p>
@@ -5066,6 +5163,35 @@
         <p:txBody>
           <a:bodyPr/>
           <a:lstStyle/>
+          <a:p>
+            <a:r>
+              <a:rPr lang="en-US" dirty="0" smtClean="0"/>
+              <a:t>The apps you know and love are using it</a:t>
+            </a:r>
+          </a:p>
+          <a:p>
+            <a:r>
+              <a:rPr lang="en-US" dirty="0" smtClean="0"/>
+              <a:t>Clients/customer are going to start asking why doesn’t the app work more like </a:t>
+            </a:r>
+            <a:r>
+              <a:rPr lang="en-US" dirty="0" err="1" smtClean="0"/>
+              <a:t>gmail</a:t>
+            </a:r>
+            <a:r>
+              <a:rPr lang="en-US" dirty="0" smtClean="0"/>
+              <a:t>/</a:t>
+            </a:r>
+            <a:r>
+              <a:rPr lang="en-US" dirty="0" err="1" smtClean="0"/>
+              <a:t>facebook</a:t>
+            </a:r>
+            <a:r>
+              <a:rPr lang="en-US" dirty="0" smtClean="0"/>
+              <a:t>/twitter</a:t>
+            </a:r>
+            <a:endParaRPr lang="en-US" dirty="0" smtClean="0"/>
+          </a:p>
           <a:p>
             <a:endParaRPr lang="en-US" dirty="0"/>
           </a:p>
@@ -5155,17 +5281,8 @@
           <a:p>
             <a:r>
               <a:rPr lang="en-US" dirty="0" smtClean="0"/>
-              <a:t>DB Stuff </a:t>
-            </a:r>
-            <a:r>
-              <a:rPr lang="en-US" dirty="0" smtClean="0"/>
-              <a:t>-&gt; Serializing your </a:t>
-            </a:r>
-            <a:r>
-              <a:rPr lang="en-US" dirty="0" smtClean="0"/>
-              <a:t>model into the document</a:t>
-            </a:r>
-            <a:endParaRPr lang="en-US" dirty="0" smtClean="0"/>
+              <a:t>DB Stuff -&gt; Serializing your model into the document</a:t>
+            </a:r>
           </a:p>
           <a:p>
             <a:r>
@@ -5178,11 +5295,7 @@
             </a:r>
             <a:r>
               <a:rPr lang="en-US" dirty="0" smtClean="0"/>
-              <a:t> changes to </a:t>
-            </a:r>
-            <a:r>
-              <a:rPr lang="en-US" dirty="0" smtClean="0"/>
-              <a:t>restful endpoints </a:t>
+              <a:t> changes to restful endpoints </a:t>
             </a:r>
           </a:p>
           <a:p>
@@ -5194,25 +5307,13 @@
           <a:p>
             <a:r>
               <a:rPr lang="en-US" dirty="0" smtClean="0"/>
-              <a:t>Using View templates to </a:t>
-            </a:r>
-            <a:r>
-              <a:rPr lang="en-US" dirty="0" smtClean="0"/>
-              <a:t>separate </a:t>
-            </a:r>
-            <a:r>
-              <a:rPr lang="en-US" dirty="0" smtClean="0"/>
-              <a:t>markup</a:t>
-            </a:r>
-          </a:p>
-          <a:p>
-            <a:r>
-              <a:rPr lang="en-US" dirty="0" smtClean="0"/>
-              <a:t>Backbone </a:t>
-            </a:r>
-            <a:r>
-              <a:rPr lang="en-US" dirty="0" smtClean="0"/>
-              <a:t>Routers, History </a:t>
+              <a:t>Using View templates to separate markup</a:t>
+            </a:r>
+          </a:p>
+          <a:p>
+            <a:r>
+              <a:rPr lang="en-US" dirty="0" smtClean="0"/>
+              <a:t>Backbone Routers, History </a:t>
             </a:r>
           </a:p>
           <a:p>
@@ -5304,11 +5405,11 @@
   <p:clrMapOvr>
     <a:masterClrMapping/>
   </p:clrMapOvr>
-  <mc:AlternateContent xmlns:mc="http://schemas.openxmlformats.org/markup-compatibility/2006">
-    <mc:Choice xmlns:p14="http://schemas.microsoft.com/office/powerpoint/2010/main" Requires="p14">
+  <mc:AlternateContent xmlns:mc="http://schemas.openxmlformats.org/markup-compatibility/2006" xmlns:p14="http://schemas.microsoft.com/office/powerpoint/2010/main">
+    <mc:Choice Requires="p14">
       <p:transition spd="slow" p14:dur="2000" advTm="392"/>
     </mc:Choice>
-    <mc:Fallback>
+    <mc:Fallback xmlns="">
       <p:transition spd="slow" advTm="392"/>
     </mc:Fallback>
   </mc:AlternateContent>
@@ -5432,29 +5533,29 @@
         <p:spPr>
           <a:xfrm>
             <a:off x="457200" y="274638"/>
-            <a:ext cx="8229600" cy="1706562"/>
+            <a:ext cx="8229600" cy="2163762"/>
           </a:xfrm>
         </p:spPr>
         <p:txBody>
           <a:bodyPr>
-            <a:normAutofit fontScale="90000"/>
+            <a:normAutofit/>
           </a:bodyPr>
           <a:lstStyle/>
           <a:p>
             <a:r>
               <a:rPr lang="en-US" b="1" dirty="0" smtClean="0"/>
-              <a:t>What WILL be </a:t>
-            </a:r>
-            <a:r>
-              <a:rPr lang="en-US" b="1" dirty="0" smtClean="0"/>
-              <a:t>Covered: </a:t>
+              <a:t>What WILL be Covered: </a:t>
             </a:r>
             <a:br>
               <a:rPr lang="en-US" b="1" dirty="0" smtClean="0"/>
             </a:br>
             <a:r>
               <a:rPr lang="en-US" b="1" dirty="0" smtClean="0"/>
-              <a:t>the foundations of client-side frameworks</a:t>
+              <a:t>the foundations of client-side </a:t>
+            </a:r>
+            <a:r>
+              <a:rPr lang="en-US" b="1" dirty="0" smtClean="0"/>
+              <a:t>MV* frameworks</a:t>
             </a:r>
             <a:endParaRPr lang="en-US" b="1" dirty="0"/>
           </a:p>
@@ -5472,34 +5573,51 @@
         </p:nvSpPr>
         <p:spPr>
           <a:xfrm>
-            <a:off x="457200" y="2438400"/>
-            <a:ext cx="8229600" cy="3687763"/>
+            <a:off x="2667000" y="3200400"/>
+            <a:ext cx="4114800" cy="2925763"/>
           </a:xfrm>
         </p:spPr>
         <p:txBody>
           <a:bodyPr/>
           <a:lstStyle/>
           <a:p>
+            <a:pPr>
+              <a:buFont typeface="Wingdings" pitchFamily="2" charset="2"/>
+              <a:buChar char="ü"/>
+            </a:pPr>
             <a:r>
               <a:rPr lang="en-US" dirty="0" smtClean="0"/>
               <a:t>Models</a:t>
             </a:r>
+          </a:p>
+          <a:p>
+            <a:pPr>
+              <a:buFont typeface="Wingdings" pitchFamily="2" charset="2"/>
+              <a:buChar char="ü"/>
+            </a:pPr>
+            <a:r>
+              <a:rPr lang="en-US" dirty="0" smtClean="0"/>
+              <a:t>Views</a:t>
+            </a:r>
+          </a:p>
+          <a:p>
+            <a:pPr>
+              <a:buFont typeface="Wingdings" pitchFamily="2" charset="2"/>
+              <a:buChar char="ü"/>
+            </a:pPr>
+            <a:r>
+              <a:rPr lang="en-US" dirty="0" smtClean="0"/>
+              <a:t>How to </a:t>
+            </a:r>
+            <a:r>
+              <a:rPr lang="en-US" dirty="0" smtClean="0"/>
+              <a:t>connect </a:t>
+            </a:r>
+            <a:r>
+              <a:rPr lang="en-US" dirty="0" smtClean="0"/>
+              <a:t>them</a:t>
+            </a:r>
             <a:endParaRPr lang="en-US" dirty="0" smtClean="0"/>
-          </a:p>
-          <a:p>
-            <a:r>
-              <a:rPr lang="en-US" dirty="0" smtClean="0"/>
-              <a:t>Views</a:t>
-            </a:r>
-          </a:p>
-          <a:p>
-            <a:r>
-              <a:rPr lang="en-US" dirty="0" smtClean="0"/>
-              <a:t>And how to connect them</a:t>
-            </a:r>
-          </a:p>
-          <a:p>
-            <a:endParaRPr lang="en-US" dirty="0"/>
           </a:p>
         </p:txBody>
       </p:sp>
@@ -5546,11 +5664,11 @@
   <p:clrMapOvr>
     <a:masterClrMapping/>
   </p:clrMapOvr>
-  <mc:AlternateContent xmlns:mc="http://schemas.openxmlformats.org/markup-compatibility/2006">
-    <mc:Choice xmlns:p14="http://schemas.microsoft.com/office/powerpoint/2010/main" Requires="p14">
+  <mc:AlternateContent xmlns:mc="http://schemas.openxmlformats.org/markup-compatibility/2006" xmlns:p14="http://schemas.microsoft.com/office/powerpoint/2010/main">
+    <mc:Choice Requires="p14">
       <p:transition spd="slow" p14:dur="2000" advTm="472"/>
     </mc:Choice>
-    <mc:Fallback>
+    <mc:Fallback xmlns="">
       <p:transition spd="slow" advTm="472"/>
     </mc:Fallback>
   </mc:AlternateContent>
@@ -5840,11 +5958,11 @@
   <p:clrMapOvr>
     <a:masterClrMapping/>
   </p:clrMapOvr>
-  <mc:AlternateContent xmlns:mc="http://schemas.openxmlformats.org/markup-compatibility/2006">
-    <mc:Choice xmlns:p14="http://schemas.microsoft.com/office/powerpoint/2010/main" Requires="p14">
+  <mc:AlternateContent xmlns:mc="http://schemas.openxmlformats.org/markup-compatibility/2006" xmlns:p14="http://schemas.microsoft.com/office/powerpoint/2010/main">
+    <mc:Choice Requires="p14">
       <p:transition spd="slow" p14:dur="2000" advTm="211"/>
     </mc:Choice>
-    <mc:Fallback>
+    <mc:Fallback xmlns="">
       <p:transition spd="slow" advTm="211"/>
     </mc:Fallback>
   </mc:AlternateContent>
@@ -6076,11 +6194,11 @@
   <p:clrMapOvr>
     <a:masterClrMapping/>
   </p:clrMapOvr>
-  <mc:AlternateContent xmlns:mc="http://schemas.openxmlformats.org/markup-compatibility/2006">
-    <mc:Choice xmlns:p14="http://schemas.microsoft.com/office/powerpoint/2010/main" Requires="p14">
+  <mc:AlternateContent xmlns:mc="http://schemas.openxmlformats.org/markup-compatibility/2006" xmlns:p14="http://schemas.microsoft.com/office/powerpoint/2010/main">
+    <mc:Choice Requires="p14">
       <p:transition spd="slow" p14:dur="2000" advTm="307"/>
     </mc:Choice>
-    <mc:Fallback>
+    <mc:Fallback xmlns="">
       <p:transition spd="slow" advTm="307"/>
     </mc:Fallback>
   </mc:AlternateContent>
@@ -6215,11 +6333,7 @@
           <a:p>
             <a:r>
               <a:rPr lang="en-US" dirty="0" smtClean="0"/>
-              <a:t>Client Frameworks </a:t>
-            </a:r>
-            <a:r>
-              <a:rPr lang="en-US" dirty="0" smtClean="0"/>
-              <a:t>connect models and views with DOM events</a:t>
+              <a:t>Client Frameworks connect models and views with DOM events</a:t>
             </a:r>
             <a:br>
               <a:rPr lang="en-US" dirty="0" smtClean="0"/>
@@ -6300,7 +6414,6 @@
               <a:rPr lang="en-US" dirty="0" smtClean="0"/>
               <a:t>a process</a:t>
             </a:r>
-            <a:endParaRPr lang="en-US" dirty="0" smtClean="0"/>
           </a:p>
           <a:p>
             <a:endParaRPr lang="en-US" dirty="0"/>
@@ -6391,11 +6504,11 @@
   <p:clrMapOvr>
     <a:masterClrMapping/>
   </p:clrMapOvr>
-  <mc:AlternateContent xmlns:mc="http://schemas.openxmlformats.org/markup-compatibility/2006">
-    <mc:Choice xmlns:p14="http://schemas.microsoft.com/office/powerpoint/2010/main" Requires="p14">
+  <mc:AlternateContent xmlns:mc="http://schemas.openxmlformats.org/markup-compatibility/2006" xmlns:p14="http://schemas.microsoft.com/office/powerpoint/2010/main">
+    <mc:Choice Requires="p14">
       <p:transition spd="slow" p14:dur="2000" advTm="75"/>
     </mc:Choice>
-    <mc:Fallback>
+    <mc:Fallback xmlns="">
       <p:transition spd="slow" advTm="75"/>
     </mc:Fallback>
   </mc:AlternateContent>
@@ -6523,11 +6636,7 @@
           <a:p>
             <a:r>
               <a:rPr lang="en-US" dirty="0" smtClean="0"/>
-              <a:t>Some of the </a:t>
-            </a:r>
-            <a:r>
-              <a:rPr lang="en-US" dirty="0" smtClean="0"/>
-              <a:t>Players</a:t>
+              <a:t>Some of the Players</a:t>
             </a:r>
             <a:endParaRPr lang="en-US" dirty="0"/>
           </a:p>
@@ -6545,12 +6654,18 @@
         </p:nvSpPr>
         <p:spPr/>
         <p:txBody>
-          <a:bodyPr/>
+          <a:bodyPr>
+            <a:normAutofit fontScale="85000" lnSpcReduction="10000"/>
+          </a:bodyPr>
           <a:lstStyle/>
           <a:p>
             <a:r>
               <a:rPr lang="en-US" dirty="0" smtClean="0"/>
-              <a:t>Backbone - </a:t>
+              <a:t>Backbone </a:t>
+            </a:r>
+            <a:r>
+              <a:rPr lang="en-US" dirty="0" smtClean="0"/>
+              <a:t>-MVW </a:t>
             </a:r>
             <a:r>
               <a:rPr lang="en-US" dirty="0" err="1" smtClean="0"/>
@@ -6561,7 +6676,11 @@
           <a:p>
             <a:r>
               <a:rPr lang="en-US" dirty="0" smtClean="0"/>
-              <a:t>Knockout - </a:t>
+              <a:t>Knockout </a:t>
+            </a:r>
+            <a:r>
+              <a:rPr lang="en-US" dirty="0" smtClean="0"/>
+              <a:t>– MVVM </a:t>
             </a:r>
             <a:r>
               <a:rPr lang="en-US" dirty="0" err="1" smtClean="0"/>
@@ -6572,7 +6691,11 @@
           <a:p>
             <a:r>
               <a:rPr lang="en-US" dirty="0" smtClean="0"/>
-              <a:t>Ember.js - </a:t>
+              <a:t>Ember.js </a:t>
+            </a:r>
+            <a:r>
+              <a:rPr lang="en-US" dirty="0" smtClean="0"/>
+              <a:t>– MV </a:t>
             </a:r>
             <a:r>
               <a:rPr lang="en-US" dirty="0" err="1" smtClean="0"/>
@@ -6591,12 +6714,116 @@
             </a:r>
           </a:p>
           <a:p>
-            <a:pPr marL="0" indent="0">
-              <a:buNone/>
+            <a:pPr>
+              <a:buFontTx/>
+              <a:buChar char="-"/>
             </a:pPr>
             <a:r>
               <a:rPr lang="en-US" dirty="0" smtClean="0"/>
-              <a:t>- A whole slew of others, but it is the first two that have the most momentum right now</a:t>
+              <a:t>A </a:t>
+            </a:r>
+            <a:r>
+              <a:rPr lang="en-US" dirty="0" smtClean="0"/>
+              <a:t>whole slew of others, but it is the first two that have the most momentum right </a:t>
+            </a:r>
+            <a:r>
+              <a:rPr lang="en-US" dirty="0" smtClean="0"/>
+              <a:t>now</a:t>
+            </a:r>
+          </a:p>
+          <a:p>
+            <a:pPr>
+              <a:buFontTx/>
+              <a:buChar char="-"/>
+            </a:pPr>
+            <a:r>
+              <a:rPr lang="en-US" dirty="0" smtClean="0"/>
+              <a:t>Bb -&gt; </a:t>
+            </a:r>
+            <a:r>
+              <a:rPr lang="en-US" dirty="0" err="1" smtClean="0"/>
+              <a:t>diy</a:t>
+            </a:r>
+            <a:r>
+              <a:rPr lang="en-US" dirty="0" smtClean="0"/>
+              <a:t>, happy path, </a:t>
+            </a:r>
+            <a:r>
+              <a:rPr lang="en-US" dirty="0" err="1" smtClean="0"/>
+              <a:t>strong,m</a:t>
+            </a:r>
+            <a:r>
+              <a:rPr lang="en-US" dirty="0"/>
+              <a:t> </a:t>
+            </a:r>
+            <a:r>
+              <a:rPr lang="en-US" dirty="0" smtClean="0"/>
+              <a:t>&amp; v, extensible</a:t>
+            </a:r>
+            <a:endParaRPr lang="en-US" dirty="0" smtClean="0"/>
+          </a:p>
+          <a:p>
+            <a:pPr>
+              <a:buFontTx/>
+              <a:buChar char="-"/>
+            </a:pPr>
+            <a:r>
+              <a:rPr lang="en-US" dirty="0" err="1" smtClean="0"/>
+              <a:t>Ko</a:t>
+            </a:r>
+            <a:r>
+              <a:rPr lang="en-US" dirty="0" smtClean="0"/>
+              <a:t> -&gt; no view class, declarative </a:t>
+            </a:r>
+            <a:r>
+              <a:rPr lang="en-US" dirty="0" err="1" smtClean="0"/>
+              <a:t>bindings,observable</a:t>
+            </a:r>
+            <a:r>
+              <a:rPr lang="en-US" dirty="0" smtClean="0"/>
+              <a:t> </a:t>
+            </a:r>
+            <a:r>
+              <a:rPr lang="en-US" dirty="0" err="1" smtClean="0"/>
+              <a:t>types,a</a:t>
+            </a:r>
+            <a:r>
+              <a:rPr lang="en-US" dirty="0" smtClean="0"/>
+              <a:t> </a:t>
+            </a:r>
+            <a:r>
+              <a:rPr lang="en-US" dirty="0" err="1" smtClean="0"/>
+              <a:t>supv</a:t>
+            </a:r>
+            <a:r>
+              <a:rPr lang="en-US" dirty="0" smtClean="0"/>
+              <a:t>. Class to glue everything up</a:t>
+            </a:r>
+          </a:p>
+          <a:p>
+            <a:pPr>
+              <a:buFontTx/>
+              <a:buChar char="-"/>
+            </a:pPr>
+            <a:r>
+              <a:rPr lang="en-US" dirty="0" smtClean="0"/>
+              <a:t>Ember.js -&gt;  strong </a:t>
+            </a:r>
+            <a:r>
+              <a:rPr lang="en-US" dirty="0" err="1" smtClean="0"/>
+              <a:t>v&amp;w</a:t>
+            </a:r>
+            <a:r>
+              <a:rPr lang="en-US" dirty="0" smtClean="0"/>
+              <a:t>, </a:t>
+            </a:r>
+            <a:r>
+              <a:rPr lang="en-US" dirty="0" err="1" smtClean="0"/>
+              <a:t>templating</a:t>
+            </a:r>
+            <a:r>
+              <a:rPr lang="en-US" dirty="0" smtClean="0"/>
+              <a:t>, weak events</a:t>
             </a:r>
             <a:endParaRPr lang="en-US" dirty="0"/>
           </a:p>
@@ -6645,11 +6872,11 @@
   <p:clrMapOvr>
     <a:masterClrMapping/>
   </p:clrMapOvr>
-  <mc:AlternateContent xmlns:mc="http://schemas.openxmlformats.org/markup-compatibility/2006">
-    <mc:Choice xmlns:p14="http://schemas.microsoft.com/office/powerpoint/2010/main" Requires="p14">
+  <mc:AlternateContent xmlns:mc="http://schemas.openxmlformats.org/markup-compatibility/2006" xmlns:p14="http://schemas.microsoft.com/office/powerpoint/2010/main">
+    <mc:Choice Requires="p14">
       <p:transition spd="slow" p14:dur="2000" advTm="525"/>
     </mc:Choice>
-    <mc:Fallback>
+    <mc:Fallback xmlns="">
       <p:transition spd="slow" advTm="525"/>
     </mc:Fallback>
   </mc:AlternateContent>
@@ -6777,15 +7004,7 @@
           <a:p>
             <a:r>
               <a:rPr lang="en-US" b="1" dirty="0" smtClean="0"/>
-              <a:t>Consider this </a:t>
-            </a:r>
-            <a:r>
-              <a:rPr lang="en-US" b="1" dirty="0" smtClean="0"/>
-              <a:t>Book </a:t>
-            </a:r>
-            <a:r>
-              <a:rPr lang="en-US" b="1" dirty="0" smtClean="0"/>
-              <a:t>Data Model</a:t>
+              <a:t>Consider this Book Data Model</a:t>
             </a:r>
             <a:endParaRPr lang="en-US" b="1" dirty="0"/>
           </a:p>
@@ -6962,11 +7181,11 @@
   <p:clrMapOvr>
     <a:masterClrMapping/>
   </p:clrMapOvr>
-  <mc:AlternateContent xmlns:mc="http://schemas.openxmlformats.org/markup-compatibility/2006">
-    <mc:Choice xmlns:p14="http://schemas.microsoft.com/office/powerpoint/2010/main" Requires="p14">
+  <mc:AlternateContent xmlns:mc="http://schemas.openxmlformats.org/markup-compatibility/2006" xmlns:p14="http://schemas.microsoft.com/office/powerpoint/2010/main">
+    <mc:Choice Requires="p14">
       <p:transition spd="slow" p14:dur="2000" advTm="383"/>
     </mc:Choice>
-    <mc:Fallback>
+    <mc:Fallback xmlns="">
       <p:transition spd="slow" advTm="383"/>
     </mc:Fallback>
   </mc:AlternateContent>
@@ -7096,11 +7315,7 @@
           <a:p>
             <a:r>
               <a:rPr lang="en-US" dirty="0" err="1" smtClean="0"/>
-              <a:t>BackBone</a:t>
-            </a:r>
-            <a:r>
-              <a:rPr lang="en-US" dirty="0" err="1" smtClean="0"/>
-              <a:t>.Model</a:t>
+              <a:t>BackBone.Model</a:t>
             </a:r>
             <a:endParaRPr lang="en-US" dirty="0"/>
           </a:p>
@@ -7125,34 +7340,14 @@
           <a:p>
             <a:r>
               <a:rPr lang="en-US" dirty="0" smtClean="0"/>
-              <a:t>Prototype for your JSON </a:t>
-            </a:r>
-            <a:r>
-              <a:rPr lang="en-US" dirty="0" smtClean="0"/>
-              <a:t>data </a:t>
-            </a:r>
-            <a:r>
-              <a:rPr lang="en-US" dirty="0" smtClean="0"/>
-              <a:t>object </a:t>
-            </a:r>
-            <a:r>
-              <a:rPr lang="en-US" dirty="0" smtClean="0"/>
-              <a:t>that </a:t>
-            </a:r>
-            <a:r>
-              <a:rPr lang="en-US" dirty="0" smtClean="0"/>
-              <a:t>adds:</a:t>
+              <a:t>Prototype for your JSON data object that adds:</a:t>
             </a:r>
           </a:p>
           <a:p>
             <a:pPr lvl="1"/>
             <a:r>
               <a:rPr lang="en-US" dirty="0" smtClean="0"/>
-              <a:t>Attribute</a:t>
-            </a:r>
-            <a:r>
-              <a:rPr lang="en-US" dirty="0" smtClean="0"/>
-              <a:t> Getters/Setters (properties)</a:t>
+              <a:t>Attribute Getters/Setters (properties)</a:t>
             </a:r>
           </a:p>
           <a:p>
@@ -7168,19 +7363,13 @@
               <a:rPr lang="en-US" dirty="0" smtClean="0"/>
               <a:t>Event model – publish/subscribe to attribute changes</a:t>
             </a:r>
-            <a:endParaRPr lang="en-US" dirty="0" smtClean="0"/>
           </a:p>
           <a:p>
             <a:pPr lvl="1"/>
             <a:r>
               <a:rPr lang="en-US" dirty="0" smtClean="0"/>
-              <a:t>Built-in plumbing for saving back to server (not covered</a:t>
-            </a:r>
-            <a:r>
-              <a:rPr lang="en-US" dirty="0" smtClean="0"/>
-              <a:t>)</a:t>
-            </a:r>
-            <a:endParaRPr lang="en-US" dirty="0" smtClean="0"/>
+              <a:t>Built-in plumbing for saving back to server (not covered)</a:t>
+            </a:r>
           </a:p>
         </p:txBody>
       </p:sp>
@@ -7227,11 +7416,11 @@
   <p:clrMapOvr>
     <a:masterClrMapping/>
   </p:clrMapOvr>
-  <mc:AlternateContent xmlns:mc="http://schemas.openxmlformats.org/markup-compatibility/2006">
-    <mc:Choice xmlns:p14="http://schemas.microsoft.com/office/powerpoint/2010/main" Requires="p14">
+  <mc:AlternateContent xmlns:mc="http://schemas.openxmlformats.org/markup-compatibility/2006" xmlns:p14="http://schemas.microsoft.com/office/powerpoint/2010/main">
+    <mc:Choice Requires="p14">
       <p:transition spd="slow" p14:dur="2000" advTm="934"/>
     </mc:Choice>
-    <mc:Fallback>
+    <mc:Fallback xmlns="">
       <p:transition spd="slow" advTm="934"/>
     </mc:Fallback>
   </mc:AlternateContent>
